--- a/Economic_Forecasting.pptx
+++ b/Economic_Forecasting.pptx
@@ -7,6 +7,8 @@
   <p:sldIdLst>
     <p:sldId id="256" r:id="rId2"/>
     <p:sldId id="257" r:id="rId3"/>
+    <p:sldId id="258" r:id="rId4"/>
+    <p:sldId id="259" r:id="rId5"/>
   </p:sldIdLst>
   <p:sldSz cx="12192000" cy="6858000"/>
   <p:notesSz cx="6858000" cy="9144000"/>
@@ -17453,7 +17455,10 @@
           <a:bodyPr/>
           <a:lstStyle/>
           <a:p>
-            <a:endParaRPr lang="en-US"/>
+            <a:r>
+              <a:rPr lang="en-US" dirty="0"/>
+              <a:t>Data	</a:t>
+            </a:r>
           </a:p>
         </p:txBody>
       </p:sp>
@@ -17463,6 +17468,181 @@
             <a:extLst>
               <a:ext uri="{FF2B5EF4-FFF2-40B4-BE49-F238E27FC236}">
                 <a16:creationId xmlns:a16="http://schemas.microsoft.com/office/drawing/2014/main" id="{AFE458B9-6600-6940-A92A-D046ABEC0E58}"/>
+              </a:ext>
+            </a:extLst>
+          </p:cNvPr>
+          <p:cNvSpPr>
+            <a:spLocks noGrp="1"/>
+          </p:cNvSpPr>
+          <p:nvPr>
+            <p:ph idx="1"/>
+          </p:nvPr>
+        </p:nvSpPr>
+        <p:spPr>
+          <a:xfrm>
+            <a:off x="5118447" y="471488"/>
+            <a:ext cx="6281873" cy="5580320"/>
+          </a:xfrm>
+        </p:spPr>
+        <p:txBody>
+          <a:bodyPr/>
+          <a:lstStyle/>
+          <a:p>
+            <a:r>
+              <a:rPr lang="en-US" b="1" dirty="0"/>
+              <a:t>Predictor Variable</a:t>
+            </a:r>
+            <a:r>
+              <a:rPr lang="en-US" dirty="0"/>
+              <a:t>: Sentiment extracted from 10-K financial statements. </a:t>
+            </a:r>
+          </a:p>
+          <a:p>
+            <a:pPr lvl="1"/>
+            <a:r>
+              <a:rPr lang="en-US" dirty="0"/>
+              <a:t>Top 10 companies per year measured by market capitalization.</a:t>
+            </a:r>
+          </a:p>
+          <a:p>
+            <a:pPr lvl="1"/>
+            <a:r>
+              <a:rPr lang="en-US" dirty="0"/>
+              <a:t>Management Disclosure and Analysis (MD&amp;A)</a:t>
+            </a:r>
+          </a:p>
+          <a:p>
+            <a:pPr lvl="1"/>
+            <a:r>
+              <a:rPr lang="en-US" dirty="0"/>
+              <a:t>Source: </a:t>
+            </a:r>
+            <a:r>
+              <a:rPr lang="en-US" dirty="0" err="1"/>
+              <a:t>SEC.org</a:t>
+            </a:r>
+            <a:endParaRPr lang="en-US" dirty="0"/>
+          </a:p>
+          <a:p>
+            <a:endParaRPr lang="en-US" dirty="0"/>
+          </a:p>
+          <a:p>
+            <a:endParaRPr lang="en-US" dirty="0"/>
+          </a:p>
+          <a:p>
+            <a:endParaRPr lang="en-US" dirty="0"/>
+          </a:p>
+          <a:p>
+            <a:endParaRPr lang="en-US" dirty="0"/>
+          </a:p>
+          <a:p>
+            <a:endParaRPr lang="en-US" dirty="0"/>
+          </a:p>
+          <a:p>
+            <a:endParaRPr lang="en-US" dirty="0"/>
+          </a:p>
+          <a:p>
+            <a:endParaRPr lang="en-US" dirty="0"/>
+          </a:p>
+          <a:p>
+            <a:endParaRPr lang="en-US" dirty="0"/>
+          </a:p>
+        </p:txBody>
+      </p:sp>
+      <p:pic>
+        <p:nvPicPr>
+          <p:cNvPr id="5" name="Picture 4" descr="A screenshot of a cell phone&#10;&#10;Description automatically generated">
+            <a:extLst>
+              <a:ext uri="{FF2B5EF4-FFF2-40B4-BE49-F238E27FC236}">
+                <a16:creationId xmlns:a16="http://schemas.microsoft.com/office/drawing/2014/main" id="{EB55281C-8819-6F43-B66C-F197269D22B6}"/>
+              </a:ext>
+            </a:extLst>
+          </p:cNvPr>
+          <p:cNvPicPr>
+            <a:picLocks noChangeAspect="1"/>
+          </p:cNvPicPr>
+          <p:nvPr/>
+        </p:nvPicPr>
+        <p:blipFill>
+          <a:blip r:embed="rId2"/>
+          <a:stretch>
+            <a:fillRect/>
+          </a:stretch>
+        </p:blipFill>
+        <p:spPr>
+          <a:xfrm>
+            <a:off x="5259141" y="2502241"/>
+            <a:ext cx="6432932" cy="3238802"/>
+          </a:xfrm>
+          <a:prstGeom prst="rect">
+            <a:avLst/>
+          </a:prstGeom>
+        </p:spPr>
+      </p:pic>
+    </p:spTree>
+    <p:extLst>
+      <p:ext uri="{BB962C8B-B14F-4D97-AF65-F5344CB8AC3E}">
+        <p14:creationId xmlns:p14="http://schemas.microsoft.com/office/powerpoint/2010/main" val="1905775716"/>
+      </p:ext>
+    </p:extLst>
+  </p:cSld>
+  <p:clrMapOvr>
+    <a:masterClrMapping/>
+  </p:clrMapOvr>
+</p:sld>
+</file>
+
+<file path=ppt/slides/slide3.xml><?xml version="1.0" encoding="utf-8"?>
+<p:sld xmlns:a="http://schemas.openxmlformats.org/drawingml/2006/main" xmlns:r="http://schemas.openxmlformats.org/officeDocument/2006/relationships" xmlns:p="http://schemas.openxmlformats.org/presentationml/2006/main">
+  <p:cSld>
+    <p:spTree>
+      <p:nvGrpSpPr>
+        <p:cNvPr id="1" name=""/>
+        <p:cNvGrpSpPr/>
+        <p:nvPr/>
+      </p:nvGrpSpPr>
+      <p:grpSpPr>
+        <a:xfrm>
+          <a:off x="0" y="0"/>
+          <a:ext cx="0" cy="0"/>
+          <a:chOff x="0" y="0"/>
+          <a:chExt cx="0" cy="0"/>
+        </a:xfrm>
+      </p:grpSpPr>
+      <p:sp>
+        <p:nvSpPr>
+          <p:cNvPr id="2" name="Title 1">
+            <a:extLst>
+              <a:ext uri="{FF2B5EF4-FFF2-40B4-BE49-F238E27FC236}">
+                <a16:creationId xmlns:a16="http://schemas.microsoft.com/office/drawing/2014/main" id="{6F252555-F1A9-F24D-ABFA-77F82C34CB93}"/>
+              </a:ext>
+            </a:extLst>
+          </p:cNvPr>
+          <p:cNvSpPr>
+            <a:spLocks noGrp="1"/>
+          </p:cNvSpPr>
+          <p:nvPr>
+            <p:ph type="title"/>
+          </p:nvPr>
+        </p:nvSpPr>
+        <p:spPr/>
+        <p:txBody>
+          <a:bodyPr/>
+          <a:lstStyle/>
+          <a:p>
+            <a:r>
+              <a:rPr lang="en-US" dirty="0"/>
+              <a:t>Data and Research Question</a:t>
+            </a:r>
+          </a:p>
+        </p:txBody>
+      </p:sp>
+      <p:sp>
+        <p:nvSpPr>
+          <p:cNvPr id="3" name="Content Placeholder 2">
+            <a:extLst>
+              <a:ext uri="{FF2B5EF4-FFF2-40B4-BE49-F238E27FC236}">
+                <a16:creationId xmlns:a16="http://schemas.microsoft.com/office/drawing/2014/main" id="{AE5EB1A7-A1D5-E442-97D2-2FCD8F20F930}"/>
               </a:ext>
             </a:extLst>
           </p:cNvPr>
@@ -17478,6 +17658,303 @@
           <a:bodyPr/>
           <a:lstStyle/>
           <a:p>
+            <a:r>
+              <a:rPr lang="en-US" b="1" dirty="0"/>
+              <a:t>Response Variable</a:t>
+            </a:r>
+            <a:r>
+              <a:rPr lang="en-US" dirty="0"/>
+              <a:t>: U.S. Annual percentage growth rate of GDP </a:t>
+            </a:r>
+          </a:p>
+          <a:p>
+            <a:pPr lvl="1"/>
+            <a:r>
+              <a:rPr lang="en-US" dirty="0" err="1"/>
+              <a:t>WorldBank.org</a:t>
+            </a:r>
+            <a:endParaRPr lang="en-US" b="1" dirty="0"/>
+          </a:p>
+          <a:p>
+            <a:endParaRPr lang="en-US" b="1" dirty="0"/>
+          </a:p>
+          <a:p>
+            <a:endParaRPr lang="en-US" b="1" dirty="0"/>
+          </a:p>
+          <a:p>
+            <a:endParaRPr lang="en-US" b="1" dirty="0"/>
+          </a:p>
+          <a:p>
+            <a:pPr marL="457200" lvl="1" indent="0">
+              <a:buNone/>
+            </a:pPr>
+            <a:endParaRPr lang="en-US" dirty="0"/>
+          </a:p>
+          <a:p>
+            <a:pPr marL="457200" lvl="1" indent="0">
+              <a:buNone/>
+            </a:pPr>
+            <a:endParaRPr lang="en-US" dirty="0"/>
+          </a:p>
+          <a:p>
+            <a:pPr marL="457200" lvl="1" indent="0">
+              <a:buNone/>
+            </a:pPr>
+            <a:endParaRPr lang="en-US" dirty="0"/>
+          </a:p>
+          <a:p>
+            <a:r>
+              <a:rPr lang="en-US" dirty="0"/>
+              <a:t>Does the sentiment extracted from the top 10 companies financial statements in the United States have predictive capabilities  </a:t>
+            </a:r>
+          </a:p>
+          <a:p>
+            <a:pPr marL="457200" lvl="1" indent="0">
+              <a:buNone/>
+            </a:pPr>
+            <a:endParaRPr lang="en-US" dirty="0"/>
+          </a:p>
+        </p:txBody>
+      </p:sp>
+      <p:pic>
+        <p:nvPicPr>
+          <p:cNvPr id="5" name="Picture 4" descr="A screenshot of a cell phone&#10;&#10;Description automatically generated">
+            <a:extLst>
+              <a:ext uri="{FF2B5EF4-FFF2-40B4-BE49-F238E27FC236}">
+                <a16:creationId xmlns:a16="http://schemas.microsoft.com/office/drawing/2014/main" id="{61F1C1AD-D68A-0640-A146-EB16F73B8089}"/>
+              </a:ext>
+            </a:extLst>
+          </p:cNvPr>
+          <p:cNvPicPr>
+            <a:picLocks noChangeAspect="1"/>
+          </p:cNvPicPr>
+          <p:nvPr/>
+        </p:nvPicPr>
+        <p:blipFill>
+          <a:blip r:embed="rId2"/>
+          <a:stretch>
+            <a:fillRect/>
+          </a:stretch>
+        </p:blipFill>
+        <p:spPr>
+          <a:xfrm>
+            <a:off x="6096000" y="2089152"/>
+            <a:ext cx="3708038" cy="2311398"/>
+          </a:xfrm>
+          <a:prstGeom prst="rect">
+            <a:avLst/>
+          </a:prstGeom>
+        </p:spPr>
+      </p:pic>
+    </p:spTree>
+    <p:extLst>
+      <p:ext uri="{BB962C8B-B14F-4D97-AF65-F5344CB8AC3E}">
+        <p14:creationId xmlns:p14="http://schemas.microsoft.com/office/powerpoint/2010/main" val="4274275736"/>
+      </p:ext>
+    </p:extLst>
+  </p:cSld>
+  <p:clrMapOvr>
+    <a:masterClrMapping/>
+  </p:clrMapOvr>
+</p:sld>
+</file>
+
+<file path=ppt/slides/slide4.xml><?xml version="1.0" encoding="utf-8"?>
+<p:sld xmlns:a="http://schemas.openxmlformats.org/drawingml/2006/main" xmlns:r="http://schemas.openxmlformats.org/officeDocument/2006/relationships" xmlns:p="http://schemas.openxmlformats.org/presentationml/2006/main">
+  <p:cSld>
+    <p:spTree>
+      <p:nvGrpSpPr>
+        <p:cNvPr id="1" name=""/>
+        <p:cNvGrpSpPr/>
+        <p:nvPr/>
+      </p:nvGrpSpPr>
+      <p:grpSpPr>
+        <a:xfrm>
+          <a:off x="0" y="0"/>
+          <a:ext cx="0" cy="0"/>
+          <a:chOff x="0" y="0"/>
+          <a:chExt cx="0" cy="0"/>
+        </a:xfrm>
+      </p:grpSpPr>
+      <p:sp>
+        <p:nvSpPr>
+          <p:cNvPr id="2" name="Title 1">
+            <a:extLst>
+              <a:ext uri="{FF2B5EF4-FFF2-40B4-BE49-F238E27FC236}">
+                <a16:creationId xmlns:a16="http://schemas.microsoft.com/office/drawing/2014/main" id="{A760DFDE-493F-1546-9614-DC807E284AAE}"/>
+              </a:ext>
+            </a:extLst>
+          </p:cNvPr>
+          <p:cNvSpPr>
+            <a:spLocks noGrp="1"/>
+          </p:cNvSpPr>
+          <p:nvPr>
+            <p:ph type="title"/>
+          </p:nvPr>
+        </p:nvSpPr>
+        <p:spPr/>
+        <p:txBody>
+          <a:bodyPr/>
+          <a:lstStyle/>
+          <a:p>
+            <a:r>
+              <a:rPr lang="en-US" dirty="0"/>
+              <a:t>Data Transformation</a:t>
+            </a:r>
+          </a:p>
+        </p:txBody>
+      </p:sp>
+      <p:sp>
+        <p:nvSpPr>
+          <p:cNvPr id="3" name="Content Placeholder 2">
+            <a:extLst>
+              <a:ext uri="{FF2B5EF4-FFF2-40B4-BE49-F238E27FC236}">
+                <a16:creationId xmlns:a16="http://schemas.microsoft.com/office/drawing/2014/main" id="{D2A59C8C-A8D3-6C43-A542-E0D03E3277BF}"/>
+              </a:ext>
+            </a:extLst>
+          </p:cNvPr>
+          <p:cNvSpPr>
+            <a:spLocks noGrp="1"/>
+          </p:cNvSpPr>
+          <p:nvPr>
+            <p:ph idx="1"/>
+          </p:nvPr>
+        </p:nvSpPr>
+        <p:spPr/>
+        <p:txBody>
+          <a:bodyPr/>
+          <a:lstStyle/>
+          <a:p>
+            <a:r>
+              <a:rPr lang="en-US" b="1" dirty="0"/>
+              <a:t>Sentiment Analysis </a:t>
+            </a:r>
+          </a:p>
+          <a:p>
+            <a:pPr lvl="1"/>
+            <a:r>
+              <a:rPr lang="en-US" b="1" dirty="0" err="1"/>
+              <a:t>TextBlob</a:t>
+            </a:r>
+            <a:r>
+              <a:rPr lang="en-US" b="1"/>
+              <a:t> library</a:t>
+            </a:r>
+            <a:endParaRPr lang="en-US" b="1" dirty="0"/>
+          </a:p>
+          <a:p>
+            <a:pPr lvl="1"/>
+            <a:endParaRPr lang="en-US" b="1" dirty="0"/>
+          </a:p>
+          <a:p>
+            <a:pPr lvl="1"/>
+            <a:endParaRPr lang="en-US" b="1" dirty="0"/>
+          </a:p>
+          <a:p>
+            <a:pPr lvl="1"/>
+            <a:endParaRPr lang="en-US" b="1" dirty="0"/>
+          </a:p>
+          <a:p>
+            <a:pPr lvl="1"/>
+            <a:endParaRPr lang="en-US" b="1" dirty="0"/>
+          </a:p>
+          <a:p>
+            <a:pPr lvl="1"/>
+            <a:endParaRPr lang="en-US" b="1" dirty="0"/>
+          </a:p>
+          <a:p>
+            <a:pPr lvl="1"/>
+            <a:endParaRPr lang="en-US" b="1" dirty="0"/>
+          </a:p>
+          <a:p>
+            <a:pPr lvl="1"/>
+            <a:endParaRPr lang="en-US" b="1" dirty="0"/>
+          </a:p>
+          <a:p>
+            <a:pPr lvl="1"/>
+            <a:endParaRPr lang="en-US" b="1" dirty="0"/>
+          </a:p>
+          <a:p>
+            <a:pPr lvl="1"/>
+            <a:endParaRPr lang="en-US" b="1" dirty="0"/>
+          </a:p>
+          <a:p>
+            <a:pPr lvl="1"/>
+            <a:endParaRPr lang="en-US" b="1" dirty="0"/>
+          </a:p>
+          <a:p>
+            <a:pPr lvl="1"/>
+            <a:endParaRPr lang="en-US" b="1" dirty="0"/>
+          </a:p>
+          <a:p>
+            <a:pPr marL="457200" lvl="1" indent="0">
+              <a:buNone/>
+            </a:pPr>
+            <a:r>
+              <a:rPr lang="en-US" b="1" dirty="0"/>
+              <a:t> </a:t>
+            </a:r>
+          </a:p>
+        </p:txBody>
+      </p:sp>
+      <p:pic>
+        <p:nvPicPr>
+          <p:cNvPr id="5" name="Picture 4" descr="A screenshot of a cell phone&#10;&#10;Description automatically generated">
+            <a:extLst>
+              <a:ext uri="{FF2B5EF4-FFF2-40B4-BE49-F238E27FC236}">
+                <a16:creationId xmlns:a16="http://schemas.microsoft.com/office/drawing/2014/main" id="{38305F94-79ED-614E-87BE-E3A6CEAB77E3}"/>
+              </a:ext>
+            </a:extLst>
+          </p:cNvPr>
+          <p:cNvPicPr>
+            <a:picLocks noChangeAspect="1"/>
+          </p:cNvPicPr>
+          <p:nvPr/>
+        </p:nvPicPr>
+        <p:blipFill>
+          <a:blip r:embed="rId2"/>
+          <a:stretch>
+            <a:fillRect/>
+          </a:stretch>
+        </p:blipFill>
+        <p:spPr>
+          <a:xfrm>
+            <a:off x="5795963" y="3857625"/>
+            <a:ext cx="3771900" cy="1270000"/>
+          </a:xfrm>
+          <a:prstGeom prst="rect">
+            <a:avLst/>
+          </a:prstGeom>
+        </p:spPr>
+      </p:pic>
+      <p:sp>
+        <p:nvSpPr>
+          <p:cNvPr id="6" name="TextBox 5">
+            <a:extLst>
+              <a:ext uri="{FF2B5EF4-FFF2-40B4-BE49-F238E27FC236}">
+                <a16:creationId xmlns:a16="http://schemas.microsoft.com/office/drawing/2014/main" id="{D744A5BE-272C-EC4F-9BD7-2C0E00166A7D}"/>
+              </a:ext>
+            </a:extLst>
+          </p:cNvPr>
+          <p:cNvSpPr txBox="1"/>
+          <p:nvPr/>
+        </p:nvSpPr>
+        <p:spPr>
+          <a:xfrm>
+            <a:off x="6843713" y="3857625"/>
+            <a:ext cx="184731" cy="369332"/>
+          </a:xfrm>
+          <a:prstGeom prst="rect">
+            <a:avLst/>
+          </a:prstGeom>
+          <a:noFill/>
+        </p:spPr>
+        <p:txBody>
+          <a:bodyPr wrap="none" rtlCol="0">
+            <a:spAutoFit/>
+          </a:bodyPr>
+          <a:lstStyle/>
+          <a:p>
             <a:endParaRPr lang="en-US" dirty="0"/>
           </a:p>
         </p:txBody>
@@ -17485,7 +17962,7 @@
     </p:spTree>
     <p:extLst>
       <p:ext uri="{BB962C8B-B14F-4D97-AF65-F5344CB8AC3E}">
-        <p14:creationId xmlns:p14="http://schemas.microsoft.com/office/powerpoint/2010/main" val="1905775716"/>
+        <p14:creationId xmlns:p14="http://schemas.microsoft.com/office/powerpoint/2010/main" val="368755364"/>
       </p:ext>
     </p:extLst>
   </p:cSld>

--- a/Economic_Forecasting.pptx
+++ b/Economic_Forecasting.pptx
@@ -9,6 +9,11 @@
     <p:sldId id="257" r:id="rId3"/>
     <p:sldId id="258" r:id="rId4"/>
     <p:sldId id="259" r:id="rId5"/>
+    <p:sldId id="260" r:id="rId6"/>
+    <p:sldId id="261" r:id="rId7"/>
+    <p:sldId id="264" r:id="rId8"/>
+    <p:sldId id="263" r:id="rId9"/>
+    <p:sldId id="262" r:id="rId10"/>
   </p:sldIdLst>
   <p:sldSz cx="12192000" cy="6858000"/>
   <p:notesSz cx="6858000" cy="9144000"/>
@@ -17820,9 +17825,16 @@
             <p:ph idx="1"/>
           </p:nvPr>
         </p:nvSpPr>
-        <p:spPr/>
+        <p:spPr>
+          <a:xfrm>
+            <a:off x="5118447" y="803186"/>
+            <a:ext cx="6281873" cy="5383302"/>
+          </a:xfrm>
+        </p:spPr>
         <p:txBody>
-          <a:bodyPr/>
+          <a:bodyPr>
+            <a:normAutofit fontScale="85000" lnSpcReduction="10000"/>
+          </a:bodyPr>
           <a:lstStyle/>
           <a:p>
             <a:r>
@@ -17837,10 +17849,23 @@
               <a:t>TextBlob</a:t>
             </a:r>
             <a:r>
-              <a:rPr lang="en-US" b="1"/>
+              <a:rPr lang="en-US" b="1" dirty="0"/>
               <a:t> library</a:t>
             </a:r>
-            <a:endParaRPr lang="en-US" b="1" dirty="0"/>
+          </a:p>
+          <a:p>
+            <a:pPr lvl="2"/>
+            <a:r>
+              <a:rPr lang="en-US" b="1" dirty="0"/>
+              <a:t>Polarity Score: -1 – 1, where -1 is very negative, 1 is very positive </a:t>
+            </a:r>
+          </a:p>
+          <a:p>
+            <a:pPr lvl="2"/>
+            <a:r>
+              <a:rPr lang="en-US" b="1" dirty="0"/>
+              <a:t>Subjectivity Score: 0-1, where 0 is objective and 1 is subjective</a:t>
+            </a:r>
           </a:p>
           <a:p>
             <a:pPr lvl="1"/>
@@ -17884,6 +17909,13 @@
           </a:p>
           <a:p>
             <a:pPr lvl="1"/>
+            <a:r>
+              <a:rPr lang="en-US" b="1" dirty="0"/>
+              <a:t>Model excludes high subjectivity scores and 0 polarity scores</a:t>
+            </a:r>
+          </a:p>
+          <a:p>
+            <a:pPr lvl="1"/>
             <a:endParaRPr lang="en-US" b="1" dirty="0"/>
           </a:p>
           <a:p>
@@ -17919,50 +17951,8699 @@
         </p:blipFill>
         <p:spPr>
           <a:xfrm>
-            <a:off x="5795963" y="3857625"/>
-            <a:ext cx="3771900" cy="1270000"/>
+            <a:off x="5795962" y="3784972"/>
+            <a:ext cx="3224649" cy="1085740"/>
           </a:xfrm>
           <a:prstGeom prst="rect">
             <a:avLst/>
           </a:prstGeom>
         </p:spPr>
       </p:pic>
-      <p:sp>
-        <p:nvSpPr>
-          <p:cNvPr id="6" name="TextBox 5">
+      <p:pic>
+        <p:nvPicPr>
+          <p:cNvPr id="10" name="Picture 9" descr="A screenshot of a cell phone&#10;&#10;Description automatically generated">
             <a:extLst>
               <a:ext uri="{FF2B5EF4-FFF2-40B4-BE49-F238E27FC236}">
-                <a16:creationId xmlns:a16="http://schemas.microsoft.com/office/drawing/2014/main" id="{D744A5BE-272C-EC4F-9BD7-2C0E00166A7D}"/>
+                <a16:creationId xmlns:a16="http://schemas.microsoft.com/office/drawing/2014/main" id="{0EA69C19-233F-CF49-8B87-E9E5B25DCFDC}"/>
               </a:ext>
             </a:extLst>
           </p:cNvPr>
-          <p:cNvSpPr txBox="1"/>
+          <p:cNvPicPr>
+            <a:picLocks noChangeAspect="1"/>
+          </p:cNvPicPr>
           <p:nvPr/>
-        </p:nvSpPr>
+        </p:nvPicPr>
+        <p:blipFill>
+          <a:blip r:embed="rId3"/>
+          <a:stretch>
+            <a:fillRect/>
+          </a:stretch>
+        </p:blipFill>
         <p:spPr>
           <a:xfrm>
-            <a:off x="6843713" y="3857625"/>
-            <a:ext cx="184731" cy="369332"/>
+            <a:off x="5795962" y="2549228"/>
+            <a:ext cx="3224649" cy="1028918"/>
           </a:xfrm>
           <a:prstGeom prst="rect">
             <a:avLst/>
           </a:prstGeom>
-          <a:noFill/>
+        </p:spPr>
+      </p:pic>
+      <p:pic>
+        <p:nvPicPr>
+          <p:cNvPr id="12" name="Picture 11" descr="A screenshot of a cell phone&#10;&#10;Description automatically generated">
+            <a:extLst>
+              <a:ext uri="{FF2B5EF4-FFF2-40B4-BE49-F238E27FC236}">
+                <a16:creationId xmlns:a16="http://schemas.microsoft.com/office/drawing/2014/main" id="{C6D320C0-FEE6-BE48-9438-706C68A51673}"/>
+              </a:ext>
+            </a:extLst>
+          </p:cNvPr>
+          <p:cNvPicPr>
+            <a:picLocks noChangeAspect="1"/>
+          </p:cNvPicPr>
+          <p:nvPr/>
+        </p:nvPicPr>
+        <p:blipFill>
+          <a:blip r:embed="rId4"/>
+          <a:stretch>
+            <a:fillRect/>
+          </a:stretch>
+        </p:blipFill>
+        <p:spPr>
+          <a:xfrm>
+            <a:off x="5795962" y="5464339"/>
+            <a:ext cx="2606675" cy="928975"/>
+          </a:xfrm>
+          <a:prstGeom prst="rect">
+            <a:avLst/>
+          </a:prstGeom>
+        </p:spPr>
+      </p:pic>
+    </p:spTree>
+    <p:extLst>
+      <p:ext uri="{BB962C8B-B14F-4D97-AF65-F5344CB8AC3E}">
+        <p14:creationId xmlns:p14="http://schemas.microsoft.com/office/powerpoint/2010/main" val="368755364"/>
+      </p:ext>
+    </p:extLst>
+  </p:cSld>
+  <p:clrMapOvr>
+    <a:masterClrMapping/>
+  </p:clrMapOvr>
+</p:sld>
+</file>
+
+<file path=ppt/slides/slide5.xml><?xml version="1.0" encoding="utf-8"?>
+<p:sld xmlns:a="http://schemas.openxmlformats.org/drawingml/2006/main" xmlns:r="http://schemas.openxmlformats.org/officeDocument/2006/relationships" xmlns:p="http://schemas.openxmlformats.org/presentationml/2006/main">
+  <p:cSld>
+    <p:spTree>
+      <p:nvGrpSpPr>
+        <p:cNvPr id="1" name=""/>
+        <p:cNvGrpSpPr/>
+        <p:nvPr/>
+      </p:nvGrpSpPr>
+      <p:grpSpPr>
+        <a:xfrm>
+          <a:off x="0" y="0"/>
+          <a:ext cx="0" cy="0"/>
+          <a:chOff x="0" y="0"/>
+          <a:chExt cx="0" cy="0"/>
+        </a:xfrm>
+      </p:grpSpPr>
+      <p:sp>
+        <p:nvSpPr>
+          <p:cNvPr id="2" name="Title 1">
+            <a:extLst>
+              <a:ext uri="{FF2B5EF4-FFF2-40B4-BE49-F238E27FC236}">
+                <a16:creationId xmlns:a16="http://schemas.microsoft.com/office/drawing/2014/main" id="{36AAA4D3-F170-8F4A-8F21-5E15DA22A91F}"/>
+              </a:ext>
+            </a:extLst>
+          </p:cNvPr>
+          <p:cNvSpPr>
+            <a:spLocks noGrp="1"/>
+          </p:cNvSpPr>
+          <p:nvPr>
+            <p:ph type="title"/>
+          </p:nvPr>
+        </p:nvSpPr>
+        <p:spPr/>
+        <p:txBody>
+          <a:bodyPr/>
+          <a:lstStyle/>
+          <a:p>
+            <a:r>
+              <a:rPr lang="en-US" dirty="0"/>
+              <a:t>Summary Statistics</a:t>
+            </a:r>
+          </a:p>
+        </p:txBody>
+      </p:sp>
+      <p:pic>
+        <p:nvPicPr>
+          <p:cNvPr id="5" name="Content Placeholder 4" descr="A picture containing text&#10;&#10;Description automatically generated">
+            <a:extLst>
+              <a:ext uri="{FF2B5EF4-FFF2-40B4-BE49-F238E27FC236}">
+                <a16:creationId xmlns:a16="http://schemas.microsoft.com/office/drawing/2014/main" id="{6A0B159D-4521-2E46-ACD8-D8F454623AA0}"/>
+              </a:ext>
+            </a:extLst>
+          </p:cNvPr>
+          <p:cNvPicPr>
+            <a:picLocks noGrp="1" noChangeAspect="1"/>
+          </p:cNvPicPr>
+          <p:nvPr>
+            <p:ph idx="1"/>
+          </p:nvPr>
+        </p:nvPicPr>
+        <p:blipFill>
+          <a:blip r:embed="rId2"/>
+          <a:stretch>
+            <a:fillRect/>
+          </a:stretch>
+        </p:blipFill>
+        <p:spPr>
+          <a:xfrm>
+            <a:off x="4822832" y="321728"/>
+            <a:ext cx="3957135" cy="2456442"/>
+          </a:xfrm>
+        </p:spPr>
+      </p:pic>
+      <p:pic>
+        <p:nvPicPr>
+          <p:cNvPr id="9" name="Picture 8" descr="A screenshot of a cell phone&#10;&#10;Description automatically generated">
+            <a:extLst>
+              <a:ext uri="{FF2B5EF4-FFF2-40B4-BE49-F238E27FC236}">
+                <a16:creationId xmlns:a16="http://schemas.microsoft.com/office/drawing/2014/main" id="{8CC31623-1EB4-AA4C-ADD7-36E32ED401D7}"/>
+              </a:ext>
+            </a:extLst>
+          </p:cNvPr>
+          <p:cNvPicPr>
+            <a:picLocks noChangeAspect="1"/>
+          </p:cNvPicPr>
+          <p:nvPr/>
+        </p:nvPicPr>
+        <p:blipFill>
+          <a:blip r:embed="rId3"/>
+          <a:stretch>
+            <a:fillRect/>
+          </a:stretch>
+        </p:blipFill>
+        <p:spPr>
+          <a:xfrm>
+            <a:off x="4822832" y="3191870"/>
+            <a:ext cx="3569011" cy="2330450"/>
+          </a:xfrm>
+          <a:prstGeom prst="rect">
+            <a:avLst/>
+          </a:prstGeom>
+        </p:spPr>
+      </p:pic>
+    </p:spTree>
+    <p:extLst>
+      <p:ext uri="{BB962C8B-B14F-4D97-AF65-F5344CB8AC3E}">
+        <p14:creationId xmlns:p14="http://schemas.microsoft.com/office/powerpoint/2010/main" val="43693731"/>
+      </p:ext>
+    </p:extLst>
+  </p:cSld>
+  <p:clrMapOvr>
+    <a:masterClrMapping/>
+  </p:clrMapOvr>
+</p:sld>
+</file>
+
+<file path=ppt/slides/slide6.xml><?xml version="1.0" encoding="utf-8"?>
+<p:sld xmlns:a="http://schemas.openxmlformats.org/drawingml/2006/main" xmlns:r="http://schemas.openxmlformats.org/officeDocument/2006/relationships" xmlns:p="http://schemas.openxmlformats.org/presentationml/2006/main">
+  <p:cSld>
+    <p:bg>
+      <p:bgPr>
+        <a:solidFill>
+          <a:schemeClr val="bg1"/>
+        </a:solidFill>
+        <a:effectLst/>
+      </p:bgPr>
+    </p:bg>
+    <p:spTree>
+      <p:nvGrpSpPr>
+        <p:cNvPr id="1" name=""/>
+        <p:cNvGrpSpPr/>
+        <p:nvPr/>
+      </p:nvGrpSpPr>
+      <p:grpSpPr>
+        <a:xfrm>
+          <a:off x="0" y="0"/>
+          <a:ext cx="0" cy="0"/>
+          <a:chOff x="0" y="0"/>
+          <a:chExt cx="0" cy="0"/>
+        </a:xfrm>
+      </p:grpSpPr>
+      <p:grpSp>
+        <p:nvGrpSpPr>
+          <p:cNvPr id="14" name="Group 13">
+            <a:extLst>
+              <a:ext uri="{FF2B5EF4-FFF2-40B4-BE49-F238E27FC236}">
+                <a16:creationId xmlns:a16="http://schemas.microsoft.com/office/drawing/2014/main" id="{0B46D094-9D10-45BD-BE9D-E4AFE2FE30B6}"/>
+              </a:ext>
+              <a:ext uri="{C183D7F6-B498-43B3-948B-1728B52AA6E4}">
+                <adec:decorative xmlns:adec="http://schemas.microsoft.com/office/drawing/2017/decorative" val="1"/>
+              </a:ext>
+            </a:extLst>
+          </p:cNvPr>
+          <p:cNvGrpSpPr>
+            <a:grpSpLocks noGrp="1" noUngrp="1" noRot="1" noChangeAspect="1" noMove="1" noResize="1"/>
+          </p:cNvGrpSpPr>
+          <p:nvPr>
+            <p:extLst>
+              <p:ext uri="{386F3935-93C4-4BCD-93E2-E3B085C9AB24}">
+                <p16:designElem xmlns:p16="http://schemas.microsoft.com/office/powerpoint/2015/main" val="1"/>
+              </p:ext>
+            </p:extLst>
+          </p:nvPr>
+        </p:nvGrpSpPr>
+        <p:grpSpPr>
+          <a:xfrm>
+            <a:off x="-329674" y="-59376"/>
+            <a:ext cx="12515851" cy="6923798"/>
+            <a:chOff x="-329674" y="-51881"/>
+            <a:chExt cx="12515851" cy="6923798"/>
+          </a:xfrm>
+        </p:grpSpPr>
+        <p:sp>
+          <p:nvSpPr>
+            <p:cNvPr id="15" name="Freeform 5">
+              <a:extLst>
+                <a:ext uri="{FF2B5EF4-FFF2-40B4-BE49-F238E27FC236}">
+                  <a16:creationId xmlns:a16="http://schemas.microsoft.com/office/drawing/2014/main" id="{55076C24-1C31-4A38-A3E7-9F78F38C2E85}"/>
+                </a:ext>
+                <a:ext uri="{C183D7F6-B498-43B3-948B-1728B52AA6E4}">
+                  <adec:decorative xmlns:adec="http://schemas.microsoft.com/office/drawing/2017/decorative" val="1"/>
+                </a:ext>
+              </a:extLst>
+            </p:cNvPr>
+            <p:cNvSpPr/>
+            <p:nvPr>
+              <p:extLst>
+                <p:ext uri="{386F3935-93C4-4BCD-93E2-E3B085C9AB24}">
+                  <p16:designElem xmlns:p16="http://schemas.microsoft.com/office/powerpoint/2015/main" val="1"/>
+                </p:ext>
+              </p:extLst>
+            </p:nvPr>
+          </p:nvSpPr>
+          <p:spPr bwMode="auto">
+            <a:xfrm>
+              <a:off x="-329674" y="1298404"/>
+              <a:ext cx="9702800" cy="5573512"/>
+            </a:xfrm>
+            <a:custGeom>
+              <a:avLst/>
+              <a:gdLst/>
+              <a:ahLst/>
+              <a:cxnLst/>
+              <a:rect l="0" t="0" r="r" b="b"/>
+              <a:pathLst>
+                <a:path w="2038" h="1169">
+                  <a:moveTo>
+                    <a:pt x="1752" y="1169"/>
+                  </a:moveTo>
+                  <a:cubicBezTo>
+                    <a:pt x="2038" y="928"/>
+                    <a:pt x="1673" y="513"/>
+                    <a:pt x="1487" y="334"/>
+                  </a:cubicBezTo>
+                  <a:cubicBezTo>
+                    <a:pt x="1316" y="170"/>
+                    <a:pt x="1099" y="43"/>
+                    <a:pt x="860" y="22"/>
+                  </a:cubicBezTo>
+                  <a:cubicBezTo>
+                    <a:pt x="621" y="0"/>
+                    <a:pt x="341" y="128"/>
+                    <a:pt x="199" y="318"/>
+                  </a:cubicBezTo>
+                  <a:cubicBezTo>
+                    <a:pt x="0" y="586"/>
+                    <a:pt x="184" y="965"/>
+                    <a:pt x="399" y="1165"/>
+                  </a:cubicBezTo>
+                </a:path>
+              </a:pathLst>
+            </a:custGeom>
+            <a:noFill/>
+            <a:ln w="9525" cap="flat">
+              <a:solidFill>
+                <a:schemeClr val="tx1">
+                  <a:alpha val="20000"/>
+                </a:schemeClr>
+              </a:solidFill>
+              <a:prstDash val="solid"/>
+              <a:miter lim="800000"/>
+              <a:headEnd/>
+              <a:tailEnd/>
+            </a:ln>
+            <a:extLst>
+              <a:ext uri="{909E8E84-426E-40DD-AFC4-6F175D3DCCD1}">
+                <a14:hiddenFill xmlns:a14="http://schemas.microsoft.com/office/drawing/2010/main">
+                  <a:solidFill>
+                    <a:srgbClr val="FFFFFF"/>
+                  </a:solidFill>
+                </a14:hiddenFill>
+              </a:ext>
+            </a:extLst>
+          </p:spPr>
+        </p:sp>
+        <p:sp>
+          <p:nvSpPr>
+            <p:cNvPr id="16" name="Freeform 6">
+              <a:extLst>
+                <a:ext uri="{FF2B5EF4-FFF2-40B4-BE49-F238E27FC236}">
+                  <a16:creationId xmlns:a16="http://schemas.microsoft.com/office/drawing/2014/main" id="{90A2F46D-431F-494E-B76D-74CEC142625D}"/>
+                </a:ext>
+                <a:ext uri="{C183D7F6-B498-43B3-948B-1728B52AA6E4}">
+                  <adec:decorative xmlns:adec="http://schemas.microsoft.com/office/drawing/2017/decorative" val="1"/>
+                </a:ext>
+              </a:extLst>
+            </p:cNvPr>
+            <p:cNvSpPr/>
+            <p:nvPr>
+              <p:extLst>
+                <p:ext uri="{386F3935-93C4-4BCD-93E2-E3B085C9AB24}">
+                  <p16:designElem xmlns:p16="http://schemas.microsoft.com/office/powerpoint/2015/main" val="1"/>
+                </p:ext>
+              </p:extLst>
+            </p:nvPr>
+          </p:nvSpPr>
+          <p:spPr bwMode="auto">
+            <a:xfrm>
+              <a:off x="670451" y="2018236"/>
+              <a:ext cx="7373938" cy="4848892"/>
+            </a:xfrm>
+            <a:custGeom>
+              <a:avLst/>
+              <a:gdLst/>
+              <a:ahLst/>
+              <a:cxnLst/>
+              <a:rect l="0" t="0" r="r" b="b"/>
+              <a:pathLst>
+                <a:path w="1549" h="1017">
+                  <a:moveTo>
+                    <a:pt x="1025" y="1016"/>
+                  </a:moveTo>
+                  <a:cubicBezTo>
+                    <a:pt x="1223" y="971"/>
+                    <a:pt x="1549" y="857"/>
+                    <a:pt x="1443" y="592"/>
+                  </a:cubicBezTo>
+                  <a:cubicBezTo>
+                    <a:pt x="1344" y="344"/>
+                    <a:pt x="1041" y="111"/>
+                    <a:pt x="782" y="53"/>
+                  </a:cubicBezTo>
+                  <a:cubicBezTo>
+                    <a:pt x="545" y="0"/>
+                    <a:pt x="275" y="117"/>
+                    <a:pt x="150" y="329"/>
+                  </a:cubicBezTo>
+                  <a:cubicBezTo>
+                    <a:pt x="0" y="584"/>
+                    <a:pt x="243" y="911"/>
+                    <a:pt x="477" y="1017"/>
+                  </a:cubicBezTo>
+                </a:path>
+              </a:pathLst>
+            </a:custGeom>
+            <a:noFill/>
+            <a:ln w="9525" cap="flat">
+              <a:solidFill>
+                <a:schemeClr val="tx1">
+                  <a:alpha val="20000"/>
+                </a:schemeClr>
+              </a:solidFill>
+              <a:prstDash val="solid"/>
+              <a:miter lim="800000"/>
+              <a:headEnd/>
+              <a:tailEnd/>
+            </a:ln>
+            <a:extLst>
+              <a:ext uri="{909E8E84-426E-40DD-AFC4-6F175D3DCCD1}">
+                <a14:hiddenFill xmlns:a14="http://schemas.microsoft.com/office/drawing/2010/main">
+                  <a:solidFill>
+                    <a:srgbClr val="FFFFFF"/>
+                  </a:solidFill>
+                </a14:hiddenFill>
+              </a:ext>
+            </a:extLst>
+          </p:spPr>
+        </p:sp>
+        <p:sp>
+          <p:nvSpPr>
+            <p:cNvPr id="17" name="Freeform 7">
+              <a:extLst>
+                <a:ext uri="{FF2B5EF4-FFF2-40B4-BE49-F238E27FC236}">
+                  <a16:creationId xmlns:a16="http://schemas.microsoft.com/office/drawing/2014/main" id="{57B72B1F-4125-4F46-8D06-808E368B2A92}"/>
+                </a:ext>
+                <a:ext uri="{C183D7F6-B498-43B3-948B-1728B52AA6E4}">
+                  <adec:decorative xmlns:adec="http://schemas.microsoft.com/office/drawing/2017/decorative" val="1"/>
+                </a:ext>
+              </a:extLst>
+            </p:cNvPr>
+            <p:cNvSpPr/>
+            <p:nvPr>
+              <p:extLst>
+                <p:ext uri="{386F3935-93C4-4BCD-93E2-E3B085C9AB24}">
+                  <p16:designElem xmlns:p16="http://schemas.microsoft.com/office/powerpoint/2015/main" val="1"/>
+                </p:ext>
+              </p:extLst>
+            </p:nvPr>
+          </p:nvSpPr>
+          <p:spPr bwMode="auto">
+            <a:xfrm>
+              <a:off x="251351" y="1788400"/>
+              <a:ext cx="8035925" cy="5083516"/>
+            </a:xfrm>
+            <a:custGeom>
+              <a:avLst/>
+              <a:gdLst/>
+              <a:ahLst/>
+              <a:cxnLst/>
+              <a:rect l="0" t="0" r="r" b="b"/>
+              <a:pathLst>
+                <a:path w="1688" h="1066">
+                  <a:moveTo>
+                    <a:pt x="1302" y="1066"/>
+                  </a:moveTo>
+                  <a:cubicBezTo>
+                    <a:pt x="1416" y="1024"/>
+                    <a:pt x="1551" y="962"/>
+                    <a:pt x="1613" y="850"/>
+                  </a:cubicBezTo>
+                  <a:cubicBezTo>
+                    <a:pt x="1688" y="715"/>
+                    <a:pt x="1606" y="575"/>
+                    <a:pt x="1517" y="471"/>
+                  </a:cubicBezTo>
+                  <a:cubicBezTo>
+                    <a:pt x="1336" y="258"/>
+                    <a:pt x="1084" y="62"/>
+                    <a:pt x="798" y="28"/>
+                  </a:cubicBezTo>
+                  <a:cubicBezTo>
+                    <a:pt x="559" y="0"/>
+                    <a:pt x="317" y="138"/>
+                    <a:pt x="181" y="333"/>
+                  </a:cubicBezTo>
+                  <a:cubicBezTo>
+                    <a:pt x="0" y="592"/>
+                    <a:pt x="191" y="907"/>
+                    <a:pt x="420" y="1066"/>
+                  </a:cubicBezTo>
+                </a:path>
+              </a:pathLst>
+            </a:custGeom>
+            <a:noFill/>
+            <a:ln w="9525" cap="flat">
+              <a:solidFill>
+                <a:schemeClr val="tx1">
+                  <a:alpha val="20000"/>
+                </a:schemeClr>
+              </a:solidFill>
+              <a:prstDash val="dash"/>
+              <a:miter lim="800000"/>
+              <a:headEnd/>
+              <a:tailEnd/>
+            </a:ln>
+            <a:extLst>
+              <a:ext uri="{909E8E84-426E-40DD-AFC4-6F175D3DCCD1}">
+                <a14:hiddenFill xmlns:a14="http://schemas.microsoft.com/office/drawing/2010/main">
+                  <a:solidFill>
+                    <a:srgbClr val="FFFFFF"/>
+                  </a:solidFill>
+                </a14:hiddenFill>
+              </a:ext>
+            </a:extLst>
+          </p:spPr>
+        </p:sp>
+        <p:sp>
+          <p:nvSpPr>
+            <p:cNvPr id="18" name="Freeform 8">
+              <a:extLst>
+                <a:ext uri="{FF2B5EF4-FFF2-40B4-BE49-F238E27FC236}">
+                  <a16:creationId xmlns:a16="http://schemas.microsoft.com/office/drawing/2014/main" id="{7C16EC32-C009-4130-ADB8-9DFD03CEC6FF}"/>
+                </a:ext>
+                <a:ext uri="{C183D7F6-B498-43B3-948B-1728B52AA6E4}">
+                  <adec:decorative xmlns:adec="http://schemas.microsoft.com/office/drawing/2017/decorative" val="1"/>
+                </a:ext>
+              </a:extLst>
+            </p:cNvPr>
+            <p:cNvSpPr/>
+            <p:nvPr>
+              <p:extLst>
+                <p:ext uri="{386F3935-93C4-4BCD-93E2-E3B085C9AB24}">
+                  <p16:designElem xmlns:p16="http://schemas.microsoft.com/office/powerpoint/2015/main" val="1"/>
+                </p:ext>
+              </p:extLst>
+            </p:nvPr>
+          </p:nvSpPr>
+          <p:spPr bwMode="auto">
+            <a:xfrm>
+              <a:off x="-1061" y="549842"/>
+              <a:ext cx="10334625" cy="6322075"/>
+            </a:xfrm>
+            <a:custGeom>
+              <a:avLst/>
+              <a:gdLst/>
+              <a:ahLst/>
+              <a:cxnLst/>
+              <a:rect l="0" t="0" r="r" b="b"/>
+              <a:pathLst>
+                <a:path w="2171" h="1326">
+                  <a:moveTo>
+                    <a:pt x="1873" y="1326"/>
+                  </a:moveTo>
+                  <a:cubicBezTo>
+                    <a:pt x="2171" y="1045"/>
+                    <a:pt x="1825" y="678"/>
+                    <a:pt x="1609" y="473"/>
+                  </a:cubicBezTo>
+                  <a:cubicBezTo>
+                    <a:pt x="1406" y="281"/>
+                    <a:pt x="1159" y="116"/>
+                    <a:pt x="880" y="63"/>
+                  </a:cubicBezTo>
+                  <a:cubicBezTo>
+                    <a:pt x="545" y="0"/>
+                    <a:pt x="214" y="161"/>
+                    <a:pt x="0" y="423"/>
+                  </a:cubicBezTo>
+                </a:path>
+              </a:pathLst>
+            </a:custGeom>
+            <a:noFill/>
+            <a:ln w="9525" cap="flat">
+              <a:solidFill>
+                <a:schemeClr val="tx1">
+                  <a:alpha val="20000"/>
+                </a:schemeClr>
+              </a:solidFill>
+              <a:prstDash val="solid"/>
+              <a:miter lim="800000"/>
+              <a:headEnd/>
+              <a:tailEnd/>
+            </a:ln>
+            <a:extLst>
+              <a:ext uri="{909E8E84-426E-40DD-AFC4-6F175D3DCCD1}">
+                <a14:hiddenFill xmlns:a14="http://schemas.microsoft.com/office/drawing/2010/main">
+                  <a:solidFill>
+                    <a:srgbClr val="FFFFFF"/>
+                  </a:solidFill>
+                </a14:hiddenFill>
+              </a:ext>
+            </a:extLst>
+          </p:spPr>
+        </p:sp>
+        <p:sp>
+          <p:nvSpPr>
+            <p:cNvPr id="19" name="Freeform 9">
+              <a:extLst>
+                <a:ext uri="{FF2B5EF4-FFF2-40B4-BE49-F238E27FC236}">
+                  <a16:creationId xmlns:a16="http://schemas.microsoft.com/office/drawing/2014/main" id="{CA06AC4F-231A-406A-83AF-BF4F1603D3BD}"/>
+                </a:ext>
+                <a:ext uri="{C183D7F6-B498-43B3-948B-1728B52AA6E4}">
+                  <adec:decorative xmlns:adec="http://schemas.microsoft.com/office/drawing/2017/decorative" val="1"/>
+                </a:ext>
+              </a:extLst>
+            </p:cNvPr>
+            <p:cNvSpPr/>
+            <p:nvPr>
+              <p:extLst>
+                <p:ext uri="{386F3935-93C4-4BCD-93E2-E3B085C9AB24}">
+                  <p16:designElem xmlns:p16="http://schemas.microsoft.com/office/powerpoint/2015/main" val="1"/>
+                </p:ext>
+              </p:extLst>
+            </p:nvPr>
+          </p:nvSpPr>
+          <p:spPr bwMode="auto">
+            <a:xfrm>
+              <a:off x="3701" y="6186246"/>
+              <a:ext cx="504825" cy="681527"/>
+            </a:xfrm>
+            <a:custGeom>
+              <a:avLst/>
+              <a:gdLst/>
+              <a:ahLst/>
+              <a:cxnLst/>
+              <a:rect l="0" t="0" r="r" b="b"/>
+              <a:pathLst>
+                <a:path w="106" h="143">
+                  <a:moveTo>
+                    <a:pt x="0" y="0"/>
+                  </a:moveTo>
+                  <a:cubicBezTo>
+                    <a:pt x="35" y="54"/>
+                    <a:pt x="70" y="101"/>
+                    <a:pt x="106" y="143"/>
+                  </a:cubicBezTo>
+                </a:path>
+              </a:pathLst>
+            </a:custGeom>
+            <a:noFill/>
+            <a:ln w="4763" cap="flat">
+              <a:solidFill>
+                <a:schemeClr val="tx1">
+                  <a:alpha val="20000"/>
+                </a:schemeClr>
+              </a:solidFill>
+              <a:prstDash val="solid"/>
+              <a:miter lim="800000"/>
+              <a:headEnd/>
+              <a:tailEnd/>
+            </a:ln>
+            <a:extLst>
+              <a:ext uri="{909E8E84-426E-40DD-AFC4-6F175D3DCCD1}">
+                <a14:hiddenFill xmlns:a14="http://schemas.microsoft.com/office/drawing/2010/main">
+                  <a:solidFill>
+                    <a:srgbClr val="FFFFFF"/>
+                  </a:solidFill>
+                </a14:hiddenFill>
+              </a:ext>
+            </a:extLst>
+          </p:spPr>
+        </p:sp>
+        <p:sp>
+          <p:nvSpPr>
+            <p:cNvPr id="20" name="Freeform 10">
+              <a:extLst>
+                <a:ext uri="{FF2B5EF4-FFF2-40B4-BE49-F238E27FC236}">
+                  <a16:creationId xmlns:a16="http://schemas.microsoft.com/office/drawing/2014/main" id="{244FAADB-573E-4112-BE8C-B88C470E4F47}"/>
+                </a:ext>
+                <a:ext uri="{C183D7F6-B498-43B3-948B-1728B52AA6E4}">
+                  <adec:decorative xmlns:adec="http://schemas.microsoft.com/office/drawing/2017/decorative" val="1"/>
+                </a:ext>
+              </a:extLst>
+            </p:cNvPr>
+            <p:cNvSpPr/>
+            <p:nvPr>
+              <p:extLst>
+                <p:ext uri="{386F3935-93C4-4BCD-93E2-E3B085C9AB24}">
+                  <p16:designElem xmlns:p16="http://schemas.microsoft.com/office/powerpoint/2015/main" val="1"/>
+                </p:ext>
+              </p:extLst>
+            </p:nvPr>
+          </p:nvSpPr>
+          <p:spPr bwMode="auto">
+            <a:xfrm>
+              <a:off x="-1061" y="-51881"/>
+              <a:ext cx="11091863" cy="6923796"/>
+            </a:xfrm>
+            <a:custGeom>
+              <a:avLst/>
+              <a:gdLst/>
+              <a:ahLst/>
+              <a:cxnLst/>
+              <a:rect l="0" t="0" r="r" b="b"/>
+              <a:pathLst>
+                <a:path w="2330" h="1452">
+                  <a:moveTo>
+                    <a:pt x="2046" y="1452"/>
+                  </a:moveTo>
+                  <a:cubicBezTo>
+                    <a:pt x="2330" y="1153"/>
+                    <a:pt x="2049" y="821"/>
+                    <a:pt x="1813" y="601"/>
+                  </a:cubicBezTo>
+                  <a:cubicBezTo>
+                    <a:pt x="1569" y="375"/>
+                    <a:pt x="1282" y="179"/>
+                    <a:pt x="956" y="97"/>
+                  </a:cubicBezTo>
+                  <a:cubicBezTo>
+                    <a:pt x="572" y="0"/>
+                    <a:pt x="292" y="101"/>
+                    <a:pt x="0" y="366"/>
+                  </a:cubicBezTo>
+                </a:path>
+              </a:pathLst>
+            </a:custGeom>
+            <a:noFill/>
+            <a:ln w="9525" cap="flat">
+              <a:solidFill>
+                <a:schemeClr val="tx1">
+                  <a:alpha val="20000"/>
+                </a:schemeClr>
+              </a:solidFill>
+              <a:prstDash val="solid"/>
+              <a:miter lim="800000"/>
+              <a:headEnd/>
+              <a:tailEnd/>
+            </a:ln>
+            <a:extLst>
+              <a:ext uri="{909E8E84-426E-40DD-AFC4-6F175D3DCCD1}">
+                <a14:hiddenFill xmlns:a14="http://schemas.microsoft.com/office/drawing/2010/main">
+                  <a:solidFill>
+                    <a:srgbClr val="FFFFFF"/>
+                  </a:solidFill>
+                </a14:hiddenFill>
+              </a:ext>
+            </a:extLst>
+          </p:spPr>
+        </p:sp>
+        <p:sp>
+          <p:nvSpPr>
+            <p:cNvPr id="21" name="Freeform 11">
+              <a:extLst>
+                <a:ext uri="{FF2B5EF4-FFF2-40B4-BE49-F238E27FC236}">
+                  <a16:creationId xmlns:a16="http://schemas.microsoft.com/office/drawing/2014/main" id="{CF38BC08-F82D-4258-8E44-11B2C9E4E176}"/>
+                </a:ext>
+                <a:ext uri="{C183D7F6-B498-43B3-948B-1728B52AA6E4}">
+                  <adec:decorative xmlns:adec="http://schemas.microsoft.com/office/drawing/2017/decorative" val="1"/>
+                </a:ext>
+              </a:extLst>
+            </p:cNvPr>
+            <p:cNvSpPr/>
+            <p:nvPr>
+              <p:extLst>
+                <p:ext uri="{386F3935-93C4-4BCD-93E2-E3B085C9AB24}">
+                  <p16:designElem xmlns:p16="http://schemas.microsoft.com/office/powerpoint/2015/main" val="1"/>
+                </p:ext>
+              </p:extLst>
+            </p:nvPr>
+          </p:nvSpPr>
+          <p:spPr bwMode="auto">
+            <a:xfrm>
+              <a:off x="5426601" y="5579"/>
+              <a:ext cx="5788025" cy="6847184"/>
+            </a:xfrm>
+            <a:custGeom>
+              <a:avLst/>
+              <a:gdLst/>
+              <a:ahLst/>
+              <a:cxnLst/>
+              <a:rect l="0" t="0" r="r" b="b"/>
+              <a:pathLst>
+                <a:path w="1216" h="1436">
+                  <a:moveTo>
+                    <a:pt x="1094" y="1436"/>
+                  </a:moveTo>
+                  <a:cubicBezTo>
+                    <a:pt x="1216" y="1114"/>
+                    <a:pt x="904" y="770"/>
+                    <a:pt x="709" y="551"/>
+                  </a:cubicBezTo>
+                  <a:cubicBezTo>
+                    <a:pt x="509" y="327"/>
+                    <a:pt x="274" y="127"/>
+                    <a:pt x="0" y="0"/>
+                  </a:cubicBezTo>
+                </a:path>
+              </a:pathLst>
+            </a:custGeom>
+            <a:noFill/>
+            <a:ln w="9525" cap="flat">
+              <a:solidFill>
+                <a:schemeClr val="tx1">
+                  <a:alpha val="20000"/>
+                </a:schemeClr>
+              </a:solidFill>
+              <a:prstDash val="solid"/>
+              <a:miter lim="800000"/>
+              <a:headEnd/>
+              <a:tailEnd/>
+            </a:ln>
+            <a:extLst>
+              <a:ext uri="{909E8E84-426E-40DD-AFC4-6F175D3DCCD1}">
+                <a14:hiddenFill xmlns:a14="http://schemas.microsoft.com/office/drawing/2010/main">
+                  <a:solidFill>
+                    <a:srgbClr val="FFFFFF"/>
+                  </a:solidFill>
+                </a14:hiddenFill>
+              </a:ext>
+            </a:extLst>
+          </p:spPr>
+        </p:sp>
+        <p:sp>
+          <p:nvSpPr>
+            <p:cNvPr id="22" name="Freeform 12">
+              <a:extLst>
+                <a:ext uri="{FF2B5EF4-FFF2-40B4-BE49-F238E27FC236}">
+                  <a16:creationId xmlns:a16="http://schemas.microsoft.com/office/drawing/2014/main" id="{EF763D22-10EE-4D7D-95EE-5F4DB723D327}"/>
+                </a:ext>
+                <a:ext uri="{C183D7F6-B498-43B3-948B-1728B52AA6E4}">
+                  <adec:decorative xmlns:adec="http://schemas.microsoft.com/office/drawing/2017/decorative" val="1"/>
+                </a:ext>
+              </a:extLst>
+            </p:cNvPr>
+            <p:cNvSpPr/>
+            <p:nvPr>
+              <p:extLst>
+                <p:ext uri="{386F3935-93C4-4BCD-93E2-E3B085C9AB24}">
+                  <p16:designElem xmlns:p16="http://schemas.microsoft.com/office/powerpoint/2015/main" val="1"/>
+                </p:ext>
+              </p:extLst>
+            </p:nvPr>
+          </p:nvSpPr>
+          <p:spPr bwMode="auto">
+            <a:xfrm>
+              <a:off x="-1061" y="5579"/>
+              <a:ext cx="1057275" cy="614491"/>
+            </a:xfrm>
+            <a:custGeom>
+              <a:avLst/>
+              <a:gdLst/>
+              <a:ahLst/>
+              <a:cxnLst/>
+              <a:rect l="0" t="0" r="r" b="b"/>
+              <a:pathLst>
+                <a:path w="222" h="129">
+                  <a:moveTo>
+                    <a:pt x="222" y="0"/>
+                  </a:moveTo>
+                  <a:cubicBezTo>
+                    <a:pt x="152" y="35"/>
+                    <a:pt x="76" y="78"/>
+                    <a:pt x="0" y="129"/>
+                  </a:cubicBezTo>
+                </a:path>
+              </a:pathLst>
+            </a:custGeom>
+            <a:noFill/>
+            <a:ln w="9525" cap="flat">
+              <a:solidFill>
+                <a:schemeClr val="tx1">
+                  <a:alpha val="20000"/>
+                </a:schemeClr>
+              </a:solidFill>
+              <a:prstDash val="solid"/>
+              <a:miter lim="800000"/>
+              <a:headEnd/>
+              <a:tailEnd/>
+            </a:ln>
+            <a:extLst>
+              <a:ext uri="{909E8E84-426E-40DD-AFC4-6F175D3DCCD1}">
+                <a14:hiddenFill xmlns:a14="http://schemas.microsoft.com/office/drawing/2010/main">
+                  <a:solidFill>
+                    <a:srgbClr val="FFFFFF"/>
+                  </a:solidFill>
+                </a14:hiddenFill>
+              </a:ext>
+            </a:extLst>
+          </p:spPr>
+        </p:sp>
+        <p:sp>
+          <p:nvSpPr>
+            <p:cNvPr id="23" name="Freeform 13">
+              <a:extLst>
+                <a:ext uri="{FF2B5EF4-FFF2-40B4-BE49-F238E27FC236}">
+                  <a16:creationId xmlns:a16="http://schemas.microsoft.com/office/drawing/2014/main" id="{81EA7FDE-0B97-4DDD-AF65-F352834E6B15}"/>
+                </a:ext>
+                <a:ext uri="{C183D7F6-B498-43B3-948B-1728B52AA6E4}">
+                  <adec:decorative xmlns:adec="http://schemas.microsoft.com/office/drawing/2017/decorative" val="1"/>
+                </a:ext>
+              </a:extLst>
+            </p:cNvPr>
+            <p:cNvSpPr/>
+            <p:nvPr>
+              <p:extLst>
+                <p:ext uri="{386F3935-93C4-4BCD-93E2-E3B085C9AB24}">
+                  <p16:designElem xmlns:p16="http://schemas.microsoft.com/office/powerpoint/2015/main" val="1"/>
+                </p:ext>
+              </p:extLst>
+            </p:nvPr>
+          </p:nvSpPr>
+          <p:spPr bwMode="auto">
+            <a:xfrm>
+              <a:off x="5821889" y="5579"/>
+              <a:ext cx="5588000" cy="6866337"/>
+            </a:xfrm>
+            <a:custGeom>
+              <a:avLst/>
+              <a:gdLst/>
+              <a:ahLst/>
+              <a:cxnLst/>
+              <a:rect l="0" t="0" r="r" b="b"/>
+              <a:pathLst>
+                <a:path w="1174" h="1440">
+                  <a:moveTo>
+                    <a:pt x="1067" y="1440"/>
+                  </a:moveTo>
+                  <a:cubicBezTo>
+                    <a:pt x="1174" y="1124"/>
+                    <a:pt x="887" y="797"/>
+                    <a:pt x="698" y="577"/>
+                  </a:cubicBezTo>
+                  <a:cubicBezTo>
+                    <a:pt x="500" y="348"/>
+                    <a:pt x="270" y="141"/>
+                    <a:pt x="0" y="0"/>
+                  </a:cubicBezTo>
+                </a:path>
+              </a:pathLst>
+            </a:custGeom>
+            <a:noFill/>
+            <a:ln w="9525" cap="flat">
+              <a:solidFill>
+                <a:schemeClr val="tx1">
+                  <a:alpha val="20000"/>
+                </a:schemeClr>
+              </a:solidFill>
+              <a:prstDash val="dash"/>
+              <a:miter lim="800000"/>
+              <a:headEnd/>
+              <a:tailEnd/>
+            </a:ln>
+            <a:extLst>
+              <a:ext uri="{909E8E84-426E-40DD-AFC4-6F175D3DCCD1}">
+                <a14:hiddenFill xmlns:a14="http://schemas.microsoft.com/office/drawing/2010/main">
+                  <a:solidFill>
+                    <a:srgbClr val="FFFFFF"/>
+                  </a:solidFill>
+                </a14:hiddenFill>
+              </a:ext>
+            </a:extLst>
+          </p:spPr>
+        </p:sp>
+        <p:sp>
+          <p:nvSpPr>
+            <p:cNvPr id="24" name="Freeform 14">
+              <a:extLst>
+                <a:ext uri="{FF2B5EF4-FFF2-40B4-BE49-F238E27FC236}">
+                  <a16:creationId xmlns:a16="http://schemas.microsoft.com/office/drawing/2014/main" id="{CC18534F-EC75-4CF4-BBAC-0EF150873F58}"/>
+                </a:ext>
+                <a:ext uri="{C183D7F6-B498-43B3-948B-1728B52AA6E4}">
+                  <adec:decorative xmlns:adec="http://schemas.microsoft.com/office/drawing/2017/decorative" val="1"/>
+                </a:ext>
+              </a:extLst>
+            </p:cNvPr>
+            <p:cNvSpPr/>
+            <p:nvPr>
+              <p:extLst>
+                <p:ext uri="{386F3935-93C4-4BCD-93E2-E3B085C9AB24}">
+                  <p16:designElem xmlns:p16="http://schemas.microsoft.com/office/powerpoint/2015/main" val="1"/>
+                </p:ext>
+              </p:extLst>
+            </p:nvPr>
+          </p:nvSpPr>
+          <p:spPr bwMode="auto">
+            <a:xfrm>
+              <a:off x="3701" y="790"/>
+              <a:ext cx="595313" cy="352734"/>
+            </a:xfrm>
+            <a:custGeom>
+              <a:avLst/>
+              <a:gdLst/>
+              <a:ahLst/>
+              <a:cxnLst/>
+              <a:rect l="0" t="0" r="r" b="b"/>
+              <a:pathLst>
+                <a:path w="125" h="74">
+                  <a:moveTo>
+                    <a:pt x="125" y="0"/>
+                  </a:moveTo>
+                  <a:cubicBezTo>
+                    <a:pt x="85" y="22"/>
+                    <a:pt x="43" y="47"/>
+                    <a:pt x="0" y="74"/>
+                  </a:cubicBezTo>
+                </a:path>
+              </a:pathLst>
+            </a:custGeom>
+            <a:noFill/>
+            <a:ln w="9525" cap="flat">
+              <a:solidFill>
+                <a:schemeClr val="tx1">
+                  <a:alpha val="20000"/>
+                </a:schemeClr>
+              </a:solidFill>
+              <a:prstDash val="dash"/>
+              <a:miter lim="800000"/>
+              <a:headEnd/>
+              <a:tailEnd/>
+            </a:ln>
+            <a:extLst>
+              <a:ext uri="{909E8E84-426E-40DD-AFC4-6F175D3DCCD1}">
+                <a14:hiddenFill xmlns:a14="http://schemas.microsoft.com/office/drawing/2010/main">
+                  <a:solidFill>
+                    <a:srgbClr val="FFFFFF"/>
+                  </a:solidFill>
+                </a14:hiddenFill>
+              </a:ext>
+            </a:extLst>
+          </p:spPr>
+        </p:sp>
+        <p:sp>
+          <p:nvSpPr>
+            <p:cNvPr id="25" name="Freeform 15">
+              <a:extLst>
+                <a:ext uri="{FF2B5EF4-FFF2-40B4-BE49-F238E27FC236}">
+                  <a16:creationId xmlns:a16="http://schemas.microsoft.com/office/drawing/2014/main" id="{71BB5232-2C83-41EB-B62B-E54AC93F2EC5}"/>
+                </a:ext>
+                <a:ext uri="{C183D7F6-B498-43B3-948B-1728B52AA6E4}">
+                  <adec:decorative xmlns:adec="http://schemas.microsoft.com/office/drawing/2017/decorative" val="1"/>
+                </a:ext>
+              </a:extLst>
+            </p:cNvPr>
+            <p:cNvSpPr/>
+            <p:nvPr>
+              <p:extLst>
+                <p:ext uri="{386F3935-93C4-4BCD-93E2-E3B085C9AB24}">
+                  <p16:designElem xmlns:p16="http://schemas.microsoft.com/office/powerpoint/2015/main" val="1"/>
+                </p:ext>
+              </p:extLst>
+            </p:nvPr>
+          </p:nvSpPr>
+          <p:spPr bwMode="auto">
+            <a:xfrm>
+              <a:off x="6012389" y="5579"/>
+              <a:ext cx="5497513" cy="6866337"/>
+            </a:xfrm>
+            <a:custGeom>
+              <a:avLst/>
+              <a:gdLst/>
+              <a:ahLst/>
+              <a:cxnLst/>
+              <a:rect l="0" t="0" r="r" b="b"/>
+              <a:pathLst>
+                <a:path w="1155" h="1440">
+                  <a:moveTo>
+                    <a:pt x="1056" y="1440"/>
+                  </a:moveTo>
+                  <a:cubicBezTo>
+                    <a:pt x="1155" y="1123"/>
+                    <a:pt x="875" y="801"/>
+                    <a:pt x="686" y="580"/>
+                  </a:cubicBezTo>
+                  <a:cubicBezTo>
+                    <a:pt x="491" y="352"/>
+                    <a:pt x="264" y="145"/>
+                    <a:pt x="0" y="0"/>
+                  </a:cubicBezTo>
+                </a:path>
+              </a:pathLst>
+            </a:custGeom>
+            <a:noFill/>
+            <a:ln w="12700" cap="flat">
+              <a:solidFill>
+                <a:schemeClr val="tx1">
+                  <a:alpha val="20000"/>
+                </a:schemeClr>
+              </a:solidFill>
+              <a:prstDash val="dashDot"/>
+              <a:miter lim="800000"/>
+              <a:headEnd/>
+              <a:tailEnd/>
+            </a:ln>
+            <a:extLst>
+              <a:ext uri="{909E8E84-426E-40DD-AFC4-6F175D3DCCD1}">
+                <a14:hiddenFill xmlns:a14="http://schemas.microsoft.com/office/drawing/2010/main">
+                  <a:solidFill>
+                    <a:srgbClr val="FFFFFF"/>
+                  </a:solidFill>
+                </a14:hiddenFill>
+              </a:ext>
+            </a:extLst>
+          </p:spPr>
+        </p:sp>
+        <p:sp>
+          <p:nvSpPr>
+            <p:cNvPr id="26" name="Freeform 16">
+              <a:extLst>
+                <a:ext uri="{FF2B5EF4-FFF2-40B4-BE49-F238E27FC236}">
+                  <a16:creationId xmlns:a16="http://schemas.microsoft.com/office/drawing/2014/main" id="{2598F724-C32E-4B91-9B85-60C89DBB8CE5}"/>
+                </a:ext>
+                <a:ext uri="{C183D7F6-B498-43B3-948B-1728B52AA6E4}">
+                  <adec:decorative xmlns:adec="http://schemas.microsoft.com/office/drawing/2017/decorative" val="1"/>
+                </a:ext>
+              </a:extLst>
+            </p:cNvPr>
+            <p:cNvSpPr/>
+            <p:nvPr>
+              <p:extLst>
+                <p:ext uri="{386F3935-93C4-4BCD-93E2-E3B085C9AB24}">
+                  <p16:designElem xmlns:p16="http://schemas.microsoft.com/office/powerpoint/2015/main" val="1"/>
+                </p:ext>
+              </p:extLst>
+            </p:nvPr>
+          </p:nvSpPr>
+          <p:spPr bwMode="auto">
+            <a:xfrm>
+              <a:off x="-1061" y="5579"/>
+              <a:ext cx="357188" cy="213875"/>
+            </a:xfrm>
+            <a:custGeom>
+              <a:avLst/>
+              <a:gdLst/>
+              <a:ahLst/>
+              <a:cxnLst/>
+              <a:rect l="0" t="0" r="r" b="b"/>
+              <a:pathLst>
+                <a:path w="75" h="45">
+                  <a:moveTo>
+                    <a:pt x="75" y="0"/>
+                  </a:moveTo>
+                  <a:cubicBezTo>
+                    <a:pt x="50" y="14"/>
+                    <a:pt x="25" y="29"/>
+                    <a:pt x="0" y="45"/>
+                  </a:cubicBezTo>
+                </a:path>
+              </a:pathLst>
+            </a:custGeom>
+            <a:noFill/>
+            <a:ln w="12700" cap="flat">
+              <a:solidFill>
+                <a:schemeClr val="tx1">
+                  <a:alpha val="20000"/>
+                </a:schemeClr>
+              </a:solidFill>
+              <a:prstDash val="dashDot"/>
+              <a:miter lim="800000"/>
+              <a:headEnd/>
+              <a:tailEnd/>
+            </a:ln>
+            <a:extLst>
+              <a:ext uri="{909E8E84-426E-40DD-AFC4-6F175D3DCCD1}">
+                <a14:hiddenFill xmlns:a14="http://schemas.microsoft.com/office/drawing/2010/main">
+                  <a:solidFill>
+                    <a:srgbClr val="FFFFFF"/>
+                  </a:solidFill>
+                </a14:hiddenFill>
+              </a:ext>
+            </a:extLst>
+          </p:spPr>
+        </p:sp>
+        <p:sp>
+          <p:nvSpPr>
+            <p:cNvPr id="27" name="Freeform 17">
+              <a:extLst>
+                <a:ext uri="{FF2B5EF4-FFF2-40B4-BE49-F238E27FC236}">
+                  <a16:creationId xmlns:a16="http://schemas.microsoft.com/office/drawing/2014/main" id="{D5D4FBFD-ACE3-46D2-8E97-E8EABE735C88}"/>
+                </a:ext>
+                <a:ext uri="{C183D7F6-B498-43B3-948B-1728B52AA6E4}">
+                  <adec:decorative xmlns:adec="http://schemas.microsoft.com/office/drawing/2017/decorative" val="1"/>
+                </a:ext>
+              </a:extLst>
+            </p:cNvPr>
+            <p:cNvSpPr/>
+            <p:nvPr>
+              <p:extLst>
+                <p:ext uri="{386F3935-93C4-4BCD-93E2-E3B085C9AB24}">
+                  <p16:designElem xmlns:p16="http://schemas.microsoft.com/office/powerpoint/2015/main" val="1"/>
+                </p:ext>
+              </p:extLst>
+            </p:nvPr>
+          </p:nvSpPr>
+          <p:spPr bwMode="auto">
+            <a:xfrm>
+              <a:off x="6210826" y="790"/>
+              <a:ext cx="5522913" cy="6871126"/>
+            </a:xfrm>
+            <a:custGeom>
+              <a:avLst/>
+              <a:gdLst/>
+              <a:ahLst/>
+              <a:cxnLst/>
+              <a:rect l="0" t="0" r="r" b="b"/>
+              <a:pathLst>
+                <a:path w="1160" h="1441">
+                  <a:moveTo>
+                    <a:pt x="1053" y="1441"/>
+                  </a:moveTo>
+                  <a:cubicBezTo>
+                    <a:pt x="1160" y="1129"/>
+                    <a:pt x="892" y="817"/>
+                    <a:pt x="705" y="599"/>
+                  </a:cubicBezTo>
+                  <a:cubicBezTo>
+                    <a:pt x="503" y="365"/>
+                    <a:pt x="270" y="152"/>
+                    <a:pt x="0" y="0"/>
+                  </a:cubicBezTo>
+                </a:path>
+              </a:pathLst>
+            </a:custGeom>
+            <a:noFill/>
+            <a:ln w="9525" cap="flat">
+              <a:solidFill>
+                <a:schemeClr val="tx1">
+                  <a:alpha val="20000"/>
+                </a:schemeClr>
+              </a:solidFill>
+              <a:prstDash val="solid"/>
+              <a:miter lim="800000"/>
+              <a:headEnd/>
+              <a:tailEnd/>
+            </a:ln>
+            <a:extLst>
+              <a:ext uri="{909E8E84-426E-40DD-AFC4-6F175D3DCCD1}">
+                <a14:hiddenFill xmlns:a14="http://schemas.microsoft.com/office/drawing/2010/main">
+                  <a:solidFill>
+                    <a:srgbClr val="FFFFFF"/>
+                  </a:solidFill>
+                </a14:hiddenFill>
+              </a:ext>
+            </a:extLst>
+          </p:spPr>
+        </p:sp>
+        <p:sp>
+          <p:nvSpPr>
+            <p:cNvPr id="28" name="Freeform 18">
+              <a:extLst>
+                <a:ext uri="{FF2B5EF4-FFF2-40B4-BE49-F238E27FC236}">
+                  <a16:creationId xmlns:a16="http://schemas.microsoft.com/office/drawing/2014/main" id="{54A3C901-AFD0-41D3-85E5-87D0E1C9D33D}"/>
+                </a:ext>
+                <a:ext uri="{C183D7F6-B498-43B3-948B-1728B52AA6E4}">
+                  <adec:decorative xmlns:adec="http://schemas.microsoft.com/office/drawing/2017/decorative" val="1"/>
+                </a:ext>
+              </a:extLst>
+            </p:cNvPr>
+            <p:cNvSpPr/>
+            <p:nvPr>
+              <p:extLst>
+                <p:ext uri="{386F3935-93C4-4BCD-93E2-E3B085C9AB24}">
+                  <p16:designElem xmlns:p16="http://schemas.microsoft.com/office/powerpoint/2015/main" val="1"/>
+                </p:ext>
+              </p:extLst>
+            </p:nvPr>
+          </p:nvSpPr>
+          <p:spPr bwMode="auto">
+            <a:xfrm>
+              <a:off x="6463239" y="5579"/>
+              <a:ext cx="5413375" cy="6866337"/>
+            </a:xfrm>
+            <a:custGeom>
+              <a:avLst/>
+              <a:gdLst/>
+              <a:ahLst/>
+              <a:cxnLst/>
+              <a:rect l="0" t="0" r="r" b="b"/>
+              <a:pathLst>
+                <a:path w="1137" h="1440">
+                  <a:moveTo>
+                    <a:pt x="1040" y="1440"/>
+                  </a:moveTo>
+                  <a:cubicBezTo>
+                    <a:pt x="1137" y="1131"/>
+                    <a:pt x="883" y="828"/>
+                    <a:pt x="698" y="611"/>
+                  </a:cubicBezTo>
+                  <a:cubicBezTo>
+                    <a:pt x="498" y="375"/>
+                    <a:pt x="268" y="159"/>
+                    <a:pt x="0" y="0"/>
+                  </a:cubicBezTo>
+                </a:path>
+              </a:pathLst>
+            </a:custGeom>
+            <a:noFill/>
+            <a:ln w="9525" cap="flat">
+              <a:solidFill>
+                <a:schemeClr val="tx1">
+                  <a:alpha val="20000"/>
+                </a:schemeClr>
+              </a:solidFill>
+              <a:prstDash val="solid"/>
+              <a:miter lim="800000"/>
+              <a:headEnd/>
+              <a:tailEnd/>
+            </a:ln>
+            <a:extLst>
+              <a:ext uri="{909E8E84-426E-40DD-AFC4-6F175D3DCCD1}">
+                <a14:hiddenFill xmlns:a14="http://schemas.microsoft.com/office/drawing/2010/main">
+                  <a:solidFill>
+                    <a:srgbClr val="FFFFFF"/>
+                  </a:solidFill>
+                </a14:hiddenFill>
+              </a:ext>
+            </a:extLst>
+          </p:spPr>
+        </p:sp>
+        <p:sp>
+          <p:nvSpPr>
+            <p:cNvPr id="29" name="Freeform 19">
+              <a:extLst>
+                <a:ext uri="{FF2B5EF4-FFF2-40B4-BE49-F238E27FC236}">
+                  <a16:creationId xmlns:a16="http://schemas.microsoft.com/office/drawing/2014/main" id="{485F3E8E-CD09-44EB-AC73-1834A8D50477}"/>
+                </a:ext>
+                <a:ext uri="{C183D7F6-B498-43B3-948B-1728B52AA6E4}">
+                  <adec:decorative xmlns:adec="http://schemas.microsoft.com/office/drawing/2017/decorative" val="1"/>
+                </a:ext>
+              </a:extLst>
+            </p:cNvPr>
+            <p:cNvSpPr/>
+            <p:nvPr>
+              <p:extLst>
+                <p:ext uri="{386F3935-93C4-4BCD-93E2-E3B085C9AB24}">
+                  <p16:designElem xmlns:p16="http://schemas.microsoft.com/office/powerpoint/2015/main" val="1"/>
+                </p:ext>
+              </p:extLst>
+            </p:nvPr>
+          </p:nvSpPr>
+          <p:spPr bwMode="auto">
+            <a:xfrm>
+              <a:off x="6877576" y="5579"/>
+              <a:ext cx="5037138" cy="6861550"/>
+            </a:xfrm>
+            <a:custGeom>
+              <a:avLst/>
+              <a:gdLst/>
+              <a:ahLst/>
+              <a:cxnLst/>
+              <a:rect l="0" t="0" r="r" b="b"/>
+              <a:pathLst>
+                <a:path w="1058" h="1439">
+                  <a:moveTo>
+                    <a:pt x="1011" y="1439"/>
+                  </a:moveTo>
+                  <a:cubicBezTo>
+                    <a:pt x="1058" y="1131"/>
+                    <a:pt x="825" y="841"/>
+                    <a:pt x="648" y="617"/>
+                  </a:cubicBezTo>
+                  <a:cubicBezTo>
+                    <a:pt x="462" y="383"/>
+                    <a:pt x="248" y="168"/>
+                    <a:pt x="0" y="0"/>
+                  </a:cubicBezTo>
+                </a:path>
+              </a:pathLst>
+            </a:custGeom>
+            <a:noFill/>
+            <a:ln w="9525" cap="flat">
+              <a:solidFill>
+                <a:schemeClr val="tx1">
+                  <a:alpha val="20000"/>
+                </a:schemeClr>
+              </a:solidFill>
+              <a:prstDash val="solid"/>
+              <a:miter lim="800000"/>
+              <a:headEnd/>
+              <a:tailEnd/>
+            </a:ln>
+            <a:extLst>
+              <a:ext uri="{909E8E84-426E-40DD-AFC4-6F175D3DCCD1}">
+                <a14:hiddenFill xmlns:a14="http://schemas.microsoft.com/office/drawing/2010/main">
+                  <a:solidFill>
+                    <a:srgbClr val="FFFFFF"/>
+                  </a:solidFill>
+                </a14:hiddenFill>
+              </a:ext>
+            </a:extLst>
+          </p:spPr>
+        </p:sp>
+        <p:sp>
+          <p:nvSpPr>
+            <p:cNvPr id="30" name="Freeform 20">
+              <a:extLst>
+                <a:ext uri="{FF2B5EF4-FFF2-40B4-BE49-F238E27FC236}">
+                  <a16:creationId xmlns:a16="http://schemas.microsoft.com/office/drawing/2014/main" id="{3BDFC1A4-51E7-46A6-8A0D-50476BCF56CB}"/>
+                </a:ext>
+                <a:ext uri="{C183D7F6-B498-43B3-948B-1728B52AA6E4}">
+                  <adec:decorative xmlns:adec="http://schemas.microsoft.com/office/drawing/2017/decorative" val="1"/>
+                </a:ext>
+              </a:extLst>
+            </p:cNvPr>
+            <p:cNvSpPr/>
+            <p:nvPr>
+              <p:extLst>
+                <p:ext uri="{386F3935-93C4-4BCD-93E2-E3B085C9AB24}">
+                  <p16:designElem xmlns:p16="http://schemas.microsoft.com/office/powerpoint/2015/main" val="1"/>
+                </p:ext>
+              </p:extLst>
+            </p:nvPr>
+          </p:nvSpPr>
+          <p:spPr bwMode="auto">
+            <a:xfrm>
+              <a:off x="8768289" y="5579"/>
+              <a:ext cx="3417888" cy="2742066"/>
+            </a:xfrm>
+            <a:custGeom>
+              <a:avLst/>
+              <a:gdLst/>
+              <a:ahLst/>
+              <a:cxnLst/>
+              <a:rect l="0" t="0" r="r" b="b"/>
+              <a:pathLst>
+                <a:path w="718" h="575">
+                  <a:moveTo>
+                    <a:pt x="718" y="575"/>
+                  </a:moveTo>
+                  <a:cubicBezTo>
+                    <a:pt x="500" y="360"/>
+                    <a:pt x="260" y="163"/>
+                    <a:pt x="0" y="0"/>
+                  </a:cubicBezTo>
+                </a:path>
+              </a:pathLst>
+            </a:custGeom>
+            <a:noFill/>
+            <a:ln w="9525" cap="flat">
+              <a:solidFill>
+                <a:schemeClr val="tx1">
+                  <a:alpha val="20000"/>
+                </a:schemeClr>
+              </a:solidFill>
+              <a:prstDash val="solid"/>
+              <a:miter lim="800000"/>
+              <a:headEnd/>
+              <a:tailEnd/>
+            </a:ln>
+            <a:extLst>
+              <a:ext uri="{909E8E84-426E-40DD-AFC4-6F175D3DCCD1}">
+                <a14:hiddenFill xmlns:a14="http://schemas.microsoft.com/office/drawing/2010/main">
+                  <a:solidFill>
+                    <a:srgbClr val="FFFFFF"/>
+                  </a:solidFill>
+                </a14:hiddenFill>
+              </a:ext>
+            </a:extLst>
+          </p:spPr>
+        </p:sp>
+        <p:sp>
+          <p:nvSpPr>
+            <p:cNvPr id="31" name="Freeform 21">
+              <a:extLst>
+                <a:ext uri="{FF2B5EF4-FFF2-40B4-BE49-F238E27FC236}">
+                  <a16:creationId xmlns:a16="http://schemas.microsoft.com/office/drawing/2014/main" id="{A561BC1B-C5E2-45AA-B72B-03AF3216C461}"/>
+                </a:ext>
+                <a:ext uri="{C183D7F6-B498-43B3-948B-1728B52AA6E4}">
+                  <adec:decorative xmlns:adec="http://schemas.microsoft.com/office/drawing/2017/decorative" val="1"/>
+                </a:ext>
+              </a:extLst>
+            </p:cNvPr>
+            <p:cNvSpPr/>
+            <p:nvPr>
+              <p:extLst>
+                <p:ext uri="{386F3935-93C4-4BCD-93E2-E3B085C9AB24}">
+                  <p16:designElem xmlns:p16="http://schemas.microsoft.com/office/powerpoint/2015/main" val="1"/>
+                </p:ext>
+              </p:extLst>
+            </p:nvPr>
+          </p:nvSpPr>
+          <p:spPr bwMode="auto">
+            <a:xfrm>
+              <a:off x="9235014" y="10367"/>
+              <a:ext cx="2951163" cy="2555325"/>
+            </a:xfrm>
+            <a:custGeom>
+              <a:avLst/>
+              <a:gdLst/>
+              <a:ahLst/>
+              <a:cxnLst/>
+              <a:rect l="0" t="0" r="r" b="b"/>
+              <a:pathLst>
+                <a:path w="620" h="536">
+                  <a:moveTo>
+                    <a:pt x="620" y="536"/>
+                  </a:moveTo>
+                  <a:cubicBezTo>
+                    <a:pt x="404" y="314"/>
+                    <a:pt x="196" y="138"/>
+                    <a:pt x="0" y="0"/>
+                  </a:cubicBezTo>
+                </a:path>
+              </a:pathLst>
+            </a:custGeom>
+            <a:noFill/>
+            <a:ln w="9525" cap="flat">
+              <a:solidFill>
+                <a:schemeClr val="tx1">
+                  <a:alpha val="20000"/>
+                </a:schemeClr>
+              </a:solidFill>
+              <a:prstDash val="solid"/>
+              <a:miter lim="800000"/>
+              <a:headEnd/>
+              <a:tailEnd/>
+            </a:ln>
+            <a:extLst>
+              <a:ext uri="{909E8E84-426E-40DD-AFC4-6F175D3DCCD1}">
+                <a14:hiddenFill xmlns:a14="http://schemas.microsoft.com/office/drawing/2010/main">
+                  <a:solidFill>
+                    <a:srgbClr val="FFFFFF"/>
+                  </a:solidFill>
+                </a14:hiddenFill>
+              </a:ext>
+            </a:extLst>
+          </p:spPr>
+        </p:sp>
+        <p:sp>
+          <p:nvSpPr>
+            <p:cNvPr id="32" name="Freeform 22">
+              <a:extLst>
+                <a:ext uri="{FF2B5EF4-FFF2-40B4-BE49-F238E27FC236}">
+                  <a16:creationId xmlns:a16="http://schemas.microsoft.com/office/drawing/2014/main" id="{4C0779C6-0F80-48B1-AD32-CC10D00CEC23}"/>
+                </a:ext>
+                <a:ext uri="{C183D7F6-B498-43B3-948B-1728B52AA6E4}">
+                  <adec:decorative xmlns:adec="http://schemas.microsoft.com/office/drawing/2017/decorative" val="1"/>
+                </a:ext>
+              </a:extLst>
+            </p:cNvPr>
+            <p:cNvSpPr/>
+            <p:nvPr>
+              <p:extLst>
+                <p:ext uri="{386F3935-93C4-4BCD-93E2-E3B085C9AB24}">
+                  <p16:designElem xmlns:p16="http://schemas.microsoft.com/office/powerpoint/2015/main" val="1"/>
+                </p:ext>
+              </p:extLst>
+            </p:nvPr>
+          </p:nvSpPr>
+          <p:spPr bwMode="auto">
+            <a:xfrm>
+              <a:off x="10020826" y="5579"/>
+              <a:ext cx="2165350" cy="1358265"/>
+            </a:xfrm>
+            <a:custGeom>
+              <a:avLst/>
+              <a:gdLst/>
+              <a:ahLst/>
+              <a:cxnLst/>
+              <a:rect l="0" t="0" r="r" b="b"/>
+              <a:pathLst>
+                <a:path w="455" h="285">
+                  <a:moveTo>
+                    <a:pt x="0" y="0"/>
+                  </a:moveTo>
+                  <a:cubicBezTo>
+                    <a:pt x="153" y="85"/>
+                    <a:pt x="308" y="180"/>
+                    <a:pt x="455" y="285"/>
+                  </a:cubicBezTo>
+                </a:path>
+              </a:pathLst>
+            </a:custGeom>
+            <a:noFill/>
+            <a:ln w="9525" cap="flat">
+              <a:solidFill>
+                <a:schemeClr val="tx1">
+                  <a:alpha val="20000"/>
+                </a:schemeClr>
+              </a:solidFill>
+              <a:prstDash val="dash"/>
+              <a:miter lim="800000"/>
+              <a:headEnd/>
+              <a:tailEnd/>
+            </a:ln>
+            <a:extLst>
+              <a:ext uri="{909E8E84-426E-40DD-AFC4-6F175D3DCCD1}">
+                <a14:hiddenFill xmlns:a14="http://schemas.microsoft.com/office/drawing/2010/main">
+                  <a:solidFill>
+                    <a:srgbClr val="FFFFFF"/>
+                  </a:solidFill>
+                </a14:hiddenFill>
+              </a:ext>
+            </a:extLst>
+          </p:spPr>
+        </p:sp>
+        <p:sp>
+          <p:nvSpPr>
+            <p:cNvPr id="33" name="Freeform 23">
+              <a:extLst>
+                <a:ext uri="{FF2B5EF4-FFF2-40B4-BE49-F238E27FC236}">
+                  <a16:creationId xmlns:a16="http://schemas.microsoft.com/office/drawing/2014/main" id="{73702193-6A56-4A74-84AD-94F530FEDFB3}"/>
+                </a:ext>
+                <a:ext uri="{C183D7F6-B498-43B3-948B-1728B52AA6E4}">
+                  <adec:decorative xmlns:adec="http://schemas.microsoft.com/office/drawing/2017/decorative" val="1"/>
+                </a:ext>
+              </a:extLst>
+            </p:cNvPr>
+            <p:cNvSpPr/>
+            <p:nvPr>
+              <p:extLst>
+                <p:ext uri="{386F3935-93C4-4BCD-93E2-E3B085C9AB24}">
+                  <p16:designElem xmlns:p16="http://schemas.microsoft.com/office/powerpoint/2015/main" val="1"/>
+                </p:ext>
+              </p:extLst>
+            </p:nvPr>
+          </p:nvSpPr>
+          <p:spPr bwMode="auto">
+            <a:xfrm>
+              <a:off x="11290826" y="5579"/>
+              <a:ext cx="895350" cy="534687"/>
+            </a:xfrm>
+            <a:custGeom>
+              <a:avLst/>
+              <a:gdLst/>
+              <a:ahLst/>
+              <a:cxnLst/>
+              <a:rect l="0" t="0" r="r" b="b"/>
+              <a:pathLst>
+                <a:path w="188" h="112">
+                  <a:moveTo>
+                    <a:pt x="0" y="0"/>
+                  </a:moveTo>
+                  <a:cubicBezTo>
+                    <a:pt x="63" y="36"/>
+                    <a:pt x="126" y="73"/>
+                    <a:pt x="188" y="112"/>
+                  </a:cubicBezTo>
+                </a:path>
+              </a:pathLst>
+            </a:custGeom>
+            <a:noFill/>
+            <a:ln w="9525" cap="flat">
+              <a:solidFill>
+                <a:schemeClr val="tx1">
+                  <a:alpha val="20000"/>
+                </a:schemeClr>
+              </a:solidFill>
+              <a:prstDash val="solid"/>
+              <a:miter lim="800000"/>
+              <a:headEnd/>
+              <a:tailEnd/>
+            </a:ln>
+            <a:extLst>
+              <a:ext uri="{909E8E84-426E-40DD-AFC4-6F175D3DCCD1}">
+                <a14:hiddenFill xmlns:a14="http://schemas.microsoft.com/office/drawing/2010/main">
+                  <a:solidFill>
+                    <a:srgbClr val="FFFFFF"/>
+                  </a:solidFill>
+                </a14:hiddenFill>
+              </a:ext>
+            </a:extLst>
+          </p:spPr>
+        </p:sp>
+      </p:grpSp>
+      <p:grpSp>
+        <p:nvGrpSpPr>
+          <p:cNvPr id="35" name="Group 34">
+            <a:extLst>
+              <a:ext uri="{FF2B5EF4-FFF2-40B4-BE49-F238E27FC236}">
+                <a16:creationId xmlns:a16="http://schemas.microsoft.com/office/drawing/2014/main" id="{86AEFF79-03FD-4BC0-8A67-25CAFCFDCDAD}"/>
+              </a:ext>
+              <a:ext uri="{C183D7F6-B498-43B3-948B-1728B52AA6E4}">
+                <adec:decorative xmlns:adec="http://schemas.microsoft.com/office/drawing/2017/decorative" val="1"/>
+              </a:ext>
+            </a:extLst>
+          </p:cNvPr>
+          <p:cNvGrpSpPr>
+            <a:grpSpLocks noGrp="1" noUngrp="1" noRot="1" noChangeAspect="1" noMove="1" noResize="1"/>
+          </p:cNvGrpSpPr>
+          <p:nvPr>
+            <p:extLst>
+              <p:ext uri="{386F3935-93C4-4BCD-93E2-E3B085C9AB24}">
+                <p16:designElem xmlns:p16="http://schemas.microsoft.com/office/powerpoint/2015/main" val="1"/>
+              </p:ext>
+            </p:extLst>
+          </p:nvPr>
+        </p:nvGrpSpPr>
+        <p:grpSpPr>
+          <a:xfrm>
+            <a:off x="1669293" y="1186483"/>
+            <a:ext cx="8848345" cy="4477933"/>
+            <a:chOff x="1669293" y="1186483"/>
+            <a:chExt cx="8848345" cy="4477933"/>
+          </a:xfrm>
+        </p:grpSpPr>
+        <p:sp>
+          <p:nvSpPr>
+            <p:cNvPr id="36" name="Rectangle 35">
+              <a:extLst>
+                <a:ext uri="{FF2B5EF4-FFF2-40B4-BE49-F238E27FC236}">
+                  <a16:creationId xmlns:a16="http://schemas.microsoft.com/office/drawing/2014/main" id="{CB66FC33-38F1-4E8E-8474-AF1F5673BAD7}"/>
+                </a:ext>
+                <a:ext uri="{C183D7F6-B498-43B3-948B-1728B52AA6E4}">
+                  <adec:decorative xmlns:adec="http://schemas.microsoft.com/office/drawing/2017/decorative" val="1"/>
+                </a:ext>
+              </a:extLst>
+            </p:cNvPr>
+            <p:cNvSpPr/>
+            <p:nvPr>
+              <p:extLst>
+                <p:ext uri="{386F3935-93C4-4BCD-93E2-E3B085C9AB24}">
+                  <p16:designElem xmlns:p16="http://schemas.microsoft.com/office/powerpoint/2015/main" val="1"/>
+                </p:ext>
+              </p:extLst>
+            </p:nvPr>
+          </p:nvSpPr>
+          <p:spPr>
+            <a:xfrm>
+              <a:off x="1674042" y="1186483"/>
+              <a:ext cx="8843596" cy="716184"/>
+            </a:xfrm>
+            <a:prstGeom prst="rect">
+              <a:avLst/>
+            </a:prstGeom>
+            <a:solidFill>
+              <a:schemeClr val="accent1"/>
+            </a:solidFill>
+            <a:ln>
+              <a:noFill/>
+            </a:ln>
+          </p:spPr>
+          <p:style>
+            <a:lnRef idx="2">
+              <a:schemeClr val="accent1">
+                <a:shade val="50000"/>
+              </a:schemeClr>
+            </a:lnRef>
+            <a:fillRef idx="1">
+              <a:schemeClr val="accent1"/>
+            </a:fillRef>
+            <a:effectRef idx="0">
+              <a:schemeClr val="accent1"/>
+            </a:effectRef>
+            <a:fontRef idx="minor">
+              <a:schemeClr val="lt1"/>
+            </a:fontRef>
+          </p:style>
+        </p:sp>
+        <p:sp>
+          <p:nvSpPr>
+            <p:cNvPr id="37" name="Isosceles Triangle 36">
+              <a:extLst>
+                <a:ext uri="{FF2B5EF4-FFF2-40B4-BE49-F238E27FC236}">
+                  <a16:creationId xmlns:a16="http://schemas.microsoft.com/office/drawing/2014/main" id="{32E0DAC0-8D22-4A77-8AA9-169781B2EBB4}"/>
+                </a:ext>
+                <a:ext uri="{C183D7F6-B498-43B3-948B-1728B52AA6E4}">
+                  <adec:decorative xmlns:adec="http://schemas.microsoft.com/office/drawing/2017/decorative" val="1"/>
+                </a:ext>
+              </a:extLst>
+            </p:cNvPr>
+            <p:cNvSpPr/>
+            <p:nvPr>
+              <p:extLst>
+                <p:ext uri="{386F3935-93C4-4BCD-93E2-E3B085C9AB24}">
+                  <p16:designElem xmlns:p16="http://schemas.microsoft.com/office/powerpoint/2015/main" val="1"/>
+                </p:ext>
+              </p:extLst>
+            </p:nvPr>
+          </p:nvSpPr>
+          <p:spPr>
+            <a:xfrm rot="10800000">
+              <a:off x="5892384" y="5313353"/>
+              <a:ext cx="407233" cy="351063"/>
+            </a:xfrm>
+            <a:prstGeom prst="triangle">
+              <a:avLst/>
+            </a:prstGeom>
+            <a:solidFill>
+              <a:schemeClr val="accent1"/>
+            </a:solidFill>
+            <a:ln>
+              <a:noFill/>
+            </a:ln>
+          </p:spPr>
+          <p:style>
+            <a:lnRef idx="2">
+              <a:schemeClr val="accent1">
+                <a:shade val="50000"/>
+              </a:schemeClr>
+            </a:lnRef>
+            <a:fillRef idx="1">
+              <a:schemeClr val="accent1"/>
+            </a:fillRef>
+            <a:effectRef idx="0">
+              <a:schemeClr val="accent1"/>
+            </a:effectRef>
+            <a:fontRef idx="minor">
+              <a:schemeClr val="lt1"/>
+            </a:fontRef>
+          </p:style>
+        </p:sp>
+        <p:sp>
+          <p:nvSpPr>
+            <p:cNvPr id="38" name="Rectangle 37">
+              <a:extLst>
+                <a:ext uri="{FF2B5EF4-FFF2-40B4-BE49-F238E27FC236}">
+                  <a16:creationId xmlns:a16="http://schemas.microsoft.com/office/drawing/2014/main" id="{828C2492-9737-4D83-8CBD-93EA6D0717AD}"/>
+                </a:ext>
+                <a:ext uri="{C183D7F6-B498-43B3-948B-1728B52AA6E4}">
+                  <adec:decorative xmlns:adec="http://schemas.microsoft.com/office/drawing/2017/decorative" val="1"/>
+                </a:ext>
+              </a:extLst>
+            </p:cNvPr>
+            <p:cNvSpPr/>
+            <p:nvPr>
+              <p:extLst>
+                <p:ext uri="{386F3935-93C4-4BCD-93E2-E3B085C9AB24}">
+                  <p16:designElem xmlns:p16="http://schemas.microsoft.com/office/powerpoint/2015/main" val="1"/>
+                </p:ext>
+              </p:extLst>
+            </p:nvPr>
+          </p:nvSpPr>
+          <p:spPr>
+            <a:xfrm>
+              <a:off x="1669293" y="1991156"/>
+              <a:ext cx="8845667" cy="3322196"/>
+            </a:xfrm>
+            <a:prstGeom prst="rect">
+              <a:avLst/>
+            </a:prstGeom>
+            <a:solidFill>
+              <a:schemeClr val="accent1"/>
+            </a:solidFill>
+            <a:ln>
+              <a:noFill/>
+            </a:ln>
+          </p:spPr>
+          <p:style>
+            <a:lnRef idx="2">
+              <a:schemeClr val="accent1">
+                <a:shade val="50000"/>
+              </a:schemeClr>
+            </a:lnRef>
+            <a:fillRef idx="1">
+              <a:schemeClr val="accent1"/>
+            </a:fillRef>
+            <a:effectRef idx="0">
+              <a:schemeClr val="accent1"/>
+            </a:effectRef>
+            <a:fontRef idx="minor">
+              <a:schemeClr val="lt1"/>
+            </a:fontRef>
+          </p:style>
+        </p:sp>
+      </p:grpSp>
+      <p:sp useBgFill="1">
+        <p:nvSpPr>
+          <p:cNvPr id="40" name="Rectangle 39">
+            <a:extLst>
+              <a:ext uri="{FF2B5EF4-FFF2-40B4-BE49-F238E27FC236}">
+                <a16:creationId xmlns:a16="http://schemas.microsoft.com/office/drawing/2014/main" id="{3EEED5C0-82FC-41D3-A2F9-2A5E1C6DA538}"/>
+              </a:ext>
+              <a:ext uri="{C183D7F6-B498-43B3-948B-1728B52AA6E4}">
+                <adec:decorative xmlns:adec="http://schemas.microsoft.com/office/drawing/2017/decorative" val="1"/>
+              </a:ext>
+            </a:extLst>
+          </p:cNvPr>
+          <p:cNvSpPr>
+            <a:spLocks noGrp="1" noRot="1" noChangeAspect="1" noMove="1" noResize="1" noEditPoints="1" noAdjustHandles="1" noChangeArrowheads="1" noChangeShapeType="1" noTextEdit="1"/>
+          </p:cNvSpPr>
+          <p:nvPr>
+            <p:extLst>
+              <p:ext uri="{386F3935-93C4-4BCD-93E2-E3B085C9AB24}">
+                <p16:designElem xmlns:p16="http://schemas.microsoft.com/office/powerpoint/2015/main" val="1"/>
+              </p:ext>
+            </p:extLst>
+          </p:nvPr>
+        </p:nvSpPr>
+        <p:spPr>
+          <a:xfrm>
+            <a:off x="0" y="0"/>
+            <a:ext cx="12191695" cy="6858000"/>
+          </a:xfrm>
+          <a:prstGeom prst="rect">
+            <a:avLst/>
+          </a:prstGeom>
+          <a:ln>
+            <a:noFill/>
+          </a:ln>
+        </p:spPr>
+        <p:style>
+          <a:lnRef idx="2">
+            <a:schemeClr val="accent1">
+              <a:shade val="50000"/>
+            </a:schemeClr>
+          </a:lnRef>
+          <a:fillRef idx="1">
+            <a:schemeClr val="accent1"/>
+          </a:fillRef>
+          <a:effectRef idx="0">
+            <a:schemeClr val="accent1"/>
+          </a:effectRef>
+          <a:fontRef idx="minor">
+            <a:schemeClr val="lt1"/>
+          </a:fontRef>
+        </p:style>
+        <p:txBody>
+          <a:bodyPr rtlCol="0" anchor="ctr"/>
+          <a:lstStyle/>
+          <a:p>
+            <a:pPr algn="ctr"/>
+            <a:endParaRPr lang="en-US"/>
+          </a:p>
+        </p:txBody>
+      </p:sp>
+      <p:grpSp>
+        <p:nvGrpSpPr>
+          <p:cNvPr id="42" name="Group 41">
+            <a:extLst>
+              <a:ext uri="{FF2B5EF4-FFF2-40B4-BE49-F238E27FC236}">
+                <a16:creationId xmlns:a16="http://schemas.microsoft.com/office/drawing/2014/main" id="{0BC1A2CB-4A09-4F3D-A4B4-5F1622B1FF62}"/>
+              </a:ext>
+              <a:ext uri="{C183D7F6-B498-43B3-948B-1728B52AA6E4}">
+                <adec:decorative xmlns:adec="http://schemas.microsoft.com/office/drawing/2017/decorative" val="1"/>
+              </a:ext>
+            </a:extLst>
+          </p:cNvPr>
+          <p:cNvGrpSpPr>
+            <a:grpSpLocks noGrp="1" noUngrp="1" noRot="1" noChangeAspect="1" noMove="1" noResize="1"/>
+          </p:cNvGrpSpPr>
+          <p:nvPr>
+            <p:extLst>
+              <p:ext uri="{386F3935-93C4-4BCD-93E2-E3B085C9AB24}">
+                <p16:designElem xmlns:p16="http://schemas.microsoft.com/office/powerpoint/2015/main" val="1"/>
+              </p:ext>
+            </p:extLst>
+          </p:nvPr>
+        </p:nvGrpSpPr>
+        <p:grpSpPr>
+          <a:xfrm>
+            <a:off x="-329674" y="-59376"/>
+            <a:ext cx="12515851" cy="6923798"/>
+            <a:chOff x="-329674" y="-51881"/>
+            <a:chExt cx="12515851" cy="6923798"/>
+          </a:xfrm>
+        </p:grpSpPr>
+        <p:sp>
+          <p:nvSpPr>
+            <p:cNvPr id="43" name="Freeform 5">
+              <a:extLst>
+                <a:ext uri="{FF2B5EF4-FFF2-40B4-BE49-F238E27FC236}">
+                  <a16:creationId xmlns:a16="http://schemas.microsoft.com/office/drawing/2014/main" id="{1A43EF29-744B-47C8-9A77-DD63DE3CE882}"/>
+                </a:ext>
+                <a:ext uri="{C183D7F6-B498-43B3-948B-1728B52AA6E4}">
+                  <adec:decorative xmlns:adec="http://schemas.microsoft.com/office/drawing/2017/decorative" val="1"/>
+                </a:ext>
+              </a:extLst>
+            </p:cNvPr>
+            <p:cNvSpPr>
+              <a:spLocks/>
+            </p:cNvSpPr>
+            <p:nvPr>
+              <p:extLst>
+                <p:ext uri="{386F3935-93C4-4BCD-93E2-E3B085C9AB24}">
+                  <p16:designElem xmlns:p16="http://schemas.microsoft.com/office/powerpoint/2015/main" val="1"/>
+                </p:ext>
+              </p:extLst>
+            </p:nvPr>
+          </p:nvSpPr>
+          <p:spPr bwMode="auto">
+            <a:xfrm>
+              <a:off x="-329674" y="1298404"/>
+              <a:ext cx="9702800" cy="5573512"/>
+            </a:xfrm>
+            <a:custGeom>
+              <a:avLst/>
+              <a:gdLst>
+                <a:gd name="T0" fmla="*/ 1752 w 2038"/>
+                <a:gd name="T1" fmla="*/ 1169 h 1169"/>
+                <a:gd name="T2" fmla="*/ 1487 w 2038"/>
+                <a:gd name="T3" fmla="*/ 334 h 1169"/>
+                <a:gd name="T4" fmla="*/ 860 w 2038"/>
+                <a:gd name="T5" fmla="*/ 22 h 1169"/>
+                <a:gd name="T6" fmla="*/ 199 w 2038"/>
+                <a:gd name="T7" fmla="*/ 318 h 1169"/>
+                <a:gd name="T8" fmla="*/ 399 w 2038"/>
+                <a:gd name="T9" fmla="*/ 1165 h 1169"/>
+              </a:gdLst>
+              <a:ahLst/>
+              <a:cxnLst>
+                <a:cxn ang="0">
+                  <a:pos x="T0" y="T1"/>
+                </a:cxn>
+                <a:cxn ang="0">
+                  <a:pos x="T2" y="T3"/>
+                </a:cxn>
+                <a:cxn ang="0">
+                  <a:pos x="T4" y="T5"/>
+                </a:cxn>
+                <a:cxn ang="0">
+                  <a:pos x="T6" y="T7"/>
+                </a:cxn>
+                <a:cxn ang="0">
+                  <a:pos x="T8" y="T9"/>
+                </a:cxn>
+              </a:cxnLst>
+              <a:rect l="0" t="0" r="r" b="b"/>
+              <a:pathLst>
+                <a:path w="2038" h="1169">
+                  <a:moveTo>
+                    <a:pt x="1752" y="1169"/>
+                  </a:moveTo>
+                  <a:cubicBezTo>
+                    <a:pt x="2038" y="928"/>
+                    <a:pt x="1673" y="513"/>
+                    <a:pt x="1487" y="334"/>
+                  </a:cubicBezTo>
+                  <a:cubicBezTo>
+                    <a:pt x="1316" y="170"/>
+                    <a:pt x="1099" y="43"/>
+                    <a:pt x="860" y="22"/>
+                  </a:cubicBezTo>
+                  <a:cubicBezTo>
+                    <a:pt x="621" y="0"/>
+                    <a:pt x="341" y="128"/>
+                    <a:pt x="199" y="318"/>
+                  </a:cubicBezTo>
+                  <a:cubicBezTo>
+                    <a:pt x="0" y="586"/>
+                    <a:pt x="184" y="965"/>
+                    <a:pt x="399" y="1165"/>
+                  </a:cubicBezTo>
+                </a:path>
+              </a:pathLst>
+            </a:custGeom>
+            <a:noFill/>
+            <a:ln w="9525" cap="flat">
+              <a:solidFill>
+                <a:schemeClr val="tx1">
+                  <a:alpha val="20000"/>
+                </a:schemeClr>
+              </a:solidFill>
+              <a:prstDash val="solid"/>
+              <a:miter lim="800000"/>
+              <a:headEnd/>
+              <a:tailEnd/>
+            </a:ln>
+            <a:extLst>
+              <a:ext uri="{909E8E84-426E-40DD-AFC4-6F175D3DCCD1}">
+                <a14:hiddenFill xmlns:a14="http://schemas.microsoft.com/office/drawing/2010/main">
+                  <a:solidFill>
+                    <a:srgbClr val="FFFFFF"/>
+                  </a:solidFill>
+                </a14:hiddenFill>
+              </a:ext>
+            </a:extLst>
+          </p:spPr>
+          <p:txBody>
+            <a:bodyPr vert="horz" wrap="square" lIns="91440" tIns="45720" rIns="91440" bIns="45720" numCol="1" anchor="t" anchorCtr="0" compatLnSpc="1">
+              <a:prstTxWarp prst="textNoShape">
+                <a:avLst/>
+              </a:prstTxWarp>
+            </a:bodyPr>
+            <a:lstStyle/>
+            <a:p>
+              <a:endParaRPr lang="en-US"/>
+            </a:p>
+          </p:txBody>
+        </p:sp>
+        <p:sp>
+          <p:nvSpPr>
+            <p:cNvPr id="44" name="Freeform 6">
+              <a:extLst>
+                <a:ext uri="{FF2B5EF4-FFF2-40B4-BE49-F238E27FC236}">
+                  <a16:creationId xmlns:a16="http://schemas.microsoft.com/office/drawing/2014/main" id="{DF44FED0-5B36-42C6-85A7-B8E1C2F0A636}"/>
+                </a:ext>
+                <a:ext uri="{C183D7F6-B498-43B3-948B-1728B52AA6E4}">
+                  <adec:decorative xmlns:adec="http://schemas.microsoft.com/office/drawing/2017/decorative" val="1"/>
+                </a:ext>
+              </a:extLst>
+            </p:cNvPr>
+            <p:cNvSpPr>
+              <a:spLocks/>
+            </p:cNvSpPr>
+            <p:nvPr>
+              <p:extLst>
+                <p:ext uri="{386F3935-93C4-4BCD-93E2-E3B085C9AB24}">
+                  <p16:designElem xmlns:p16="http://schemas.microsoft.com/office/powerpoint/2015/main" val="1"/>
+                </p:ext>
+              </p:extLst>
+            </p:nvPr>
+          </p:nvSpPr>
+          <p:spPr bwMode="auto">
+            <a:xfrm>
+              <a:off x="670451" y="2018236"/>
+              <a:ext cx="7373938" cy="4848892"/>
+            </a:xfrm>
+            <a:custGeom>
+              <a:avLst/>
+              <a:gdLst>
+                <a:gd name="T0" fmla="*/ 1025 w 1549"/>
+                <a:gd name="T1" fmla="*/ 1016 h 1017"/>
+                <a:gd name="T2" fmla="*/ 1443 w 1549"/>
+                <a:gd name="T3" fmla="*/ 592 h 1017"/>
+                <a:gd name="T4" fmla="*/ 782 w 1549"/>
+                <a:gd name="T5" fmla="*/ 53 h 1017"/>
+                <a:gd name="T6" fmla="*/ 150 w 1549"/>
+                <a:gd name="T7" fmla="*/ 329 h 1017"/>
+                <a:gd name="T8" fmla="*/ 477 w 1549"/>
+                <a:gd name="T9" fmla="*/ 1017 h 1017"/>
+              </a:gdLst>
+              <a:ahLst/>
+              <a:cxnLst>
+                <a:cxn ang="0">
+                  <a:pos x="T0" y="T1"/>
+                </a:cxn>
+                <a:cxn ang="0">
+                  <a:pos x="T2" y="T3"/>
+                </a:cxn>
+                <a:cxn ang="0">
+                  <a:pos x="T4" y="T5"/>
+                </a:cxn>
+                <a:cxn ang="0">
+                  <a:pos x="T6" y="T7"/>
+                </a:cxn>
+                <a:cxn ang="0">
+                  <a:pos x="T8" y="T9"/>
+                </a:cxn>
+              </a:cxnLst>
+              <a:rect l="0" t="0" r="r" b="b"/>
+              <a:pathLst>
+                <a:path w="1549" h="1017">
+                  <a:moveTo>
+                    <a:pt x="1025" y="1016"/>
+                  </a:moveTo>
+                  <a:cubicBezTo>
+                    <a:pt x="1223" y="971"/>
+                    <a:pt x="1549" y="857"/>
+                    <a:pt x="1443" y="592"/>
+                  </a:cubicBezTo>
+                  <a:cubicBezTo>
+                    <a:pt x="1344" y="344"/>
+                    <a:pt x="1041" y="111"/>
+                    <a:pt x="782" y="53"/>
+                  </a:cubicBezTo>
+                  <a:cubicBezTo>
+                    <a:pt x="545" y="0"/>
+                    <a:pt x="275" y="117"/>
+                    <a:pt x="150" y="329"/>
+                  </a:cubicBezTo>
+                  <a:cubicBezTo>
+                    <a:pt x="0" y="584"/>
+                    <a:pt x="243" y="911"/>
+                    <a:pt x="477" y="1017"/>
+                  </a:cubicBezTo>
+                </a:path>
+              </a:pathLst>
+            </a:custGeom>
+            <a:noFill/>
+            <a:ln w="9525" cap="flat">
+              <a:solidFill>
+                <a:schemeClr val="tx1">
+                  <a:alpha val="20000"/>
+                </a:schemeClr>
+              </a:solidFill>
+              <a:prstDash val="solid"/>
+              <a:miter lim="800000"/>
+              <a:headEnd/>
+              <a:tailEnd/>
+            </a:ln>
+            <a:extLst>
+              <a:ext uri="{909E8E84-426E-40DD-AFC4-6F175D3DCCD1}">
+                <a14:hiddenFill xmlns:a14="http://schemas.microsoft.com/office/drawing/2010/main">
+                  <a:solidFill>
+                    <a:srgbClr val="FFFFFF"/>
+                  </a:solidFill>
+                </a14:hiddenFill>
+              </a:ext>
+            </a:extLst>
+          </p:spPr>
+          <p:txBody>
+            <a:bodyPr vert="horz" wrap="square" lIns="91440" tIns="45720" rIns="91440" bIns="45720" numCol="1" anchor="t" anchorCtr="0" compatLnSpc="1">
+              <a:prstTxWarp prst="textNoShape">
+                <a:avLst/>
+              </a:prstTxWarp>
+            </a:bodyPr>
+            <a:lstStyle/>
+            <a:p>
+              <a:endParaRPr lang="en-US"/>
+            </a:p>
+          </p:txBody>
+        </p:sp>
+        <p:sp>
+          <p:nvSpPr>
+            <p:cNvPr id="45" name="Freeform 7">
+              <a:extLst>
+                <a:ext uri="{FF2B5EF4-FFF2-40B4-BE49-F238E27FC236}">
+                  <a16:creationId xmlns:a16="http://schemas.microsoft.com/office/drawing/2014/main" id="{87A359F0-AFC4-4225-A933-ABC5A4312925}"/>
+                </a:ext>
+                <a:ext uri="{C183D7F6-B498-43B3-948B-1728B52AA6E4}">
+                  <adec:decorative xmlns:adec="http://schemas.microsoft.com/office/drawing/2017/decorative" val="1"/>
+                </a:ext>
+              </a:extLst>
+            </p:cNvPr>
+            <p:cNvSpPr>
+              <a:spLocks/>
+            </p:cNvSpPr>
+            <p:nvPr>
+              <p:extLst>
+                <p:ext uri="{386F3935-93C4-4BCD-93E2-E3B085C9AB24}">
+                  <p16:designElem xmlns:p16="http://schemas.microsoft.com/office/powerpoint/2015/main" val="1"/>
+                </p:ext>
+              </p:extLst>
+            </p:nvPr>
+          </p:nvSpPr>
+          <p:spPr bwMode="auto">
+            <a:xfrm>
+              <a:off x="251351" y="1788400"/>
+              <a:ext cx="8035925" cy="5083516"/>
+            </a:xfrm>
+            <a:custGeom>
+              <a:avLst/>
+              <a:gdLst>
+                <a:gd name="T0" fmla="*/ 1302 w 1688"/>
+                <a:gd name="T1" fmla="*/ 1066 h 1066"/>
+                <a:gd name="T2" fmla="*/ 1613 w 1688"/>
+                <a:gd name="T3" fmla="*/ 850 h 1066"/>
+                <a:gd name="T4" fmla="*/ 1517 w 1688"/>
+                <a:gd name="T5" fmla="*/ 471 h 1066"/>
+                <a:gd name="T6" fmla="*/ 798 w 1688"/>
+                <a:gd name="T7" fmla="*/ 28 h 1066"/>
+                <a:gd name="T8" fmla="*/ 181 w 1688"/>
+                <a:gd name="T9" fmla="*/ 333 h 1066"/>
+                <a:gd name="T10" fmla="*/ 420 w 1688"/>
+                <a:gd name="T11" fmla="*/ 1066 h 1066"/>
+              </a:gdLst>
+              <a:ahLst/>
+              <a:cxnLst>
+                <a:cxn ang="0">
+                  <a:pos x="T0" y="T1"/>
+                </a:cxn>
+                <a:cxn ang="0">
+                  <a:pos x="T2" y="T3"/>
+                </a:cxn>
+                <a:cxn ang="0">
+                  <a:pos x="T4" y="T5"/>
+                </a:cxn>
+                <a:cxn ang="0">
+                  <a:pos x="T6" y="T7"/>
+                </a:cxn>
+                <a:cxn ang="0">
+                  <a:pos x="T8" y="T9"/>
+                </a:cxn>
+                <a:cxn ang="0">
+                  <a:pos x="T10" y="T11"/>
+                </a:cxn>
+              </a:cxnLst>
+              <a:rect l="0" t="0" r="r" b="b"/>
+              <a:pathLst>
+                <a:path w="1688" h="1066">
+                  <a:moveTo>
+                    <a:pt x="1302" y="1066"/>
+                  </a:moveTo>
+                  <a:cubicBezTo>
+                    <a:pt x="1416" y="1024"/>
+                    <a:pt x="1551" y="962"/>
+                    <a:pt x="1613" y="850"/>
+                  </a:cubicBezTo>
+                  <a:cubicBezTo>
+                    <a:pt x="1688" y="715"/>
+                    <a:pt x="1606" y="575"/>
+                    <a:pt x="1517" y="471"/>
+                  </a:cubicBezTo>
+                  <a:cubicBezTo>
+                    <a:pt x="1336" y="258"/>
+                    <a:pt x="1084" y="62"/>
+                    <a:pt x="798" y="28"/>
+                  </a:cubicBezTo>
+                  <a:cubicBezTo>
+                    <a:pt x="559" y="0"/>
+                    <a:pt x="317" y="138"/>
+                    <a:pt x="181" y="333"/>
+                  </a:cubicBezTo>
+                  <a:cubicBezTo>
+                    <a:pt x="0" y="592"/>
+                    <a:pt x="191" y="907"/>
+                    <a:pt x="420" y="1066"/>
+                  </a:cubicBezTo>
+                </a:path>
+              </a:pathLst>
+            </a:custGeom>
+            <a:noFill/>
+            <a:ln w="9525" cap="flat">
+              <a:solidFill>
+                <a:schemeClr val="tx1">
+                  <a:alpha val="20000"/>
+                </a:schemeClr>
+              </a:solidFill>
+              <a:prstDash val="dash"/>
+              <a:miter lim="800000"/>
+              <a:headEnd/>
+              <a:tailEnd/>
+            </a:ln>
+            <a:extLst>
+              <a:ext uri="{909E8E84-426E-40DD-AFC4-6F175D3DCCD1}">
+                <a14:hiddenFill xmlns:a14="http://schemas.microsoft.com/office/drawing/2010/main">
+                  <a:solidFill>
+                    <a:srgbClr val="FFFFFF"/>
+                  </a:solidFill>
+                </a14:hiddenFill>
+              </a:ext>
+            </a:extLst>
+          </p:spPr>
+          <p:txBody>
+            <a:bodyPr vert="horz" wrap="square" lIns="91440" tIns="45720" rIns="91440" bIns="45720" numCol="1" anchor="t" anchorCtr="0" compatLnSpc="1">
+              <a:prstTxWarp prst="textNoShape">
+                <a:avLst/>
+              </a:prstTxWarp>
+            </a:bodyPr>
+            <a:lstStyle/>
+            <a:p>
+              <a:endParaRPr lang="en-US"/>
+            </a:p>
+          </p:txBody>
+        </p:sp>
+        <p:sp>
+          <p:nvSpPr>
+            <p:cNvPr id="46" name="Freeform 8">
+              <a:extLst>
+                <a:ext uri="{FF2B5EF4-FFF2-40B4-BE49-F238E27FC236}">
+                  <a16:creationId xmlns:a16="http://schemas.microsoft.com/office/drawing/2014/main" id="{87E2A626-28AB-42FD-8589-4C0D7BBE9B82}"/>
+                </a:ext>
+                <a:ext uri="{C183D7F6-B498-43B3-948B-1728B52AA6E4}">
+                  <adec:decorative xmlns:adec="http://schemas.microsoft.com/office/drawing/2017/decorative" val="1"/>
+                </a:ext>
+              </a:extLst>
+            </p:cNvPr>
+            <p:cNvSpPr>
+              <a:spLocks/>
+            </p:cNvSpPr>
+            <p:nvPr>
+              <p:extLst>
+                <p:ext uri="{386F3935-93C4-4BCD-93E2-E3B085C9AB24}">
+                  <p16:designElem xmlns:p16="http://schemas.microsoft.com/office/powerpoint/2015/main" val="1"/>
+                </p:ext>
+              </p:extLst>
+            </p:nvPr>
+          </p:nvSpPr>
+          <p:spPr bwMode="auto">
+            <a:xfrm>
+              <a:off x="-1061" y="549842"/>
+              <a:ext cx="10334625" cy="6322075"/>
+            </a:xfrm>
+            <a:custGeom>
+              <a:avLst/>
+              <a:gdLst>
+                <a:gd name="T0" fmla="*/ 1873 w 2171"/>
+                <a:gd name="T1" fmla="*/ 1326 h 1326"/>
+                <a:gd name="T2" fmla="*/ 1609 w 2171"/>
+                <a:gd name="T3" fmla="*/ 473 h 1326"/>
+                <a:gd name="T4" fmla="*/ 880 w 2171"/>
+                <a:gd name="T5" fmla="*/ 63 h 1326"/>
+                <a:gd name="T6" fmla="*/ 0 w 2171"/>
+                <a:gd name="T7" fmla="*/ 423 h 1326"/>
+              </a:gdLst>
+              <a:ahLst/>
+              <a:cxnLst>
+                <a:cxn ang="0">
+                  <a:pos x="T0" y="T1"/>
+                </a:cxn>
+                <a:cxn ang="0">
+                  <a:pos x="T2" y="T3"/>
+                </a:cxn>
+                <a:cxn ang="0">
+                  <a:pos x="T4" y="T5"/>
+                </a:cxn>
+                <a:cxn ang="0">
+                  <a:pos x="T6" y="T7"/>
+                </a:cxn>
+              </a:cxnLst>
+              <a:rect l="0" t="0" r="r" b="b"/>
+              <a:pathLst>
+                <a:path w="2171" h="1326">
+                  <a:moveTo>
+                    <a:pt x="1873" y="1326"/>
+                  </a:moveTo>
+                  <a:cubicBezTo>
+                    <a:pt x="2171" y="1045"/>
+                    <a:pt x="1825" y="678"/>
+                    <a:pt x="1609" y="473"/>
+                  </a:cubicBezTo>
+                  <a:cubicBezTo>
+                    <a:pt x="1406" y="281"/>
+                    <a:pt x="1159" y="116"/>
+                    <a:pt x="880" y="63"/>
+                  </a:cubicBezTo>
+                  <a:cubicBezTo>
+                    <a:pt x="545" y="0"/>
+                    <a:pt x="214" y="161"/>
+                    <a:pt x="0" y="423"/>
+                  </a:cubicBezTo>
+                </a:path>
+              </a:pathLst>
+            </a:custGeom>
+            <a:noFill/>
+            <a:ln w="9525" cap="flat">
+              <a:solidFill>
+                <a:schemeClr val="tx1">
+                  <a:alpha val="20000"/>
+                </a:schemeClr>
+              </a:solidFill>
+              <a:prstDash val="solid"/>
+              <a:miter lim="800000"/>
+              <a:headEnd/>
+              <a:tailEnd/>
+            </a:ln>
+            <a:extLst>
+              <a:ext uri="{909E8E84-426E-40DD-AFC4-6F175D3DCCD1}">
+                <a14:hiddenFill xmlns:a14="http://schemas.microsoft.com/office/drawing/2010/main">
+                  <a:solidFill>
+                    <a:srgbClr val="FFFFFF"/>
+                  </a:solidFill>
+                </a14:hiddenFill>
+              </a:ext>
+            </a:extLst>
+          </p:spPr>
+          <p:txBody>
+            <a:bodyPr vert="horz" wrap="square" lIns="91440" tIns="45720" rIns="91440" bIns="45720" numCol="1" anchor="t" anchorCtr="0" compatLnSpc="1">
+              <a:prstTxWarp prst="textNoShape">
+                <a:avLst/>
+              </a:prstTxWarp>
+            </a:bodyPr>
+            <a:lstStyle/>
+            <a:p>
+              <a:endParaRPr lang="en-US"/>
+            </a:p>
+          </p:txBody>
+        </p:sp>
+        <p:sp>
+          <p:nvSpPr>
+            <p:cNvPr id="47" name="Freeform 9">
+              <a:extLst>
+                <a:ext uri="{FF2B5EF4-FFF2-40B4-BE49-F238E27FC236}">
+                  <a16:creationId xmlns:a16="http://schemas.microsoft.com/office/drawing/2014/main" id="{88A08255-D434-447A-94F9-2E53CA3EA6B7}"/>
+                </a:ext>
+                <a:ext uri="{C183D7F6-B498-43B3-948B-1728B52AA6E4}">
+                  <adec:decorative xmlns:adec="http://schemas.microsoft.com/office/drawing/2017/decorative" val="1"/>
+                </a:ext>
+              </a:extLst>
+            </p:cNvPr>
+            <p:cNvSpPr>
+              <a:spLocks/>
+            </p:cNvSpPr>
+            <p:nvPr>
+              <p:extLst>
+                <p:ext uri="{386F3935-93C4-4BCD-93E2-E3B085C9AB24}">
+                  <p16:designElem xmlns:p16="http://schemas.microsoft.com/office/powerpoint/2015/main" val="1"/>
+                </p:ext>
+              </p:extLst>
+            </p:nvPr>
+          </p:nvSpPr>
+          <p:spPr bwMode="auto">
+            <a:xfrm>
+              <a:off x="3701" y="6186246"/>
+              <a:ext cx="504825" cy="681527"/>
+            </a:xfrm>
+            <a:custGeom>
+              <a:avLst/>
+              <a:gdLst>
+                <a:gd name="T0" fmla="*/ 0 w 106"/>
+                <a:gd name="T1" fmla="*/ 0 h 143"/>
+                <a:gd name="T2" fmla="*/ 106 w 106"/>
+                <a:gd name="T3" fmla="*/ 143 h 143"/>
+              </a:gdLst>
+              <a:ahLst/>
+              <a:cxnLst>
+                <a:cxn ang="0">
+                  <a:pos x="T0" y="T1"/>
+                </a:cxn>
+                <a:cxn ang="0">
+                  <a:pos x="T2" y="T3"/>
+                </a:cxn>
+              </a:cxnLst>
+              <a:rect l="0" t="0" r="r" b="b"/>
+              <a:pathLst>
+                <a:path w="106" h="143">
+                  <a:moveTo>
+                    <a:pt x="0" y="0"/>
+                  </a:moveTo>
+                  <a:cubicBezTo>
+                    <a:pt x="35" y="54"/>
+                    <a:pt x="70" y="101"/>
+                    <a:pt x="106" y="143"/>
+                  </a:cubicBezTo>
+                </a:path>
+              </a:pathLst>
+            </a:custGeom>
+            <a:noFill/>
+            <a:ln w="4763" cap="flat">
+              <a:solidFill>
+                <a:schemeClr val="tx1">
+                  <a:alpha val="20000"/>
+                </a:schemeClr>
+              </a:solidFill>
+              <a:prstDash val="solid"/>
+              <a:miter lim="800000"/>
+              <a:headEnd/>
+              <a:tailEnd/>
+            </a:ln>
+            <a:extLst>
+              <a:ext uri="{909E8E84-426E-40DD-AFC4-6F175D3DCCD1}">
+                <a14:hiddenFill xmlns:a14="http://schemas.microsoft.com/office/drawing/2010/main">
+                  <a:solidFill>
+                    <a:srgbClr val="FFFFFF"/>
+                  </a:solidFill>
+                </a14:hiddenFill>
+              </a:ext>
+            </a:extLst>
+          </p:spPr>
+          <p:txBody>
+            <a:bodyPr vert="horz" wrap="square" lIns="91440" tIns="45720" rIns="91440" bIns="45720" numCol="1" anchor="t" anchorCtr="0" compatLnSpc="1">
+              <a:prstTxWarp prst="textNoShape">
+                <a:avLst/>
+              </a:prstTxWarp>
+            </a:bodyPr>
+            <a:lstStyle/>
+            <a:p>
+              <a:endParaRPr lang="en-US"/>
+            </a:p>
+          </p:txBody>
+        </p:sp>
+        <p:sp>
+          <p:nvSpPr>
+            <p:cNvPr id="48" name="Freeform 10">
+              <a:extLst>
+                <a:ext uri="{FF2B5EF4-FFF2-40B4-BE49-F238E27FC236}">
+                  <a16:creationId xmlns:a16="http://schemas.microsoft.com/office/drawing/2014/main" id="{0C1DE278-D01A-47CF-9BB1-70717D22B6A4}"/>
+                </a:ext>
+                <a:ext uri="{C183D7F6-B498-43B3-948B-1728B52AA6E4}">
+                  <adec:decorative xmlns:adec="http://schemas.microsoft.com/office/drawing/2017/decorative" val="1"/>
+                </a:ext>
+              </a:extLst>
+            </p:cNvPr>
+            <p:cNvSpPr>
+              <a:spLocks/>
+            </p:cNvSpPr>
+            <p:nvPr>
+              <p:extLst>
+                <p:ext uri="{386F3935-93C4-4BCD-93E2-E3B085C9AB24}">
+                  <p16:designElem xmlns:p16="http://schemas.microsoft.com/office/powerpoint/2015/main" val="1"/>
+                </p:ext>
+              </p:extLst>
+            </p:nvPr>
+          </p:nvSpPr>
+          <p:spPr bwMode="auto">
+            <a:xfrm>
+              <a:off x="-1061" y="-51881"/>
+              <a:ext cx="11091863" cy="6923796"/>
+            </a:xfrm>
+            <a:custGeom>
+              <a:avLst/>
+              <a:gdLst>
+                <a:gd name="T0" fmla="*/ 2046 w 2330"/>
+                <a:gd name="T1" fmla="*/ 1452 h 1452"/>
+                <a:gd name="T2" fmla="*/ 1813 w 2330"/>
+                <a:gd name="T3" fmla="*/ 601 h 1452"/>
+                <a:gd name="T4" fmla="*/ 956 w 2330"/>
+                <a:gd name="T5" fmla="*/ 97 h 1452"/>
+                <a:gd name="T6" fmla="*/ 0 w 2330"/>
+                <a:gd name="T7" fmla="*/ 366 h 1452"/>
+              </a:gdLst>
+              <a:ahLst/>
+              <a:cxnLst>
+                <a:cxn ang="0">
+                  <a:pos x="T0" y="T1"/>
+                </a:cxn>
+                <a:cxn ang="0">
+                  <a:pos x="T2" y="T3"/>
+                </a:cxn>
+                <a:cxn ang="0">
+                  <a:pos x="T4" y="T5"/>
+                </a:cxn>
+                <a:cxn ang="0">
+                  <a:pos x="T6" y="T7"/>
+                </a:cxn>
+              </a:cxnLst>
+              <a:rect l="0" t="0" r="r" b="b"/>
+              <a:pathLst>
+                <a:path w="2330" h="1452">
+                  <a:moveTo>
+                    <a:pt x="2046" y="1452"/>
+                  </a:moveTo>
+                  <a:cubicBezTo>
+                    <a:pt x="2330" y="1153"/>
+                    <a:pt x="2049" y="821"/>
+                    <a:pt x="1813" y="601"/>
+                  </a:cubicBezTo>
+                  <a:cubicBezTo>
+                    <a:pt x="1569" y="375"/>
+                    <a:pt x="1282" y="179"/>
+                    <a:pt x="956" y="97"/>
+                  </a:cubicBezTo>
+                  <a:cubicBezTo>
+                    <a:pt x="572" y="0"/>
+                    <a:pt x="292" y="101"/>
+                    <a:pt x="0" y="366"/>
+                  </a:cubicBezTo>
+                </a:path>
+              </a:pathLst>
+            </a:custGeom>
+            <a:noFill/>
+            <a:ln w="9525" cap="flat">
+              <a:solidFill>
+                <a:schemeClr val="tx1">
+                  <a:alpha val="20000"/>
+                </a:schemeClr>
+              </a:solidFill>
+              <a:prstDash val="solid"/>
+              <a:miter lim="800000"/>
+              <a:headEnd/>
+              <a:tailEnd/>
+            </a:ln>
+            <a:extLst>
+              <a:ext uri="{909E8E84-426E-40DD-AFC4-6F175D3DCCD1}">
+                <a14:hiddenFill xmlns:a14="http://schemas.microsoft.com/office/drawing/2010/main">
+                  <a:solidFill>
+                    <a:srgbClr val="FFFFFF"/>
+                  </a:solidFill>
+                </a14:hiddenFill>
+              </a:ext>
+            </a:extLst>
+          </p:spPr>
+          <p:txBody>
+            <a:bodyPr vert="horz" wrap="square" lIns="91440" tIns="45720" rIns="91440" bIns="45720" numCol="1" anchor="t" anchorCtr="0" compatLnSpc="1">
+              <a:prstTxWarp prst="textNoShape">
+                <a:avLst/>
+              </a:prstTxWarp>
+            </a:bodyPr>
+            <a:lstStyle/>
+            <a:p>
+              <a:endParaRPr lang="en-US"/>
+            </a:p>
+          </p:txBody>
+        </p:sp>
+        <p:sp>
+          <p:nvSpPr>
+            <p:cNvPr id="49" name="Freeform 11">
+              <a:extLst>
+                <a:ext uri="{FF2B5EF4-FFF2-40B4-BE49-F238E27FC236}">
+                  <a16:creationId xmlns:a16="http://schemas.microsoft.com/office/drawing/2014/main" id="{5058907E-070F-43A5-B8BC-D5FCCEB2A57B}"/>
+                </a:ext>
+                <a:ext uri="{C183D7F6-B498-43B3-948B-1728B52AA6E4}">
+                  <adec:decorative xmlns:adec="http://schemas.microsoft.com/office/drawing/2017/decorative" val="1"/>
+                </a:ext>
+              </a:extLst>
+            </p:cNvPr>
+            <p:cNvSpPr>
+              <a:spLocks/>
+            </p:cNvSpPr>
+            <p:nvPr>
+              <p:extLst>
+                <p:ext uri="{386F3935-93C4-4BCD-93E2-E3B085C9AB24}">
+                  <p16:designElem xmlns:p16="http://schemas.microsoft.com/office/powerpoint/2015/main" val="1"/>
+                </p:ext>
+              </p:extLst>
+            </p:nvPr>
+          </p:nvSpPr>
+          <p:spPr bwMode="auto">
+            <a:xfrm>
+              <a:off x="5426601" y="5579"/>
+              <a:ext cx="5788025" cy="6847184"/>
+            </a:xfrm>
+            <a:custGeom>
+              <a:avLst/>
+              <a:gdLst>
+                <a:gd name="T0" fmla="*/ 1094 w 1216"/>
+                <a:gd name="T1" fmla="*/ 1436 h 1436"/>
+                <a:gd name="T2" fmla="*/ 709 w 1216"/>
+                <a:gd name="T3" fmla="*/ 551 h 1436"/>
+                <a:gd name="T4" fmla="*/ 0 w 1216"/>
+                <a:gd name="T5" fmla="*/ 0 h 1436"/>
+              </a:gdLst>
+              <a:ahLst/>
+              <a:cxnLst>
+                <a:cxn ang="0">
+                  <a:pos x="T0" y="T1"/>
+                </a:cxn>
+                <a:cxn ang="0">
+                  <a:pos x="T2" y="T3"/>
+                </a:cxn>
+                <a:cxn ang="0">
+                  <a:pos x="T4" y="T5"/>
+                </a:cxn>
+              </a:cxnLst>
+              <a:rect l="0" t="0" r="r" b="b"/>
+              <a:pathLst>
+                <a:path w="1216" h="1436">
+                  <a:moveTo>
+                    <a:pt x="1094" y="1436"/>
+                  </a:moveTo>
+                  <a:cubicBezTo>
+                    <a:pt x="1216" y="1114"/>
+                    <a:pt x="904" y="770"/>
+                    <a:pt x="709" y="551"/>
+                  </a:cubicBezTo>
+                  <a:cubicBezTo>
+                    <a:pt x="509" y="327"/>
+                    <a:pt x="274" y="127"/>
+                    <a:pt x="0" y="0"/>
+                  </a:cubicBezTo>
+                </a:path>
+              </a:pathLst>
+            </a:custGeom>
+            <a:noFill/>
+            <a:ln w="9525" cap="flat">
+              <a:solidFill>
+                <a:schemeClr val="tx1">
+                  <a:alpha val="20000"/>
+                </a:schemeClr>
+              </a:solidFill>
+              <a:prstDash val="solid"/>
+              <a:miter lim="800000"/>
+              <a:headEnd/>
+              <a:tailEnd/>
+            </a:ln>
+            <a:extLst>
+              <a:ext uri="{909E8E84-426E-40DD-AFC4-6F175D3DCCD1}">
+                <a14:hiddenFill xmlns:a14="http://schemas.microsoft.com/office/drawing/2010/main">
+                  <a:solidFill>
+                    <a:srgbClr val="FFFFFF"/>
+                  </a:solidFill>
+                </a14:hiddenFill>
+              </a:ext>
+            </a:extLst>
+          </p:spPr>
+          <p:txBody>
+            <a:bodyPr vert="horz" wrap="square" lIns="91440" tIns="45720" rIns="91440" bIns="45720" numCol="1" anchor="t" anchorCtr="0" compatLnSpc="1">
+              <a:prstTxWarp prst="textNoShape">
+                <a:avLst/>
+              </a:prstTxWarp>
+            </a:bodyPr>
+            <a:lstStyle/>
+            <a:p>
+              <a:endParaRPr lang="en-US"/>
+            </a:p>
+          </p:txBody>
+        </p:sp>
+        <p:sp>
+          <p:nvSpPr>
+            <p:cNvPr id="50" name="Freeform 12">
+              <a:extLst>
+                <a:ext uri="{FF2B5EF4-FFF2-40B4-BE49-F238E27FC236}">
+                  <a16:creationId xmlns:a16="http://schemas.microsoft.com/office/drawing/2014/main" id="{D62D53AC-31CA-4F19-88C4-C3495438A5D4}"/>
+                </a:ext>
+                <a:ext uri="{C183D7F6-B498-43B3-948B-1728B52AA6E4}">
+                  <adec:decorative xmlns:adec="http://schemas.microsoft.com/office/drawing/2017/decorative" val="1"/>
+                </a:ext>
+              </a:extLst>
+            </p:cNvPr>
+            <p:cNvSpPr>
+              <a:spLocks/>
+            </p:cNvSpPr>
+            <p:nvPr>
+              <p:extLst>
+                <p:ext uri="{386F3935-93C4-4BCD-93E2-E3B085C9AB24}">
+                  <p16:designElem xmlns:p16="http://schemas.microsoft.com/office/powerpoint/2015/main" val="1"/>
+                </p:ext>
+              </p:extLst>
+            </p:nvPr>
+          </p:nvSpPr>
+          <p:spPr bwMode="auto">
+            <a:xfrm>
+              <a:off x="-1061" y="5579"/>
+              <a:ext cx="1057275" cy="614491"/>
+            </a:xfrm>
+            <a:custGeom>
+              <a:avLst/>
+              <a:gdLst>
+                <a:gd name="T0" fmla="*/ 222 w 222"/>
+                <a:gd name="T1" fmla="*/ 0 h 129"/>
+                <a:gd name="T2" fmla="*/ 0 w 222"/>
+                <a:gd name="T3" fmla="*/ 129 h 129"/>
+              </a:gdLst>
+              <a:ahLst/>
+              <a:cxnLst>
+                <a:cxn ang="0">
+                  <a:pos x="T0" y="T1"/>
+                </a:cxn>
+                <a:cxn ang="0">
+                  <a:pos x="T2" y="T3"/>
+                </a:cxn>
+              </a:cxnLst>
+              <a:rect l="0" t="0" r="r" b="b"/>
+              <a:pathLst>
+                <a:path w="222" h="129">
+                  <a:moveTo>
+                    <a:pt x="222" y="0"/>
+                  </a:moveTo>
+                  <a:cubicBezTo>
+                    <a:pt x="152" y="35"/>
+                    <a:pt x="76" y="78"/>
+                    <a:pt x="0" y="129"/>
+                  </a:cubicBezTo>
+                </a:path>
+              </a:pathLst>
+            </a:custGeom>
+            <a:noFill/>
+            <a:ln w="9525" cap="flat">
+              <a:solidFill>
+                <a:schemeClr val="tx1">
+                  <a:alpha val="20000"/>
+                </a:schemeClr>
+              </a:solidFill>
+              <a:prstDash val="solid"/>
+              <a:miter lim="800000"/>
+              <a:headEnd/>
+              <a:tailEnd/>
+            </a:ln>
+            <a:extLst>
+              <a:ext uri="{909E8E84-426E-40DD-AFC4-6F175D3DCCD1}">
+                <a14:hiddenFill xmlns:a14="http://schemas.microsoft.com/office/drawing/2010/main">
+                  <a:solidFill>
+                    <a:srgbClr val="FFFFFF"/>
+                  </a:solidFill>
+                </a14:hiddenFill>
+              </a:ext>
+            </a:extLst>
+          </p:spPr>
+          <p:txBody>
+            <a:bodyPr vert="horz" wrap="square" lIns="91440" tIns="45720" rIns="91440" bIns="45720" numCol="1" anchor="t" anchorCtr="0" compatLnSpc="1">
+              <a:prstTxWarp prst="textNoShape">
+                <a:avLst/>
+              </a:prstTxWarp>
+            </a:bodyPr>
+            <a:lstStyle/>
+            <a:p>
+              <a:endParaRPr lang="en-US"/>
+            </a:p>
+          </p:txBody>
+        </p:sp>
+        <p:sp>
+          <p:nvSpPr>
+            <p:cNvPr id="51" name="Freeform 13">
+              <a:extLst>
+                <a:ext uri="{FF2B5EF4-FFF2-40B4-BE49-F238E27FC236}">
+                  <a16:creationId xmlns:a16="http://schemas.microsoft.com/office/drawing/2014/main" id="{5265081A-8907-436B-9429-36E368E92923}"/>
+                </a:ext>
+                <a:ext uri="{C183D7F6-B498-43B3-948B-1728B52AA6E4}">
+                  <adec:decorative xmlns:adec="http://schemas.microsoft.com/office/drawing/2017/decorative" val="1"/>
+                </a:ext>
+              </a:extLst>
+            </p:cNvPr>
+            <p:cNvSpPr>
+              <a:spLocks/>
+            </p:cNvSpPr>
+            <p:nvPr>
+              <p:extLst>
+                <p:ext uri="{386F3935-93C4-4BCD-93E2-E3B085C9AB24}">
+                  <p16:designElem xmlns:p16="http://schemas.microsoft.com/office/powerpoint/2015/main" val="1"/>
+                </p:ext>
+              </p:extLst>
+            </p:nvPr>
+          </p:nvSpPr>
+          <p:spPr bwMode="auto">
+            <a:xfrm>
+              <a:off x="5821889" y="5579"/>
+              <a:ext cx="5588000" cy="6866337"/>
+            </a:xfrm>
+            <a:custGeom>
+              <a:avLst/>
+              <a:gdLst>
+                <a:gd name="T0" fmla="*/ 1067 w 1174"/>
+                <a:gd name="T1" fmla="*/ 1440 h 1440"/>
+                <a:gd name="T2" fmla="*/ 698 w 1174"/>
+                <a:gd name="T3" fmla="*/ 577 h 1440"/>
+                <a:gd name="T4" fmla="*/ 0 w 1174"/>
+                <a:gd name="T5" fmla="*/ 0 h 1440"/>
+              </a:gdLst>
+              <a:ahLst/>
+              <a:cxnLst>
+                <a:cxn ang="0">
+                  <a:pos x="T0" y="T1"/>
+                </a:cxn>
+                <a:cxn ang="0">
+                  <a:pos x="T2" y="T3"/>
+                </a:cxn>
+                <a:cxn ang="0">
+                  <a:pos x="T4" y="T5"/>
+                </a:cxn>
+              </a:cxnLst>
+              <a:rect l="0" t="0" r="r" b="b"/>
+              <a:pathLst>
+                <a:path w="1174" h="1440">
+                  <a:moveTo>
+                    <a:pt x="1067" y="1440"/>
+                  </a:moveTo>
+                  <a:cubicBezTo>
+                    <a:pt x="1174" y="1124"/>
+                    <a:pt x="887" y="797"/>
+                    <a:pt x="698" y="577"/>
+                  </a:cubicBezTo>
+                  <a:cubicBezTo>
+                    <a:pt x="500" y="348"/>
+                    <a:pt x="270" y="141"/>
+                    <a:pt x="0" y="0"/>
+                  </a:cubicBezTo>
+                </a:path>
+              </a:pathLst>
+            </a:custGeom>
+            <a:noFill/>
+            <a:ln w="9525" cap="flat">
+              <a:solidFill>
+                <a:schemeClr val="tx1">
+                  <a:alpha val="20000"/>
+                </a:schemeClr>
+              </a:solidFill>
+              <a:prstDash val="dash"/>
+              <a:miter lim="800000"/>
+              <a:headEnd/>
+              <a:tailEnd/>
+            </a:ln>
+            <a:extLst>
+              <a:ext uri="{909E8E84-426E-40DD-AFC4-6F175D3DCCD1}">
+                <a14:hiddenFill xmlns:a14="http://schemas.microsoft.com/office/drawing/2010/main">
+                  <a:solidFill>
+                    <a:srgbClr val="FFFFFF"/>
+                  </a:solidFill>
+                </a14:hiddenFill>
+              </a:ext>
+            </a:extLst>
+          </p:spPr>
+          <p:txBody>
+            <a:bodyPr vert="horz" wrap="square" lIns="91440" tIns="45720" rIns="91440" bIns="45720" numCol="1" anchor="t" anchorCtr="0" compatLnSpc="1">
+              <a:prstTxWarp prst="textNoShape">
+                <a:avLst/>
+              </a:prstTxWarp>
+            </a:bodyPr>
+            <a:lstStyle/>
+            <a:p>
+              <a:endParaRPr lang="en-US"/>
+            </a:p>
+          </p:txBody>
+        </p:sp>
+        <p:sp>
+          <p:nvSpPr>
+            <p:cNvPr id="52" name="Freeform 14">
+              <a:extLst>
+                <a:ext uri="{FF2B5EF4-FFF2-40B4-BE49-F238E27FC236}">
+                  <a16:creationId xmlns:a16="http://schemas.microsoft.com/office/drawing/2014/main" id="{D186EBBE-32C1-45A7-824F-A0416E8B4DDE}"/>
+                </a:ext>
+                <a:ext uri="{C183D7F6-B498-43B3-948B-1728B52AA6E4}">
+                  <adec:decorative xmlns:adec="http://schemas.microsoft.com/office/drawing/2017/decorative" val="1"/>
+                </a:ext>
+              </a:extLst>
+            </p:cNvPr>
+            <p:cNvSpPr>
+              <a:spLocks/>
+            </p:cNvSpPr>
+            <p:nvPr>
+              <p:extLst>
+                <p:ext uri="{386F3935-93C4-4BCD-93E2-E3B085C9AB24}">
+                  <p16:designElem xmlns:p16="http://schemas.microsoft.com/office/powerpoint/2015/main" val="1"/>
+                </p:ext>
+              </p:extLst>
+            </p:nvPr>
+          </p:nvSpPr>
+          <p:spPr bwMode="auto">
+            <a:xfrm>
+              <a:off x="3701" y="790"/>
+              <a:ext cx="595313" cy="352734"/>
+            </a:xfrm>
+            <a:custGeom>
+              <a:avLst/>
+              <a:gdLst>
+                <a:gd name="T0" fmla="*/ 125 w 125"/>
+                <a:gd name="T1" fmla="*/ 0 h 74"/>
+                <a:gd name="T2" fmla="*/ 0 w 125"/>
+                <a:gd name="T3" fmla="*/ 74 h 74"/>
+              </a:gdLst>
+              <a:ahLst/>
+              <a:cxnLst>
+                <a:cxn ang="0">
+                  <a:pos x="T0" y="T1"/>
+                </a:cxn>
+                <a:cxn ang="0">
+                  <a:pos x="T2" y="T3"/>
+                </a:cxn>
+              </a:cxnLst>
+              <a:rect l="0" t="0" r="r" b="b"/>
+              <a:pathLst>
+                <a:path w="125" h="74">
+                  <a:moveTo>
+                    <a:pt x="125" y="0"/>
+                  </a:moveTo>
+                  <a:cubicBezTo>
+                    <a:pt x="85" y="22"/>
+                    <a:pt x="43" y="47"/>
+                    <a:pt x="0" y="74"/>
+                  </a:cubicBezTo>
+                </a:path>
+              </a:pathLst>
+            </a:custGeom>
+            <a:noFill/>
+            <a:ln w="9525" cap="flat">
+              <a:solidFill>
+                <a:schemeClr val="tx1">
+                  <a:alpha val="20000"/>
+                </a:schemeClr>
+              </a:solidFill>
+              <a:prstDash val="dash"/>
+              <a:miter lim="800000"/>
+              <a:headEnd/>
+              <a:tailEnd/>
+            </a:ln>
+            <a:extLst>
+              <a:ext uri="{909E8E84-426E-40DD-AFC4-6F175D3DCCD1}">
+                <a14:hiddenFill xmlns:a14="http://schemas.microsoft.com/office/drawing/2010/main">
+                  <a:solidFill>
+                    <a:srgbClr val="FFFFFF"/>
+                  </a:solidFill>
+                </a14:hiddenFill>
+              </a:ext>
+            </a:extLst>
+          </p:spPr>
+          <p:txBody>
+            <a:bodyPr vert="horz" wrap="square" lIns="91440" tIns="45720" rIns="91440" bIns="45720" numCol="1" anchor="t" anchorCtr="0" compatLnSpc="1">
+              <a:prstTxWarp prst="textNoShape">
+                <a:avLst/>
+              </a:prstTxWarp>
+            </a:bodyPr>
+            <a:lstStyle/>
+            <a:p>
+              <a:endParaRPr lang="en-US"/>
+            </a:p>
+          </p:txBody>
+        </p:sp>
+        <p:sp>
+          <p:nvSpPr>
+            <p:cNvPr id="53" name="Freeform 15">
+              <a:extLst>
+                <a:ext uri="{FF2B5EF4-FFF2-40B4-BE49-F238E27FC236}">
+                  <a16:creationId xmlns:a16="http://schemas.microsoft.com/office/drawing/2014/main" id="{3000AB5E-3DAC-452F-8DB5-D0B2F040C8C7}"/>
+                </a:ext>
+                <a:ext uri="{C183D7F6-B498-43B3-948B-1728B52AA6E4}">
+                  <adec:decorative xmlns:adec="http://schemas.microsoft.com/office/drawing/2017/decorative" val="1"/>
+                </a:ext>
+              </a:extLst>
+            </p:cNvPr>
+            <p:cNvSpPr>
+              <a:spLocks/>
+            </p:cNvSpPr>
+            <p:nvPr>
+              <p:extLst>
+                <p:ext uri="{386F3935-93C4-4BCD-93E2-E3B085C9AB24}">
+                  <p16:designElem xmlns:p16="http://schemas.microsoft.com/office/powerpoint/2015/main" val="1"/>
+                </p:ext>
+              </p:extLst>
+            </p:nvPr>
+          </p:nvSpPr>
+          <p:spPr bwMode="auto">
+            <a:xfrm>
+              <a:off x="6012389" y="5579"/>
+              <a:ext cx="5497513" cy="6866337"/>
+            </a:xfrm>
+            <a:custGeom>
+              <a:avLst/>
+              <a:gdLst>
+                <a:gd name="T0" fmla="*/ 1056 w 1155"/>
+                <a:gd name="T1" fmla="*/ 1440 h 1440"/>
+                <a:gd name="T2" fmla="*/ 686 w 1155"/>
+                <a:gd name="T3" fmla="*/ 580 h 1440"/>
+                <a:gd name="T4" fmla="*/ 0 w 1155"/>
+                <a:gd name="T5" fmla="*/ 0 h 1440"/>
+              </a:gdLst>
+              <a:ahLst/>
+              <a:cxnLst>
+                <a:cxn ang="0">
+                  <a:pos x="T0" y="T1"/>
+                </a:cxn>
+                <a:cxn ang="0">
+                  <a:pos x="T2" y="T3"/>
+                </a:cxn>
+                <a:cxn ang="0">
+                  <a:pos x="T4" y="T5"/>
+                </a:cxn>
+              </a:cxnLst>
+              <a:rect l="0" t="0" r="r" b="b"/>
+              <a:pathLst>
+                <a:path w="1155" h="1440">
+                  <a:moveTo>
+                    <a:pt x="1056" y="1440"/>
+                  </a:moveTo>
+                  <a:cubicBezTo>
+                    <a:pt x="1155" y="1123"/>
+                    <a:pt x="875" y="801"/>
+                    <a:pt x="686" y="580"/>
+                  </a:cubicBezTo>
+                  <a:cubicBezTo>
+                    <a:pt x="491" y="352"/>
+                    <a:pt x="264" y="145"/>
+                    <a:pt x="0" y="0"/>
+                  </a:cubicBezTo>
+                </a:path>
+              </a:pathLst>
+            </a:custGeom>
+            <a:noFill/>
+            <a:ln w="12700" cap="flat">
+              <a:solidFill>
+                <a:schemeClr val="tx1">
+                  <a:alpha val="20000"/>
+                </a:schemeClr>
+              </a:solidFill>
+              <a:prstDash val="dashDot"/>
+              <a:miter lim="800000"/>
+              <a:headEnd/>
+              <a:tailEnd/>
+            </a:ln>
+            <a:extLst>
+              <a:ext uri="{909E8E84-426E-40DD-AFC4-6F175D3DCCD1}">
+                <a14:hiddenFill xmlns:a14="http://schemas.microsoft.com/office/drawing/2010/main">
+                  <a:solidFill>
+                    <a:srgbClr val="FFFFFF"/>
+                  </a:solidFill>
+                </a14:hiddenFill>
+              </a:ext>
+            </a:extLst>
+          </p:spPr>
+          <p:txBody>
+            <a:bodyPr vert="horz" wrap="square" lIns="91440" tIns="45720" rIns="91440" bIns="45720" numCol="1" anchor="t" anchorCtr="0" compatLnSpc="1">
+              <a:prstTxWarp prst="textNoShape">
+                <a:avLst/>
+              </a:prstTxWarp>
+            </a:bodyPr>
+            <a:lstStyle/>
+            <a:p>
+              <a:endParaRPr lang="en-US"/>
+            </a:p>
+          </p:txBody>
+        </p:sp>
+        <p:sp>
+          <p:nvSpPr>
+            <p:cNvPr id="54" name="Freeform 16">
+              <a:extLst>
+                <a:ext uri="{FF2B5EF4-FFF2-40B4-BE49-F238E27FC236}">
+                  <a16:creationId xmlns:a16="http://schemas.microsoft.com/office/drawing/2014/main" id="{2186FE1A-B164-4177-B362-CC18A1B08A2D}"/>
+                </a:ext>
+                <a:ext uri="{C183D7F6-B498-43B3-948B-1728B52AA6E4}">
+                  <adec:decorative xmlns:adec="http://schemas.microsoft.com/office/drawing/2017/decorative" val="1"/>
+                </a:ext>
+              </a:extLst>
+            </p:cNvPr>
+            <p:cNvSpPr>
+              <a:spLocks/>
+            </p:cNvSpPr>
+            <p:nvPr>
+              <p:extLst>
+                <p:ext uri="{386F3935-93C4-4BCD-93E2-E3B085C9AB24}">
+                  <p16:designElem xmlns:p16="http://schemas.microsoft.com/office/powerpoint/2015/main" val="1"/>
+                </p:ext>
+              </p:extLst>
+            </p:nvPr>
+          </p:nvSpPr>
+          <p:spPr bwMode="auto">
+            <a:xfrm>
+              <a:off x="-1061" y="5579"/>
+              <a:ext cx="357188" cy="213875"/>
+            </a:xfrm>
+            <a:custGeom>
+              <a:avLst/>
+              <a:gdLst>
+                <a:gd name="T0" fmla="*/ 75 w 75"/>
+                <a:gd name="T1" fmla="*/ 0 h 45"/>
+                <a:gd name="T2" fmla="*/ 0 w 75"/>
+                <a:gd name="T3" fmla="*/ 45 h 45"/>
+              </a:gdLst>
+              <a:ahLst/>
+              <a:cxnLst>
+                <a:cxn ang="0">
+                  <a:pos x="T0" y="T1"/>
+                </a:cxn>
+                <a:cxn ang="0">
+                  <a:pos x="T2" y="T3"/>
+                </a:cxn>
+              </a:cxnLst>
+              <a:rect l="0" t="0" r="r" b="b"/>
+              <a:pathLst>
+                <a:path w="75" h="45">
+                  <a:moveTo>
+                    <a:pt x="75" y="0"/>
+                  </a:moveTo>
+                  <a:cubicBezTo>
+                    <a:pt x="50" y="14"/>
+                    <a:pt x="25" y="29"/>
+                    <a:pt x="0" y="45"/>
+                  </a:cubicBezTo>
+                </a:path>
+              </a:pathLst>
+            </a:custGeom>
+            <a:noFill/>
+            <a:ln w="12700" cap="flat">
+              <a:solidFill>
+                <a:schemeClr val="tx1">
+                  <a:alpha val="20000"/>
+                </a:schemeClr>
+              </a:solidFill>
+              <a:prstDash val="dashDot"/>
+              <a:miter lim="800000"/>
+              <a:headEnd/>
+              <a:tailEnd/>
+            </a:ln>
+            <a:extLst>
+              <a:ext uri="{909E8E84-426E-40DD-AFC4-6F175D3DCCD1}">
+                <a14:hiddenFill xmlns:a14="http://schemas.microsoft.com/office/drawing/2010/main">
+                  <a:solidFill>
+                    <a:srgbClr val="FFFFFF"/>
+                  </a:solidFill>
+                </a14:hiddenFill>
+              </a:ext>
+            </a:extLst>
+          </p:spPr>
+          <p:txBody>
+            <a:bodyPr vert="horz" wrap="square" lIns="91440" tIns="45720" rIns="91440" bIns="45720" numCol="1" anchor="t" anchorCtr="0" compatLnSpc="1">
+              <a:prstTxWarp prst="textNoShape">
+                <a:avLst/>
+              </a:prstTxWarp>
+            </a:bodyPr>
+            <a:lstStyle/>
+            <a:p>
+              <a:endParaRPr lang="en-US"/>
+            </a:p>
+          </p:txBody>
+        </p:sp>
+        <p:sp>
+          <p:nvSpPr>
+            <p:cNvPr id="55" name="Freeform 17">
+              <a:extLst>
+                <a:ext uri="{FF2B5EF4-FFF2-40B4-BE49-F238E27FC236}">
+                  <a16:creationId xmlns:a16="http://schemas.microsoft.com/office/drawing/2014/main" id="{C331E414-AA8A-43B4-B08C-202F8FFA08D3}"/>
+                </a:ext>
+                <a:ext uri="{C183D7F6-B498-43B3-948B-1728B52AA6E4}">
+                  <adec:decorative xmlns:adec="http://schemas.microsoft.com/office/drawing/2017/decorative" val="1"/>
+                </a:ext>
+              </a:extLst>
+            </p:cNvPr>
+            <p:cNvSpPr>
+              <a:spLocks/>
+            </p:cNvSpPr>
+            <p:nvPr>
+              <p:extLst>
+                <p:ext uri="{386F3935-93C4-4BCD-93E2-E3B085C9AB24}">
+                  <p16:designElem xmlns:p16="http://schemas.microsoft.com/office/powerpoint/2015/main" val="1"/>
+                </p:ext>
+              </p:extLst>
+            </p:nvPr>
+          </p:nvSpPr>
+          <p:spPr bwMode="auto">
+            <a:xfrm>
+              <a:off x="6210826" y="790"/>
+              <a:ext cx="5522913" cy="6871126"/>
+            </a:xfrm>
+            <a:custGeom>
+              <a:avLst/>
+              <a:gdLst>
+                <a:gd name="T0" fmla="*/ 1053 w 1160"/>
+                <a:gd name="T1" fmla="*/ 1441 h 1441"/>
+                <a:gd name="T2" fmla="*/ 705 w 1160"/>
+                <a:gd name="T3" fmla="*/ 599 h 1441"/>
+                <a:gd name="T4" fmla="*/ 0 w 1160"/>
+                <a:gd name="T5" fmla="*/ 0 h 1441"/>
+              </a:gdLst>
+              <a:ahLst/>
+              <a:cxnLst>
+                <a:cxn ang="0">
+                  <a:pos x="T0" y="T1"/>
+                </a:cxn>
+                <a:cxn ang="0">
+                  <a:pos x="T2" y="T3"/>
+                </a:cxn>
+                <a:cxn ang="0">
+                  <a:pos x="T4" y="T5"/>
+                </a:cxn>
+              </a:cxnLst>
+              <a:rect l="0" t="0" r="r" b="b"/>
+              <a:pathLst>
+                <a:path w="1160" h="1441">
+                  <a:moveTo>
+                    <a:pt x="1053" y="1441"/>
+                  </a:moveTo>
+                  <a:cubicBezTo>
+                    <a:pt x="1160" y="1129"/>
+                    <a:pt x="892" y="817"/>
+                    <a:pt x="705" y="599"/>
+                  </a:cubicBezTo>
+                  <a:cubicBezTo>
+                    <a:pt x="503" y="365"/>
+                    <a:pt x="270" y="152"/>
+                    <a:pt x="0" y="0"/>
+                  </a:cubicBezTo>
+                </a:path>
+              </a:pathLst>
+            </a:custGeom>
+            <a:noFill/>
+            <a:ln w="9525" cap="flat">
+              <a:solidFill>
+                <a:schemeClr val="tx1">
+                  <a:alpha val="20000"/>
+                </a:schemeClr>
+              </a:solidFill>
+              <a:prstDash val="solid"/>
+              <a:miter lim="800000"/>
+              <a:headEnd/>
+              <a:tailEnd/>
+            </a:ln>
+            <a:extLst>
+              <a:ext uri="{909E8E84-426E-40DD-AFC4-6F175D3DCCD1}">
+                <a14:hiddenFill xmlns:a14="http://schemas.microsoft.com/office/drawing/2010/main">
+                  <a:solidFill>
+                    <a:srgbClr val="FFFFFF"/>
+                  </a:solidFill>
+                </a14:hiddenFill>
+              </a:ext>
+            </a:extLst>
+          </p:spPr>
+          <p:txBody>
+            <a:bodyPr vert="horz" wrap="square" lIns="91440" tIns="45720" rIns="91440" bIns="45720" numCol="1" anchor="t" anchorCtr="0" compatLnSpc="1">
+              <a:prstTxWarp prst="textNoShape">
+                <a:avLst/>
+              </a:prstTxWarp>
+            </a:bodyPr>
+            <a:lstStyle/>
+            <a:p>
+              <a:endParaRPr lang="en-US"/>
+            </a:p>
+          </p:txBody>
+        </p:sp>
+        <p:sp>
+          <p:nvSpPr>
+            <p:cNvPr id="56" name="Freeform 18">
+              <a:extLst>
+                <a:ext uri="{FF2B5EF4-FFF2-40B4-BE49-F238E27FC236}">
+                  <a16:creationId xmlns:a16="http://schemas.microsoft.com/office/drawing/2014/main" id="{C22F3420-4078-4F79-B9C5-E98FFDF17CF2}"/>
+                </a:ext>
+                <a:ext uri="{C183D7F6-B498-43B3-948B-1728B52AA6E4}">
+                  <adec:decorative xmlns:adec="http://schemas.microsoft.com/office/drawing/2017/decorative" val="1"/>
+                </a:ext>
+              </a:extLst>
+            </p:cNvPr>
+            <p:cNvSpPr>
+              <a:spLocks/>
+            </p:cNvSpPr>
+            <p:nvPr>
+              <p:extLst>
+                <p:ext uri="{386F3935-93C4-4BCD-93E2-E3B085C9AB24}">
+                  <p16:designElem xmlns:p16="http://schemas.microsoft.com/office/powerpoint/2015/main" val="1"/>
+                </p:ext>
+              </p:extLst>
+            </p:nvPr>
+          </p:nvSpPr>
+          <p:spPr bwMode="auto">
+            <a:xfrm>
+              <a:off x="6463239" y="5579"/>
+              <a:ext cx="5413375" cy="6866337"/>
+            </a:xfrm>
+            <a:custGeom>
+              <a:avLst/>
+              <a:gdLst>
+                <a:gd name="T0" fmla="*/ 1040 w 1137"/>
+                <a:gd name="T1" fmla="*/ 1440 h 1440"/>
+                <a:gd name="T2" fmla="*/ 698 w 1137"/>
+                <a:gd name="T3" fmla="*/ 611 h 1440"/>
+                <a:gd name="T4" fmla="*/ 0 w 1137"/>
+                <a:gd name="T5" fmla="*/ 0 h 1440"/>
+              </a:gdLst>
+              <a:ahLst/>
+              <a:cxnLst>
+                <a:cxn ang="0">
+                  <a:pos x="T0" y="T1"/>
+                </a:cxn>
+                <a:cxn ang="0">
+                  <a:pos x="T2" y="T3"/>
+                </a:cxn>
+                <a:cxn ang="0">
+                  <a:pos x="T4" y="T5"/>
+                </a:cxn>
+              </a:cxnLst>
+              <a:rect l="0" t="0" r="r" b="b"/>
+              <a:pathLst>
+                <a:path w="1137" h="1440">
+                  <a:moveTo>
+                    <a:pt x="1040" y="1440"/>
+                  </a:moveTo>
+                  <a:cubicBezTo>
+                    <a:pt x="1137" y="1131"/>
+                    <a:pt x="883" y="828"/>
+                    <a:pt x="698" y="611"/>
+                  </a:cubicBezTo>
+                  <a:cubicBezTo>
+                    <a:pt x="498" y="375"/>
+                    <a:pt x="268" y="159"/>
+                    <a:pt x="0" y="0"/>
+                  </a:cubicBezTo>
+                </a:path>
+              </a:pathLst>
+            </a:custGeom>
+            <a:noFill/>
+            <a:ln w="9525" cap="flat">
+              <a:solidFill>
+                <a:schemeClr val="tx1">
+                  <a:alpha val="20000"/>
+                </a:schemeClr>
+              </a:solidFill>
+              <a:prstDash val="solid"/>
+              <a:miter lim="800000"/>
+              <a:headEnd/>
+              <a:tailEnd/>
+            </a:ln>
+            <a:extLst>
+              <a:ext uri="{909E8E84-426E-40DD-AFC4-6F175D3DCCD1}">
+                <a14:hiddenFill xmlns:a14="http://schemas.microsoft.com/office/drawing/2010/main">
+                  <a:solidFill>
+                    <a:srgbClr val="FFFFFF"/>
+                  </a:solidFill>
+                </a14:hiddenFill>
+              </a:ext>
+            </a:extLst>
+          </p:spPr>
+          <p:txBody>
+            <a:bodyPr vert="horz" wrap="square" lIns="91440" tIns="45720" rIns="91440" bIns="45720" numCol="1" anchor="t" anchorCtr="0" compatLnSpc="1">
+              <a:prstTxWarp prst="textNoShape">
+                <a:avLst/>
+              </a:prstTxWarp>
+            </a:bodyPr>
+            <a:lstStyle/>
+            <a:p>
+              <a:endParaRPr lang="en-US"/>
+            </a:p>
+          </p:txBody>
+        </p:sp>
+        <p:sp>
+          <p:nvSpPr>
+            <p:cNvPr id="57" name="Freeform 19">
+              <a:extLst>
+                <a:ext uri="{FF2B5EF4-FFF2-40B4-BE49-F238E27FC236}">
+                  <a16:creationId xmlns:a16="http://schemas.microsoft.com/office/drawing/2014/main" id="{6ECC6989-F4BE-4B69-80F1-C6E1FEB92191}"/>
+                </a:ext>
+                <a:ext uri="{C183D7F6-B498-43B3-948B-1728B52AA6E4}">
+                  <adec:decorative xmlns:adec="http://schemas.microsoft.com/office/drawing/2017/decorative" val="1"/>
+                </a:ext>
+              </a:extLst>
+            </p:cNvPr>
+            <p:cNvSpPr>
+              <a:spLocks/>
+            </p:cNvSpPr>
+            <p:nvPr>
+              <p:extLst>
+                <p:ext uri="{386F3935-93C4-4BCD-93E2-E3B085C9AB24}">
+                  <p16:designElem xmlns:p16="http://schemas.microsoft.com/office/powerpoint/2015/main" val="1"/>
+                </p:ext>
+              </p:extLst>
+            </p:nvPr>
+          </p:nvSpPr>
+          <p:spPr bwMode="auto">
+            <a:xfrm>
+              <a:off x="6877576" y="5579"/>
+              <a:ext cx="5037138" cy="6861550"/>
+            </a:xfrm>
+            <a:custGeom>
+              <a:avLst/>
+              <a:gdLst>
+                <a:gd name="T0" fmla="*/ 1011 w 1058"/>
+                <a:gd name="T1" fmla="*/ 1439 h 1439"/>
+                <a:gd name="T2" fmla="*/ 648 w 1058"/>
+                <a:gd name="T3" fmla="*/ 617 h 1439"/>
+                <a:gd name="T4" fmla="*/ 0 w 1058"/>
+                <a:gd name="T5" fmla="*/ 0 h 1439"/>
+              </a:gdLst>
+              <a:ahLst/>
+              <a:cxnLst>
+                <a:cxn ang="0">
+                  <a:pos x="T0" y="T1"/>
+                </a:cxn>
+                <a:cxn ang="0">
+                  <a:pos x="T2" y="T3"/>
+                </a:cxn>
+                <a:cxn ang="0">
+                  <a:pos x="T4" y="T5"/>
+                </a:cxn>
+              </a:cxnLst>
+              <a:rect l="0" t="0" r="r" b="b"/>
+              <a:pathLst>
+                <a:path w="1058" h="1439">
+                  <a:moveTo>
+                    <a:pt x="1011" y="1439"/>
+                  </a:moveTo>
+                  <a:cubicBezTo>
+                    <a:pt x="1058" y="1131"/>
+                    <a:pt x="825" y="841"/>
+                    <a:pt x="648" y="617"/>
+                  </a:cubicBezTo>
+                  <a:cubicBezTo>
+                    <a:pt x="462" y="383"/>
+                    <a:pt x="248" y="168"/>
+                    <a:pt x="0" y="0"/>
+                  </a:cubicBezTo>
+                </a:path>
+              </a:pathLst>
+            </a:custGeom>
+            <a:noFill/>
+            <a:ln w="9525" cap="flat">
+              <a:solidFill>
+                <a:schemeClr val="tx1">
+                  <a:alpha val="20000"/>
+                </a:schemeClr>
+              </a:solidFill>
+              <a:prstDash val="solid"/>
+              <a:miter lim="800000"/>
+              <a:headEnd/>
+              <a:tailEnd/>
+            </a:ln>
+            <a:extLst>
+              <a:ext uri="{909E8E84-426E-40DD-AFC4-6F175D3DCCD1}">
+                <a14:hiddenFill xmlns:a14="http://schemas.microsoft.com/office/drawing/2010/main">
+                  <a:solidFill>
+                    <a:srgbClr val="FFFFFF"/>
+                  </a:solidFill>
+                </a14:hiddenFill>
+              </a:ext>
+            </a:extLst>
+          </p:spPr>
+          <p:txBody>
+            <a:bodyPr vert="horz" wrap="square" lIns="91440" tIns="45720" rIns="91440" bIns="45720" numCol="1" anchor="t" anchorCtr="0" compatLnSpc="1">
+              <a:prstTxWarp prst="textNoShape">
+                <a:avLst/>
+              </a:prstTxWarp>
+            </a:bodyPr>
+            <a:lstStyle/>
+            <a:p>
+              <a:endParaRPr lang="en-US"/>
+            </a:p>
+          </p:txBody>
+        </p:sp>
+        <p:sp>
+          <p:nvSpPr>
+            <p:cNvPr id="58" name="Freeform 20">
+              <a:extLst>
+                <a:ext uri="{FF2B5EF4-FFF2-40B4-BE49-F238E27FC236}">
+                  <a16:creationId xmlns:a16="http://schemas.microsoft.com/office/drawing/2014/main" id="{F50BB245-B754-45C8-AEDD-5B8CD81A6E6C}"/>
+                </a:ext>
+                <a:ext uri="{C183D7F6-B498-43B3-948B-1728B52AA6E4}">
+                  <adec:decorative xmlns:adec="http://schemas.microsoft.com/office/drawing/2017/decorative" val="1"/>
+                </a:ext>
+              </a:extLst>
+            </p:cNvPr>
+            <p:cNvSpPr>
+              <a:spLocks/>
+            </p:cNvSpPr>
+            <p:nvPr>
+              <p:extLst>
+                <p:ext uri="{386F3935-93C4-4BCD-93E2-E3B085C9AB24}">
+                  <p16:designElem xmlns:p16="http://schemas.microsoft.com/office/powerpoint/2015/main" val="1"/>
+                </p:ext>
+              </p:extLst>
+            </p:nvPr>
+          </p:nvSpPr>
+          <p:spPr bwMode="auto">
+            <a:xfrm>
+              <a:off x="8768289" y="5579"/>
+              <a:ext cx="3417888" cy="2742066"/>
+            </a:xfrm>
+            <a:custGeom>
+              <a:avLst/>
+              <a:gdLst>
+                <a:gd name="T0" fmla="*/ 718 w 718"/>
+                <a:gd name="T1" fmla="*/ 575 h 575"/>
+                <a:gd name="T2" fmla="*/ 0 w 718"/>
+                <a:gd name="T3" fmla="*/ 0 h 575"/>
+              </a:gdLst>
+              <a:ahLst/>
+              <a:cxnLst>
+                <a:cxn ang="0">
+                  <a:pos x="T0" y="T1"/>
+                </a:cxn>
+                <a:cxn ang="0">
+                  <a:pos x="T2" y="T3"/>
+                </a:cxn>
+              </a:cxnLst>
+              <a:rect l="0" t="0" r="r" b="b"/>
+              <a:pathLst>
+                <a:path w="718" h="575">
+                  <a:moveTo>
+                    <a:pt x="718" y="575"/>
+                  </a:moveTo>
+                  <a:cubicBezTo>
+                    <a:pt x="500" y="360"/>
+                    <a:pt x="260" y="163"/>
+                    <a:pt x="0" y="0"/>
+                  </a:cubicBezTo>
+                </a:path>
+              </a:pathLst>
+            </a:custGeom>
+            <a:noFill/>
+            <a:ln w="9525" cap="flat">
+              <a:solidFill>
+                <a:schemeClr val="tx1">
+                  <a:alpha val="20000"/>
+                </a:schemeClr>
+              </a:solidFill>
+              <a:prstDash val="solid"/>
+              <a:miter lim="800000"/>
+              <a:headEnd/>
+              <a:tailEnd/>
+            </a:ln>
+            <a:extLst>
+              <a:ext uri="{909E8E84-426E-40DD-AFC4-6F175D3DCCD1}">
+                <a14:hiddenFill xmlns:a14="http://schemas.microsoft.com/office/drawing/2010/main">
+                  <a:solidFill>
+                    <a:srgbClr val="FFFFFF"/>
+                  </a:solidFill>
+                </a14:hiddenFill>
+              </a:ext>
+            </a:extLst>
+          </p:spPr>
+          <p:txBody>
+            <a:bodyPr vert="horz" wrap="square" lIns="91440" tIns="45720" rIns="91440" bIns="45720" numCol="1" anchor="t" anchorCtr="0" compatLnSpc="1">
+              <a:prstTxWarp prst="textNoShape">
+                <a:avLst/>
+              </a:prstTxWarp>
+            </a:bodyPr>
+            <a:lstStyle/>
+            <a:p>
+              <a:endParaRPr lang="en-US"/>
+            </a:p>
+          </p:txBody>
+        </p:sp>
+        <p:sp>
+          <p:nvSpPr>
+            <p:cNvPr id="59" name="Freeform 21">
+              <a:extLst>
+                <a:ext uri="{FF2B5EF4-FFF2-40B4-BE49-F238E27FC236}">
+                  <a16:creationId xmlns:a16="http://schemas.microsoft.com/office/drawing/2014/main" id="{0EC5071A-FEBF-4BA6-8503-ABB15953E73E}"/>
+                </a:ext>
+                <a:ext uri="{C183D7F6-B498-43B3-948B-1728B52AA6E4}">
+                  <adec:decorative xmlns:adec="http://schemas.microsoft.com/office/drawing/2017/decorative" val="1"/>
+                </a:ext>
+              </a:extLst>
+            </p:cNvPr>
+            <p:cNvSpPr>
+              <a:spLocks/>
+            </p:cNvSpPr>
+            <p:nvPr>
+              <p:extLst>
+                <p:ext uri="{386F3935-93C4-4BCD-93E2-E3B085C9AB24}">
+                  <p16:designElem xmlns:p16="http://schemas.microsoft.com/office/powerpoint/2015/main" val="1"/>
+                </p:ext>
+              </p:extLst>
+            </p:nvPr>
+          </p:nvSpPr>
+          <p:spPr bwMode="auto">
+            <a:xfrm>
+              <a:off x="9235014" y="10367"/>
+              <a:ext cx="2951163" cy="2555325"/>
+            </a:xfrm>
+            <a:custGeom>
+              <a:avLst/>
+              <a:gdLst>
+                <a:gd name="T0" fmla="*/ 620 w 620"/>
+                <a:gd name="T1" fmla="*/ 536 h 536"/>
+                <a:gd name="T2" fmla="*/ 0 w 620"/>
+                <a:gd name="T3" fmla="*/ 0 h 536"/>
+              </a:gdLst>
+              <a:ahLst/>
+              <a:cxnLst>
+                <a:cxn ang="0">
+                  <a:pos x="T0" y="T1"/>
+                </a:cxn>
+                <a:cxn ang="0">
+                  <a:pos x="T2" y="T3"/>
+                </a:cxn>
+              </a:cxnLst>
+              <a:rect l="0" t="0" r="r" b="b"/>
+              <a:pathLst>
+                <a:path w="620" h="536">
+                  <a:moveTo>
+                    <a:pt x="620" y="536"/>
+                  </a:moveTo>
+                  <a:cubicBezTo>
+                    <a:pt x="404" y="314"/>
+                    <a:pt x="196" y="138"/>
+                    <a:pt x="0" y="0"/>
+                  </a:cubicBezTo>
+                </a:path>
+              </a:pathLst>
+            </a:custGeom>
+            <a:noFill/>
+            <a:ln w="9525" cap="flat">
+              <a:solidFill>
+                <a:schemeClr val="tx1">
+                  <a:alpha val="20000"/>
+                </a:schemeClr>
+              </a:solidFill>
+              <a:prstDash val="solid"/>
+              <a:miter lim="800000"/>
+              <a:headEnd/>
+              <a:tailEnd/>
+            </a:ln>
+            <a:extLst>
+              <a:ext uri="{909E8E84-426E-40DD-AFC4-6F175D3DCCD1}">
+                <a14:hiddenFill xmlns:a14="http://schemas.microsoft.com/office/drawing/2010/main">
+                  <a:solidFill>
+                    <a:srgbClr val="FFFFFF"/>
+                  </a:solidFill>
+                </a14:hiddenFill>
+              </a:ext>
+            </a:extLst>
+          </p:spPr>
+          <p:txBody>
+            <a:bodyPr vert="horz" wrap="square" lIns="91440" tIns="45720" rIns="91440" bIns="45720" numCol="1" anchor="t" anchorCtr="0" compatLnSpc="1">
+              <a:prstTxWarp prst="textNoShape">
+                <a:avLst/>
+              </a:prstTxWarp>
+            </a:bodyPr>
+            <a:lstStyle/>
+            <a:p>
+              <a:endParaRPr lang="en-US"/>
+            </a:p>
+          </p:txBody>
+        </p:sp>
+        <p:sp>
+          <p:nvSpPr>
+            <p:cNvPr id="60" name="Freeform 22">
+              <a:extLst>
+                <a:ext uri="{FF2B5EF4-FFF2-40B4-BE49-F238E27FC236}">
+                  <a16:creationId xmlns:a16="http://schemas.microsoft.com/office/drawing/2014/main" id="{6841AB4E-93F5-44FE-BEDE-C4ACD382B2DA}"/>
+                </a:ext>
+                <a:ext uri="{C183D7F6-B498-43B3-948B-1728B52AA6E4}">
+                  <adec:decorative xmlns:adec="http://schemas.microsoft.com/office/drawing/2017/decorative" val="1"/>
+                </a:ext>
+              </a:extLst>
+            </p:cNvPr>
+            <p:cNvSpPr>
+              <a:spLocks/>
+            </p:cNvSpPr>
+            <p:nvPr>
+              <p:extLst>
+                <p:ext uri="{386F3935-93C4-4BCD-93E2-E3B085C9AB24}">
+                  <p16:designElem xmlns:p16="http://schemas.microsoft.com/office/powerpoint/2015/main" val="1"/>
+                </p:ext>
+              </p:extLst>
+            </p:nvPr>
+          </p:nvSpPr>
+          <p:spPr bwMode="auto">
+            <a:xfrm>
+              <a:off x="10020826" y="5579"/>
+              <a:ext cx="2165350" cy="1358265"/>
+            </a:xfrm>
+            <a:custGeom>
+              <a:avLst/>
+              <a:gdLst>
+                <a:gd name="T0" fmla="*/ 0 w 455"/>
+                <a:gd name="T1" fmla="*/ 0 h 285"/>
+                <a:gd name="T2" fmla="*/ 455 w 455"/>
+                <a:gd name="T3" fmla="*/ 285 h 285"/>
+              </a:gdLst>
+              <a:ahLst/>
+              <a:cxnLst>
+                <a:cxn ang="0">
+                  <a:pos x="T0" y="T1"/>
+                </a:cxn>
+                <a:cxn ang="0">
+                  <a:pos x="T2" y="T3"/>
+                </a:cxn>
+              </a:cxnLst>
+              <a:rect l="0" t="0" r="r" b="b"/>
+              <a:pathLst>
+                <a:path w="455" h="285">
+                  <a:moveTo>
+                    <a:pt x="0" y="0"/>
+                  </a:moveTo>
+                  <a:cubicBezTo>
+                    <a:pt x="153" y="85"/>
+                    <a:pt x="308" y="180"/>
+                    <a:pt x="455" y="285"/>
+                  </a:cubicBezTo>
+                </a:path>
+              </a:pathLst>
+            </a:custGeom>
+            <a:noFill/>
+            <a:ln w="9525" cap="flat">
+              <a:solidFill>
+                <a:schemeClr val="tx1">
+                  <a:alpha val="20000"/>
+                </a:schemeClr>
+              </a:solidFill>
+              <a:prstDash val="dash"/>
+              <a:miter lim="800000"/>
+              <a:headEnd/>
+              <a:tailEnd/>
+            </a:ln>
+            <a:extLst>
+              <a:ext uri="{909E8E84-426E-40DD-AFC4-6F175D3DCCD1}">
+                <a14:hiddenFill xmlns:a14="http://schemas.microsoft.com/office/drawing/2010/main">
+                  <a:solidFill>
+                    <a:srgbClr val="FFFFFF"/>
+                  </a:solidFill>
+                </a14:hiddenFill>
+              </a:ext>
+            </a:extLst>
+          </p:spPr>
+          <p:txBody>
+            <a:bodyPr vert="horz" wrap="square" lIns="91440" tIns="45720" rIns="91440" bIns="45720" numCol="1" anchor="t" anchorCtr="0" compatLnSpc="1">
+              <a:prstTxWarp prst="textNoShape">
+                <a:avLst/>
+              </a:prstTxWarp>
+            </a:bodyPr>
+            <a:lstStyle/>
+            <a:p>
+              <a:endParaRPr lang="en-US"/>
+            </a:p>
+          </p:txBody>
+        </p:sp>
+        <p:sp>
+          <p:nvSpPr>
+            <p:cNvPr id="61" name="Freeform 23">
+              <a:extLst>
+                <a:ext uri="{FF2B5EF4-FFF2-40B4-BE49-F238E27FC236}">
+                  <a16:creationId xmlns:a16="http://schemas.microsoft.com/office/drawing/2014/main" id="{66A0EF48-27C4-4905-B89A-87D3026275DC}"/>
+                </a:ext>
+                <a:ext uri="{C183D7F6-B498-43B3-948B-1728B52AA6E4}">
+                  <adec:decorative xmlns:adec="http://schemas.microsoft.com/office/drawing/2017/decorative" val="1"/>
+                </a:ext>
+              </a:extLst>
+            </p:cNvPr>
+            <p:cNvSpPr>
+              <a:spLocks/>
+            </p:cNvSpPr>
+            <p:nvPr>
+              <p:extLst>
+                <p:ext uri="{386F3935-93C4-4BCD-93E2-E3B085C9AB24}">
+                  <p16:designElem xmlns:p16="http://schemas.microsoft.com/office/powerpoint/2015/main" val="1"/>
+                </p:ext>
+              </p:extLst>
+            </p:nvPr>
+          </p:nvSpPr>
+          <p:spPr bwMode="auto">
+            <a:xfrm>
+              <a:off x="11290826" y="5579"/>
+              <a:ext cx="895350" cy="534687"/>
+            </a:xfrm>
+            <a:custGeom>
+              <a:avLst/>
+              <a:gdLst>
+                <a:gd name="T0" fmla="*/ 0 w 188"/>
+                <a:gd name="T1" fmla="*/ 0 h 112"/>
+                <a:gd name="T2" fmla="*/ 188 w 188"/>
+                <a:gd name="T3" fmla="*/ 112 h 112"/>
+              </a:gdLst>
+              <a:ahLst/>
+              <a:cxnLst>
+                <a:cxn ang="0">
+                  <a:pos x="T0" y="T1"/>
+                </a:cxn>
+                <a:cxn ang="0">
+                  <a:pos x="T2" y="T3"/>
+                </a:cxn>
+              </a:cxnLst>
+              <a:rect l="0" t="0" r="r" b="b"/>
+              <a:pathLst>
+                <a:path w="188" h="112">
+                  <a:moveTo>
+                    <a:pt x="0" y="0"/>
+                  </a:moveTo>
+                  <a:cubicBezTo>
+                    <a:pt x="63" y="36"/>
+                    <a:pt x="126" y="73"/>
+                    <a:pt x="188" y="112"/>
+                  </a:cubicBezTo>
+                </a:path>
+              </a:pathLst>
+            </a:custGeom>
+            <a:noFill/>
+            <a:ln w="9525" cap="flat">
+              <a:solidFill>
+                <a:schemeClr val="tx1">
+                  <a:alpha val="20000"/>
+                </a:schemeClr>
+              </a:solidFill>
+              <a:prstDash val="solid"/>
+              <a:miter lim="800000"/>
+              <a:headEnd/>
+              <a:tailEnd/>
+            </a:ln>
+            <a:extLst>
+              <a:ext uri="{909E8E84-426E-40DD-AFC4-6F175D3DCCD1}">
+                <a14:hiddenFill xmlns:a14="http://schemas.microsoft.com/office/drawing/2010/main">
+                  <a:solidFill>
+                    <a:srgbClr val="FFFFFF"/>
+                  </a:solidFill>
+                </a14:hiddenFill>
+              </a:ext>
+            </a:extLst>
+          </p:spPr>
+          <p:txBody>
+            <a:bodyPr vert="horz" wrap="square" lIns="91440" tIns="45720" rIns="91440" bIns="45720" numCol="1" anchor="t" anchorCtr="0" compatLnSpc="1">
+              <a:prstTxWarp prst="textNoShape">
+                <a:avLst/>
+              </a:prstTxWarp>
+            </a:bodyPr>
+            <a:lstStyle/>
+            <a:p>
+              <a:endParaRPr lang="en-US"/>
+            </a:p>
+          </p:txBody>
+        </p:sp>
+      </p:grpSp>
+      <p:sp>
+        <p:nvSpPr>
+          <p:cNvPr id="63" name="Rectangle 62">
+            <a:extLst>
+              <a:ext uri="{FF2B5EF4-FFF2-40B4-BE49-F238E27FC236}">
+                <a16:creationId xmlns:a16="http://schemas.microsoft.com/office/drawing/2014/main" id="{7DA90018-A3A4-4DB2-82A9-25F1CB60C275}"/>
+              </a:ext>
+              <a:ext uri="{C183D7F6-B498-43B3-948B-1728B52AA6E4}">
+                <adec:decorative xmlns:adec="http://schemas.microsoft.com/office/drawing/2017/decorative" val="1"/>
+              </a:ext>
+            </a:extLst>
+          </p:cNvPr>
+          <p:cNvSpPr>
+            <a:spLocks noGrp="1" noRot="1" noChangeAspect="1" noMove="1" noResize="1" noEditPoints="1" noAdjustHandles="1" noChangeArrowheads="1" noChangeShapeType="1" noTextEdit="1"/>
+          </p:cNvSpPr>
+          <p:nvPr>
+            <p:extLst>
+              <p:ext uri="{386F3935-93C4-4BCD-93E2-E3B085C9AB24}">
+                <p16:designElem xmlns:p16="http://schemas.microsoft.com/office/powerpoint/2015/main" val="1"/>
+              </p:ext>
+            </p:extLst>
+          </p:nvPr>
+        </p:nvSpPr>
+        <p:spPr>
+          <a:xfrm>
+            <a:off x="-1339" y="0"/>
+            <a:ext cx="12191695" cy="4202929"/>
+          </a:xfrm>
+          <a:prstGeom prst="rect">
+            <a:avLst/>
+          </a:prstGeom>
+          <a:solidFill>
+            <a:schemeClr val="bg1"/>
+          </a:solidFill>
+          <a:ln w="9525">
+            <a:solidFill>
+              <a:schemeClr val="tx1">
+                <a:alpha val="20000"/>
+              </a:schemeClr>
+            </a:solidFill>
+          </a:ln>
+        </p:spPr>
+        <p:style>
+          <a:lnRef idx="2">
+            <a:schemeClr val="accent1">
+              <a:shade val="50000"/>
+            </a:schemeClr>
+          </a:lnRef>
+          <a:fillRef idx="1">
+            <a:schemeClr val="accent1"/>
+          </a:fillRef>
+          <a:effectRef idx="0">
+            <a:schemeClr val="accent1"/>
+          </a:effectRef>
+          <a:fontRef idx="minor">
+            <a:schemeClr val="lt1"/>
+          </a:fontRef>
+        </p:style>
+        <p:txBody>
+          <a:bodyPr rot="0" spcFirstLastPara="0" vert="horz" wrap="square" lIns="91440" tIns="45720" rIns="91440" bIns="45720" numCol="1" spcCol="0" rtlCol="0" fromWordArt="0" anchor="ctr" anchorCtr="0" forceAA="0" compatLnSpc="1">
+            <a:prstTxWarp prst="textNoShape">
+              <a:avLst/>
+            </a:prstTxWarp>
+            <a:noAutofit/>
+          </a:bodyPr>
+          <a:lstStyle>
+            <a:defPPr>
+              <a:defRPr lang="en-US"/>
+            </a:defPPr>
+            <a:lvl1pPr marL="0" algn="l" defTabSz="457200" rtl="0" eaLnBrk="1" latinLnBrk="0" hangingPunct="1">
+              <a:defRPr sz="1800" kern="1200">
+                <a:solidFill>
+                  <a:schemeClr val="lt1"/>
+                </a:solidFill>
+                <a:latin typeface="+mn-lt"/>
+                <a:ea typeface="+mn-ea"/>
+                <a:cs typeface="+mn-cs"/>
+              </a:defRPr>
+            </a:lvl1pPr>
+            <a:lvl2pPr marL="457200" algn="l" defTabSz="457200" rtl="0" eaLnBrk="1" latinLnBrk="0" hangingPunct="1">
+              <a:defRPr sz="1800" kern="1200">
+                <a:solidFill>
+                  <a:schemeClr val="lt1"/>
+                </a:solidFill>
+                <a:latin typeface="+mn-lt"/>
+                <a:ea typeface="+mn-ea"/>
+                <a:cs typeface="+mn-cs"/>
+              </a:defRPr>
+            </a:lvl2pPr>
+            <a:lvl3pPr marL="914400" algn="l" defTabSz="457200" rtl="0" eaLnBrk="1" latinLnBrk="0" hangingPunct="1">
+              <a:defRPr sz="1800" kern="1200">
+                <a:solidFill>
+                  <a:schemeClr val="lt1"/>
+                </a:solidFill>
+                <a:latin typeface="+mn-lt"/>
+                <a:ea typeface="+mn-ea"/>
+                <a:cs typeface="+mn-cs"/>
+              </a:defRPr>
+            </a:lvl3pPr>
+            <a:lvl4pPr marL="1371600" algn="l" defTabSz="457200" rtl="0" eaLnBrk="1" latinLnBrk="0" hangingPunct="1">
+              <a:defRPr sz="1800" kern="1200">
+                <a:solidFill>
+                  <a:schemeClr val="lt1"/>
+                </a:solidFill>
+                <a:latin typeface="+mn-lt"/>
+                <a:ea typeface="+mn-ea"/>
+                <a:cs typeface="+mn-cs"/>
+              </a:defRPr>
+            </a:lvl4pPr>
+            <a:lvl5pPr marL="1828800" algn="l" defTabSz="457200" rtl="0" eaLnBrk="1" latinLnBrk="0" hangingPunct="1">
+              <a:defRPr sz="1800" kern="1200">
+                <a:solidFill>
+                  <a:schemeClr val="lt1"/>
+                </a:solidFill>
+                <a:latin typeface="+mn-lt"/>
+                <a:ea typeface="+mn-ea"/>
+                <a:cs typeface="+mn-cs"/>
+              </a:defRPr>
+            </a:lvl5pPr>
+            <a:lvl6pPr marL="2286000" algn="l" defTabSz="457200" rtl="0" eaLnBrk="1" latinLnBrk="0" hangingPunct="1">
+              <a:defRPr sz="1800" kern="1200">
+                <a:solidFill>
+                  <a:schemeClr val="lt1"/>
+                </a:solidFill>
+                <a:latin typeface="+mn-lt"/>
+                <a:ea typeface="+mn-ea"/>
+                <a:cs typeface="+mn-cs"/>
+              </a:defRPr>
+            </a:lvl6pPr>
+            <a:lvl7pPr marL="2743200" algn="l" defTabSz="457200" rtl="0" eaLnBrk="1" latinLnBrk="0" hangingPunct="1">
+              <a:defRPr sz="1800" kern="1200">
+                <a:solidFill>
+                  <a:schemeClr val="lt1"/>
+                </a:solidFill>
+                <a:latin typeface="+mn-lt"/>
+                <a:ea typeface="+mn-ea"/>
+                <a:cs typeface="+mn-cs"/>
+              </a:defRPr>
+            </a:lvl7pPr>
+            <a:lvl8pPr marL="3200400" algn="l" defTabSz="457200" rtl="0" eaLnBrk="1" latinLnBrk="0" hangingPunct="1">
+              <a:defRPr sz="1800" kern="1200">
+                <a:solidFill>
+                  <a:schemeClr val="lt1"/>
+                </a:solidFill>
+                <a:latin typeface="+mn-lt"/>
+                <a:ea typeface="+mn-ea"/>
+                <a:cs typeface="+mn-cs"/>
+              </a:defRPr>
+            </a:lvl8pPr>
+            <a:lvl9pPr marL="3657600" algn="l" defTabSz="457200" rtl="0" eaLnBrk="1" latinLnBrk="0" hangingPunct="1">
+              <a:defRPr sz="1800" kern="1200">
+                <a:solidFill>
+                  <a:schemeClr val="lt1"/>
+                </a:solidFill>
+                <a:latin typeface="+mn-lt"/>
+                <a:ea typeface="+mn-ea"/>
+                <a:cs typeface="+mn-cs"/>
+              </a:defRPr>
+            </a:lvl9pPr>
+          </a:lstStyle>
+          <a:p>
+            <a:pPr algn="ctr"/>
+            <a:endParaRPr lang="en-US"/>
+          </a:p>
+        </p:txBody>
+      </p:sp>
+      <p:pic>
+        <p:nvPicPr>
+          <p:cNvPr id="9" name="Picture 8" descr="A screenshot of a cell phone&#10;&#10;Description automatically generated">
+            <a:extLst>
+              <a:ext uri="{FF2B5EF4-FFF2-40B4-BE49-F238E27FC236}">
+                <a16:creationId xmlns:a16="http://schemas.microsoft.com/office/drawing/2014/main" id="{99F0D02F-1F0A-4D4B-A189-DDC069EEE920}"/>
+              </a:ext>
+            </a:extLst>
+          </p:cNvPr>
+          <p:cNvPicPr>
+            <a:picLocks noChangeAspect="1"/>
+          </p:cNvPicPr>
+          <p:nvPr/>
+        </p:nvPicPr>
+        <p:blipFill>
+          <a:blip r:embed="rId2"/>
+          <a:stretch>
+            <a:fillRect/>
+          </a:stretch>
+        </p:blipFill>
+        <p:spPr>
+          <a:xfrm>
+            <a:off x="3021833" y="1329346"/>
+            <a:ext cx="3072675" cy="1951148"/>
+          </a:xfrm>
+          <a:prstGeom prst="rect">
+            <a:avLst/>
+          </a:prstGeom>
+          <a:ln w="12700">
+            <a:noFill/>
+          </a:ln>
+        </p:spPr>
+      </p:pic>
+      <p:pic>
+        <p:nvPicPr>
+          <p:cNvPr id="5" name="Content Placeholder 4" descr="A screenshot of a cell phone&#10;&#10;Description automatically generated">
+            <a:extLst>
+              <a:ext uri="{FF2B5EF4-FFF2-40B4-BE49-F238E27FC236}">
+                <a16:creationId xmlns:a16="http://schemas.microsoft.com/office/drawing/2014/main" id="{59128838-141F-6147-93FA-4B9601A41AD8}"/>
+              </a:ext>
+            </a:extLst>
+          </p:cNvPr>
+          <p:cNvPicPr>
+            <a:picLocks noGrp="1" noChangeAspect="1"/>
+          </p:cNvPicPr>
+          <p:nvPr>
+            <p:ph idx="1"/>
+          </p:nvPr>
+        </p:nvPicPr>
+        <p:blipFill>
+          <a:blip r:embed="rId3"/>
+          <a:stretch>
+            <a:fillRect/>
+          </a:stretch>
+        </p:blipFill>
+        <p:spPr>
+          <a:xfrm>
+            <a:off x="114063" y="1395569"/>
+            <a:ext cx="2949391" cy="1850743"/>
+          </a:xfrm>
+          <a:prstGeom prst="rect">
+            <a:avLst/>
+          </a:prstGeom>
+          <a:ln w="12700">
+            <a:noFill/>
+          </a:ln>
+        </p:spPr>
+      </p:pic>
+      <p:pic>
+        <p:nvPicPr>
+          <p:cNvPr id="7" name="Picture 6" descr="A screenshot of a cell phone&#10;&#10;Description automatically generated">
+            <a:extLst>
+              <a:ext uri="{FF2B5EF4-FFF2-40B4-BE49-F238E27FC236}">
+                <a16:creationId xmlns:a16="http://schemas.microsoft.com/office/drawing/2014/main" id="{A193FE90-1E99-244B-81DC-72E518B9BE43}"/>
+              </a:ext>
+            </a:extLst>
+          </p:cNvPr>
+          <p:cNvPicPr>
+            <a:picLocks noChangeAspect="1"/>
+          </p:cNvPicPr>
+          <p:nvPr/>
+        </p:nvPicPr>
+        <p:blipFill>
+          <a:blip r:embed="rId4"/>
+          <a:stretch>
+            <a:fillRect/>
+          </a:stretch>
+        </p:blipFill>
+        <p:spPr>
+          <a:xfrm>
+            <a:off x="5936960" y="1351561"/>
+            <a:ext cx="2993761" cy="1878585"/>
+          </a:xfrm>
+          <a:prstGeom prst="rect">
+            <a:avLst/>
+          </a:prstGeom>
+          <a:ln w="12700">
+            <a:noFill/>
+          </a:ln>
+        </p:spPr>
+      </p:pic>
+      <p:grpSp>
+        <p:nvGrpSpPr>
+          <p:cNvPr id="65" name="Group 64">
+            <a:extLst>
+              <a:ext uri="{FF2B5EF4-FFF2-40B4-BE49-F238E27FC236}">
+                <a16:creationId xmlns:a16="http://schemas.microsoft.com/office/drawing/2014/main" id="{B599B040-3C59-47F5-B8B8-ED7D57F4230F}"/>
+              </a:ext>
+              <a:ext uri="{C183D7F6-B498-43B3-948B-1728B52AA6E4}">
+                <adec:decorative xmlns:adec="http://schemas.microsoft.com/office/drawing/2017/decorative" val="1"/>
+              </a:ext>
+            </a:extLst>
+          </p:cNvPr>
+          <p:cNvGrpSpPr>
+            <a:grpSpLocks noGrp="1" noUngrp="1" noRot="1" noChangeAspect="1" noMove="1" noResize="1"/>
+          </p:cNvGrpSpPr>
+          <p:nvPr>
+            <p:extLst>
+              <p:ext uri="{386F3935-93C4-4BCD-93E2-E3B085C9AB24}">
+                <p16:designElem xmlns:p16="http://schemas.microsoft.com/office/powerpoint/2015/main" val="1"/>
+              </p:ext>
+            </p:extLst>
+          </p:nvPr>
+        </p:nvGrpSpPr>
+        <p:grpSpPr>
+          <a:xfrm>
+            <a:off x="1" y="4206292"/>
+            <a:ext cx="12192755" cy="1771275"/>
+            <a:chOff x="1" y="3893141"/>
+            <a:chExt cx="12192755" cy="1771275"/>
+          </a:xfrm>
+        </p:grpSpPr>
+        <p:sp>
+          <p:nvSpPr>
+            <p:cNvPr id="66" name="Isosceles Triangle 39">
+              <a:extLst>
+                <a:ext uri="{FF2B5EF4-FFF2-40B4-BE49-F238E27FC236}">
+                  <a16:creationId xmlns:a16="http://schemas.microsoft.com/office/drawing/2014/main" id="{693F5085-42BA-4366-AAB5-4C96237F68AE}"/>
+                </a:ext>
+                <a:ext uri="{C183D7F6-B498-43B3-948B-1728B52AA6E4}">
+                  <adec:decorative xmlns:adec="http://schemas.microsoft.com/office/drawing/2017/decorative" val="1"/>
+                </a:ext>
+              </a:extLst>
+            </p:cNvPr>
+            <p:cNvSpPr/>
+            <p:nvPr>
+              <p:extLst>
+                <p:ext uri="{386F3935-93C4-4BCD-93E2-E3B085C9AB24}">
+                  <p16:designElem xmlns:p16="http://schemas.microsoft.com/office/powerpoint/2015/main" val="1"/>
+                </p:ext>
+              </p:extLst>
+            </p:nvPr>
+          </p:nvSpPr>
+          <p:spPr>
+            <a:xfrm rot="10800000">
+              <a:off x="5892384" y="5313353"/>
+              <a:ext cx="407233" cy="351063"/>
+            </a:xfrm>
+            <a:prstGeom prst="triangle">
+              <a:avLst/>
+            </a:prstGeom>
+            <a:solidFill>
+              <a:schemeClr val="accent1"/>
+            </a:solidFill>
+            <a:ln>
+              <a:noFill/>
+            </a:ln>
+          </p:spPr>
+          <p:style>
+            <a:lnRef idx="2">
+              <a:schemeClr val="accent1">
+                <a:shade val="50000"/>
+              </a:schemeClr>
+            </a:lnRef>
+            <a:fillRef idx="1">
+              <a:schemeClr val="accent1"/>
+            </a:fillRef>
+            <a:effectRef idx="0">
+              <a:schemeClr val="accent1"/>
+            </a:effectRef>
+            <a:fontRef idx="minor">
+              <a:schemeClr val="lt1"/>
+            </a:fontRef>
+          </p:style>
+          <p:txBody>
+            <a:bodyPr rtlCol="0" anchor="ctr"/>
+            <a:lstStyle/>
+            <a:p>
+              <a:pPr algn="ctr"/>
+              <a:endParaRPr lang="en-US"/>
+            </a:p>
+          </p:txBody>
+        </p:sp>
+        <p:sp>
+          <p:nvSpPr>
+            <p:cNvPr id="67" name="Rectangle 66">
+              <a:extLst>
+                <a:ext uri="{FF2B5EF4-FFF2-40B4-BE49-F238E27FC236}">
+                  <a16:creationId xmlns:a16="http://schemas.microsoft.com/office/drawing/2014/main" id="{93DEC339-AF15-45D7-9B52-EE0683BA5072}"/>
+                </a:ext>
+                <a:ext uri="{C183D7F6-B498-43B3-948B-1728B52AA6E4}">
+                  <adec:decorative xmlns:adec="http://schemas.microsoft.com/office/drawing/2017/decorative" val="1"/>
+                </a:ext>
+              </a:extLst>
+            </p:cNvPr>
+            <p:cNvSpPr/>
+            <p:nvPr>
+              <p:extLst>
+                <p:ext uri="{386F3935-93C4-4BCD-93E2-E3B085C9AB24}">
+                  <p16:designElem xmlns:p16="http://schemas.microsoft.com/office/powerpoint/2015/main" val="1"/>
+                </p:ext>
+              </p:extLst>
+            </p:nvPr>
+          </p:nvSpPr>
+          <p:spPr>
+            <a:xfrm>
+              <a:off x="1" y="3893141"/>
+              <a:ext cx="12192755" cy="1420210"/>
+            </a:xfrm>
+            <a:prstGeom prst="rect">
+              <a:avLst/>
+            </a:prstGeom>
+            <a:solidFill>
+              <a:schemeClr val="accent1"/>
+            </a:solidFill>
+            <a:ln>
+              <a:noFill/>
+            </a:ln>
+          </p:spPr>
+          <p:style>
+            <a:lnRef idx="2">
+              <a:schemeClr val="accent1">
+                <a:shade val="50000"/>
+              </a:schemeClr>
+            </a:lnRef>
+            <a:fillRef idx="1">
+              <a:schemeClr val="accent1"/>
+            </a:fillRef>
+            <a:effectRef idx="0">
+              <a:schemeClr val="accent1"/>
+            </a:effectRef>
+            <a:fontRef idx="minor">
+              <a:schemeClr val="lt1"/>
+            </a:fontRef>
+          </p:style>
+          <p:txBody>
+            <a:bodyPr rtlCol="0" anchor="ctr"/>
+            <a:lstStyle/>
+            <a:p>
+              <a:pPr algn="ctr"/>
+              <a:endParaRPr lang="en-US"/>
+            </a:p>
+          </p:txBody>
+        </p:sp>
+      </p:grpSp>
+      <p:sp>
+        <p:nvSpPr>
+          <p:cNvPr id="2" name="Title 1">
+            <a:extLst>
+              <a:ext uri="{FF2B5EF4-FFF2-40B4-BE49-F238E27FC236}">
+                <a16:creationId xmlns:a16="http://schemas.microsoft.com/office/drawing/2014/main" id="{2FB175D1-DFAE-C14D-B145-8A9E6A0F357D}"/>
+              </a:ext>
+            </a:extLst>
+          </p:cNvPr>
+          <p:cNvSpPr>
+            <a:spLocks noGrp="1"/>
+          </p:cNvSpPr>
+          <p:nvPr>
+            <p:ph type="title"/>
+          </p:nvPr>
+        </p:nvSpPr>
+        <p:spPr>
+          <a:xfrm>
+            <a:off x="1508962" y="4438275"/>
+            <a:ext cx="9476313" cy="727748"/>
+          </a:xfrm>
         </p:spPr>
         <p:txBody>
-          <a:bodyPr wrap="none" rtlCol="0">
-            <a:spAutoFit/>
+          <a:bodyPr vert="horz" lIns="228600" tIns="228600" rIns="228600" bIns="0" rtlCol="0" anchor="b">
+            <a:normAutofit fontScale="90000"/>
           </a:bodyPr>
           <a:lstStyle/>
           <a:p>
-            <a:endParaRPr lang="en-US" dirty="0"/>
+            <a:pPr>
+              <a:lnSpc>
+                <a:spcPct val="80000"/>
+              </a:lnSpc>
+            </a:pPr>
+            <a:r>
+              <a:rPr lang="en-US" dirty="0"/>
+              <a:t>Distribution of Polarity Scores from 2007 through 2010</a:t>
+            </a:r>
+          </a:p>
+        </p:txBody>
+      </p:sp>
+      <p:pic>
+        <p:nvPicPr>
+          <p:cNvPr id="11" name="Picture 10" descr="A screenshot of a cell phone&#10;&#10;Description automatically generated">
+            <a:extLst>
+              <a:ext uri="{FF2B5EF4-FFF2-40B4-BE49-F238E27FC236}">
+                <a16:creationId xmlns:a16="http://schemas.microsoft.com/office/drawing/2014/main" id="{3E812249-2665-B948-A24E-963D2D607FFF}"/>
+              </a:ext>
+            </a:extLst>
+          </p:cNvPr>
+          <p:cNvPicPr>
+            <a:picLocks noChangeAspect="1"/>
+          </p:cNvPicPr>
+          <p:nvPr/>
+        </p:nvPicPr>
+        <p:blipFill>
+          <a:blip r:embed="rId5"/>
+          <a:stretch>
+            <a:fillRect/>
+          </a:stretch>
+        </p:blipFill>
+        <p:spPr>
+          <a:xfrm>
+            <a:off x="8658082" y="1320353"/>
+            <a:ext cx="3048102" cy="1924028"/>
+          </a:xfrm>
+          <a:prstGeom prst="rect">
+            <a:avLst/>
+          </a:prstGeom>
+        </p:spPr>
+      </p:pic>
+    </p:spTree>
+    <p:extLst>
+      <p:ext uri="{BB962C8B-B14F-4D97-AF65-F5344CB8AC3E}">
+        <p14:creationId xmlns:p14="http://schemas.microsoft.com/office/powerpoint/2010/main" val="231849595"/>
+      </p:ext>
+    </p:extLst>
+  </p:cSld>
+  <p:clrMapOvr>
+    <a:masterClrMapping/>
+  </p:clrMapOvr>
+</p:sld>
+</file>
+
+<file path=ppt/slides/slide7.xml><?xml version="1.0" encoding="utf-8"?>
+<p:sld xmlns:a="http://schemas.openxmlformats.org/drawingml/2006/main" xmlns:r="http://schemas.openxmlformats.org/officeDocument/2006/relationships" xmlns:p="http://schemas.openxmlformats.org/presentationml/2006/main">
+  <p:cSld>
+    <p:bg>
+      <p:bgPr>
+        <a:solidFill>
+          <a:schemeClr val="bg1"/>
+        </a:solidFill>
+        <a:effectLst/>
+      </p:bgPr>
+    </p:bg>
+    <p:spTree>
+      <p:nvGrpSpPr>
+        <p:cNvPr id="1" name=""/>
+        <p:cNvGrpSpPr/>
+        <p:nvPr/>
+      </p:nvGrpSpPr>
+      <p:grpSpPr>
+        <a:xfrm>
+          <a:off x="0" y="0"/>
+          <a:ext cx="0" cy="0"/>
+          <a:chOff x="0" y="0"/>
+          <a:chExt cx="0" cy="0"/>
+        </a:xfrm>
+      </p:grpSpPr>
+      <p:grpSp>
+        <p:nvGrpSpPr>
+          <p:cNvPr id="14" name="Group 13">
+            <a:extLst>
+              <a:ext uri="{FF2B5EF4-FFF2-40B4-BE49-F238E27FC236}">
+                <a16:creationId xmlns:a16="http://schemas.microsoft.com/office/drawing/2014/main" id="{0B46D094-9D10-45BD-BE9D-E4AFE2FE30B6}"/>
+              </a:ext>
+              <a:ext uri="{C183D7F6-B498-43B3-948B-1728B52AA6E4}">
+                <adec:decorative xmlns:adec="http://schemas.microsoft.com/office/drawing/2017/decorative" val="1"/>
+              </a:ext>
+            </a:extLst>
+          </p:cNvPr>
+          <p:cNvGrpSpPr>
+            <a:grpSpLocks noGrp="1" noUngrp="1" noRot="1" noChangeAspect="1" noMove="1" noResize="1"/>
+          </p:cNvGrpSpPr>
+          <p:nvPr>
+            <p:extLst>
+              <p:ext uri="{386F3935-93C4-4BCD-93E2-E3B085C9AB24}">
+                <p16:designElem xmlns:p16="http://schemas.microsoft.com/office/powerpoint/2015/main" val="1"/>
+              </p:ext>
+            </p:extLst>
+          </p:nvPr>
+        </p:nvGrpSpPr>
+        <p:grpSpPr>
+          <a:xfrm>
+            <a:off x="-329674" y="-59376"/>
+            <a:ext cx="12515851" cy="6923798"/>
+            <a:chOff x="-329674" y="-51881"/>
+            <a:chExt cx="12515851" cy="6923798"/>
+          </a:xfrm>
+        </p:grpSpPr>
+        <p:sp>
+          <p:nvSpPr>
+            <p:cNvPr id="15" name="Freeform 5">
+              <a:extLst>
+                <a:ext uri="{FF2B5EF4-FFF2-40B4-BE49-F238E27FC236}">
+                  <a16:creationId xmlns:a16="http://schemas.microsoft.com/office/drawing/2014/main" id="{55076C24-1C31-4A38-A3E7-9F78F38C2E85}"/>
+                </a:ext>
+                <a:ext uri="{C183D7F6-B498-43B3-948B-1728B52AA6E4}">
+                  <adec:decorative xmlns:adec="http://schemas.microsoft.com/office/drawing/2017/decorative" val="1"/>
+                </a:ext>
+              </a:extLst>
+            </p:cNvPr>
+            <p:cNvSpPr/>
+            <p:nvPr>
+              <p:extLst>
+                <p:ext uri="{386F3935-93C4-4BCD-93E2-E3B085C9AB24}">
+                  <p16:designElem xmlns:p16="http://schemas.microsoft.com/office/powerpoint/2015/main" val="1"/>
+                </p:ext>
+              </p:extLst>
+            </p:nvPr>
+          </p:nvSpPr>
+          <p:spPr bwMode="auto">
+            <a:xfrm>
+              <a:off x="-329674" y="1298404"/>
+              <a:ext cx="9702800" cy="5573512"/>
+            </a:xfrm>
+            <a:custGeom>
+              <a:avLst/>
+              <a:gdLst/>
+              <a:ahLst/>
+              <a:cxnLst/>
+              <a:rect l="0" t="0" r="r" b="b"/>
+              <a:pathLst>
+                <a:path w="2038" h="1169">
+                  <a:moveTo>
+                    <a:pt x="1752" y="1169"/>
+                  </a:moveTo>
+                  <a:cubicBezTo>
+                    <a:pt x="2038" y="928"/>
+                    <a:pt x="1673" y="513"/>
+                    <a:pt x="1487" y="334"/>
+                  </a:cubicBezTo>
+                  <a:cubicBezTo>
+                    <a:pt x="1316" y="170"/>
+                    <a:pt x="1099" y="43"/>
+                    <a:pt x="860" y="22"/>
+                  </a:cubicBezTo>
+                  <a:cubicBezTo>
+                    <a:pt x="621" y="0"/>
+                    <a:pt x="341" y="128"/>
+                    <a:pt x="199" y="318"/>
+                  </a:cubicBezTo>
+                  <a:cubicBezTo>
+                    <a:pt x="0" y="586"/>
+                    <a:pt x="184" y="965"/>
+                    <a:pt x="399" y="1165"/>
+                  </a:cubicBezTo>
+                </a:path>
+              </a:pathLst>
+            </a:custGeom>
+            <a:noFill/>
+            <a:ln w="9525" cap="flat">
+              <a:solidFill>
+                <a:schemeClr val="tx1">
+                  <a:alpha val="20000"/>
+                </a:schemeClr>
+              </a:solidFill>
+              <a:prstDash val="solid"/>
+              <a:miter lim="800000"/>
+              <a:headEnd/>
+              <a:tailEnd/>
+            </a:ln>
+            <a:extLst>
+              <a:ext uri="{909E8E84-426E-40DD-AFC4-6F175D3DCCD1}">
+                <a14:hiddenFill xmlns:a14="http://schemas.microsoft.com/office/drawing/2010/main">
+                  <a:solidFill>
+                    <a:srgbClr val="FFFFFF"/>
+                  </a:solidFill>
+                </a14:hiddenFill>
+              </a:ext>
+            </a:extLst>
+          </p:spPr>
+        </p:sp>
+        <p:sp>
+          <p:nvSpPr>
+            <p:cNvPr id="16" name="Freeform 6">
+              <a:extLst>
+                <a:ext uri="{FF2B5EF4-FFF2-40B4-BE49-F238E27FC236}">
+                  <a16:creationId xmlns:a16="http://schemas.microsoft.com/office/drawing/2014/main" id="{90A2F46D-431F-494E-B76D-74CEC142625D}"/>
+                </a:ext>
+                <a:ext uri="{C183D7F6-B498-43B3-948B-1728B52AA6E4}">
+                  <adec:decorative xmlns:adec="http://schemas.microsoft.com/office/drawing/2017/decorative" val="1"/>
+                </a:ext>
+              </a:extLst>
+            </p:cNvPr>
+            <p:cNvSpPr/>
+            <p:nvPr>
+              <p:extLst>
+                <p:ext uri="{386F3935-93C4-4BCD-93E2-E3B085C9AB24}">
+                  <p16:designElem xmlns:p16="http://schemas.microsoft.com/office/powerpoint/2015/main" val="1"/>
+                </p:ext>
+              </p:extLst>
+            </p:nvPr>
+          </p:nvSpPr>
+          <p:spPr bwMode="auto">
+            <a:xfrm>
+              <a:off x="670451" y="2018236"/>
+              <a:ext cx="7373938" cy="4848892"/>
+            </a:xfrm>
+            <a:custGeom>
+              <a:avLst/>
+              <a:gdLst/>
+              <a:ahLst/>
+              <a:cxnLst/>
+              <a:rect l="0" t="0" r="r" b="b"/>
+              <a:pathLst>
+                <a:path w="1549" h="1017">
+                  <a:moveTo>
+                    <a:pt x="1025" y="1016"/>
+                  </a:moveTo>
+                  <a:cubicBezTo>
+                    <a:pt x="1223" y="971"/>
+                    <a:pt x="1549" y="857"/>
+                    <a:pt x="1443" y="592"/>
+                  </a:cubicBezTo>
+                  <a:cubicBezTo>
+                    <a:pt x="1344" y="344"/>
+                    <a:pt x="1041" y="111"/>
+                    <a:pt x="782" y="53"/>
+                  </a:cubicBezTo>
+                  <a:cubicBezTo>
+                    <a:pt x="545" y="0"/>
+                    <a:pt x="275" y="117"/>
+                    <a:pt x="150" y="329"/>
+                  </a:cubicBezTo>
+                  <a:cubicBezTo>
+                    <a:pt x="0" y="584"/>
+                    <a:pt x="243" y="911"/>
+                    <a:pt x="477" y="1017"/>
+                  </a:cubicBezTo>
+                </a:path>
+              </a:pathLst>
+            </a:custGeom>
+            <a:noFill/>
+            <a:ln w="9525" cap="flat">
+              <a:solidFill>
+                <a:schemeClr val="tx1">
+                  <a:alpha val="20000"/>
+                </a:schemeClr>
+              </a:solidFill>
+              <a:prstDash val="solid"/>
+              <a:miter lim="800000"/>
+              <a:headEnd/>
+              <a:tailEnd/>
+            </a:ln>
+            <a:extLst>
+              <a:ext uri="{909E8E84-426E-40DD-AFC4-6F175D3DCCD1}">
+                <a14:hiddenFill xmlns:a14="http://schemas.microsoft.com/office/drawing/2010/main">
+                  <a:solidFill>
+                    <a:srgbClr val="FFFFFF"/>
+                  </a:solidFill>
+                </a14:hiddenFill>
+              </a:ext>
+            </a:extLst>
+          </p:spPr>
+        </p:sp>
+        <p:sp>
+          <p:nvSpPr>
+            <p:cNvPr id="17" name="Freeform 7">
+              <a:extLst>
+                <a:ext uri="{FF2B5EF4-FFF2-40B4-BE49-F238E27FC236}">
+                  <a16:creationId xmlns:a16="http://schemas.microsoft.com/office/drawing/2014/main" id="{57B72B1F-4125-4F46-8D06-808E368B2A92}"/>
+                </a:ext>
+                <a:ext uri="{C183D7F6-B498-43B3-948B-1728B52AA6E4}">
+                  <adec:decorative xmlns:adec="http://schemas.microsoft.com/office/drawing/2017/decorative" val="1"/>
+                </a:ext>
+              </a:extLst>
+            </p:cNvPr>
+            <p:cNvSpPr/>
+            <p:nvPr>
+              <p:extLst>
+                <p:ext uri="{386F3935-93C4-4BCD-93E2-E3B085C9AB24}">
+                  <p16:designElem xmlns:p16="http://schemas.microsoft.com/office/powerpoint/2015/main" val="1"/>
+                </p:ext>
+              </p:extLst>
+            </p:nvPr>
+          </p:nvSpPr>
+          <p:spPr bwMode="auto">
+            <a:xfrm>
+              <a:off x="251351" y="1788400"/>
+              <a:ext cx="8035925" cy="5083516"/>
+            </a:xfrm>
+            <a:custGeom>
+              <a:avLst/>
+              <a:gdLst/>
+              <a:ahLst/>
+              <a:cxnLst/>
+              <a:rect l="0" t="0" r="r" b="b"/>
+              <a:pathLst>
+                <a:path w="1688" h="1066">
+                  <a:moveTo>
+                    <a:pt x="1302" y="1066"/>
+                  </a:moveTo>
+                  <a:cubicBezTo>
+                    <a:pt x="1416" y="1024"/>
+                    <a:pt x="1551" y="962"/>
+                    <a:pt x="1613" y="850"/>
+                  </a:cubicBezTo>
+                  <a:cubicBezTo>
+                    <a:pt x="1688" y="715"/>
+                    <a:pt x="1606" y="575"/>
+                    <a:pt x="1517" y="471"/>
+                  </a:cubicBezTo>
+                  <a:cubicBezTo>
+                    <a:pt x="1336" y="258"/>
+                    <a:pt x="1084" y="62"/>
+                    <a:pt x="798" y="28"/>
+                  </a:cubicBezTo>
+                  <a:cubicBezTo>
+                    <a:pt x="559" y="0"/>
+                    <a:pt x="317" y="138"/>
+                    <a:pt x="181" y="333"/>
+                  </a:cubicBezTo>
+                  <a:cubicBezTo>
+                    <a:pt x="0" y="592"/>
+                    <a:pt x="191" y="907"/>
+                    <a:pt x="420" y="1066"/>
+                  </a:cubicBezTo>
+                </a:path>
+              </a:pathLst>
+            </a:custGeom>
+            <a:noFill/>
+            <a:ln w="9525" cap="flat">
+              <a:solidFill>
+                <a:schemeClr val="tx1">
+                  <a:alpha val="20000"/>
+                </a:schemeClr>
+              </a:solidFill>
+              <a:prstDash val="dash"/>
+              <a:miter lim="800000"/>
+              <a:headEnd/>
+              <a:tailEnd/>
+            </a:ln>
+            <a:extLst>
+              <a:ext uri="{909E8E84-426E-40DD-AFC4-6F175D3DCCD1}">
+                <a14:hiddenFill xmlns:a14="http://schemas.microsoft.com/office/drawing/2010/main">
+                  <a:solidFill>
+                    <a:srgbClr val="FFFFFF"/>
+                  </a:solidFill>
+                </a14:hiddenFill>
+              </a:ext>
+            </a:extLst>
+          </p:spPr>
+        </p:sp>
+        <p:sp>
+          <p:nvSpPr>
+            <p:cNvPr id="18" name="Freeform 8">
+              <a:extLst>
+                <a:ext uri="{FF2B5EF4-FFF2-40B4-BE49-F238E27FC236}">
+                  <a16:creationId xmlns:a16="http://schemas.microsoft.com/office/drawing/2014/main" id="{7C16EC32-C009-4130-ADB8-9DFD03CEC6FF}"/>
+                </a:ext>
+                <a:ext uri="{C183D7F6-B498-43B3-948B-1728B52AA6E4}">
+                  <adec:decorative xmlns:adec="http://schemas.microsoft.com/office/drawing/2017/decorative" val="1"/>
+                </a:ext>
+              </a:extLst>
+            </p:cNvPr>
+            <p:cNvSpPr/>
+            <p:nvPr>
+              <p:extLst>
+                <p:ext uri="{386F3935-93C4-4BCD-93E2-E3B085C9AB24}">
+                  <p16:designElem xmlns:p16="http://schemas.microsoft.com/office/powerpoint/2015/main" val="1"/>
+                </p:ext>
+              </p:extLst>
+            </p:nvPr>
+          </p:nvSpPr>
+          <p:spPr bwMode="auto">
+            <a:xfrm>
+              <a:off x="-1061" y="549842"/>
+              <a:ext cx="10334625" cy="6322075"/>
+            </a:xfrm>
+            <a:custGeom>
+              <a:avLst/>
+              <a:gdLst/>
+              <a:ahLst/>
+              <a:cxnLst/>
+              <a:rect l="0" t="0" r="r" b="b"/>
+              <a:pathLst>
+                <a:path w="2171" h="1326">
+                  <a:moveTo>
+                    <a:pt x="1873" y="1326"/>
+                  </a:moveTo>
+                  <a:cubicBezTo>
+                    <a:pt x="2171" y="1045"/>
+                    <a:pt x="1825" y="678"/>
+                    <a:pt x="1609" y="473"/>
+                  </a:cubicBezTo>
+                  <a:cubicBezTo>
+                    <a:pt x="1406" y="281"/>
+                    <a:pt x="1159" y="116"/>
+                    <a:pt x="880" y="63"/>
+                  </a:cubicBezTo>
+                  <a:cubicBezTo>
+                    <a:pt x="545" y="0"/>
+                    <a:pt x="214" y="161"/>
+                    <a:pt x="0" y="423"/>
+                  </a:cubicBezTo>
+                </a:path>
+              </a:pathLst>
+            </a:custGeom>
+            <a:noFill/>
+            <a:ln w="9525" cap="flat">
+              <a:solidFill>
+                <a:schemeClr val="tx1">
+                  <a:alpha val="20000"/>
+                </a:schemeClr>
+              </a:solidFill>
+              <a:prstDash val="solid"/>
+              <a:miter lim="800000"/>
+              <a:headEnd/>
+              <a:tailEnd/>
+            </a:ln>
+            <a:extLst>
+              <a:ext uri="{909E8E84-426E-40DD-AFC4-6F175D3DCCD1}">
+                <a14:hiddenFill xmlns:a14="http://schemas.microsoft.com/office/drawing/2010/main">
+                  <a:solidFill>
+                    <a:srgbClr val="FFFFFF"/>
+                  </a:solidFill>
+                </a14:hiddenFill>
+              </a:ext>
+            </a:extLst>
+          </p:spPr>
+        </p:sp>
+        <p:sp>
+          <p:nvSpPr>
+            <p:cNvPr id="19" name="Freeform 9">
+              <a:extLst>
+                <a:ext uri="{FF2B5EF4-FFF2-40B4-BE49-F238E27FC236}">
+                  <a16:creationId xmlns:a16="http://schemas.microsoft.com/office/drawing/2014/main" id="{CA06AC4F-231A-406A-83AF-BF4F1603D3BD}"/>
+                </a:ext>
+                <a:ext uri="{C183D7F6-B498-43B3-948B-1728B52AA6E4}">
+                  <adec:decorative xmlns:adec="http://schemas.microsoft.com/office/drawing/2017/decorative" val="1"/>
+                </a:ext>
+              </a:extLst>
+            </p:cNvPr>
+            <p:cNvSpPr/>
+            <p:nvPr>
+              <p:extLst>
+                <p:ext uri="{386F3935-93C4-4BCD-93E2-E3B085C9AB24}">
+                  <p16:designElem xmlns:p16="http://schemas.microsoft.com/office/powerpoint/2015/main" val="1"/>
+                </p:ext>
+              </p:extLst>
+            </p:nvPr>
+          </p:nvSpPr>
+          <p:spPr bwMode="auto">
+            <a:xfrm>
+              <a:off x="3701" y="6186246"/>
+              <a:ext cx="504825" cy="681527"/>
+            </a:xfrm>
+            <a:custGeom>
+              <a:avLst/>
+              <a:gdLst/>
+              <a:ahLst/>
+              <a:cxnLst/>
+              <a:rect l="0" t="0" r="r" b="b"/>
+              <a:pathLst>
+                <a:path w="106" h="143">
+                  <a:moveTo>
+                    <a:pt x="0" y="0"/>
+                  </a:moveTo>
+                  <a:cubicBezTo>
+                    <a:pt x="35" y="54"/>
+                    <a:pt x="70" y="101"/>
+                    <a:pt x="106" y="143"/>
+                  </a:cubicBezTo>
+                </a:path>
+              </a:pathLst>
+            </a:custGeom>
+            <a:noFill/>
+            <a:ln w="4763" cap="flat">
+              <a:solidFill>
+                <a:schemeClr val="tx1">
+                  <a:alpha val="20000"/>
+                </a:schemeClr>
+              </a:solidFill>
+              <a:prstDash val="solid"/>
+              <a:miter lim="800000"/>
+              <a:headEnd/>
+              <a:tailEnd/>
+            </a:ln>
+            <a:extLst>
+              <a:ext uri="{909E8E84-426E-40DD-AFC4-6F175D3DCCD1}">
+                <a14:hiddenFill xmlns:a14="http://schemas.microsoft.com/office/drawing/2010/main">
+                  <a:solidFill>
+                    <a:srgbClr val="FFFFFF"/>
+                  </a:solidFill>
+                </a14:hiddenFill>
+              </a:ext>
+            </a:extLst>
+          </p:spPr>
+        </p:sp>
+        <p:sp>
+          <p:nvSpPr>
+            <p:cNvPr id="20" name="Freeform 10">
+              <a:extLst>
+                <a:ext uri="{FF2B5EF4-FFF2-40B4-BE49-F238E27FC236}">
+                  <a16:creationId xmlns:a16="http://schemas.microsoft.com/office/drawing/2014/main" id="{244FAADB-573E-4112-BE8C-B88C470E4F47}"/>
+                </a:ext>
+                <a:ext uri="{C183D7F6-B498-43B3-948B-1728B52AA6E4}">
+                  <adec:decorative xmlns:adec="http://schemas.microsoft.com/office/drawing/2017/decorative" val="1"/>
+                </a:ext>
+              </a:extLst>
+            </p:cNvPr>
+            <p:cNvSpPr/>
+            <p:nvPr>
+              <p:extLst>
+                <p:ext uri="{386F3935-93C4-4BCD-93E2-E3B085C9AB24}">
+                  <p16:designElem xmlns:p16="http://schemas.microsoft.com/office/powerpoint/2015/main" val="1"/>
+                </p:ext>
+              </p:extLst>
+            </p:nvPr>
+          </p:nvSpPr>
+          <p:spPr bwMode="auto">
+            <a:xfrm>
+              <a:off x="-1061" y="-51881"/>
+              <a:ext cx="11091863" cy="6923796"/>
+            </a:xfrm>
+            <a:custGeom>
+              <a:avLst/>
+              <a:gdLst/>
+              <a:ahLst/>
+              <a:cxnLst/>
+              <a:rect l="0" t="0" r="r" b="b"/>
+              <a:pathLst>
+                <a:path w="2330" h="1452">
+                  <a:moveTo>
+                    <a:pt x="2046" y="1452"/>
+                  </a:moveTo>
+                  <a:cubicBezTo>
+                    <a:pt x="2330" y="1153"/>
+                    <a:pt x="2049" y="821"/>
+                    <a:pt x="1813" y="601"/>
+                  </a:cubicBezTo>
+                  <a:cubicBezTo>
+                    <a:pt x="1569" y="375"/>
+                    <a:pt x="1282" y="179"/>
+                    <a:pt x="956" y="97"/>
+                  </a:cubicBezTo>
+                  <a:cubicBezTo>
+                    <a:pt x="572" y="0"/>
+                    <a:pt x="292" y="101"/>
+                    <a:pt x="0" y="366"/>
+                  </a:cubicBezTo>
+                </a:path>
+              </a:pathLst>
+            </a:custGeom>
+            <a:noFill/>
+            <a:ln w="9525" cap="flat">
+              <a:solidFill>
+                <a:schemeClr val="tx1">
+                  <a:alpha val="20000"/>
+                </a:schemeClr>
+              </a:solidFill>
+              <a:prstDash val="solid"/>
+              <a:miter lim="800000"/>
+              <a:headEnd/>
+              <a:tailEnd/>
+            </a:ln>
+            <a:extLst>
+              <a:ext uri="{909E8E84-426E-40DD-AFC4-6F175D3DCCD1}">
+                <a14:hiddenFill xmlns:a14="http://schemas.microsoft.com/office/drawing/2010/main">
+                  <a:solidFill>
+                    <a:srgbClr val="FFFFFF"/>
+                  </a:solidFill>
+                </a14:hiddenFill>
+              </a:ext>
+            </a:extLst>
+          </p:spPr>
+        </p:sp>
+        <p:sp>
+          <p:nvSpPr>
+            <p:cNvPr id="21" name="Freeform 11">
+              <a:extLst>
+                <a:ext uri="{FF2B5EF4-FFF2-40B4-BE49-F238E27FC236}">
+                  <a16:creationId xmlns:a16="http://schemas.microsoft.com/office/drawing/2014/main" id="{CF38BC08-F82D-4258-8E44-11B2C9E4E176}"/>
+                </a:ext>
+                <a:ext uri="{C183D7F6-B498-43B3-948B-1728B52AA6E4}">
+                  <adec:decorative xmlns:adec="http://schemas.microsoft.com/office/drawing/2017/decorative" val="1"/>
+                </a:ext>
+              </a:extLst>
+            </p:cNvPr>
+            <p:cNvSpPr/>
+            <p:nvPr>
+              <p:extLst>
+                <p:ext uri="{386F3935-93C4-4BCD-93E2-E3B085C9AB24}">
+                  <p16:designElem xmlns:p16="http://schemas.microsoft.com/office/powerpoint/2015/main" val="1"/>
+                </p:ext>
+              </p:extLst>
+            </p:nvPr>
+          </p:nvSpPr>
+          <p:spPr bwMode="auto">
+            <a:xfrm>
+              <a:off x="5426601" y="5579"/>
+              <a:ext cx="5788025" cy="6847184"/>
+            </a:xfrm>
+            <a:custGeom>
+              <a:avLst/>
+              <a:gdLst/>
+              <a:ahLst/>
+              <a:cxnLst/>
+              <a:rect l="0" t="0" r="r" b="b"/>
+              <a:pathLst>
+                <a:path w="1216" h="1436">
+                  <a:moveTo>
+                    <a:pt x="1094" y="1436"/>
+                  </a:moveTo>
+                  <a:cubicBezTo>
+                    <a:pt x="1216" y="1114"/>
+                    <a:pt x="904" y="770"/>
+                    <a:pt x="709" y="551"/>
+                  </a:cubicBezTo>
+                  <a:cubicBezTo>
+                    <a:pt x="509" y="327"/>
+                    <a:pt x="274" y="127"/>
+                    <a:pt x="0" y="0"/>
+                  </a:cubicBezTo>
+                </a:path>
+              </a:pathLst>
+            </a:custGeom>
+            <a:noFill/>
+            <a:ln w="9525" cap="flat">
+              <a:solidFill>
+                <a:schemeClr val="tx1">
+                  <a:alpha val="20000"/>
+                </a:schemeClr>
+              </a:solidFill>
+              <a:prstDash val="solid"/>
+              <a:miter lim="800000"/>
+              <a:headEnd/>
+              <a:tailEnd/>
+            </a:ln>
+            <a:extLst>
+              <a:ext uri="{909E8E84-426E-40DD-AFC4-6F175D3DCCD1}">
+                <a14:hiddenFill xmlns:a14="http://schemas.microsoft.com/office/drawing/2010/main">
+                  <a:solidFill>
+                    <a:srgbClr val="FFFFFF"/>
+                  </a:solidFill>
+                </a14:hiddenFill>
+              </a:ext>
+            </a:extLst>
+          </p:spPr>
+        </p:sp>
+        <p:sp>
+          <p:nvSpPr>
+            <p:cNvPr id="22" name="Freeform 12">
+              <a:extLst>
+                <a:ext uri="{FF2B5EF4-FFF2-40B4-BE49-F238E27FC236}">
+                  <a16:creationId xmlns:a16="http://schemas.microsoft.com/office/drawing/2014/main" id="{EF763D22-10EE-4D7D-95EE-5F4DB723D327}"/>
+                </a:ext>
+                <a:ext uri="{C183D7F6-B498-43B3-948B-1728B52AA6E4}">
+                  <adec:decorative xmlns:adec="http://schemas.microsoft.com/office/drawing/2017/decorative" val="1"/>
+                </a:ext>
+              </a:extLst>
+            </p:cNvPr>
+            <p:cNvSpPr/>
+            <p:nvPr>
+              <p:extLst>
+                <p:ext uri="{386F3935-93C4-4BCD-93E2-E3B085C9AB24}">
+                  <p16:designElem xmlns:p16="http://schemas.microsoft.com/office/powerpoint/2015/main" val="1"/>
+                </p:ext>
+              </p:extLst>
+            </p:nvPr>
+          </p:nvSpPr>
+          <p:spPr bwMode="auto">
+            <a:xfrm>
+              <a:off x="-1061" y="5579"/>
+              <a:ext cx="1057275" cy="614491"/>
+            </a:xfrm>
+            <a:custGeom>
+              <a:avLst/>
+              <a:gdLst/>
+              <a:ahLst/>
+              <a:cxnLst/>
+              <a:rect l="0" t="0" r="r" b="b"/>
+              <a:pathLst>
+                <a:path w="222" h="129">
+                  <a:moveTo>
+                    <a:pt x="222" y="0"/>
+                  </a:moveTo>
+                  <a:cubicBezTo>
+                    <a:pt x="152" y="35"/>
+                    <a:pt x="76" y="78"/>
+                    <a:pt x="0" y="129"/>
+                  </a:cubicBezTo>
+                </a:path>
+              </a:pathLst>
+            </a:custGeom>
+            <a:noFill/>
+            <a:ln w="9525" cap="flat">
+              <a:solidFill>
+                <a:schemeClr val="tx1">
+                  <a:alpha val="20000"/>
+                </a:schemeClr>
+              </a:solidFill>
+              <a:prstDash val="solid"/>
+              <a:miter lim="800000"/>
+              <a:headEnd/>
+              <a:tailEnd/>
+            </a:ln>
+            <a:extLst>
+              <a:ext uri="{909E8E84-426E-40DD-AFC4-6F175D3DCCD1}">
+                <a14:hiddenFill xmlns:a14="http://schemas.microsoft.com/office/drawing/2010/main">
+                  <a:solidFill>
+                    <a:srgbClr val="FFFFFF"/>
+                  </a:solidFill>
+                </a14:hiddenFill>
+              </a:ext>
+            </a:extLst>
+          </p:spPr>
+        </p:sp>
+        <p:sp>
+          <p:nvSpPr>
+            <p:cNvPr id="23" name="Freeform 13">
+              <a:extLst>
+                <a:ext uri="{FF2B5EF4-FFF2-40B4-BE49-F238E27FC236}">
+                  <a16:creationId xmlns:a16="http://schemas.microsoft.com/office/drawing/2014/main" id="{81EA7FDE-0B97-4DDD-AF65-F352834E6B15}"/>
+                </a:ext>
+                <a:ext uri="{C183D7F6-B498-43B3-948B-1728B52AA6E4}">
+                  <adec:decorative xmlns:adec="http://schemas.microsoft.com/office/drawing/2017/decorative" val="1"/>
+                </a:ext>
+              </a:extLst>
+            </p:cNvPr>
+            <p:cNvSpPr/>
+            <p:nvPr>
+              <p:extLst>
+                <p:ext uri="{386F3935-93C4-4BCD-93E2-E3B085C9AB24}">
+                  <p16:designElem xmlns:p16="http://schemas.microsoft.com/office/powerpoint/2015/main" val="1"/>
+                </p:ext>
+              </p:extLst>
+            </p:nvPr>
+          </p:nvSpPr>
+          <p:spPr bwMode="auto">
+            <a:xfrm>
+              <a:off x="5821889" y="5579"/>
+              <a:ext cx="5588000" cy="6866337"/>
+            </a:xfrm>
+            <a:custGeom>
+              <a:avLst/>
+              <a:gdLst/>
+              <a:ahLst/>
+              <a:cxnLst/>
+              <a:rect l="0" t="0" r="r" b="b"/>
+              <a:pathLst>
+                <a:path w="1174" h="1440">
+                  <a:moveTo>
+                    <a:pt x="1067" y="1440"/>
+                  </a:moveTo>
+                  <a:cubicBezTo>
+                    <a:pt x="1174" y="1124"/>
+                    <a:pt x="887" y="797"/>
+                    <a:pt x="698" y="577"/>
+                  </a:cubicBezTo>
+                  <a:cubicBezTo>
+                    <a:pt x="500" y="348"/>
+                    <a:pt x="270" y="141"/>
+                    <a:pt x="0" y="0"/>
+                  </a:cubicBezTo>
+                </a:path>
+              </a:pathLst>
+            </a:custGeom>
+            <a:noFill/>
+            <a:ln w="9525" cap="flat">
+              <a:solidFill>
+                <a:schemeClr val="tx1">
+                  <a:alpha val="20000"/>
+                </a:schemeClr>
+              </a:solidFill>
+              <a:prstDash val="dash"/>
+              <a:miter lim="800000"/>
+              <a:headEnd/>
+              <a:tailEnd/>
+            </a:ln>
+            <a:extLst>
+              <a:ext uri="{909E8E84-426E-40DD-AFC4-6F175D3DCCD1}">
+                <a14:hiddenFill xmlns:a14="http://schemas.microsoft.com/office/drawing/2010/main">
+                  <a:solidFill>
+                    <a:srgbClr val="FFFFFF"/>
+                  </a:solidFill>
+                </a14:hiddenFill>
+              </a:ext>
+            </a:extLst>
+          </p:spPr>
+        </p:sp>
+        <p:sp>
+          <p:nvSpPr>
+            <p:cNvPr id="24" name="Freeform 14">
+              <a:extLst>
+                <a:ext uri="{FF2B5EF4-FFF2-40B4-BE49-F238E27FC236}">
+                  <a16:creationId xmlns:a16="http://schemas.microsoft.com/office/drawing/2014/main" id="{CC18534F-EC75-4CF4-BBAC-0EF150873F58}"/>
+                </a:ext>
+                <a:ext uri="{C183D7F6-B498-43B3-948B-1728B52AA6E4}">
+                  <adec:decorative xmlns:adec="http://schemas.microsoft.com/office/drawing/2017/decorative" val="1"/>
+                </a:ext>
+              </a:extLst>
+            </p:cNvPr>
+            <p:cNvSpPr/>
+            <p:nvPr>
+              <p:extLst>
+                <p:ext uri="{386F3935-93C4-4BCD-93E2-E3B085C9AB24}">
+                  <p16:designElem xmlns:p16="http://schemas.microsoft.com/office/powerpoint/2015/main" val="1"/>
+                </p:ext>
+              </p:extLst>
+            </p:nvPr>
+          </p:nvSpPr>
+          <p:spPr bwMode="auto">
+            <a:xfrm>
+              <a:off x="3701" y="790"/>
+              <a:ext cx="595313" cy="352734"/>
+            </a:xfrm>
+            <a:custGeom>
+              <a:avLst/>
+              <a:gdLst/>
+              <a:ahLst/>
+              <a:cxnLst/>
+              <a:rect l="0" t="0" r="r" b="b"/>
+              <a:pathLst>
+                <a:path w="125" h="74">
+                  <a:moveTo>
+                    <a:pt x="125" y="0"/>
+                  </a:moveTo>
+                  <a:cubicBezTo>
+                    <a:pt x="85" y="22"/>
+                    <a:pt x="43" y="47"/>
+                    <a:pt x="0" y="74"/>
+                  </a:cubicBezTo>
+                </a:path>
+              </a:pathLst>
+            </a:custGeom>
+            <a:noFill/>
+            <a:ln w="9525" cap="flat">
+              <a:solidFill>
+                <a:schemeClr val="tx1">
+                  <a:alpha val="20000"/>
+                </a:schemeClr>
+              </a:solidFill>
+              <a:prstDash val="dash"/>
+              <a:miter lim="800000"/>
+              <a:headEnd/>
+              <a:tailEnd/>
+            </a:ln>
+            <a:extLst>
+              <a:ext uri="{909E8E84-426E-40DD-AFC4-6F175D3DCCD1}">
+                <a14:hiddenFill xmlns:a14="http://schemas.microsoft.com/office/drawing/2010/main">
+                  <a:solidFill>
+                    <a:srgbClr val="FFFFFF"/>
+                  </a:solidFill>
+                </a14:hiddenFill>
+              </a:ext>
+            </a:extLst>
+          </p:spPr>
+        </p:sp>
+        <p:sp>
+          <p:nvSpPr>
+            <p:cNvPr id="25" name="Freeform 15">
+              <a:extLst>
+                <a:ext uri="{FF2B5EF4-FFF2-40B4-BE49-F238E27FC236}">
+                  <a16:creationId xmlns:a16="http://schemas.microsoft.com/office/drawing/2014/main" id="{71BB5232-2C83-41EB-B62B-E54AC93F2EC5}"/>
+                </a:ext>
+                <a:ext uri="{C183D7F6-B498-43B3-948B-1728B52AA6E4}">
+                  <adec:decorative xmlns:adec="http://schemas.microsoft.com/office/drawing/2017/decorative" val="1"/>
+                </a:ext>
+              </a:extLst>
+            </p:cNvPr>
+            <p:cNvSpPr/>
+            <p:nvPr>
+              <p:extLst>
+                <p:ext uri="{386F3935-93C4-4BCD-93E2-E3B085C9AB24}">
+                  <p16:designElem xmlns:p16="http://schemas.microsoft.com/office/powerpoint/2015/main" val="1"/>
+                </p:ext>
+              </p:extLst>
+            </p:nvPr>
+          </p:nvSpPr>
+          <p:spPr bwMode="auto">
+            <a:xfrm>
+              <a:off x="6012389" y="5579"/>
+              <a:ext cx="5497513" cy="6866337"/>
+            </a:xfrm>
+            <a:custGeom>
+              <a:avLst/>
+              <a:gdLst/>
+              <a:ahLst/>
+              <a:cxnLst/>
+              <a:rect l="0" t="0" r="r" b="b"/>
+              <a:pathLst>
+                <a:path w="1155" h="1440">
+                  <a:moveTo>
+                    <a:pt x="1056" y="1440"/>
+                  </a:moveTo>
+                  <a:cubicBezTo>
+                    <a:pt x="1155" y="1123"/>
+                    <a:pt x="875" y="801"/>
+                    <a:pt x="686" y="580"/>
+                  </a:cubicBezTo>
+                  <a:cubicBezTo>
+                    <a:pt x="491" y="352"/>
+                    <a:pt x="264" y="145"/>
+                    <a:pt x="0" y="0"/>
+                  </a:cubicBezTo>
+                </a:path>
+              </a:pathLst>
+            </a:custGeom>
+            <a:noFill/>
+            <a:ln w="12700" cap="flat">
+              <a:solidFill>
+                <a:schemeClr val="tx1">
+                  <a:alpha val="20000"/>
+                </a:schemeClr>
+              </a:solidFill>
+              <a:prstDash val="dashDot"/>
+              <a:miter lim="800000"/>
+              <a:headEnd/>
+              <a:tailEnd/>
+            </a:ln>
+            <a:extLst>
+              <a:ext uri="{909E8E84-426E-40DD-AFC4-6F175D3DCCD1}">
+                <a14:hiddenFill xmlns:a14="http://schemas.microsoft.com/office/drawing/2010/main">
+                  <a:solidFill>
+                    <a:srgbClr val="FFFFFF"/>
+                  </a:solidFill>
+                </a14:hiddenFill>
+              </a:ext>
+            </a:extLst>
+          </p:spPr>
+        </p:sp>
+        <p:sp>
+          <p:nvSpPr>
+            <p:cNvPr id="26" name="Freeform 16">
+              <a:extLst>
+                <a:ext uri="{FF2B5EF4-FFF2-40B4-BE49-F238E27FC236}">
+                  <a16:creationId xmlns:a16="http://schemas.microsoft.com/office/drawing/2014/main" id="{2598F724-C32E-4B91-9B85-60C89DBB8CE5}"/>
+                </a:ext>
+                <a:ext uri="{C183D7F6-B498-43B3-948B-1728B52AA6E4}">
+                  <adec:decorative xmlns:adec="http://schemas.microsoft.com/office/drawing/2017/decorative" val="1"/>
+                </a:ext>
+              </a:extLst>
+            </p:cNvPr>
+            <p:cNvSpPr/>
+            <p:nvPr>
+              <p:extLst>
+                <p:ext uri="{386F3935-93C4-4BCD-93E2-E3B085C9AB24}">
+                  <p16:designElem xmlns:p16="http://schemas.microsoft.com/office/powerpoint/2015/main" val="1"/>
+                </p:ext>
+              </p:extLst>
+            </p:nvPr>
+          </p:nvSpPr>
+          <p:spPr bwMode="auto">
+            <a:xfrm>
+              <a:off x="-1061" y="5579"/>
+              <a:ext cx="357188" cy="213875"/>
+            </a:xfrm>
+            <a:custGeom>
+              <a:avLst/>
+              <a:gdLst/>
+              <a:ahLst/>
+              <a:cxnLst/>
+              <a:rect l="0" t="0" r="r" b="b"/>
+              <a:pathLst>
+                <a:path w="75" h="45">
+                  <a:moveTo>
+                    <a:pt x="75" y="0"/>
+                  </a:moveTo>
+                  <a:cubicBezTo>
+                    <a:pt x="50" y="14"/>
+                    <a:pt x="25" y="29"/>
+                    <a:pt x="0" y="45"/>
+                  </a:cubicBezTo>
+                </a:path>
+              </a:pathLst>
+            </a:custGeom>
+            <a:noFill/>
+            <a:ln w="12700" cap="flat">
+              <a:solidFill>
+                <a:schemeClr val="tx1">
+                  <a:alpha val="20000"/>
+                </a:schemeClr>
+              </a:solidFill>
+              <a:prstDash val="dashDot"/>
+              <a:miter lim="800000"/>
+              <a:headEnd/>
+              <a:tailEnd/>
+            </a:ln>
+            <a:extLst>
+              <a:ext uri="{909E8E84-426E-40DD-AFC4-6F175D3DCCD1}">
+                <a14:hiddenFill xmlns:a14="http://schemas.microsoft.com/office/drawing/2010/main">
+                  <a:solidFill>
+                    <a:srgbClr val="FFFFFF"/>
+                  </a:solidFill>
+                </a14:hiddenFill>
+              </a:ext>
+            </a:extLst>
+          </p:spPr>
+        </p:sp>
+        <p:sp>
+          <p:nvSpPr>
+            <p:cNvPr id="27" name="Freeform 17">
+              <a:extLst>
+                <a:ext uri="{FF2B5EF4-FFF2-40B4-BE49-F238E27FC236}">
+                  <a16:creationId xmlns:a16="http://schemas.microsoft.com/office/drawing/2014/main" id="{D5D4FBFD-ACE3-46D2-8E97-E8EABE735C88}"/>
+                </a:ext>
+                <a:ext uri="{C183D7F6-B498-43B3-948B-1728B52AA6E4}">
+                  <adec:decorative xmlns:adec="http://schemas.microsoft.com/office/drawing/2017/decorative" val="1"/>
+                </a:ext>
+              </a:extLst>
+            </p:cNvPr>
+            <p:cNvSpPr/>
+            <p:nvPr>
+              <p:extLst>
+                <p:ext uri="{386F3935-93C4-4BCD-93E2-E3B085C9AB24}">
+                  <p16:designElem xmlns:p16="http://schemas.microsoft.com/office/powerpoint/2015/main" val="1"/>
+                </p:ext>
+              </p:extLst>
+            </p:nvPr>
+          </p:nvSpPr>
+          <p:spPr bwMode="auto">
+            <a:xfrm>
+              <a:off x="6210826" y="790"/>
+              <a:ext cx="5522913" cy="6871126"/>
+            </a:xfrm>
+            <a:custGeom>
+              <a:avLst/>
+              <a:gdLst/>
+              <a:ahLst/>
+              <a:cxnLst/>
+              <a:rect l="0" t="0" r="r" b="b"/>
+              <a:pathLst>
+                <a:path w="1160" h="1441">
+                  <a:moveTo>
+                    <a:pt x="1053" y="1441"/>
+                  </a:moveTo>
+                  <a:cubicBezTo>
+                    <a:pt x="1160" y="1129"/>
+                    <a:pt x="892" y="817"/>
+                    <a:pt x="705" y="599"/>
+                  </a:cubicBezTo>
+                  <a:cubicBezTo>
+                    <a:pt x="503" y="365"/>
+                    <a:pt x="270" y="152"/>
+                    <a:pt x="0" y="0"/>
+                  </a:cubicBezTo>
+                </a:path>
+              </a:pathLst>
+            </a:custGeom>
+            <a:noFill/>
+            <a:ln w="9525" cap="flat">
+              <a:solidFill>
+                <a:schemeClr val="tx1">
+                  <a:alpha val="20000"/>
+                </a:schemeClr>
+              </a:solidFill>
+              <a:prstDash val="solid"/>
+              <a:miter lim="800000"/>
+              <a:headEnd/>
+              <a:tailEnd/>
+            </a:ln>
+            <a:extLst>
+              <a:ext uri="{909E8E84-426E-40DD-AFC4-6F175D3DCCD1}">
+                <a14:hiddenFill xmlns:a14="http://schemas.microsoft.com/office/drawing/2010/main">
+                  <a:solidFill>
+                    <a:srgbClr val="FFFFFF"/>
+                  </a:solidFill>
+                </a14:hiddenFill>
+              </a:ext>
+            </a:extLst>
+          </p:spPr>
+        </p:sp>
+        <p:sp>
+          <p:nvSpPr>
+            <p:cNvPr id="28" name="Freeform 18">
+              <a:extLst>
+                <a:ext uri="{FF2B5EF4-FFF2-40B4-BE49-F238E27FC236}">
+                  <a16:creationId xmlns:a16="http://schemas.microsoft.com/office/drawing/2014/main" id="{54A3C901-AFD0-41D3-85E5-87D0E1C9D33D}"/>
+                </a:ext>
+                <a:ext uri="{C183D7F6-B498-43B3-948B-1728B52AA6E4}">
+                  <adec:decorative xmlns:adec="http://schemas.microsoft.com/office/drawing/2017/decorative" val="1"/>
+                </a:ext>
+              </a:extLst>
+            </p:cNvPr>
+            <p:cNvSpPr/>
+            <p:nvPr>
+              <p:extLst>
+                <p:ext uri="{386F3935-93C4-4BCD-93E2-E3B085C9AB24}">
+                  <p16:designElem xmlns:p16="http://schemas.microsoft.com/office/powerpoint/2015/main" val="1"/>
+                </p:ext>
+              </p:extLst>
+            </p:nvPr>
+          </p:nvSpPr>
+          <p:spPr bwMode="auto">
+            <a:xfrm>
+              <a:off x="6463239" y="5579"/>
+              <a:ext cx="5413375" cy="6866337"/>
+            </a:xfrm>
+            <a:custGeom>
+              <a:avLst/>
+              <a:gdLst/>
+              <a:ahLst/>
+              <a:cxnLst/>
+              <a:rect l="0" t="0" r="r" b="b"/>
+              <a:pathLst>
+                <a:path w="1137" h="1440">
+                  <a:moveTo>
+                    <a:pt x="1040" y="1440"/>
+                  </a:moveTo>
+                  <a:cubicBezTo>
+                    <a:pt x="1137" y="1131"/>
+                    <a:pt x="883" y="828"/>
+                    <a:pt x="698" y="611"/>
+                  </a:cubicBezTo>
+                  <a:cubicBezTo>
+                    <a:pt x="498" y="375"/>
+                    <a:pt x="268" y="159"/>
+                    <a:pt x="0" y="0"/>
+                  </a:cubicBezTo>
+                </a:path>
+              </a:pathLst>
+            </a:custGeom>
+            <a:noFill/>
+            <a:ln w="9525" cap="flat">
+              <a:solidFill>
+                <a:schemeClr val="tx1">
+                  <a:alpha val="20000"/>
+                </a:schemeClr>
+              </a:solidFill>
+              <a:prstDash val="solid"/>
+              <a:miter lim="800000"/>
+              <a:headEnd/>
+              <a:tailEnd/>
+            </a:ln>
+            <a:extLst>
+              <a:ext uri="{909E8E84-426E-40DD-AFC4-6F175D3DCCD1}">
+                <a14:hiddenFill xmlns:a14="http://schemas.microsoft.com/office/drawing/2010/main">
+                  <a:solidFill>
+                    <a:srgbClr val="FFFFFF"/>
+                  </a:solidFill>
+                </a14:hiddenFill>
+              </a:ext>
+            </a:extLst>
+          </p:spPr>
+        </p:sp>
+        <p:sp>
+          <p:nvSpPr>
+            <p:cNvPr id="29" name="Freeform 19">
+              <a:extLst>
+                <a:ext uri="{FF2B5EF4-FFF2-40B4-BE49-F238E27FC236}">
+                  <a16:creationId xmlns:a16="http://schemas.microsoft.com/office/drawing/2014/main" id="{485F3E8E-CD09-44EB-AC73-1834A8D50477}"/>
+                </a:ext>
+                <a:ext uri="{C183D7F6-B498-43B3-948B-1728B52AA6E4}">
+                  <adec:decorative xmlns:adec="http://schemas.microsoft.com/office/drawing/2017/decorative" val="1"/>
+                </a:ext>
+              </a:extLst>
+            </p:cNvPr>
+            <p:cNvSpPr/>
+            <p:nvPr>
+              <p:extLst>
+                <p:ext uri="{386F3935-93C4-4BCD-93E2-E3B085C9AB24}">
+                  <p16:designElem xmlns:p16="http://schemas.microsoft.com/office/powerpoint/2015/main" val="1"/>
+                </p:ext>
+              </p:extLst>
+            </p:nvPr>
+          </p:nvSpPr>
+          <p:spPr bwMode="auto">
+            <a:xfrm>
+              <a:off x="6877576" y="5579"/>
+              <a:ext cx="5037138" cy="6861550"/>
+            </a:xfrm>
+            <a:custGeom>
+              <a:avLst/>
+              <a:gdLst/>
+              <a:ahLst/>
+              <a:cxnLst/>
+              <a:rect l="0" t="0" r="r" b="b"/>
+              <a:pathLst>
+                <a:path w="1058" h="1439">
+                  <a:moveTo>
+                    <a:pt x="1011" y="1439"/>
+                  </a:moveTo>
+                  <a:cubicBezTo>
+                    <a:pt x="1058" y="1131"/>
+                    <a:pt x="825" y="841"/>
+                    <a:pt x="648" y="617"/>
+                  </a:cubicBezTo>
+                  <a:cubicBezTo>
+                    <a:pt x="462" y="383"/>
+                    <a:pt x="248" y="168"/>
+                    <a:pt x="0" y="0"/>
+                  </a:cubicBezTo>
+                </a:path>
+              </a:pathLst>
+            </a:custGeom>
+            <a:noFill/>
+            <a:ln w="9525" cap="flat">
+              <a:solidFill>
+                <a:schemeClr val="tx1">
+                  <a:alpha val="20000"/>
+                </a:schemeClr>
+              </a:solidFill>
+              <a:prstDash val="solid"/>
+              <a:miter lim="800000"/>
+              <a:headEnd/>
+              <a:tailEnd/>
+            </a:ln>
+            <a:extLst>
+              <a:ext uri="{909E8E84-426E-40DD-AFC4-6F175D3DCCD1}">
+                <a14:hiddenFill xmlns:a14="http://schemas.microsoft.com/office/drawing/2010/main">
+                  <a:solidFill>
+                    <a:srgbClr val="FFFFFF"/>
+                  </a:solidFill>
+                </a14:hiddenFill>
+              </a:ext>
+            </a:extLst>
+          </p:spPr>
+        </p:sp>
+        <p:sp>
+          <p:nvSpPr>
+            <p:cNvPr id="30" name="Freeform 20">
+              <a:extLst>
+                <a:ext uri="{FF2B5EF4-FFF2-40B4-BE49-F238E27FC236}">
+                  <a16:creationId xmlns:a16="http://schemas.microsoft.com/office/drawing/2014/main" id="{3BDFC1A4-51E7-46A6-8A0D-50476BCF56CB}"/>
+                </a:ext>
+                <a:ext uri="{C183D7F6-B498-43B3-948B-1728B52AA6E4}">
+                  <adec:decorative xmlns:adec="http://schemas.microsoft.com/office/drawing/2017/decorative" val="1"/>
+                </a:ext>
+              </a:extLst>
+            </p:cNvPr>
+            <p:cNvSpPr/>
+            <p:nvPr>
+              <p:extLst>
+                <p:ext uri="{386F3935-93C4-4BCD-93E2-E3B085C9AB24}">
+                  <p16:designElem xmlns:p16="http://schemas.microsoft.com/office/powerpoint/2015/main" val="1"/>
+                </p:ext>
+              </p:extLst>
+            </p:nvPr>
+          </p:nvSpPr>
+          <p:spPr bwMode="auto">
+            <a:xfrm>
+              <a:off x="8768289" y="5579"/>
+              <a:ext cx="3417888" cy="2742066"/>
+            </a:xfrm>
+            <a:custGeom>
+              <a:avLst/>
+              <a:gdLst/>
+              <a:ahLst/>
+              <a:cxnLst/>
+              <a:rect l="0" t="0" r="r" b="b"/>
+              <a:pathLst>
+                <a:path w="718" h="575">
+                  <a:moveTo>
+                    <a:pt x="718" y="575"/>
+                  </a:moveTo>
+                  <a:cubicBezTo>
+                    <a:pt x="500" y="360"/>
+                    <a:pt x="260" y="163"/>
+                    <a:pt x="0" y="0"/>
+                  </a:cubicBezTo>
+                </a:path>
+              </a:pathLst>
+            </a:custGeom>
+            <a:noFill/>
+            <a:ln w="9525" cap="flat">
+              <a:solidFill>
+                <a:schemeClr val="tx1">
+                  <a:alpha val="20000"/>
+                </a:schemeClr>
+              </a:solidFill>
+              <a:prstDash val="solid"/>
+              <a:miter lim="800000"/>
+              <a:headEnd/>
+              <a:tailEnd/>
+            </a:ln>
+            <a:extLst>
+              <a:ext uri="{909E8E84-426E-40DD-AFC4-6F175D3DCCD1}">
+                <a14:hiddenFill xmlns:a14="http://schemas.microsoft.com/office/drawing/2010/main">
+                  <a:solidFill>
+                    <a:srgbClr val="FFFFFF"/>
+                  </a:solidFill>
+                </a14:hiddenFill>
+              </a:ext>
+            </a:extLst>
+          </p:spPr>
+        </p:sp>
+        <p:sp>
+          <p:nvSpPr>
+            <p:cNvPr id="31" name="Freeform 21">
+              <a:extLst>
+                <a:ext uri="{FF2B5EF4-FFF2-40B4-BE49-F238E27FC236}">
+                  <a16:creationId xmlns:a16="http://schemas.microsoft.com/office/drawing/2014/main" id="{A561BC1B-C5E2-45AA-B72B-03AF3216C461}"/>
+                </a:ext>
+                <a:ext uri="{C183D7F6-B498-43B3-948B-1728B52AA6E4}">
+                  <adec:decorative xmlns:adec="http://schemas.microsoft.com/office/drawing/2017/decorative" val="1"/>
+                </a:ext>
+              </a:extLst>
+            </p:cNvPr>
+            <p:cNvSpPr/>
+            <p:nvPr>
+              <p:extLst>
+                <p:ext uri="{386F3935-93C4-4BCD-93E2-E3B085C9AB24}">
+                  <p16:designElem xmlns:p16="http://schemas.microsoft.com/office/powerpoint/2015/main" val="1"/>
+                </p:ext>
+              </p:extLst>
+            </p:nvPr>
+          </p:nvSpPr>
+          <p:spPr bwMode="auto">
+            <a:xfrm>
+              <a:off x="9235014" y="10367"/>
+              <a:ext cx="2951163" cy="2555325"/>
+            </a:xfrm>
+            <a:custGeom>
+              <a:avLst/>
+              <a:gdLst/>
+              <a:ahLst/>
+              <a:cxnLst/>
+              <a:rect l="0" t="0" r="r" b="b"/>
+              <a:pathLst>
+                <a:path w="620" h="536">
+                  <a:moveTo>
+                    <a:pt x="620" y="536"/>
+                  </a:moveTo>
+                  <a:cubicBezTo>
+                    <a:pt x="404" y="314"/>
+                    <a:pt x="196" y="138"/>
+                    <a:pt x="0" y="0"/>
+                  </a:cubicBezTo>
+                </a:path>
+              </a:pathLst>
+            </a:custGeom>
+            <a:noFill/>
+            <a:ln w="9525" cap="flat">
+              <a:solidFill>
+                <a:schemeClr val="tx1">
+                  <a:alpha val="20000"/>
+                </a:schemeClr>
+              </a:solidFill>
+              <a:prstDash val="solid"/>
+              <a:miter lim="800000"/>
+              <a:headEnd/>
+              <a:tailEnd/>
+            </a:ln>
+            <a:extLst>
+              <a:ext uri="{909E8E84-426E-40DD-AFC4-6F175D3DCCD1}">
+                <a14:hiddenFill xmlns:a14="http://schemas.microsoft.com/office/drawing/2010/main">
+                  <a:solidFill>
+                    <a:srgbClr val="FFFFFF"/>
+                  </a:solidFill>
+                </a14:hiddenFill>
+              </a:ext>
+            </a:extLst>
+          </p:spPr>
+        </p:sp>
+        <p:sp>
+          <p:nvSpPr>
+            <p:cNvPr id="32" name="Freeform 22">
+              <a:extLst>
+                <a:ext uri="{FF2B5EF4-FFF2-40B4-BE49-F238E27FC236}">
+                  <a16:creationId xmlns:a16="http://schemas.microsoft.com/office/drawing/2014/main" id="{4C0779C6-0F80-48B1-AD32-CC10D00CEC23}"/>
+                </a:ext>
+                <a:ext uri="{C183D7F6-B498-43B3-948B-1728B52AA6E4}">
+                  <adec:decorative xmlns:adec="http://schemas.microsoft.com/office/drawing/2017/decorative" val="1"/>
+                </a:ext>
+              </a:extLst>
+            </p:cNvPr>
+            <p:cNvSpPr/>
+            <p:nvPr>
+              <p:extLst>
+                <p:ext uri="{386F3935-93C4-4BCD-93E2-E3B085C9AB24}">
+                  <p16:designElem xmlns:p16="http://schemas.microsoft.com/office/powerpoint/2015/main" val="1"/>
+                </p:ext>
+              </p:extLst>
+            </p:nvPr>
+          </p:nvSpPr>
+          <p:spPr bwMode="auto">
+            <a:xfrm>
+              <a:off x="10020826" y="5579"/>
+              <a:ext cx="2165350" cy="1358265"/>
+            </a:xfrm>
+            <a:custGeom>
+              <a:avLst/>
+              <a:gdLst/>
+              <a:ahLst/>
+              <a:cxnLst/>
+              <a:rect l="0" t="0" r="r" b="b"/>
+              <a:pathLst>
+                <a:path w="455" h="285">
+                  <a:moveTo>
+                    <a:pt x="0" y="0"/>
+                  </a:moveTo>
+                  <a:cubicBezTo>
+                    <a:pt x="153" y="85"/>
+                    <a:pt x="308" y="180"/>
+                    <a:pt x="455" y="285"/>
+                  </a:cubicBezTo>
+                </a:path>
+              </a:pathLst>
+            </a:custGeom>
+            <a:noFill/>
+            <a:ln w="9525" cap="flat">
+              <a:solidFill>
+                <a:schemeClr val="tx1">
+                  <a:alpha val="20000"/>
+                </a:schemeClr>
+              </a:solidFill>
+              <a:prstDash val="dash"/>
+              <a:miter lim="800000"/>
+              <a:headEnd/>
+              <a:tailEnd/>
+            </a:ln>
+            <a:extLst>
+              <a:ext uri="{909E8E84-426E-40DD-AFC4-6F175D3DCCD1}">
+                <a14:hiddenFill xmlns:a14="http://schemas.microsoft.com/office/drawing/2010/main">
+                  <a:solidFill>
+                    <a:srgbClr val="FFFFFF"/>
+                  </a:solidFill>
+                </a14:hiddenFill>
+              </a:ext>
+            </a:extLst>
+          </p:spPr>
+        </p:sp>
+        <p:sp>
+          <p:nvSpPr>
+            <p:cNvPr id="33" name="Freeform 23">
+              <a:extLst>
+                <a:ext uri="{FF2B5EF4-FFF2-40B4-BE49-F238E27FC236}">
+                  <a16:creationId xmlns:a16="http://schemas.microsoft.com/office/drawing/2014/main" id="{73702193-6A56-4A74-84AD-94F530FEDFB3}"/>
+                </a:ext>
+                <a:ext uri="{C183D7F6-B498-43B3-948B-1728B52AA6E4}">
+                  <adec:decorative xmlns:adec="http://schemas.microsoft.com/office/drawing/2017/decorative" val="1"/>
+                </a:ext>
+              </a:extLst>
+            </p:cNvPr>
+            <p:cNvSpPr/>
+            <p:nvPr>
+              <p:extLst>
+                <p:ext uri="{386F3935-93C4-4BCD-93E2-E3B085C9AB24}">
+                  <p16:designElem xmlns:p16="http://schemas.microsoft.com/office/powerpoint/2015/main" val="1"/>
+                </p:ext>
+              </p:extLst>
+            </p:nvPr>
+          </p:nvSpPr>
+          <p:spPr bwMode="auto">
+            <a:xfrm>
+              <a:off x="11290826" y="5579"/>
+              <a:ext cx="895350" cy="534687"/>
+            </a:xfrm>
+            <a:custGeom>
+              <a:avLst/>
+              <a:gdLst/>
+              <a:ahLst/>
+              <a:cxnLst/>
+              <a:rect l="0" t="0" r="r" b="b"/>
+              <a:pathLst>
+                <a:path w="188" h="112">
+                  <a:moveTo>
+                    <a:pt x="0" y="0"/>
+                  </a:moveTo>
+                  <a:cubicBezTo>
+                    <a:pt x="63" y="36"/>
+                    <a:pt x="126" y="73"/>
+                    <a:pt x="188" y="112"/>
+                  </a:cubicBezTo>
+                </a:path>
+              </a:pathLst>
+            </a:custGeom>
+            <a:noFill/>
+            <a:ln w="9525" cap="flat">
+              <a:solidFill>
+                <a:schemeClr val="tx1">
+                  <a:alpha val="20000"/>
+                </a:schemeClr>
+              </a:solidFill>
+              <a:prstDash val="solid"/>
+              <a:miter lim="800000"/>
+              <a:headEnd/>
+              <a:tailEnd/>
+            </a:ln>
+            <a:extLst>
+              <a:ext uri="{909E8E84-426E-40DD-AFC4-6F175D3DCCD1}">
+                <a14:hiddenFill xmlns:a14="http://schemas.microsoft.com/office/drawing/2010/main">
+                  <a:solidFill>
+                    <a:srgbClr val="FFFFFF"/>
+                  </a:solidFill>
+                </a14:hiddenFill>
+              </a:ext>
+            </a:extLst>
+          </p:spPr>
+        </p:sp>
+      </p:grpSp>
+      <p:grpSp>
+        <p:nvGrpSpPr>
+          <p:cNvPr id="35" name="Group 34">
+            <a:extLst>
+              <a:ext uri="{FF2B5EF4-FFF2-40B4-BE49-F238E27FC236}">
+                <a16:creationId xmlns:a16="http://schemas.microsoft.com/office/drawing/2014/main" id="{86AEFF79-03FD-4BC0-8A67-25CAFCFDCDAD}"/>
+              </a:ext>
+              <a:ext uri="{C183D7F6-B498-43B3-948B-1728B52AA6E4}">
+                <adec:decorative xmlns:adec="http://schemas.microsoft.com/office/drawing/2017/decorative" val="1"/>
+              </a:ext>
+            </a:extLst>
+          </p:cNvPr>
+          <p:cNvGrpSpPr>
+            <a:grpSpLocks noGrp="1" noUngrp="1" noRot="1" noChangeAspect="1" noMove="1" noResize="1"/>
+          </p:cNvGrpSpPr>
+          <p:nvPr>
+            <p:extLst>
+              <p:ext uri="{386F3935-93C4-4BCD-93E2-E3B085C9AB24}">
+                <p16:designElem xmlns:p16="http://schemas.microsoft.com/office/powerpoint/2015/main" val="1"/>
+              </p:ext>
+            </p:extLst>
+          </p:nvPr>
+        </p:nvGrpSpPr>
+        <p:grpSpPr>
+          <a:xfrm>
+            <a:off x="1669293" y="1186483"/>
+            <a:ext cx="8848345" cy="4477933"/>
+            <a:chOff x="1669293" y="1186483"/>
+            <a:chExt cx="8848345" cy="4477933"/>
+          </a:xfrm>
+        </p:grpSpPr>
+        <p:sp>
+          <p:nvSpPr>
+            <p:cNvPr id="36" name="Rectangle 35">
+              <a:extLst>
+                <a:ext uri="{FF2B5EF4-FFF2-40B4-BE49-F238E27FC236}">
+                  <a16:creationId xmlns:a16="http://schemas.microsoft.com/office/drawing/2014/main" id="{CB66FC33-38F1-4E8E-8474-AF1F5673BAD7}"/>
+                </a:ext>
+                <a:ext uri="{C183D7F6-B498-43B3-948B-1728B52AA6E4}">
+                  <adec:decorative xmlns:adec="http://schemas.microsoft.com/office/drawing/2017/decorative" val="1"/>
+                </a:ext>
+              </a:extLst>
+            </p:cNvPr>
+            <p:cNvSpPr/>
+            <p:nvPr>
+              <p:extLst>
+                <p:ext uri="{386F3935-93C4-4BCD-93E2-E3B085C9AB24}">
+                  <p16:designElem xmlns:p16="http://schemas.microsoft.com/office/powerpoint/2015/main" val="1"/>
+                </p:ext>
+              </p:extLst>
+            </p:nvPr>
+          </p:nvSpPr>
+          <p:spPr>
+            <a:xfrm>
+              <a:off x="1674042" y="1186483"/>
+              <a:ext cx="8843596" cy="716184"/>
+            </a:xfrm>
+            <a:prstGeom prst="rect">
+              <a:avLst/>
+            </a:prstGeom>
+            <a:solidFill>
+              <a:schemeClr val="accent1"/>
+            </a:solidFill>
+            <a:ln>
+              <a:noFill/>
+            </a:ln>
+          </p:spPr>
+          <p:style>
+            <a:lnRef idx="2">
+              <a:schemeClr val="accent1">
+                <a:shade val="50000"/>
+              </a:schemeClr>
+            </a:lnRef>
+            <a:fillRef idx="1">
+              <a:schemeClr val="accent1"/>
+            </a:fillRef>
+            <a:effectRef idx="0">
+              <a:schemeClr val="accent1"/>
+            </a:effectRef>
+            <a:fontRef idx="minor">
+              <a:schemeClr val="lt1"/>
+            </a:fontRef>
+          </p:style>
+        </p:sp>
+        <p:sp>
+          <p:nvSpPr>
+            <p:cNvPr id="37" name="Isosceles Triangle 36">
+              <a:extLst>
+                <a:ext uri="{FF2B5EF4-FFF2-40B4-BE49-F238E27FC236}">
+                  <a16:creationId xmlns:a16="http://schemas.microsoft.com/office/drawing/2014/main" id="{32E0DAC0-8D22-4A77-8AA9-169781B2EBB4}"/>
+                </a:ext>
+                <a:ext uri="{C183D7F6-B498-43B3-948B-1728B52AA6E4}">
+                  <adec:decorative xmlns:adec="http://schemas.microsoft.com/office/drawing/2017/decorative" val="1"/>
+                </a:ext>
+              </a:extLst>
+            </p:cNvPr>
+            <p:cNvSpPr/>
+            <p:nvPr>
+              <p:extLst>
+                <p:ext uri="{386F3935-93C4-4BCD-93E2-E3B085C9AB24}">
+                  <p16:designElem xmlns:p16="http://schemas.microsoft.com/office/powerpoint/2015/main" val="1"/>
+                </p:ext>
+              </p:extLst>
+            </p:nvPr>
+          </p:nvSpPr>
+          <p:spPr>
+            <a:xfrm rot="10800000">
+              <a:off x="5892384" y="5313353"/>
+              <a:ext cx="407233" cy="351063"/>
+            </a:xfrm>
+            <a:prstGeom prst="triangle">
+              <a:avLst/>
+            </a:prstGeom>
+            <a:solidFill>
+              <a:schemeClr val="accent1"/>
+            </a:solidFill>
+            <a:ln>
+              <a:noFill/>
+            </a:ln>
+          </p:spPr>
+          <p:style>
+            <a:lnRef idx="2">
+              <a:schemeClr val="accent1">
+                <a:shade val="50000"/>
+              </a:schemeClr>
+            </a:lnRef>
+            <a:fillRef idx="1">
+              <a:schemeClr val="accent1"/>
+            </a:fillRef>
+            <a:effectRef idx="0">
+              <a:schemeClr val="accent1"/>
+            </a:effectRef>
+            <a:fontRef idx="minor">
+              <a:schemeClr val="lt1"/>
+            </a:fontRef>
+          </p:style>
+        </p:sp>
+        <p:sp>
+          <p:nvSpPr>
+            <p:cNvPr id="38" name="Rectangle 37">
+              <a:extLst>
+                <a:ext uri="{FF2B5EF4-FFF2-40B4-BE49-F238E27FC236}">
+                  <a16:creationId xmlns:a16="http://schemas.microsoft.com/office/drawing/2014/main" id="{828C2492-9737-4D83-8CBD-93EA6D0717AD}"/>
+                </a:ext>
+                <a:ext uri="{C183D7F6-B498-43B3-948B-1728B52AA6E4}">
+                  <adec:decorative xmlns:adec="http://schemas.microsoft.com/office/drawing/2017/decorative" val="1"/>
+                </a:ext>
+              </a:extLst>
+            </p:cNvPr>
+            <p:cNvSpPr/>
+            <p:nvPr>
+              <p:extLst>
+                <p:ext uri="{386F3935-93C4-4BCD-93E2-E3B085C9AB24}">
+                  <p16:designElem xmlns:p16="http://schemas.microsoft.com/office/powerpoint/2015/main" val="1"/>
+                </p:ext>
+              </p:extLst>
+            </p:nvPr>
+          </p:nvSpPr>
+          <p:spPr>
+            <a:xfrm>
+              <a:off x="1669293" y="1991156"/>
+              <a:ext cx="8845667" cy="3322196"/>
+            </a:xfrm>
+            <a:prstGeom prst="rect">
+              <a:avLst/>
+            </a:prstGeom>
+            <a:solidFill>
+              <a:schemeClr val="accent1"/>
+            </a:solidFill>
+            <a:ln>
+              <a:noFill/>
+            </a:ln>
+          </p:spPr>
+          <p:style>
+            <a:lnRef idx="2">
+              <a:schemeClr val="accent1">
+                <a:shade val="50000"/>
+              </a:schemeClr>
+            </a:lnRef>
+            <a:fillRef idx="1">
+              <a:schemeClr val="accent1"/>
+            </a:fillRef>
+            <a:effectRef idx="0">
+              <a:schemeClr val="accent1"/>
+            </a:effectRef>
+            <a:fontRef idx="minor">
+              <a:schemeClr val="lt1"/>
+            </a:fontRef>
+          </p:style>
+        </p:sp>
+      </p:grpSp>
+      <p:sp useBgFill="1">
+        <p:nvSpPr>
+          <p:cNvPr id="40" name="Rectangle 39">
+            <a:extLst>
+              <a:ext uri="{FF2B5EF4-FFF2-40B4-BE49-F238E27FC236}">
+                <a16:creationId xmlns:a16="http://schemas.microsoft.com/office/drawing/2014/main" id="{3EEED5C0-82FC-41D3-A2F9-2A5E1C6DA538}"/>
+              </a:ext>
+              <a:ext uri="{C183D7F6-B498-43B3-948B-1728B52AA6E4}">
+                <adec:decorative xmlns:adec="http://schemas.microsoft.com/office/drawing/2017/decorative" val="1"/>
+              </a:ext>
+            </a:extLst>
+          </p:cNvPr>
+          <p:cNvSpPr>
+            <a:spLocks noGrp="1" noRot="1" noChangeAspect="1" noMove="1" noResize="1" noEditPoints="1" noAdjustHandles="1" noChangeArrowheads="1" noChangeShapeType="1" noTextEdit="1"/>
+          </p:cNvSpPr>
+          <p:nvPr>
+            <p:extLst>
+              <p:ext uri="{386F3935-93C4-4BCD-93E2-E3B085C9AB24}">
+                <p16:designElem xmlns:p16="http://schemas.microsoft.com/office/powerpoint/2015/main" val="1"/>
+              </p:ext>
+            </p:extLst>
+          </p:nvPr>
+        </p:nvSpPr>
+        <p:spPr>
+          <a:xfrm>
+            <a:off x="0" y="0"/>
+            <a:ext cx="12191695" cy="6858000"/>
+          </a:xfrm>
+          <a:prstGeom prst="rect">
+            <a:avLst/>
+          </a:prstGeom>
+          <a:ln>
+            <a:noFill/>
+          </a:ln>
+        </p:spPr>
+        <p:style>
+          <a:lnRef idx="2">
+            <a:schemeClr val="accent1">
+              <a:shade val="50000"/>
+            </a:schemeClr>
+          </a:lnRef>
+          <a:fillRef idx="1">
+            <a:schemeClr val="accent1"/>
+          </a:fillRef>
+          <a:effectRef idx="0">
+            <a:schemeClr val="accent1"/>
+          </a:effectRef>
+          <a:fontRef idx="minor">
+            <a:schemeClr val="lt1"/>
+          </a:fontRef>
+        </p:style>
+        <p:txBody>
+          <a:bodyPr rtlCol="0" anchor="ctr"/>
+          <a:lstStyle/>
+          <a:p>
+            <a:pPr algn="ctr"/>
+            <a:endParaRPr lang="en-US"/>
+          </a:p>
+        </p:txBody>
+      </p:sp>
+      <p:grpSp>
+        <p:nvGrpSpPr>
+          <p:cNvPr id="42" name="Group 41">
+            <a:extLst>
+              <a:ext uri="{FF2B5EF4-FFF2-40B4-BE49-F238E27FC236}">
+                <a16:creationId xmlns:a16="http://schemas.microsoft.com/office/drawing/2014/main" id="{0BC1A2CB-4A09-4F3D-A4B4-5F1622B1FF62}"/>
+              </a:ext>
+              <a:ext uri="{C183D7F6-B498-43B3-948B-1728B52AA6E4}">
+                <adec:decorative xmlns:adec="http://schemas.microsoft.com/office/drawing/2017/decorative" val="1"/>
+              </a:ext>
+            </a:extLst>
+          </p:cNvPr>
+          <p:cNvGrpSpPr>
+            <a:grpSpLocks noGrp="1" noUngrp="1" noRot="1" noChangeAspect="1" noMove="1" noResize="1"/>
+          </p:cNvGrpSpPr>
+          <p:nvPr>
+            <p:extLst>
+              <p:ext uri="{386F3935-93C4-4BCD-93E2-E3B085C9AB24}">
+                <p16:designElem xmlns:p16="http://schemas.microsoft.com/office/powerpoint/2015/main" val="1"/>
+              </p:ext>
+            </p:extLst>
+          </p:nvPr>
+        </p:nvGrpSpPr>
+        <p:grpSpPr>
+          <a:xfrm>
+            <a:off x="-329674" y="-59376"/>
+            <a:ext cx="12515851" cy="6923798"/>
+            <a:chOff x="-329674" y="-51881"/>
+            <a:chExt cx="12515851" cy="6923798"/>
+          </a:xfrm>
+        </p:grpSpPr>
+        <p:sp>
+          <p:nvSpPr>
+            <p:cNvPr id="43" name="Freeform 5">
+              <a:extLst>
+                <a:ext uri="{FF2B5EF4-FFF2-40B4-BE49-F238E27FC236}">
+                  <a16:creationId xmlns:a16="http://schemas.microsoft.com/office/drawing/2014/main" id="{1A43EF29-744B-47C8-9A77-DD63DE3CE882}"/>
+                </a:ext>
+                <a:ext uri="{C183D7F6-B498-43B3-948B-1728B52AA6E4}">
+                  <adec:decorative xmlns:adec="http://schemas.microsoft.com/office/drawing/2017/decorative" val="1"/>
+                </a:ext>
+              </a:extLst>
+            </p:cNvPr>
+            <p:cNvSpPr>
+              <a:spLocks/>
+            </p:cNvSpPr>
+            <p:nvPr>
+              <p:extLst>
+                <p:ext uri="{386F3935-93C4-4BCD-93E2-E3B085C9AB24}">
+                  <p16:designElem xmlns:p16="http://schemas.microsoft.com/office/powerpoint/2015/main" val="1"/>
+                </p:ext>
+              </p:extLst>
+            </p:nvPr>
+          </p:nvSpPr>
+          <p:spPr bwMode="auto">
+            <a:xfrm>
+              <a:off x="-329674" y="1298404"/>
+              <a:ext cx="9702800" cy="5573512"/>
+            </a:xfrm>
+            <a:custGeom>
+              <a:avLst/>
+              <a:gdLst>
+                <a:gd name="T0" fmla="*/ 1752 w 2038"/>
+                <a:gd name="T1" fmla="*/ 1169 h 1169"/>
+                <a:gd name="T2" fmla="*/ 1487 w 2038"/>
+                <a:gd name="T3" fmla="*/ 334 h 1169"/>
+                <a:gd name="T4" fmla="*/ 860 w 2038"/>
+                <a:gd name="T5" fmla="*/ 22 h 1169"/>
+                <a:gd name="T6" fmla="*/ 199 w 2038"/>
+                <a:gd name="T7" fmla="*/ 318 h 1169"/>
+                <a:gd name="T8" fmla="*/ 399 w 2038"/>
+                <a:gd name="T9" fmla="*/ 1165 h 1169"/>
+              </a:gdLst>
+              <a:ahLst/>
+              <a:cxnLst>
+                <a:cxn ang="0">
+                  <a:pos x="T0" y="T1"/>
+                </a:cxn>
+                <a:cxn ang="0">
+                  <a:pos x="T2" y="T3"/>
+                </a:cxn>
+                <a:cxn ang="0">
+                  <a:pos x="T4" y="T5"/>
+                </a:cxn>
+                <a:cxn ang="0">
+                  <a:pos x="T6" y="T7"/>
+                </a:cxn>
+                <a:cxn ang="0">
+                  <a:pos x="T8" y="T9"/>
+                </a:cxn>
+              </a:cxnLst>
+              <a:rect l="0" t="0" r="r" b="b"/>
+              <a:pathLst>
+                <a:path w="2038" h="1169">
+                  <a:moveTo>
+                    <a:pt x="1752" y="1169"/>
+                  </a:moveTo>
+                  <a:cubicBezTo>
+                    <a:pt x="2038" y="928"/>
+                    <a:pt x="1673" y="513"/>
+                    <a:pt x="1487" y="334"/>
+                  </a:cubicBezTo>
+                  <a:cubicBezTo>
+                    <a:pt x="1316" y="170"/>
+                    <a:pt x="1099" y="43"/>
+                    <a:pt x="860" y="22"/>
+                  </a:cubicBezTo>
+                  <a:cubicBezTo>
+                    <a:pt x="621" y="0"/>
+                    <a:pt x="341" y="128"/>
+                    <a:pt x="199" y="318"/>
+                  </a:cubicBezTo>
+                  <a:cubicBezTo>
+                    <a:pt x="0" y="586"/>
+                    <a:pt x="184" y="965"/>
+                    <a:pt x="399" y="1165"/>
+                  </a:cubicBezTo>
+                </a:path>
+              </a:pathLst>
+            </a:custGeom>
+            <a:noFill/>
+            <a:ln w="9525" cap="flat">
+              <a:solidFill>
+                <a:schemeClr val="tx1">
+                  <a:alpha val="20000"/>
+                </a:schemeClr>
+              </a:solidFill>
+              <a:prstDash val="solid"/>
+              <a:miter lim="800000"/>
+              <a:headEnd/>
+              <a:tailEnd/>
+            </a:ln>
+            <a:extLst>
+              <a:ext uri="{909E8E84-426E-40DD-AFC4-6F175D3DCCD1}">
+                <a14:hiddenFill xmlns:a14="http://schemas.microsoft.com/office/drawing/2010/main">
+                  <a:solidFill>
+                    <a:srgbClr val="FFFFFF"/>
+                  </a:solidFill>
+                </a14:hiddenFill>
+              </a:ext>
+            </a:extLst>
+          </p:spPr>
+          <p:txBody>
+            <a:bodyPr vert="horz" wrap="square" lIns="91440" tIns="45720" rIns="91440" bIns="45720" numCol="1" anchor="t" anchorCtr="0" compatLnSpc="1">
+              <a:prstTxWarp prst="textNoShape">
+                <a:avLst/>
+              </a:prstTxWarp>
+            </a:bodyPr>
+            <a:lstStyle/>
+            <a:p>
+              <a:endParaRPr lang="en-US"/>
+            </a:p>
+          </p:txBody>
+        </p:sp>
+        <p:sp>
+          <p:nvSpPr>
+            <p:cNvPr id="44" name="Freeform 6">
+              <a:extLst>
+                <a:ext uri="{FF2B5EF4-FFF2-40B4-BE49-F238E27FC236}">
+                  <a16:creationId xmlns:a16="http://schemas.microsoft.com/office/drawing/2014/main" id="{DF44FED0-5B36-42C6-85A7-B8E1C2F0A636}"/>
+                </a:ext>
+                <a:ext uri="{C183D7F6-B498-43B3-948B-1728B52AA6E4}">
+                  <adec:decorative xmlns:adec="http://schemas.microsoft.com/office/drawing/2017/decorative" val="1"/>
+                </a:ext>
+              </a:extLst>
+            </p:cNvPr>
+            <p:cNvSpPr>
+              <a:spLocks/>
+            </p:cNvSpPr>
+            <p:nvPr>
+              <p:extLst>
+                <p:ext uri="{386F3935-93C4-4BCD-93E2-E3B085C9AB24}">
+                  <p16:designElem xmlns:p16="http://schemas.microsoft.com/office/powerpoint/2015/main" val="1"/>
+                </p:ext>
+              </p:extLst>
+            </p:nvPr>
+          </p:nvSpPr>
+          <p:spPr bwMode="auto">
+            <a:xfrm>
+              <a:off x="670451" y="2018236"/>
+              <a:ext cx="7373938" cy="4848892"/>
+            </a:xfrm>
+            <a:custGeom>
+              <a:avLst/>
+              <a:gdLst>
+                <a:gd name="T0" fmla="*/ 1025 w 1549"/>
+                <a:gd name="T1" fmla="*/ 1016 h 1017"/>
+                <a:gd name="T2" fmla="*/ 1443 w 1549"/>
+                <a:gd name="T3" fmla="*/ 592 h 1017"/>
+                <a:gd name="T4" fmla="*/ 782 w 1549"/>
+                <a:gd name="T5" fmla="*/ 53 h 1017"/>
+                <a:gd name="T6" fmla="*/ 150 w 1549"/>
+                <a:gd name="T7" fmla="*/ 329 h 1017"/>
+                <a:gd name="T8" fmla="*/ 477 w 1549"/>
+                <a:gd name="T9" fmla="*/ 1017 h 1017"/>
+              </a:gdLst>
+              <a:ahLst/>
+              <a:cxnLst>
+                <a:cxn ang="0">
+                  <a:pos x="T0" y="T1"/>
+                </a:cxn>
+                <a:cxn ang="0">
+                  <a:pos x="T2" y="T3"/>
+                </a:cxn>
+                <a:cxn ang="0">
+                  <a:pos x="T4" y="T5"/>
+                </a:cxn>
+                <a:cxn ang="0">
+                  <a:pos x="T6" y="T7"/>
+                </a:cxn>
+                <a:cxn ang="0">
+                  <a:pos x="T8" y="T9"/>
+                </a:cxn>
+              </a:cxnLst>
+              <a:rect l="0" t="0" r="r" b="b"/>
+              <a:pathLst>
+                <a:path w="1549" h="1017">
+                  <a:moveTo>
+                    <a:pt x="1025" y="1016"/>
+                  </a:moveTo>
+                  <a:cubicBezTo>
+                    <a:pt x="1223" y="971"/>
+                    <a:pt x="1549" y="857"/>
+                    <a:pt x="1443" y="592"/>
+                  </a:cubicBezTo>
+                  <a:cubicBezTo>
+                    <a:pt x="1344" y="344"/>
+                    <a:pt x="1041" y="111"/>
+                    <a:pt x="782" y="53"/>
+                  </a:cubicBezTo>
+                  <a:cubicBezTo>
+                    <a:pt x="545" y="0"/>
+                    <a:pt x="275" y="117"/>
+                    <a:pt x="150" y="329"/>
+                  </a:cubicBezTo>
+                  <a:cubicBezTo>
+                    <a:pt x="0" y="584"/>
+                    <a:pt x="243" y="911"/>
+                    <a:pt x="477" y="1017"/>
+                  </a:cubicBezTo>
+                </a:path>
+              </a:pathLst>
+            </a:custGeom>
+            <a:noFill/>
+            <a:ln w="9525" cap="flat">
+              <a:solidFill>
+                <a:schemeClr val="tx1">
+                  <a:alpha val="20000"/>
+                </a:schemeClr>
+              </a:solidFill>
+              <a:prstDash val="solid"/>
+              <a:miter lim="800000"/>
+              <a:headEnd/>
+              <a:tailEnd/>
+            </a:ln>
+            <a:extLst>
+              <a:ext uri="{909E8E84-426E-40DD-AFC4-6F175D3DCCD1}">
+                <a14:hiddenFill xmlns:a14="http://schemas.microsoft.com/office/drawing/2010/main">
+                  <a:solidFill>
+                    <a:srgbClr val="FFFFFF"/>
+                  </a:solidFill>
+                </a14:hiddenFill>
+              </a:ext>
+            </a:extLst>
+          </p:spPr>
+          <p:txBody>
+            <a:bodyPr vert="horz" wrap="square" lIns="91440" tIns="45720" rIns="91440" bIns="45720" numCol="1" anchor="t" anchorCtr="0" compatLnSpc="1">
+              <a:prstTxWarp prst="textNoShape">
+                <a:avLst/>
+              </a:prstTxWarp>
+            </a:bodyPr>
+            <a:lstStyle/>
+            <a:p>
+              <a:endParaRPr lang="en-US"/>
+            </a:p>
+          </p:txBody>
+        </p:sp>
+        <p:sp>
+          <p:nvSpPr>
+            <p:cNvPr id="45" name="Freeform 7">
+              <a:extLst>
+                <a:ext uri="{FF2B5EF4-FFF2-40B4-BE49-F238E27FC236}">
+                  <a16:creationId xmlns:a16="http://schemas.microsoft.com/office/drawing/2014/main" id="{87A359F0-AFC4-4225-A933-ABC5A4312925}"/>
+                </a:ext>
+                <a:ext uri="{C183D7F6-B498-43B3-948B-1728B52AA6E4}">
+                  <adec:decorative xmlns:adec="http://schemas.microsoft.com/office/drawing/2017/decorative" val="1"/>
+                </a:ext>
+              </a:extLst>
+            </p:cNvPr>
+            <p:cNvSpPr>
+              <a:spLocks/>
+            </p:cNvSpPr>
+            <p:nvPr>
+              <p:extLst>
+                <p:ext uri="{386F3935-93C4-4BCD-93E2-E3B085C9AB24}">
+                  <p16:designElem xmlns:p16="http://schemas.microsoft.com/office/powerpoint/2015/main" val="1"/>
+                </p:ext>
+              </p:extLst>
+            </p:nvPr>
+          </p:nvSpPr>
+          <p:spPr bwMode="auto">
+            <a:xfrm>
+              <a:off x="251351" y="1788400"/>
+              <a:ext cx="8035925" cy="5083516"/>
+            </a:xfrm>
+            <a:custGeom>
+              <a:avLst/>
+              <a:gdLst>
+                <a:gd name="T0" fmla="*/ 1302 w 1688"/>
+                <a:gd name="T1" fmla="*/ 1066 h 1066"/>
+                <a:gd name="T2" fmla="*/ 1613 w 1688"/>
+                <a:gd name="T3" fmla="*/ 850 h 1066"/>
+                <a:gd name="T4" fmla="*/ 1517 w 1688"/>
+                <a:gd name="T5" fmla="*/ 471 h 1066"/>
+                <a:gd name="T6" fmla="*/ 798 w 1688"/>
+                <a:gd name="T7" fmla="*/ 28 h 1066"/>
+                <a:gd name="T8" fmla="*/ 181 w 1688"/>
+                <a:gd name="T9" fmla="*/ 333 h 1066"/>
+                <a:gd name="T10" fmla="*/ 420 w 1688"/>
+                <a:gd name="T11" fmla="*/ 1066 h 1066"/>
+              </a:gdLst>
+              <a:ahLst/>
+              <a:cxnLst>
+                <a:cxn ang="0">
+                  <a:pos x="T0" y="T1"/>
+                </a:cxn>
+                <a:cxn ang="0">
+                  <a:pos x="T2" y="T3"/>
+                </a:cxn>
+                <a:cxn ang="0">
+                  <a:pos x="T4" y="T5"/>
+                </a:cxn>
+                <a:cxn ang="0">
+                  <a:pos x="T6" y="T7"/>
+                </a:cxn>
+                <a:cxn ang="0">
+                  <a:pos x="T8" y="T9"/>
+                </a:cxn>
+                <a:cxn ang="0">
+                  <a:pos x="T10" y="T11"/>
+                </a:cxn>
+              </a:cxnLst>
+              <a:rect l="0" t="0" r="r" b="b"/>
+              <a:pathLst>
+                <a:path w="1688" h="1066">
+                  <a:moveTo>
+                    <a:pt x="1302" y="1066"/>
+                  </a:moveTo>
+                  <a:cubicBezTo>
+                    <a:pt x="1416" y="1024"/>
+                    <a:pt x="1551" y="962"/>
+                    <a:pt x="1613" y="850"/>
+                  </a:cubicBezTo>
+                  <a:cubicBezTo>
+                    <a:pt x="1688" y="715"/>
+                    <a:pt x="1606" y="575"/>
+                    <a:pt x="1517" y="471"/>
+                  </a:cubicBezTo>
+                  <a:cubicBezTo>
+                    <a:pt x="1336" y="258"/>
+                    <a:pt x="1084" y="62"/>
+                    <a:pt x="798" y="28"/>
+                  </a:cubicBezTo>
+                  <a:cubicBezTo>
+                    <a:pt x="559" y="0"/>
+                    <a:pt x="317" y="138"/>
+                    <a:pt x="181" y="333"/>
+                  </a:cubicBezTo>
+                  <a:cubicBezTo>
+                    <a:pt x="0" y="592"/>
+                    <a:pt x="191" y="907"/>
+                    <a:pt x="420" y="1066"/>
+                  </a:cubicBezTo>
+                </a:path>
+              </a:pathLst>
+            </a:custGeom>
+            <a:noFill/>
+            <a:ln w="9525" cap="flat">
+              <a:solidFill>
+                <a:schemeClr val="tx1">
+                  <a:alpha val="20000"/>
+                </a:schemeClr>
+              </a:solidFill>
+              <a:prstDash val="dash"/>
+              <a:miter lim="800000"/>
+              <a:headEnd/>
+              <a:tailEnd/>
+            </a:ln>
+            <a:extLst>
+              <a:ext uri="{909E8E84-426E-40DD-AFC4-6F175D3DCCD1}">
+                <a14:hiddenFill xmlns:a14="http://schemas.microsoft.com/office/drawing/2010/main">
+                  <a:solidFill>
+                    <a:srgbClr val="FFFFFF"/>
+                  </a:solidFill>
+                </a14:hiddenFill>
+              </a:ext>
+            </a:extLst>
+          </p:spPr>
+          <p:txBody>
+            <a:bodyPr vert="horz" wrap="square" lIns="91440" tIns="45720" rIns="91440" bIns="45720" numCol="1" anchor="t" anchorCtr="0" compatLnSpc="1">
+              <a:prstTxWarp prst="textNoShape">
+                <a:avLst/>
+              </a:prstTxWarp>
+            </a:bodyPr>
+            <a:lstStyle/>
+            <a:p>
+              <a:endParaRPr lang="en-US"/>
+            </a:p>
+          </p:txBody>
+        </p:sp>
+        <p:sp>
+          <p:nvSpPr>
+            <p:cNvPr id="46" name="Freeform 8">
+              <a:extLst>
+                <a:ext uri="{FF2B5EF4-FFF2-40B4-BE49-F238E27FC236}">
+                  <a16:creationId xmlns:a16="http://schemas.microsoft.com/office/drawing/2014/main" id="{87E2A626-28AB-42FD-8589-4C0D7BBE9B82}"/>
+                </a:ext>
+                <a:ext uri="{C183D7F6-B498-43B3-948B-1728B52AA6E4}">
+                  <adec:decorative xmlns:adec="http://schemas.microsoft.com/office/drawing/2017/decorative" val="1"/>
+                </a:ext>
+              </a:extLst>
+            </p:cNvPr>
+            <p:cNvSpPr>
+              <a:spLocks/>
+            </p:cNvSpPr>
+            <p:nvPr>
+              <p:extLst>
+                <p:ext uri="{386F3935-93C4-4BCD-93E2-E3B085C9AB24}">
+                  <p16:designElem xmlns:p16="http://schemas.microsoft.com/office/powerpoint/2015/main" val="1"/>
+                </p:ext>
+              </p:extLst>
+            </p:nvPr>
+          </p:nvSpPr>
+          <p:spPr bwMode="auto">
+            <a:xfrm>
+              <a:off x="-1061" y="549842"/>
+              <a:ext cx="10334625" cy="6322075"/>
+            </a:xfrm>
+            <a:custGeom>
+              <a:avLst/>
+              <a:gdLst>
+                <a:gd name="T0" fmla="*/ 1873 w 2171"/>
+                <a:gd name="T1" fmla="*/ 1326 h 1326"/>
+                <a:gd name="T2" fmla="*/ 1609 w 2171"/>
+                <a:gd name="T3" fmla="*/ 473 h 1326"/>
+                <a:gd name="T4" fmla="*/ 880 w 2171"/>
+                <a:gd name="T5" fmla="*/ 63 h 1326"/>
+                <a:gd name="T6" fmla="*/ 0 w 2171"/>
+                <a:gd name="T7" fmla="*/ 423 h 1326"/>
+              </a:gdLst>
+              <a:ahLst/>
+              <a:cxnLst>
+                <a:cxn ang="0">
+                  <a:pos x="T0" y="T1"/>
+                </a:cxn>
+                <a:cxn ang="0">
+                  <a:pos x="T2" y="T3"/>
+                </a:cxn>
+                <a:cxn ang="0">
+                  <a:pos x="T4" y="T5"/>
+                </a:cxn>
+                <a:cxn ang="0">
+                  <a:pos x="T6" y="T7"/>
+                </a:cxn>
+              </a:cxnLst>
+              <a:rect l="0" t="0" r="r" b="b"/>
+              <a:pathLst>
+                <a:path w="2171" h="1326">
+                  <a:moveTo>
+                    <a:pt x="1873" y="1326"/>
+                  </a:moveTo>
+                  <a:cubicBezTo>
+                    <a:pt x="2171" y="1045"/>
+                    <a:pt x="1825" y="678"/>
+                    <a:pt x="1609" y="473"/>
+                  </a:cubicBezTo>
+                  <a:cubicBezTo>
+                    <a:pt x="1406" y="281"/>
+                    <a:pt x="1159" y="116"/>
+                    <a:pt x="880" y="63"/>
+                  </a:cubicBezTo>
+                  <a:cubicBezTo>
+                    <a:pt x="545" y="0"/>
+                    <a:pt x="214" y="161"/>
+                    <a:pt x="0" y="423"/>
+                  </a:cubicBezTo>
+                </a:path>
+              </a:pathLst>
+            </a:custGeom>
+            <a:noFill/>
+            <a:ln w="9525" cap="flat">
+              <a:solidFill>
+                <a:schemeClr val="tx1">
+                  <a:alpha val="20000"/>
+                </a:schemeClr>
+              </a:solidFill>
+              <a:prstDash val="solid"/>
+              <a:miter lim="800000"/>
+              <a:headEnd/>
+              <a:tailEnd/>
+            </a:ln>
+            <a:extLst>
+              <a:ext uri="{909E8E84-426E-40DD-AFC4-6F175D3DCCD1}">
+                <a14:hiddenFill xmlns:a14="http://schemas.microsoft.com/office/drawing/2010/main">
+                  <a:solidFill>
+                    <a:srgbClr val="FFFFFF"/>
+                  </a:solidFill>
+                </a14:hiddenFill>
+              </a:ext>
+            </a:extLst>
+          </p:spPr>
+          <p:txBody>
+            <a:bodyPr vert="horz" wrap="square" lIns="91440" tIns="45720" rIns="91440" bIns="45720" numCol="1" anchor="t" anchorCtr="0" compatLnSpc="1">
+              <a:prstTxWarp prst="textNoShape">
+                <a:avLst/>
+              </a:prstTxWarp>
+            </a:bodyPr>
+            <a:lstStyle/>
+            <a:p>
+              <a:endParaRPr lang="en-US"/>
+            </a:p>
+          </p:txBody>
+        </p:sp>
+        <p:sp>
+          <p:nvSpPr>
+            <p:cNvPr id="47" name="Freeform 9">
+              <a:extLst>
+                <a:ext uri="{FF2B5EF4-FFF2-40B4-BE49-F238E27FC236}">
+                  <a16:creationId xmlns:a16="http://schemas.microsoft.com/office/drawing/2014/main" id="{88A08255-D434-447A-94F9-2E53CA3EA6B7}"/>
+                </a:ext>
+                <a:ext uri="{C183D7F6-B498-43B3-948B-1728B52AA6E4}">
+                  <adec:decorative xmlns:adec="http://schemas.microsoft.com/office/drawing/2017/decorative" val="1"/>
+                </a:ext>
+              </a:extLst>
+            </p:cNvPr>
+            <p:cNvSpPr>
+              <a:spLocks/>
+            </p:cNvSpPr>
+            <p:nvPr>
+              <p:extLst>
+                <p:ext uri="{386F3935-93C4-4BCD-93E2-E3B085C9AB24}">
+                  <p16:designElem xmlns:p16="http://schemas.microsoft.com/office/powerpoint/2015/main" val="1"/>
+                </p:ext>
+              </p:extLst>
+            </p:nvPr>
+          </p:nvSpPr>
+          <p:spPr bwMode="auto">
+            <a:xfrm>
+              <a:off x="3701" y="6186246"/>
+              <a:ext cx="504825" cy="681527"/>
+            </a:xfrm>
+            <a:custGeom>
+              <a:avLst/>
+              <a:gdLst>
+                <a:gd name="T0" fmla="*/ 0 w 106"/>
+                <a:gd name="T1" fmla="*/ 0 h 143"/>
+                <a:gd name="T2" fmla="*/ 106 w 106"/>
+                <a:gd name="T3" fmla="*/ 143 h 143"/>
+              </a:gdLst>
+              <a:ahLst/>
+              <a:cxnLst>
+                <a:cxn ang="0">
+                  <a:pos x="T0" y="T1"/>
+                </a:cxn>
+                <a:cxn ang="0">
+                  <a:pos x="T2" y="T3"/>
+                </a:cxn>
+              </a:cxnLst>
+              <a:rect l="0" t="0" r="r" b="b"/>
+              <a:pathLst>
+                <a:path w="106" h="143">
+                  <a:moveTo>
+                    <a:pt x="0" y="0"/>
+                  </a:moveTo>
+                  <a:cubicBezTo>
+                    <a:pt x="35" y="54"/>
+                    <a:pt x="70" y="101"/>
+                    <a:pt x="106" y="143"/>
+                  </a:cubicBezTo>
+                </a:path>
+              </a:pathLst>
+            </a:custGeom>
+            <a:noFill/>
+            <a:ln w="4763" cap="flat">
+              <a:solidFill>
+                <a:schemeClr val="tx1">
+                  <a:alpha val="20000"/>
+                </a:schemeClr>
+              </a:solidFill>
+              <a:prstDash val="solid"/>
+              <a:miter lim="800000"/>
+              <a:headEnd/>
+              <a:tailEnd/>
+            </a:ln>
+            <a:extLst>
+              <a:ext uri="{909E8E84-426E-40DD-AFC4-6F175D3DCCD1}">
+                <a14:hiddenFill xmlns:a14="http://schemas.microsoft.com/office/drawing/2010/main">
+                  <a:solidFill>
+                    <a:srgbClr val="FFFFFF"/>
+                  </a:solidFill>
+                </a14:hiddenFill>
+              </a:ext>
+            </a:extLst>
+          </p:spPr>
+          <p:txBody>
+            <a:bodyPr vert="horz" wrap="square" lIns="91440" tIns="45720" rIns="91440" bIns="45720" numCol="1" anchor="t" anchorCtr="0" compatLnSpc="1">
+              <a:prstTxWarp prst="textNoShape">
+                <a:avLst/>
+              </a:prstTxWarp>
+            </a:bodyPr>
+            <a:lstStyle/>
+            <a:p>
+              <a:endParaRPr lang="en-US"/>
+            </a:p>
+          </p:txBody>
+        </p:sp>
+        <p:sp>
+          <p:nvSpPr>
+            <p:cNvPr id="48" name="Freeform 10">
+              <a:extLst>
+                <a:ext uri="{FF2B5EF4-FFF2-40B4-BE49-F238E27FC236}">
+                  <a16:creationId xmlns:a16="http://schemas.microsoft.com/office/drawing/2014/main" id="{0C1DE278-D01A-47CF-9BB1-70717D22B6A4}"/>
+                </a:ext>
+                <a:ext uri="{C183D7F6-B498-43B3-948B-1728B52AA6E4}">
+                  <adec:decorative xmlns:adec="http://schemas.microsoft.com/office/drawing/2017/decorative" val="1"/>
+                </a:ext>
+              </a:extLst>
+            </p:cNvPr>
+            <p:cNvSpPr>
+              <a:spLocks/>
+            </p:cNvSpPr>
+            <p:nvPr>
+              <p:extLst>
+                <p:ext uri="{386F3935-93C4-4BCD-93E2-E3B085C9AB24}">
+                  <p16:designElem xmlns:p16="http://schemas.microsoft.com/office/powerpoint/2015/main" val="1"/>
+                </p:ext>
+              </p:extLst>
+            </p:nvPr>
+          </p:nvSpPr>
+          <p:spPr bwMode="auto">
+            <a:xfrm>
+              <a:off x="-1061" y="-51881"/>
+              <a:ext cx="11091863" cy="6923796"/>
+            </a:xfrm>
+            <a:custGeom>
+              <a:avLst/>
+              <a:gdLst>
+                <a:gd name="T0" fmla="*/ 2046 w 2330"/>
+                <a:gd name="T1" fmla="*/ 1452 h 1452"/>
+                <a:gd name="T2" fmla="*/ 1813 w 2330"/>
+                <a:gd name="T3" fmla="*/ 601 h 1452"/>
+                <a:gd name="T4" fmla="*/ 956 w 2330"/>
+                <a:gd name="T5" fmla="*/ 97 h 1452"/>
+                <a:gd name="T6" fmla="*/ 0 w 2330"/>
+                <a:gd name="T7" fmla="*/ 366 h 1452"/>
+              </a:gdLst>
+              <a:ahLst/>
+              <a:cxnLst>
+                <a:cxn ang="0">
+                  <a:pos x="T0" y="T1"/>
+                </a:cxn>
+                <a:cxn ang="0">
+                  <a:pos x="T2" y="T3"/>
+                </a:cxn>
+                <a:cxn ang="0">
+                  <a:pos x="T4" y="T5"/>
+                </a:cxn>
+                <a:cxn ang="0">
+                  <a:pos x="T6" y="T7"/>
+                </a:cxn>
+              </a:cxnLst>
+              <a:rect l="0" t="0" r="r" b="b"/>
+              <a:pathLst>
+                <a:path w="2330" h="1452">
+                  <a:moveTo>
+                    <a:pt x="2046" y="1452"/>
+                  </a:moveTo>
+                  <a:cubicBezTo>
+                    <a:pt x="2330" y="1153"/>
+                    <a:pt x="2049" y="821"/>
+                    <a:pt x="1813" y="601"/>
+                  </a:cubicBezTo>
+                  <a:cubicBezTo>
+                    <a:pt x="1569" y="375"/>
+                    <a:pt x="1282" y="179"/>
+                    <a:pt x="956" y="97"/>
+                  </a:cubicBezTo>
+                  <a:cubicBezTo>
+                    <a:pt x="572" y="0"/>
+                    <a:pt x="292" y="101"/>
+                    <a:pt x="0" y="366"/>
+                  </a:cubicBezTo>
+                </a:path>
+              </a:pathLst>
+            </a:custGeom>
+            <a:noFill/>
+            <a:ln w="9525" cap="flat">
+              <a:solidFill>
+                <a:schemeClr val="tx1">
+                  <a:alpha val="20000"/>
+                </a:schemeClr>
+              </a:solidFill>
+              <a:prstDash val="solid"/>
+              <a:miter lim="800000"/>
+              <a:headEnd/>
+              <a:tailEnd/>
+            </a:ln>
+            <a:extLst>
+              <a:ext uri="{909E8E84-426E-40DD-AFC4-6F175D3DCCD1}">
+                <a14:hiddenFill xmlns:a14="http://schemas.microsoft.com/office/drawing/2010/main">
+                  <a:solidFill>
+                    <a:srgbClr val="FFFFFF"/>
+                  </a:solidFill>
+                </a14:hiddenFill>
+              </a:ext>
+            </a:extLst>
+          </p:spPr>
+          <p:txBody>
+            <a:bodyPr vert="horz" wrap="square" lIns="91440" tIns="45720" rIns="91440" bIns="45720" numCol="1" anchor="t" anchorCtr="0" compatLnSpc="1">
+              <a:prstTxWarp prst="textNoShape">
+                <a:avLst/>
+              </a:prstTxWarp>
+            </a:bodyPr>
+            <a:lstStyle/>
+            <a:p>
+              <a:endParaRPr lang="en-US"/>
+            </a:p>
+          </p:txBody>
+        </p:sp>
+        <p:sp>
+          <p:nvSpPr>
+            <p:cNvPr id="49" name="Freeform 11">
+              <a:extLst>
+                <a:ext uri="{FF2B5EF4-FFF2-40B4-BE49-F238E27FC236}">
+                  <a16:creationId xmlns:a16="http://schemas.microsoft.com/office/drawing/2014/main" id="{5058907E-070F-43A5-B8BC-D5FCCEB2A57B}"/>
+                </a:ext>
+                <a:ext uri="{C183D7F6-B498-43B3-948B-1728B52AA6E4}">
+                  <adec:decorative xmlns:adec="http://schemas.microsoft.com/office/drawing/2017/decorative" val="1"/>
+                </a:ext>
+              </a:extLst>
+            </p:cNvPr>
+            <p:cNvSpPr>
+              <a:spLocks/>
+            </p:cNvSpPr>
+            <p:nvPr>
+              <p:extLst>
+                <p:ext uri="{386F3935-93C4-4BCD-93E2-E3B085C9AB24}">
+                  <p16:designElem xmlns:p16="http://schemas.microsoft.com/office/powerpoint/2015/main" val="1"/>
+                </p:ext>
+              </p:extLst>
+            </p:nvPr>
+          </p:nvSpPr>
+          <p:spPr bwMode="auto">
+            <a:xfrm>
+              <a:off x="5426601" y="5579"/>
+              <a:ext cx="5788025" cy="6847184"/>
+            </a:xfrm>
+            <a:custGeom>
+              <a:avLst/>
+              <a:gdLst>
+                <a:gd name="T0" fmla="*/ 1094 w 1216"/>
+                <a:gd name="T1" fmla="*/ 1436 h 1436"/>
+                <a:gd name="T2" fmla="*/ 709 w 1216"/>
+                <a:gd name="T3" fmla="*/ 551 h 1436"/>
+                <a:gd name="T4" fmla="*/ 0 w 1216"/>
+                <a:gd name="T5" fmla="*/ 0 h 1436"/>
+              </a:gdLst>
+              <a:ahLst/>
+              <a:cxnLst>
+                <a:cxn ang="0">
+                  <a:pos x="T0" y="T1"/>
+                </a:cxn>
+                <a:cxn ang="0">
+                  <a:pos x="T2" y="T3"/>
+                </a:cxn>
+                <a:cxn ang="0">
+                  <a:pos x="T4" y="T5"/>
+                </a:cxn>
+              </a:cxnLst>
+              <a:rect l="0" t="0" r="r" b="b"/>
+              <a:pathLst>
+                <a:path w="1216" h="1436">
+                  <a:moveTo>
+                    <a:pt x="1094" y="1436"/>
+                  </a:moveTo>
+                  <a:cubicBezTo>
+                    <a:pt x="1216" y="1114"/>
+                    <a:pt x="904" y="770"/>
+                    <a:pt x="709" y="551"/>
+                  </a:cubicBezTo>
+                  <a:cubicBezTo>
+                    <a:pt x="509" y="327"/>
+                    <a:pt x="274" y="127"/>
+                    <a:pt x="0" y="0"/>
+                  </a:cubicBezTo>
+                </a:path>
+              </a:pathLst>
+            </a:custGeom>
+            <a:noFill/>
+            <a:ln w="9525" cap="flat">
+              <a:solidFill>
+                <a:schemeClr val="tx1">
+                  <a:alpha val="20000"/>
+                </a:schemeClr>
+              </a:solidFill>
+              <a:prstDash val="solid"/>
+              <a:miter lim="800000"/>
+              <a:headEnd/>
+              <a:tailEnd/>
+            </a:ln>
+            <a:extLst>
+              <a:ext uri="{909E8E84-426E-40DD-AFC4-6F175D3DCCD1}">
+                <a14:hiddenFill xmlns:a14="http://schemas.microsoft.com/office/drawing/2010/main">
+                  <a:solidFill>
+                    <a:srgbClr val="FFFFFF"/>
+                  </a:solidFill>
+                </a14:hiddenFill>
+              </a:ext>
+            </a:extLst>
+          </p:spPr>
+          <p:txBody>
+            <a:bodyPr vert="horz" wrap="square" lIns="91440" tIns="45720" rIns="91440" bIns="45720" numCol="1" anchor="t" anchorCtr="0" compatLnSpc="1">
+              <a:prstTxWarp prst="textNoShape">
+                <a:avLst/>
+              </a:prstTxWarp>
+            </a:bodyPr>
+            <a:lstStyle/>
+            <a:p>
+              <a:endParaRPr lang="en-US"/>
+            </a:p>
+          </p:txBody>
+        </p:sp>
+        <p:sp>
+          <p:nvSpPr>
+            <p:cNvPr id="50" name="Freeform 12">
+              <a:extLst>
+                <a:ext uri="{FF2B5EF4-FFF2-40B4-BE49-F238E27FC236}">
+                  <a16:creationId xmlns:a16="http://schemas.microsoft.com/office/drawing/2014/main" id="{D62D53AC-31CA-4F19-88C4-C3495438A5D4}"/>
+                </a:ext>
+                <a:ext uri="{C183D7F6-B498-43B3-948B-1728B52AA6E4}">
+                  <adec:decorative xmlns:adec="http://schemas.microsoft.com/office/drawing/2017/decorative" val="1"/>
+                </a:ext>
+              </a:extLst>
+            </p:cNvPr>
+            <p:cNvSpPr>
+              <a:spLocks/>
+            </p:cNvSpPr>
+            <p:nvPr>
+              <p:extLst>
+                <p:ext uri="{386F3935-93C4-4BCD-93E2-E3B085C9AB24}">
+                  <p16:designElem xmlns:p16="http://schemas.microsoft.com/office/powerpoint/2015/main" val="1"/>
+                </p:ext>
+              </p:extLst>
+            </p:nvPr>
+          </p:nvSpPr>
+          <p:spPr bwMode="auto">
+            <a:xfrm>
+              <a:off x="-1061" y="5579"/>
+              <a:ext cx="1057275" cy="614491"/>
+            </a:xfrm>
+            <a:custGeom>
+              <a:avLst/>
+              <a:gdLst>
+                <a:gd name="T0" fmla="*/ 222 w 222"/>
+                <a:gd name="T1" fmla="*/ 0 h 129"/>
+                <a:gd name="T2" fmla="*/ 0 w 222"/>
+                <a:gd name="T3" fmla="*/ 129 h 129"/>
+              </a:gdLst>
+              <a:ahLst/>
+              <a:cxnLst>
+                <a:cxn ang="0">
+                  <a:pos x="T0" y="T1"/>
+                </a:cxn>
+                <a:cxn ang="0">
+                  <a:pos x="T2" y="T3"/>
+                </a:cxn>
+              </a:cxnLst>
+              <a:rect l="0" t="0" r="r" b="b"/>
+              <a:pathLst>
+                <a:path w="222" h="129">
+                  <a:moveTo>
+                    <a:pt x="222" y="0"/>
+                  </a:moveTo>
+                  <a:cubicBezTo>
+                    <a:pt x="152" y="35"/>
+                    <a:pt x="76" y="78"/>
+                    <a:pt x="0" y="129"/>
+                  </a:cubicBezTo>
+                </a:path>
+              </a:pathLst>
+            </a:custGeom>
+            <a:noFill/>
+            <a:ln w="9525" cap="flat">
+              <a:solidFill>
+                <a:schemeClr val="tx1">
+                  <a:alpha val="20000"/>
+                </a:schemeClr>
+              </a:solidFill>
+              <a:prstDash val="solid"/>
+              <a:miter lim="800000"/>
+              <a:headEnd/>
+              <a:tailEnd/>
+            </a:ln>
+            <a:extLst>
+              <a:ext uri="{909E8E84-426E-40DD-AFC4-6F175D3DCCD1}">
+                <a14:hiddenFill xmlns:a14="http://schemas.microsoft.com/office/drawing/2010/main">
+                  <a:solidFill>
+                    <a:srgbClr val="FFFFFF"/>
+                  </a:solidFill>
+                </a14:hiddenFill>
+              </a:ext>
+            </a:extLst>
+          </p:spPr>
+          <p:txBody>
+            <a:bodyPr vert="horz" wrap="square" lIns="91440" tIns="45720" rIns="91440" bIns="45720" numCol="1" anchor="t" anchorCtr="0" compatLnSpc="1">
+              <a:prstTxWarp prst="textNoShape">
+                <a:avLst/>
+              </a:prstTxWarp>
+            </a:bodyPr>
+            <a:lstStyle/>
+            <a:p>
+              <a:endParaRPr lang="en-US"/>
+            </a:p>
+          </p:txBody>
+        </p:sp>
+        <p:sp>
+          <p:nvSpPr>
+            <p:cNvPr id="51" name="Freeform 13">
+              <a:extLst>
+                <a:ext uri="{FF2B5EF4-FFF2-40B4-BE49-F238E27FC236}">
+                  <a16:creationId xmlns:a16="http://schemas.microsoft.com/office/drawing/2014/main" id="{5265081A-8907-436B-9429-36E368E92923}"/>
+                </a:ext>
+                <a:ext uri="{C183D7F6-B498-43B3-948B-1728B52AA6E4}">
+                  <adec:decorative xmlns:adec="http://schemas.microsoft.com/office/drawing/2017/decorative" val="1"/>
+                </a:ext>
+              </a:extLst>
+            </p:cNvPr>
+            <p:cNvSpPr>
+              <a:spLocks/>
+            </p:cNvSpPr>
+            <p:nvPr>
+              <p:extLst>
+                <p:ext uri="{386F3935-93C4-4BCD-93E2-E3B085C9AB24}">
+                  <p16:designElem xmlns:p16="http://schemas.microsoft.com/office/powerpoint/2015/main" val="1"/>
+                </p:ext>
+              </p:extLst>
+            </p:nvPr>
+          </p:nvSpPr>
+          <p:spPr bwMode="auto">
+            <a:xfrm>
+              <a:off x="5821889" y="5579"/>
+              <a:ext cx="5588000" cy="6866337"/>
+            </a:xfrm>
+            <a:custGeom>
+              <a:avLst/>
+              <a:gdLst>
+                <a:gd name="T0" fmla="*/ 1067 w 1174"/>
+                <a:gd name="T1" fmla="*/ 1440 h 1440"/>
+                <a:gd name="T2" fmla="*/ 698 w 1174"/>
+                <a:gd name="T3" fmla="*/ 577 h 1440"/>
+                <a:gd name="T4" fmla="*/ 0 w 1174"/>
+                <a:gd name="T5" fmla="*/ 0 h 1440"/>
+              </a:gdLst>
+              <a:ahLst/>
+              <a:cxnLst>
+                <a:cxn ang="0">
+                  <a:pos x="T0" y="T1"/>
+                </a:cxn>
+                <a:cxn ang="0">
+                  <a:pos x="T2" y="T3"/>
+                </a:cxn>
+                <a:cxn ang="0">
+                  <a:pos x="T4" y="T5"/>
+                </a:cxn>
+              </a:cxnLst>
+              <a:rect l="0" t="0" r="r" b="b"/>
+              <a:pathLst>
+                <a:path w="1174" h="1440">
+                  <a:moveTo>
+                    <a:pt x="1067" y="1440"/>
+                  </a:moveTo>
+                  <a:cubicBezTo>
+                    <a:pt x="1174" y="1124"/>
+                    <a:pt x="887" y="797"/>
+                    <a:pt x="698" y="577"/>
+                  </a:cubicBezTo>
+                  <a:cubicBezTo>
+                    <a:pt x="500" y="348"/>
+                    <a:pt x="270" y="141"/>
+                    <a:pt x="0" y="0"/>
+                  </a:cubicBezTo>
+                </a:path>
+              </a:pathLst>
+            </a:custGeom>
+            <a:noFill/>
+            <a:ln w="9525" cap="flat">
+              <a:solidFill>
+                <a:schemeClr val="tx1">
+                  <a:alpha val="20000"/>
+                </a:schemeClr>
+              </a:solidFill>
+              <a:prstDash val="dash"/>
+              <a:miter lim="800000"/>
+              <a:headEnd/>
+              <a:tailEnd/>
+            </a:ln>
+            <a:extLst>
+              <a:ext uri="{909E8E84-426E-40DD-AFC4-6F175D3DCCD1}">
+                <a14:hiddenFill xmlns:a14="http://schemas.microsoft.com/office/drawing/2010/main">
+                  <a:solidFill>
+                    <a:srgbClr val="FFFFFF"/>
+                  </a:solidFill>
+                </a14:hiddenFill>
+              </a:ext>
+            </a:extLst>
+          </p:spPr>
+          <p:txBody>
+            <a:bodyPr vert="horz" wrap="square" lIns="91440" tIns="45720" rIns="91440" bIns="45720" numCol="1" anchor="t" anchorCtr="0" compatLnSpc="1">
+              <a:prstTxWarp prst="textNoShape">
+                <a:avLst/>
+              </a:prstTxWarp>
+            </a:bodyPr>
+            <a:lstStyle/>
+            <a:p>
+              <a:endParaRPr lang="en-US"/>
+            </a:p>
+          </p:txBody>
+        </p:sp>
+        <p:sp>
+          <p:nvSpPr>
+            <p:cNvPr id="52" name="Freeform 14">
+              <a:extLst>
+                <a:ext uri="{FF2B5EF4-FFF2-40B4-BE49-F238E27FC236}">
+                  <a16:creationId xmlns:a16="http://schemas.microsoft.com/office/drawing/2014/main" id="{D186EBBE-32C1-45A7-824F-A0416E8B4DDE}"/>
+                </a:ext>
+                <a:ext uri="{C183D7F6-B498-43B3-948B-1728B52AA6E4}">
+                  <adec:decorative xmlns:adec="http://schemas.microsoft.com/office/drawing/2017/decorative" val="1"/>
+                </a:ext>
+              </a:extLst>
+            </p:cNvPr>
+            <p:cNvSpPr>
+              <a:spLocks/>
+            </p:cNvSpPr>
+            <p:nvPr>
+              <p:extLst>
+                <p:ext uri="{386F3935-93C4-4BCD-93E2-E3B085C9AB24}">
+                  <p16:designElem xmlns:p16="http://schemas.microsoft.com/office/powerpoint/2015/main" val="1"/>
+                </p:ext>
+              </p:extLst>
+            </p:nvPr>
+          </p:nvSpPr>
+          <p:spPr bwMode="auto">
+            <a:xfrm>
+              <a:off x="3701" y="790"/>
+              <a:ext cx="595313" cy="352734"/>
+            </a:xfrm>
+            <a:custGeom>
+              <a:avLst/>
+              <a:gdLst>
+                <a:gd name="T0" fmla="*/ 125 w 125"/>
+                <a:gd name="T1" fmla="*/ 0 h 74"/>
+                <a:gd name="T2" fmla="*/ 0 w 125"/>
+                <a:gd name="T3" fmla="*/ 74 h 74"/>
+              </a:gdLst>
+              <a:ahLst/>
+              <a:cxnLst>
+                <a:cxn ang="0">
+                  <a:pos x="T0" y="T1"/>
+                </a:cxn>
+                <a:cxn ang="0">
+                  <a:pos x="T2" y="T3"/>
+                </a:cxn>
+              </a:cxnLst>
+              <a:rect l="0" t="0" r="r" b="b"/>
+              <a:pathLst>
+                <a:path w="125" h="74">
+                  <a:moveTo>
+                    <a:pt x="125" y="0"/>
+                  </a:moveTo>
+                  <a:cubicBezTo>
+                    <a:pt x="85" y="22"/>
+                    <a:pt x="43" y="47"/>
+                    <a:pt x="0" y="74"/>
+                  </a:cubicBezTo>
+                </a:path>
+              </a:pathLst>
+            </a:custGeom>
+            <a:noFill/>
+            <a:ln w="9525" cap="flat">
+              <a:solidFill>
+                <a:schemeClr val="tx1">
+                  <a:alpha val="20000"/>
+                </a:schemeClr>
+              </a:solidFill>
+              <a:prstDash val="dash"/>
+              <a:miter lim="800000"/>
+              <a:headEnd/>
+              <a:tailEnd/>
+            </a:ln>
+            <a:extLst>
+              <a:ext uri="{909E8E84-426E-40DD-AFC4-6F175D3DCCD1}">
+                <a14:hiddenFill xmlns:a14="http://schemas.microsoft.com/office/drawing/2010/main">
+                  <a:solidFill>
+                    <a:srgbClr val="FFFFFF"/>
+                  </a:solidFill>
+                </a14:hiddenFill>
+              </a:ext>
+            </a:extLst>
+          </p:spPr>
+          <p:txBody>
+            <a:bodyPr vert="horz" wrap="square" lIns="91440" tIns="45720" rIns="91440" bIns="45720" numCol="1" anchor="t" anchorCtr="0" compatLnSpc="1">
+              <a:prstTxWarp prst="textNoShape">
+                <a:avLst/>
+              </a:prstTxWarp>
+            </a:bodyPr>
+            <a:lstStyle/>
+            <a:p>
+              <a:endParaRPr lang="en-US"/>
+            </a:p>
+          </p:txBody>
+        </p:sp>
+        <p:sp>
+          <p:nvSpPr>
+            <p:cNvPr id="53" name="Freeform 15">
+              <a:extLst>
+                <a:ext uri="{FF2B5EF4-FFF2-40B4-BE49-F238E27FC236}">
+                  <a16:creationId xmlns:a16="http://schemas.microsoft.com/office/drawing/2014/main" id="{3000AB5E-3DAC-452F-8DB5-D0B2F040C8C7}"/>
+                </a:ext>
+                <a:ext uri="{C183D7F6-B498-43B3-948B-1728B52AA6E4}">
+                  <adec:decorative xmlns:adec="http://schemas.microsoft.com/office/drawing/2017/decorative" val="1"/>
+                </a:ext>
+              </a:extLst>
+            </p:cNvPr>
+            <p:cNvSpPr>
+              <a:spLocks/>
+            </p:cNvSpPr>
+            <p:nvPr>
+              <p:extLst>
+                <p:ext uri="{386F3935-93C4-4BCD-93E2-E3B085C9AB24}">
+                  <p16:designElem xmlns:p16="http://schemas.microsoft.com/office/powerpoint/2015/main" val="1"/>
+                </p:ext>
+              </p:extLst>
+            </p:nvPr>
+          </p:nvSpPr>
+          <p:spPr bwMode="auto">
+            <a:xfrm>
+              <a:off x="6012389" y="5579"/>
+              <a:ext cx="5497513" cy="6866337"/>
+            </a:xfrm>
+            <a:custGeom>
+              <a:avLst/>
+              <a:gdLst>
+                <a:gd name="T0" fmla="*/ 1056 w 1155"/>
+                <a:gd name="T1" fmla="*/ 1440 h 1440"/>
+                <a:gd name="T2" fmla="*/ 686 w 1155"/>
+                <a:gd name="T3" fmla="*/ 580 h 1440"/>
+                <a:gd name="T4" fmla="*/ 0 w 1155"/>
+                <a:gd name="T5" fmla="*/ 0 h 1440"/>
+              </a:gdLst>
+              <a:ahLst/>
+              <a:cxnLst>
+                <a:cxn ang="0">
+                  <a:pos x="T0" y="T1"/>
+                </a:cxn>
+                <a:cxn ang="0">
+                  <a:pos x="T2" y="T3"/>
+                </a:cxn>
+                <a:cxn ang="0">
+                  <a:pos x="T4" y="T5"/>
+                </a:cxn>
+              </a:cxnLst>
+              <a:rect l="0" t="0" r="r" b="b"/>
+              <a:pathLst>
+                <a:path w="1155" h="1440">
+                  <a:moveTo>
+                    <a:pt x="1056" y="1440"/>
+                  </a:moveTo>
+                  <a:cubicBezTo>
+                    <a:pt x="1155" y="1123"/>
+                    <a:pt x="875" y="801"/>
+                    <a:pt x="686" y="580"/>
+                  </a:cubicBezTo>
+                  <a:cubicBezTo>
+                    <a:pt x="491" y="352"/>
+                    <a:pt x="264" y="145"/>
+                    <a:pt x="0" y="0"/>
+                  </a:cubicBezTo>
+                </a:path>
+              </a:pathLst>
+            </a:custGeom>
+            <a:noFill/>
+            <a:ln w="12700" cap="flat">
+              <a:solidFill>
+                <a:schemeClr val="tx1">
+                  <a:alpha val="20000"/>
+                </a:schemeClr>
+              </a:solidFill>
+              <a:prstDash val="dashDot"/>
+              <a:miter lim="800000"/>
+              <a:headEnd/>
+              <a:tailEnd/>
+            </a:ln>
+            <a:extLst>
+              <a:ext uri="{909E8E84-426E-40DD-AFC4-6F175D3DCCD1}">
+                <a14:hiddenFill xmlns:a14="http://schemas.microsoft.com/office/drawing/2010/main">
+                  <a:solidFill>
+                    <a:srgbClr val="FFFFFF"/>
+                  </a:solidFill>
+                </a14:hiddenFill>
+              </a:ext>
+            </a:extLst>
+          </p:spPr>
+          <p:txBody>
+            <a:bodyPr vert="horz" wrap="square" lIns="91440" tIns="45720" rIns="91440" bIns="45720" numCol="1" anchor="t" anchorCtr="0" compatLnSpc="1">
+              <a:prstTxWarp prst="textNoShape">
+                <a:avLst/>
+              </a:prstTxWarp>
+            </a:bodyPr>
+            <a:lstStyle/>
+            <a:p>
+              <a:endParaRPr lang="en-US"/>
+            </a:p>
+          </p:txBody>
+        </p:sp>
+        <p:sp>
+          <p:nvSpPr>
+            <p:cNvPr id="54" name="Freeform 16">
+              <a:extLst>
+                <a:ext uri="{FF2B5EF4-FFF2-40B4-BE49-F238E27FC236}">
+                  <a16:creationId xmlns:a16="http://schemas.microsoft.com/office/drawing/2014/main" id="{2186FE1A-B164-4177-B362-CC18A1B08A2D}"/>
+                </a:ext>
+                <a:ext uri="{C183D7F6-B498-43B3-948B-1728B52AA6E4}">
+                  <adec:decorative xmlns:adec="http://schemas.microsoft.com/office/drawing/2017/decorative" val="1"/>
+                </a:ext>
+              </a:extLst>
+            </p:cNvPr>
+            <p:cNvSpPr>
+              <a:spLocks/>
+            </p:cNvSpPr>
+            <p:nvPr>
+              <p:extLst>
+                <p:ext uri="{386F3935-93C4-4BCD-93E2-E3B085C9AB24}">
+                  <p16:designElem xmlns:p16="http://schemas.microsoft.com/office/powerpoint/2015/main" val="1"/>
+                </p:ext>
+              </p:extLst>
+            </p:nvPr>
+          </p:nvSpPr>
+          <p:spPr bwMode="auto">
+            <a:xfrm>
+              <a:off x="-1061" y="5579"/>
+              <a:ext cx="357188" cy="213875"/>
+            </a:xfrm>
+            <a:custGeom>
+              <a:avLst/>
+              <a:gdLst>
+                <a:gd name="T0" fmla="*/ 75 w 75"/>
+                <a:gd name="T1" fmla="*/ 0 h 45"/>
+                <a:gd name="T2" fmla="*/ 0 w 75"/>
+                <a:gd name="T3" fmla="*/ 45 h 45"/>
+              </a:gdLst>
+              <a:ahLst/>
+              <a:cxnLst>
+                <a:cxn ang="0">
+                  <a:pos x="T0" y="T1"/>
+                </a:cxn>
+                <a:cxn ang="0">
+                  <a:pos x="T2" y="T3"/>
+                </a:cxn>
+              </a:cxnLst>
+              <a:rect l="0" t="0" r="r" b="b"/>
+              <a:pathLst>
+                <a:path w="75" h="45">
+                  <a:moveTo>
+                    <a:pt x="75" y="0"/>
+                  </a:moveTo>
+                  <a:cubicBezTo>
+                    <a:pt x="50" y="14"/>
+                    <a:pt x="25" y="29"/>
+                    <a:pt x="0" y="45"/>
+                  </a:cubicBezTo>
+                </a:path>
+              </a:pathLst>
+            </a:custGeom>
+            <a:noFill/>
+            <a:ln w="12700" cap="flat">
+              <a:solidFill>
+                <a:schemeClr val="tx1">
+                  <a:alpha val="20000"/>
+                </a:schemeClr>
+              </a:solidFill>
+              <a:prstDash val="dashDot"/>
+              <a:miter lim="800000"/>
+              <a:headEnd/>
+              <a:tailEnd/>
+            </a:ln>
+            <a:extLst>
+              <a:ext uri="{909E8E84-426E-40DD-AFC4-6F175D3DCCD1}">
+                <a14:hiddenFill xmlns:a14="http://schemas.microsoft.com/office/drawing/2010/main">
+                  <a:solidFill>
+                    <a:srgbClr val="FFFFFF"/>
+                  </a:solidFill>
+                </a14:hiddenFill>
+              </a:ext>
+            </a:extLst>
+          </p:spPr>
+          <p:txBody>
+            <a:bodyPr vert="horz" wrap="square" lIns="91440" tIns="45720" rIns="91440" bIns="45720" numCol="1" anchor="t" anchorCtr="0" compatLnSpc="1">
+              <a:prstTxWarp prst="textNoShape">
+                <a:avLst/>
+              </a:prstTxWarp>
+            </a:bodyPr>
+            <a:lstStyle/>
+            <a:p>
+              <a:endParaRPr lang="en-US"/>
+            </a:p>
+          </p:txBody>
+        </p:sp>
+        <p:sp>
+          <p:nvSpPr>
+            <p:cNvPr id="55" name="Freeform 17">
+              <a:extLst>
+                <a:ext uri="{FF2B5EF4-FFF2-40B4-BE49-F238E27FC236}">
+                  <a16:creationId xmlns:a16="http://schemas.microsoft.com/office/drawing/2014/main" id="{C331E414-AA8A-43B4-B08C-202F8FFA08D3}"/>
+                </a:ext>
+                <a:ext uri="{C183D7F6-B498-43B3-948B-1728B52AA6E4}">
+                  <adec:decorative xmlns:adec="http://schemas.microsoft.com/office/drawing/2017/decorative" val="1"/>
+                </a:ext>
+              </a:extLst>
+            </p:cNvPr>
+            <p:cNvSpPr>
+              <a:spLocks/>
+            </p:cNvSpPr>
+            <p:nvPr>
+              <p:extLst>
+                <p:ext uri="{386F3935-93C4-4BCD-93E2-E3B085C9AB24}">
+                  <p16:designElem xmlns:p16="http://schemas.microsoft.com/office/powerpoint/2015/main" val="1"/>
+                </p:ext>
+              </p:extLst>
+            </p:nvPr>
+          </p:nvSpPr>
+          <p:spPr bwMode="auto">
+            <a:xfrm>
+              <a:off x="6210826" y="790"/>
+              <a:ext cx="5522913" cy="6871126"/>
+            </a:xfrm>
+            <a:custGeom>
+              <a:avLst/>
+              <a:gdLst>
+                <a:gd name="T0" fmla="*/ 1053 w 1160"/>
+                <a:gd name="T1" fmla="*/ 1441 h 1441"/>
+                <a:gd name="T2" fmla="*/ 705 w 1160"/>
+                <a:gd name="T3" fmla="*/ 599 h 1441"/>
+                <a:gd name="T4" fmla="*/ 0 w 1160"/>
+                <a:gd name="T5" fmla="*/ 0 h 1441"/>
+              </a:gdLst>
+              <a:ahLst/>
+              <a:cxnLst>
+                <a:cxn ang="0">
+                  <a:pos x="T0" y="T1"/>
+                </a:cxn>
+                <a:cxn ang="0">
+                  <a:pos x="T2" y="T3"/>
+                </a:cxn>
+                <a:cxn ang="0">
+                  <a:pos x="T4" y="T5"/>
+                </a:cxn>
+              </a:cxnLst>
+              <a:rect l="0" t="0" r="r" b="b"/>
+              <a:pathLst>
+                <a:path w="1160" h="1441">
+                  <a:moveTo>
+                    <a:pt x="1053" y="1441"/>
+                  </a:moveTo>
+                  <a:cubicBezTo>
+                    <a:pt x="1160" y="1129"/>
+                    <a:pt x="892" y="817"/>
+                    <a:pt x="705" y="599"/>
+                  </a:cubicBezTo>
+                  <a:cubicBezTo>
+                    <a:pt x="503" y="365"/>
+                    <a:pt x="270" y="152"/>
+                    <a:pt x="0" y="0"/>
+                  </a:cubicBezTo>
+                </a:path>
+              </a:pathLst>
+            </a:custGeom>
+            <a:noFill/>
+            <a:ln w="9525" cap="flat">
+              <a:solidFill>
+                <a:schemeClr val="tx1">
+                  <a:alpha val="20000"/>
+                </a:schemeClr>
+              </a:solidFill>
+              <a:prstDash val="solid"/>
+              <a:miter lim="800000"/>
+              <a:headEnd/>
+              <a:tailEnd/>
+            </a:ln>
+            <a:extLst>
+              <a:ext uri="{909E8E84-426E-40DD-AFC4-6F175D3DCCD1}">
+                <a14:hiddenFill xmlns:a14="http://schemas.microsoft.com/office/drawing/2010/main">
+                  <a:solidFill>
+                    <a:srgbClr val="FFFFFF"/>
+                  </a:solidFill>
+                </a14:hiddenFill>
+              </a:ext>
+            </a:extLst>
+          </p:spPr>
+          <p:txBody>
+            <a:bodyPr vert="horz" wrap="square" lIns="91440" tIns="45720" rIns="91440" bIns="45720" numCol="1" anchor="t" anchorCtr="0" compatLnSpc="1">
+              <a:prstTxWarp prst="textNoShape">
+                <a:avLst/>
+              </a:prstTxWarp>
+            </a:bodyPr>
+            <a:lstStyle/>
+            <a:p>
+              <a:endParaRPr lang="en-US"/>
+            </a:p>
+          </p:txBody>
+        </p:sp>
+        <p:sp>
+          <p:nvSpPr>
+            <p:cNvPr id="56" name="Freeform 18">
+              <a:extLst>
+                <a:ext uri="{FF2B5EF4-FFF2-40B4-BE49-F238E27FC236}">
+                  <a16:creationId xmlns:a16="http://schemas.microsoft.com/office/drawing/2014/main" id="{C22F3420-4078-4F79-B9C5-E98FFDF17CF2}"/>
+                </a:ext>
+                <a:ext uri="{C183D7F6-B498-43B3-948B-1728B52AA6E4}">
+                  <adec:decorative xmlns:adec="http://schemas.microsoft.com/office/drawing/2017/decorative" val="1"/>
+                </a:ext>
+              </a:extLst>
+            </p:cNvPr>
+            <p:cNvSpPr>
+              <a:spLocks/>
+            </p:cNvSpPr>
+            <p:nvPr>
+              <p:extLst>
+                <p:ext uri="{386F3935-93C4-4BCD-93E2-E3B085C9AB24}">
+                  <p16:designElem xmlns:p16="http://schemas.microsoft.com/office/powerpoint/2015/main" val="1"/>
+                </p:ext>
+              </p:extLst>
+            </p:nvPr>
+          </p:nvSpPr>
+          <p:spPr bwMode="auto">
+            <a:xfrm>
+              <a:off x="6463239" y="5579"/>
+              <a:ext cx="5413375" cy="6866337"/>
+            </a:xfrm>
+            <a:custGeom>
+              <a:avLst/>
+              <a:gdLst>
+                <a:gd name="T0" fmla="*/ 1040 w 1137"/>
+                <a:gd name="T1" fmla="*/ 1440 h 1440"/>
+                <a:gd name="T2" fmla="*/ 698 w 1137"/>
+                <a:gd name="T3" fmla="*/ 611 h 1440"/>
+                <a:gd name="T4" fmla="*/ 0 w 1137"/>
+                <a:gd name="T5" fmla="*/ 0 h 1440"/>
+              </a:gdLst>
+              <a:ahLst/>
+              <a:cxnLst>
+                <a:cxn ang="0">
+                  <a:pos x="T0" y="T1"/>
+                </a:cxn>
+                <a:cxn ang="0">
+                  <a:pos x="T2" y="T3"/>
+                </a:cxn>
+                <a:cxn ang="0">
+                  <a:pos x="T4" y="T5"/>
+                </a:cxn>
+              </a:cxnLst>
+              <a:rect l="0" t="0" r="r" b="b"/>
+              <a:pathLst>
+                <a:path w="1137" h="1440">
+                  <a:moveTo>
+                    <a:pt x="1040" y="1440"/>
+                  </a:moveTo>
+                  <a:cubicBezTo>
+                    <a:pt x="1137" y="1131"/>
+                    <a:pt x="883" y="828"/>
+                    <a:pt x="698" y="611"/>
+                  </a:cubicBezTo>
+                  <a:cubicBezTo>
+                    <a:pt x="498" y="375"/>
+                    <a:pt x="268" y="159"/>
+                    <a:pt x="0" y="0"/>
+                  </a:cubicBezTo>
+                </a:path>
+              </a:pathLst>
+            </a:custGeom>
+            <a:noFill/>
+            <a:ln w="9525" cap="flat">
+              <a:solidFill>
+                <a:schemeClr val="tx1">
+                  <a:alpha val="20000"/>
+                </a:schemeClr>
+              </a:solidFill>
+              <a:prstDash val="solid"/>
+              <a:miter lim="800000"/>
+              <a:headEnd/>
+              <a:tailEnd/>
+            </a:ln>
+            <a:extLst>
+              <a:ext uri="{909E8E84-426E-40DD-AFC4-6F175D3DCCD1}">
+                <a14:hiddenFill xmlns:a14="http://schemas.microsoft.com/office/drawing/2010/main">
+                  <a:solidFill>
+                    <a:srgbClr val="FFFFFF"/>
+                  </a:solidFill>
+                </a14:hiddenFill>
+              </a:ext>
+            </a:extLst>
+          </p:spPr>
+          <p:txBody>
+            <a:bodyPr vert="horz" wrap="square" lIns="91440" tIns="45720" rIns="91440" bIns="45720" numCol="1" anchor="t" anchorCtr="0" compatLnSpc="1">
+              <a:prstTxWarp prst="textNoShape">
+                <a:avLst/>
+              </a:prstTxWarp>
+            </a:bodyPr>
+            <a:lstStyle/>
+            <a:p>
+              <a:endParaRPr lang="en-US"/>
+            </a:p>
+          </p:txBody>
+        </p:sp>
+        <p:sp>
+          <p:nvSpPr>
+            <p:cNvPr id="57" name="Freeform 19">
+              <a:extLst>
+                <a:ext uri="{FF2B5EF4-FFF2-40B4-BE49-F238E27FC236}">
+                  <a16:creationId xmlns:a16="http://schemas.microsoft.com/office/drawing/2014/main" id="{6ECC6989-F4BE-4B69-80F1-C6E1FEB92191}"/>
+                </a:ext>
+                <a:ext uri="{C183D7F6-B498-43B3-948B-1728B52AA6E4}">
+                  <adec:decorative xmlns:adec="http://schemas.microsoft.com/office/drawing/2017/decorative" val="1"/>
+                </a:ext>
+              </a:extLst>
+            </p:cNvPr>
+            <p:cNvSpPr>
+              <a:spLocks/>
+            </p:cNvSpPr>
+            <p:nvPr>
+              <p:extLst>
+                <p:ext uri="{386F3935-93C4-4BCD-93E2-E3B085C9AB24}">
+                  <p16:designElem xmlns:p16="http://schemas.microsoft.com/office/powerpoint/2015/main" val="1"/>
+                </p:ext>
+              </p:extLst>
+            </p:nvPr>
+          </p:nvSpPr>
+          <p:spPr bwMode="auto">
+            <a:xfrm>
+              <a:off x="6877576" y="5579"/>
+              <a:ext cx="5037138" cy="6861550"/>
+            </a:xfrm>
+            <a:custGeom>
+              <a:avLst/>
+              <a:gdLst>
+                <a:gd name="T0" fmla="*/ 1011 w 1058"/>
+                <a:gd name="T1" fmla="*/ 1439 h 1439"/>
+                <a:gd name="T2" fmla="*/ 648 w 1058"/>
+                <a:gd name="T3" fmla="*/ 617 h 1439"/>
+                <a:gd name="T4" fmla="*/ 0 w 1058"/>
+                <a:gd name="T5" fmla="*/ 0 h 1439"/>
+              </a:gdLst>
+              <a:ahLst/>
+              <a:cxnLst>
+                <a:cxn ang="0">
+                  <a:pos x="T0" y="T1"/>
+                </a:cxn>
+                <a:cxn ang="0">
+                  <a:pos x="T2" y="T3"/>
+                </a:cxn>
+                <a:cxn ang="0">
+                  <a:pos x="T4" y="T5"/>
+                </a:cxn>
+              </a:cxnLst>
+              <a:rect l="0" t="0" r="r" b="b"/>
+              <a:pathLst>
+                <a:path w="1058" h="1439">
+                  <a:moveTo>
+                    <a:pt x="1011" y="1439"/>
+                  </a:moveTo>
+                  <a:cubicBezTo>
+                    <a:pt x="1058" y="1131"/>
+                    <a:pt x="825" y="841"/>
+                    <a:pt x="648" y="617"/>
+                  </a:cubicBezTo>
+                  <a:cubicBezTo>
+                    <a:pt x="462" y="383"/>
+                    <a:pt x="248" y="168"/>
+                    <a:pt x="0" y="0"/>
+                  </a:cubicBezTo>
+                </a:path>
+              </a:pathLst>
+            </a:custGeom>
+            <a:noFill/>
+            <a:ln w="9525" cap="flat">
+              <a:solidFill>
+                <a:schemeClr val="tx1">
+                  <a:alpha val="20000"/>
+                </a:schemeClr>
+              </a:solidFill>
+              <a:prstDash val="solid"/>
+              <a:miter lim="800000"/>
+              <a:headEnd/>
+              <a:tailEnd/>
+            </a:ln>
+            <a:extLst>
+              <a:ext uri="{909E8E84-426E-40DD-AFC4-6F175D3DCCD1}">
+                <a14:hiddenFill xmlns:a14="http://schemas.microsoft.com/office/drawing/2010/main">
+                  <a:solidFill>
+                    <a:srgbClr val="FFFFFF"/>
+                  </a:solidFill>
+                </a14:hiddenFill>
+              </a:ext>
+            </a:extLst>
+          </p:spPr>
+          <p:txBody>
+            <a:bodyPr vert="horz" wrap="square" lIns="91440" tIns="45720" rIns="91440" bIns="45720" numCol="1" anchor="t" anchorCtr="0" compatLnSpc="1">
+              <a:prstTxWarp prst="textNoShape">
+                <a:avLst/>
+              </a:prstTxWarp>
+            </a:bodyPr>
+            <a:lstStyle/>
+            <a:p>
+              <a:endParaRPr lang="en-US"/>
+            </a:p>
+          </p:txBody>
+        </p:sp>
+        <p:sp>
+          <p:nvSpPr>
+            <p:cNvPr id="58" name="Freeform 20">
+              <a:extLst>
+                <a:ext uri="{FF2B5EF4-FFF2-40B4-BE49-F238E27FC236}">
+                  <a16:creationId xmlns:a16="http://schemas.microsoft.com/office/drawing/2014/main" id="{F50BB245-B754-45C8-AEDD-5B8CD81A6E6C}"/>
+                </a:ext>
+                <a:ext uri="{C183D7F6-B498-43B3-948B-1728B52AA6E4}">
+                  <adec:decorative xmlns:adec="http://schemas.microsoft.com/office/drawing/2017/decorative" val="1"/>
+                </a:ext>
+              </a:extLst>
+            </p:cNvPr>
+            <p:cNvSpPr>
+              <a:spLocks/>
+            </p:cNvSpPr>
+            <p:nvPr>
+              <p:extLst>
+                <p:ext uri="{386F3935-93C4-4BCD-93E2-E3B085C9AB24}">
+                  <p16:designElem xmlns:p16="http://schemas.microsoft.com/office/powerpoint/2015/main" val="1"/>
+                </p:ext>
+              </p:extLst>
+            </p:nvPr>
+          </p:nvSpPr>
+          <p:spPr bwMode="auto">
+            <a:xfrm>
+              <a:off x="8768289" y="5579"/>
+              <a:ext cx="3417888" cy="2742066"/>
+            </a:xfrm>
+            <a:custGeom>
+              <a:avLst/>
+              <a:gdLst>
+                <a:gd name="T0" fmla="*/ 718 w 718"/>
+                <a:gd name="T1" fmla="*/ 575 h 575"/>
+                <a:gd name="T2" fmla="*/ 0 w 718"/>
+                <a:gd name="T3" fmla="*/ 0 h 575"/>
+              </a:gdLst>
+              <a:ahLst/>
+              <a:cxnLst>
+                <a:cxn ang="0">
+                  <a:pos x="T0" y="T1"/>
+                </a:cxn>
+                <a:cxn ang="0">
+                  <a:pos x="T2" y="T3"/>
+                </a:cxn>
+              </a:cxnLst>
+              <a:rect l="0" t="0" r="r" b="b"/>
+              <a:pathLst>
+                <a:path w="718" h="575">
+                  <a:moveTo>
+                    <a:pt x="718" y="575"/>
+                  </a:moveTo>
+                  <a:cubicBezTo>
+                    <a:pt x="500" y="360"/>
+                    <a:pt x="260" y="163"/>
+                    <a:pt x="0" y="0"/>
+                  </a:cubicBezTo>
+                </a:path>
+              </a:pathLst>
+            </a:custGeom>
+            <a:noFill/>
+            <a:ln w="9525" cap="flat">
+              <a:solidFill>
+                <a:schemeClr val="tx1">
+                  <a:alpha val="20000"/>
+                </a:schemeClr>
+              </a:solidFill>
+              <a:prstDash val="solid"/>
+              <a:miter lim="800000"/>
+              <a:headEnd/>
+              <a:tailEnd/>
+            </a:ln>
+            <a:extLst>
+              <a:ext uri="{909E8E84-426E-40DD-AFC4-6F175D3DCCD1}">
+                <a14:hiddenFill xmlns:a14="http://schemas.microsoft.com/office/drawing/2010/main">
+                  <a:solidFill>
+                    <a:srgbClr val="FFFFFF"/>
+                  </a:solidFill>
+                </a14:hiddenFill>
+              </a:ext>
+            </a:extLst>
+          </p:spPr>
+          <p:txBody>
+            <a:bodyPr vert="horz" wrap="square" lIns="91440" tIns="45720" rIns="91440" bIns="45720" numCol="1" anchor="t" anchorCtr="0" compatLnSpc="1">
+              <a:prstTxWarp prst="textNoShape">
+                <a:avLst/>
+              </a:prstTxWarp>
+            </a:bodyPr>
+            <a:lstStyle/>
+            <a:p>
+              <a:endParaRPr lang="en-US"/>
+            </a:p>
+          </p:txBody>
+        </p:sp>
+        <p:sp>
+          <p:nvSpPr>
+            <p:cNvPr id="59" name="Freeform 21">
+              <a:extLst>
+                <a:ext uri="{FF2B5EF4-FFF2-40B4-BE49-F238E27FC236}">
+                  <a16:creationId xmlns:a16="http://schemas.microsoft.com/office/drawing/2014/main" id="{0EC5071A-FEBF-4BA6-8503-ABB15953E73E}"/>
+                </a:ext>
+                <a:ext uri="{C183D7F6-B498-43B3-948B-1728B52AA6E4}">
+                  <adec:decorative xmlns:adec="http://schemas.microsoft.com/office/drawing/2017/decorative" val="1"/>
+                </a:ext>
+              </a:extLst>
+            </p:cNvPr>
+            <p:cNvSpPr>
+              <a:spLocks/>
+            </p:cNvSpPr>
+            <p:nvPr>
+              <p:extLst>
+                <p:ext uri="{386F3935-93C4-4BCD-93E2-E3B085C9AB24}">
+                  <p16:designElem xmlns:p16="http://schemas.microsoft.com/office/powerpoint/2015/main" val="1"/>
+                </p:ext>
+              </p:extLst>
+            </p:nvPr>
+          </p:nvSpPr>
+          <p:spPr bwMode="auto">
+            <a:xfrm>
+              <a:off x="9235014" y="10367"/>
+              <a:ext cx="2951163" cy="2555325"/>
+            </a:xfrm>
+            <a:custGeom>
+              <a:avLst/>
+              <a:gdLst>
+                <a:gd name="T0" fmla="*/ 620 w 620"/>
+                <a:gd name="T1" fmla="*/ 536 h 536"/>
+                <a:gd name="T2" fmla="*/ 0 w 620"/>
+                <a:gd name="T3" fmla="*/ 0 h 536"/>
+              </a:gdLst>
+              <a:ahLst/>
+              <a:cxnLst>
+                <a:cxn ang="0">
+                  <a:pos x="T0" y="T1"/>
+                </a:cxn>
+                <a:cxn ang="0">
+                  <a:pos x="T2" y="T3"/>
+                </a:cxn>
+              </a:cxnLst>
+              <a:rect l="0" t="0" r="r" b="b"/>
+              <a:pathLst>
+                <a:path w="620" h="536">
+                  <a:moveTo>
+                    <a:pt x="620" y="536"/>
+                  </a:moveTo>
+                  <a:cubicBezTo>
+                    <a:pt x="404" y="314"/>
+                    <a:pt x="196" y="138"/>
+                    <a:pt x="0" y="0"/>
+                  </a:cubicBezTo>
+                </a:path>
+              </a:pathLst>
+            </a:custGeom>
+            <a:noFill/>
+            <a:ln w="9525" cap="flat">
+              <a:solidFill>
+                <a:schemeClr val="tx1">
+                  <a:alpha val="20000"/>
+                </a:schemeClr>
+              </a:solidFill>
+              <a:prstDash val="solid"/>
+              <a:miter lim="800000"/>
+              <a:headEnd/>
+              <a:tailEnd/>
+            </a:ln>
+            <a:extLst>
+              <a:ext uri="{909E8E84-426E-40DD-AFC4-6F175D3DCCD1}">
+                <a14:hiddenFill xmlns:a14="http://schemas.microsoft.com/office/drawing/2010/main">
+                  <a:solidFill>
+                    <a:srgbClr val="FFFFFF"/>
+                  </a:solidFill>
+                </a14:hiddenFill>
+              </a:ext>
+            </a:extLst>
+          </p:spPr>
+          <p:txBody>
+            <a:bodyPr vert="horz" wrap="square" lIns="91440" tIns="45720" rIns="91440" bIns="45720" numCol="1" anchor="t" anchorCtr="0" compatLnSpc="1">
+              <a:prstTxWarp prst="textNoShape">
+                <a:avLst/>
+              </a:prstTxWarp>
+            </a:bodyPr>
+            <a:lstStyle/>
+            <a:p>
+              <a:endParaRPr lang="en-US"/>
+            </a:p>
+          </p:txBody>
+        </p:sp>
+        <p:sp>
+          <p:nvSpPr>
+            <p:cNvPr id="60" name="Freeform 22">
+              <a:extLst>
+                <a:ext uri="{FF2B5EF4-FFF2-40B4-BE49-F238E27FC236}">
+                  <a16:creationId xmlns:a16="http://schemas.microsoft.com/office/drawing/2014/main" id="{6841AB4E-93F5-44FE-BEDE-C4ACD382B2DA}"/>
+                </a:ext>
+                <a:ext uri="{C183D7F6-B498-43B3-948B-1728B52AA6E4}">
+                  <adec:decorative xmlns:adec="http://schemas.microsoft.com/office/drawing/2017/decorative" val="1"/>
+                </a:ext>
+              </a:extLst>
+            </p:cNvPr>
+            <p:cNvSpPr>
+              <a:spLocks/>
+            </p:cNvSpPr>
+            <p:nvPr>
+              <p:extLst>
+                <p:ext uri="{386F3935-93C4-4BCD-93E2-E3B085C9AB24}">
+                  <p16:designElem xmlns:p16="http://schemas.microsoft.com/office/powerpoint/2015/main" val="1"/>
+                </p:ext>
+              </p:extLst>
+            </p:nvPr>
+          </p:nvSpPr>
+          <p:spPr bwMode="auto">
+            <a:xfrm>
+              <a:off x="10020826" y="5579"/>
+              <a:ext cx="2165350" cy="1358265"/>
+            </a:xfrm>
+            <a:custGeom>
+              <a:avLst/>
+              <a:gdLst>
+                <a:gd name="T0" fmla="*/ 0 w 455"/>
+                <a:gd name="T1" fmla="*/ 0 h 285"/>
+                <a:gd name="T2" fmla="*/ 455 w 455"/>
+                <a:gd name="T3" fmla="*/ 285 h 285"/>
+              </a:gdLst>
+              <a:ahLst/>
+              <a:cxnLst>
+                <a:cxn ang="0">
+                  <a:pos x="T0" y="T1"/>
+                </a:cxn>
+                <a:cxn ang="0">
+                  <a:pos x="T2" y="T3"/>
+                </a:cxn>
+              </a:cxnLst>
+              <a:rect l="0" t="0" r="r" b="b"/>
+              <a:pathLst>
+                <a:path w="455" h="285">
+                  <a:moveTo>
+                    <a:pt x="0" y="0"/>
+                  </a:moveTo>
+                  <a:cubicBezTo>
+                    <a:pt x="153" y="85"/>
+                    <a:pt x="308" y="180"/>
+                    <a:pt x="455" y="285"/>
+                  </a:cubicBezTo>
+                </a:path>
+              </a:pathLst>
+            </a:custGeom>
+            <a:noFill/>
+            <a:ln w="9525" cap="flat">
+              <a:solidFill>
+                <a:schemeClr val="tx1">
+                  <a:alpha val="20000"/>
+                </a:schemeClr>
+              </a:solidFill>
+              <a:prstDash val="dash"/>
+              <a:miter lim="800000"/>
+              <a:headEnd/>
+              <a:tailEnd/>
+            </a:ln>
+            <a:extLst>
+              <a:ext uri="{909E8E84-426E-40DD-AFC4-6F175D3DCCD1}">
+                <a14:hiddenFill xmlns:a14="http://schemas.microsoft.com/office/drawing/2010/main">
+                  <a:solidFill>
+                    <a:srgbClr val="FFFFFF"/>
+                  </a:solidFill>
+                </a14:hiddenFill>
+              </a:ext>
+            </a:extLst>
+          </p:spPr>
+          <p:txBody>
+            <a:bodyPr vert="horz" wrap="square" lIns="91440" tIns="45720" rIns="91440" bIns="45720" numCol="1" anchor="t" anchorCtr="0" compatLnSpc="1">
+              <a:prstTxWarp prst="textNoShape">
+                <a:avLst/>
+              </a:prstTxWarp>
+            </a:bodyPr>
+            <a:lstStyle/>
+            <a:p>
+              <a:endParaRPr lang="en-US"/>
+            </a:p>
+          </p:txBody>
+        </p:sp>
+        <p:sp>
+          <p:nvSpPr>
+            <p:cNvPr id="61" name="Freeform 23">
+              <a:extLst>
+                <a:ext uri="{FF2B5EF4-FFF2-40B4-BE49-F238E27FC236}">
+                  <a16:creationId xmlns:a16="http://schemas.microsoft.com/office/drawing/2014/main" id="{66A0EF48-27C4-4905-B89A-87D3026275DC}"/>
+                </a:ext>
+                <a:ext uri="{C183D7F6-B498-43B3-948B-1728B52AA6E4}">
+                  <adec:decorative xmlns:adec="http://schemas.microsoft.com/office/drawing/2017/decorative" val="1"/>
+                </a:ext>
+              </a:extLst>
+            </p:cNvPr>
+            <p:cNvSpPr>
+              <a:spLocks/>
+            </p:cNvSpPr>
+            <p:nvPr>
+              <p:extLst>
+                <p:ext uri="{386F3935-93C4-4BCD-93E2-E3B085C9AB24}">
+                  <p16:designElem xmlns:p16="http://schemas.microsoft.com/office/powerpoint/2015/main" val="1"/>
+                </p:ext>
+              </p:extLst>
+            </p:nvPr>
+          </p:nvSpPr>
+          <p:spPr bwMode="auto">
+            <a:xfrm>
+              <a:off x="11290826" y="5579"/>
+              <a:ext cx="895350" cy="534687"/>
+            </a:xfrm>
+            <a:custGeom>
+              <a:avLst/>
+              <a:gdLst>
+                <a:gd name="T0" fmla="*/ 0 w 188"/>
+                <a:gd name="T1" fmla="*/ 0 h 112"/>
+                <a:gd name="T2" fmla="*/ 188 w 188"/>
+                <a:gd name="T3" fmla="*/ 112 h 112"/>
+              </a:gdLst>
+              <a:ahLst/>
+              <a:cxnLst>
+                <a:cxn ang="0">
+                  <a:pos x="T0" y="T1"/>
+                </a:cxn>
+                <a:cxn ang="0">
+                  <a:pos x="T2" y="T3"/>
+                </a:cxn>
+              </a:cxnLst>
+              <a:rect l="0" t="0" r="r" b="b"/>
+              <a:pathLst>
+                <a:path w="188" h="112">
+                  <a:moveTo>
+                    <a:pt x="0" y="0"/>
+                  </a:moveTo>
+                  <a:cubicBezTo>
+                    <a:pt x="63" y="36"/>
+                    <a:pt x="126" y="73"/>
+                    <a:pt x="188" y="112"/>
+                  </a:cubicBezTo>
+                </a:path>
+              </a:pathLst>
+            </a:custGeom>
+            <a:noFill/>
+            <a:ln w="9525" cap="flat">
+              <a:solidFill>
+                <a:schemeClr val="tx1">
+                  <a:alpha val="20000"/>
+                </a:schemeClr>
+              </a:solidFill>
+              <a:prstDash val="solid"/>
+              <a:miter lim="800000"/>
+              <a:headEnd/>
+              <a:tailEnd/>
+            </a:ln>
+            <a:extLst>
+              <a:ext uri="{909E8E84-426E-40DD-AFC4-6F175D3DCCD1}">
+                <a14:hiddenFill xmlns:a14="http://schemas.microsoft.com/office/drawing/2010/main">
+                  <a:solidFill>
+                    <a:srgbClr val="FFFFFF"/>
+                  </a:solidFill>
+                </a14:hiddenFill>
+              </a:ext>
+            </a:extLst>
+          </p:spPr>
+          <p:txBody>
+            <a:bodyPr vert="horz" wrap="square" lIns="91440" tIns="45720" rIns="91440" bIns="45720" numCol="1" anchor="t" anchorCtr="0" compatLnSpc="1">
+              <a:prstTxWarp prst="textNoShape">
+                <a:avLst/>
+              </a:prstTxWarp>
+            </a:bodyPr>
+            <a:lstStyle/>
+            <a:p>
+              <a:endParaRPr lang="en-US"/>
+            </a:p>
+          </p:txBody>
+        </p:sp>
+      </p:grpSp>
+      <p:sp>
+        <p:nvSpPr>
+          <p:cNvPr id="63" name="Rectangle 62">
+            <a:extLst>
+              <a:ext uri="{FF2B5EF4-FFF2-40B4-BE49-F238E27FC236}">
+                <a16:creationId xmlns:a16="http://schemas.microsoft.com/office/drawing/2014/main" id="{7DA90018-A3A4-4DB2-82A9-25F1CB60C275}"/>
+              </a:ext>
+              <a:ext uri="{C183D7F6-B498-43B3-948B-1728B52AA6E4}">
+                <adec:decorative xmlns:adec="http://schemas.microsoft.com/office/drawing/2017/decorative" val="1"/>
+              </a:ext>
+            </a:extLst>
+          </p:cNvPr>
+          <p:cNvSpPr>
+            <a:spLocks noGrp="1" noRot="1" noChangeAspect="1" noMove="1" noResize="1" noEditPoints="1" noAdjustHandles="1" noChangeArrowheads="1" noChangeShapeType="1" noTextEdit="1"/>
+          </p:cNvSpPr>
+          <p:nvPr>
+            <p:extLst>
+              <p:ext uri="{386F3935-93C4-4BCD-93E2-E3B085C9AB24}">
+                <p16:designElem xmlns:p16="http://schemas.microsoft.com/office/powerpoint/2015/main" val="1"/>
+              </p:ext>
+            </p:extLst>
+          </p:nvPr>
+        </p:nvSpPr>
+        <p:spPr>
+          <a:xfrm>
+            <a:off x="-1339" y="0"/>
+            <a:ext cx="12191695" cy="4202929"/>
+          </a:xfrm>
+          <a:prstGeom prst="rect">
+            <a:avLst/>
+          </a:prstGeom>
+          <a:solidFill>
+            <a:schemeClr val="bg1"/>
+          </a:solidFill>
+          <a:ln w="9525">
+            <a:solidFill>
+              <a:schemeClr val="tx1">
+                <a:alpha val="20000"/>
+              </a:schemeClr>
+            </a:solidFill>
+          </a:ln>
+        </p:spPr>
+        <p:style>
+          <a:lnRef idx="2">
+            <a:schemeClr val="accent1">
+              <a:shade val="50000"/>
+            </a:schemeClr>
+          </a:lnRef>
+          <a:fillRef idx="1">
+            <a:schemeClr val="accent1"/>
+          </a:fillRef>
+          <a:effectRef idx="0">
+            <a:schemeClr val="accent1"/>
+          </a:effectRef>
+          <a:fontRef idx="minor">
+            <a:schemeClr val="lt1"/>
+          </a:fontRef>
+        </p:style>
+        <p:txBody>
+          <a:bodyPr rot="0" spcFirstLastPara="0" vert="horz" wrap="square" lIns="91440" tIns="45720" rIns="91440" bIns="45720" numCol="1" spcCol="0" rtlCol="0" fromWordArt="0" anchor="ctr" anchorCtr="0" forceAA="0" compatLnSpc="1">
+            <a:prstTxWarp prst="textNoShape">
+              <a:avLst/>
+            </a:prstTxWarp>
+            <a:noAutofit/>
+          </a:bodyPr>
+          <a:lstStyle>
+            <a:defPPr>
+              <a:defRPr lang="en-US"/>
+            </a:defPPr>
+            <a:lvl1pPr marL="0" algn="l" defTabSz="457200" rtl="0" eaLnBrk="1" latinLnBrk="0" hangingPunct="1">
+              <a:defRPr sz="1800" kern="1200">
+                <a:solidFill>
+                  <a:schemeClr val="lt1"/>
+                </a:solidFill>
+                <a:latin typeface="+mn-lt"/>
+                <a:ea typeface="+mn-ea"/>
+                <a:cs typeface="+mn-cs"/>
+              </a:defRPr>
+            </a:lvl1pPr>
+            <a:lvl2pPr marL="457200" algn="l" defTabSz="457200" rtl="0" eaLnBrk="1" latinLnBrk="0" hangingPunct="1">
+              <a:defRPr sz="1800" kern="1200">
+                <a:solidFill>
+                  <a:schemeClr val="lt1"/>
+                </a:solidFill>
+                <a:latin typeface="+mn-lt"/>
+                <a:ea typeface="+mn-ea"/>
+                <a:cs typeface="+mn-cs"/>
+              </a:defRPr>
+            </a:lvl2pPr>
+            <a:lvl3pPr marL="914400" algn="l" defTabSz="457200" rtl="0" eaLnBrk="1" latinLnBrk="0" hangingPunct="1">
+              <a:defRPr sz="1800" kern="1200">
+                <a:solidFill>
+                  <a:schemeClr val="lt1"/>
+                </a:solidFill>
+                <a:latin typeface="+mn-lt"/>
+                <a:ea typeface="+mn-ea"/>
+                <a:cs typeface="+mn-cs"/>
+              </a:defRPr>
+            </a:lvl3pPr>
+            <a:lvl4pPr marL="1371600" algn="l" defTabSz="457200" rtl="0" eaLnBrk="1" latinLnBrk="0" hangingPunct="1">
+              <a:defRPr sz="1800" kern="1200">
+                <a:solidFill>
+                  <a:schemeClr val="lt1"/>
+                </a:solidFill>
+                <a:latin typeface="+mn-lt"/>
+                <a:ea typeface="+mn-ea"/>
+                <a:cs typeface="+mn-cs"/>
+              </a:defRPr>
+            </a:lvl4pPr>
+            <a:lvl5pPr marL="1828800" algn="l" defTabSz="457200" rtl="0" eaLnBrk="1" latinLnBrk="0" hangingPunct="1">
+              <a:defRPr sz="1800" kern="1200">
+                <a:solidFill>
+                  <a:schemeClr val="lt1"/>
+                </a:solidFill>
+                <a:latin typeface="+mn-lt"/>
+                <a:ea typeface="+mn-ea"/>
+                <a:cs typeface="+mn-cs"/>
+              </a:defRPr>
+            </a:lvl5pPr>
+            <a:lvl6pPr marL="2286000" algn="l" defTabSz="457200" rtl="0" eaLnBrk="1" latinLnBrk="0" hangingPunct="1">
+              <a:defRPr sz="1800" kern="1200">
+                <a:solidFill>
+                  <a:schemeClr val="lt1"/>
+                </a:solidFill>
+                <a:latin typeface="+mn-lt"/>
+                <a:ea typeface="+mn-ea"/>
+                <a:cs typeface="+mn-cs"/>
+              </a:defRPr>
+            </a:lvl6pPr>
+            <a:lvl7pPr marL="2743200" algn="l" defTabSz="457200" rtl="0" eaLnBrk="1" latinLnBrk="0" hangingPunct="1">
+              <a:defRPr sz="1800" kern="1200">
+                <a:solidFill>
+                  <a:schemeClr val="lt1"/>
+                </a:solidFill>
+                <a:latin typeface="+mn-lt"/>
+                <a:ea typeface="+mn-ea"/>
+                <a:cs typeface="+mn-cs"/>
+              </a:defRPr>
+            </a:lvl7pPr>
+            <a:lvl8pPr marL="3200400" algn="l" defTabSz="457200" rtl="0" eaLnBrk="1" latinLnBrk="0" hangingPunct="1">
+              <a:defRPr sz="1800" kern="1200">
+                <a:solidFill>
+                  <a:schemeClr val="lt1"/>
+                </a:solidFill>
+                <a:latin typeface="+mn-lt"/>
+                <a:ea typeface="+mn-ea"/>
+                <a:cs typeface="+mn-cs"/>
+              </a:defRPr>
+            </a:lvl8pPr>
+            <a:lvl9pPr marL="3657600" algn="l" defTabSz="457200" rtl="0" eaLnBrk="1" latinLnBrk="0" hangingPunct="1">
+              <a:defRPr sz="1800" kern="1200">
+                <a:solidFill>
+                  <a:schemeClr val="lt1"/>
+                </a:solidFill>
+                <a:latin typeface="+mn-lt"/>
+                <a:ea typeface="+mn-ea"/>
+                <a:cs typeface="+mn-cs"/>
+              </a:defRPr>
+            </a:lvl9pPr>
+          </a:lstStyle>
+          <a:p>
+            <a:pPr algn="ctr"/>
+            <a:endParaRPr lang="en-US"/>
+          </a:p>
+        </p:txBody>
+      </p:sp>
+      <p:grpSp>
+        <p:nvGrpSpPr>
+          <p:cNvPr id="65" name="Group 64">
+            <a:extLst>
+              <a:ext uri="{FF2B5EF4-FFF2-40B4-BE49-F238E27FC236}">
+                <a16:creationId xmlns:a16="http://schemas.microsoft.com/office/drawing/2014/main" id="{B599B040-3C59-47F5-B8B8-ED7D57F4230F}"/>
+              </a:ext>
+              <a:ext uri="{C183D7F6-B498-43B3-948B-1728B52AA6E4}">
+                <adec:decorative xmlns:adec="http://schemas.microsoft.com/office/drawing/2017/decorative" val="1"/>
+              </a:ext>
+            </a:extLst>
+          </p:cNvPr>
+          <p:cNvGrpSpPr>
+            <a:grpSpLocks noGrp="1" noUngrp="1" noRot="1" noChangeAspect="1" noMove="1" noResize="1"/>
+          </p:cNvGrpSpPr>
+          <p:nvPr>
+            <p:extLst>
+              <p:ext uri="{386F3935-93C4-4BCD-93E2-E3B085C9AB24}">
+                <p16:designElem xmlns:p16="http://schemas.microsoft.com/office/powerpoint/2015/main" val="1"/>
+              </p:ext>
+            </p:extLst>
+          </p:nvPr>
+        </p:nvGrpSpPr>
+        <p:grpSpPr>
+          <a:xfrm>
+            <a:off x="1" y="4206292"/>
+            <a:ext cx="12192755" cy="1771275"/>
+            <a:chOff x="1" y="3893141"/>
+            <a:chExt cx="12192755" cy="1771275"/>
+          </a:xfrm>
+        </p:grpSpPr>
+        <p:sp>
+          <p:nvSpPr>
+            <p:cNvPr id="66" name="Isosceles Triangle 39">
+              <a:extLst>
+                <a:ext uri="{FF2B5EF4-FFF2-40B4-BE49-F238E27FC236}">
+                  <a16:creationId xmlns:a16="http://schemas.microsoft.com/office/drawing/2014/main" id="{693F5085-42BA-4366-AAB5-4C96237F68AE}"/>
+                </a:ext>
+                <a:ext uri="{C183D7F6-B498-43B3-948B-1728B52AA6E4}">
+                  <adec:decorative xmlns:adec="http://schemas.microsoft.com/office/drawing/2017/decorative" val="1"/>
+                </a:ext>
+              </a:extLst>
+            </p:cNvPr>
+            <p:cNvSpPr/>
+            <p:nvPr>
+              <p:extLst>
+                <p:ext uri="{386F3935-93C4-4BCD-93E2-E3B085C9AB24}">
+                  <p16:designElem xmlns:p16="http://schemas.microsoft.com/office/powerpoint/2015/main" val="1"/>
+                </p:ext>
+              </p:extLst>
+            </p:nvPr>
+          </p:nvSpPr>
+          <p:spPr>
+            <a:xfrm rot="10800000">
+              <a:off x="5892384" y="5313353"/>
+              <a:ext cx="407233" cy="351063"/>
+            </a:xfrm>
+            <a:prstGeom prst="triangle">
+              <a:avLst/>
+            </a:prstGeom>
+            <a:solidFill>
+              <a:schemeClr val="accent1"/>
+            </a:solidFill>
+            <a:ln>
+              <a:noFill/>
+            </a:ln>
+          </p:spPr>
+          <p:style>
+            <a:lnRef idx="2">
+              <a:schemeClr val="accent1">
+                <a:shade val="50000"/>
+              </a:schemeClr>
+            </a:lnRef>
+            <a:fillRef idx="1">
+              <a:schemeClr val="accent1"/>
+            </a:fillRef>
+            <a:effectRef idx="0">
+              <a:schemeClr val="accent1"/>
+            </a:effectRef>
+            <a:fontRef idx="minor">
+              <a:schemeClr val="lt1"/>
+            </a:fontRef>
+          </p:style>
+          <p:txBody>
+            <a:bodyPr rtlCol="0" anchor="ctr"/>
+            <a:lstStyle/>
+            <a:p>
+              <a:pPr algn="ctr"/>
+              <a:endParaRPr lang="en-US"/>
+            </a:p>
+          </p:txBody>
+        </p:sp>
+        <p:sp>
+          <p:nvSpPr>
+            <p:cNvPr id="67" name="Rectangle 66">
+              <a:extLst>
+                <a:ext uri="{FF2B5EF4-FFF2-40B4-BE49-F238E27FC236}">
+                  <a16:creationId xmlns:a16="http://schemas.microsoft.com/office/drawing/2014/main" id="{93DEC339-AF15-45D7-9B52-EE0683BA5072}"/>
+                </a:ext>
+                <a:ext uri="{C183D7F6-B498-43B3-948B-1728B52AA6E4}">
+                  <adec:decorative xmlns:adec="http://schemas.microsoft.com/office/drawing/2017/decorative" val="1"/>
+                </a:ext>
+              </a:extLst>
+            </p:cNvPr>
+            <p:cNvSpPr/>
+            <p:nvPr>
+              <p:extLst>
+                <p:ext uri="{386F3935-93C4-4BCD-93E2-E3B085C9AB24}">
+                  <p16:designElem xmlns:p16="http://schemas.microsoft.com/office/powerpoint/2015/main" val="1"/>
+                </p:ext>
+              </p:extLst>
+            </p:nvPr>
+          </p:nvSpPr>
+          <p:spPr>
+            <a:xfrm>
+              <a:off x="1" y="3893141"/>
+              <a:ext cx="12192755" cy="1420210"/>
+            </a:xfrm>
+            <a:prstGeom prst="rect">
+              <a:avLst/>
+            </a:prstGeom>
+            <a:solidFill>
+              <a:schemeClr val="accent1"/>
+            </a:solidFill>
+            <a:ln>
+              <a:noFill/>
+            </a:ln>
+          </p:spPr>
+          <p:style>
+            <a:lnRef idx="2">
+              <a:schemeClr val="accent1">
+                <a:shade val="50000"/>
+              </a:schemeClr>
+            </a:lnRef>
+            <a:fillRef idx="1">
+              <a:schemeClr val="accent1"/>
+            </a:fillRef>
+            <a:effectRef idx="0">
+              <a:schemeClr val="accent1"/>
+            </a:effectRef>
+            <a:fontRef idx="minor">
+              <a:schemeClr val="lt1"/>
+            </a:fontRef>
+          </p:style>
+          <p:txBody>
+            <a:bodyPr rtlCol="0" anchor="ctr"/>
+            <a:lstStyle/>
+            <a:p>
+              <a:pPr algn="ctr"/>
+              <a:endParaRPr lang="en-US"/>
+            </a:p>
+          </p:txBody>
+        </p:sp>
+      </p:grpSp>
+      <p:sp>
+        <p:nvSpPr>
+          <p:cNvPr id="2" name="Title 1">
+            <a:extLst>
+              <a:ext uri="{FF2B5EF4-FFF2-40B4-BE49-F238E27FC236}">
+                <a16:creationId xmlns:a16="http://schemas.microsoft.com/office/drawing/2014/main" id="{2FB175D1-DFAE-C14D-B145-8A9E6A0F357D}"/>
+              </a:ext>
+            </a:extLst>
+          </p:cNvPr>
+          <p:cNvSpPr>
+            <a:spLocks noGrp="1"/>
+          </p:cNvSpPr>
+          <p:nvPr>
+            <p:ph type="title"/>
+          </p:nvPr>
+        </p:nvSpPr>
+        <p:spPr>
+          <a:xfrm>
+            <a:off x="1508962" y="4438275"/>
+            <a:ext cx="9476313" cy="727748"/>
+          </a:xfrm>
+        </p:spPr>
+        <p:txBody>
+          <a:bodyPr vert="horz" lIns="228600" tIns="228600" rIns="228600" bIns="0" rtlCol="0" anchor="b">
+            <a:normAutofit fontScale="90000"/>
+          </a:bodyPr>
+          <a:lstStyle/>
+          <a:p>
+            <a:pPr>
+              <a:lnSpc>
+                <a:spcPct val="80000"/>
+              </a:lnSpc>
+            </a:pPr>
+            <a:r>
+              <a:rPr lang="en-US" dirty="0"/>
+              <a:t>Distribution of Polarity Scores from 2016 and 2017</a:t>
+            </a:r>
+          </a:p>
+        </p:txBody>
+      </p:sp>
+      <p:pic>
+        <p:nvPicPr>
+          <p:cNvPr id="34" name="Picture 33" descr="A screenshot of a cell phone&#10;&#10;Description automatically generated">
+            <a:extLst>
+              <a:ext uri="{FF2B5EF4-FFF2-40B4-BE49-F238E27FC236}">
+                <a16:creationId xmlns:a16="http://schemas.microsoft.com/office/drawing/2014/main" id="{7C9F3FDD-95FE-0E4C-A7AB-FB7B8F4215EF}"/>
+              </a:ext>
+            </a:extLst>
+          </p:cNvPr>
+          <p:cNvPicPr>
+            <a:picLocks noChangeAspect="1"/>
+          </p:cNvPicPr>
+          <p:nvPr/>
+        </p:nvPicPr>
+        <p:blipFill>
+          <a:blip r:embed="rId2"/>
+          <a:stretch>
+            <a:fillRect/>
+          </a:stretch>
+        </p:blipFill>
+        <p:spPr>
+          <a:xfrm>
+            <a:off x="712050" y="717001"/>
+            <a:ext cx="4213647" cy="2718783"/>
+          </a:xfrm>
+          <a:prstGeom prst="rect">
+            <a:avLst/>
+          </a:prstGeom>
+        </p:spPr>
+      </p:pic>
+      <p:pic>
+        <p:nvPicPr>
+          <p:cNvPr id="64" name="Picture 63" descr="A screenshot of a cell phone&#10;&#10;Description automatically generated">
+            <a:extLst>
+              <a:ext uri="{FF2B5EF4-FFF2-40B4-BE49-F238E27FC236}">
+                <a16:creationId xmlns:a16="http://schemas.microsoft.com/office/drawing/2014/main" id="{81DA00C7-E3B0-6646-A176-D0E023FA883C}"/>
+              </a:ext>
+            </a:extLst>
+          </p:cNvPr>
+          <p:cNvPicPr>
+            <a:picLocks noChangeAspect="1"/>
+          </p:cNvPicPr>
+          <p:nvPr/>
+        </p:nvPicPr>
+        <p:blipFill>
+          <a:blip r:embed="rId3"/>
+          <a:stretch>
+            <a:fillRect/>
+          </a:stretch>
+        </p:blipFill>
+        <p:spPr>
+          <a:xfrm>
+            <a:off x="5383731" y="717001"/>
+            <a:ext cx="4265678" cy="2718783"/>
+          </a:xfrm>
+          <a:prstGeom prst="rect">
+            <a:avLst/>
+          </a:prstGeom>
+        </p:spPr>
+      </p:pic>
+    </p:spTree>
+    <p:extLst>
+      <p:ext uri="{BB962C8B-B14F-4D97-AF65-F5344CB8AC3E}">
+        <p14:creationId xmlns:p14="http://schemas.microsoft.com/office/powerpoint/2010/main" val="2462685848"/>
+      </p:ext>
+    </p:extLst>
+  </p:cSld>
+  <p:clrMapOvr>
+    <a:masterClrMapping/>
+  </p:clrMapOvr>
+</p:sld>
+</file>
+
+<file path=ppt/slides/slide8.xml><?xml version="1.0" encoding="utf-8"?>
+<p:sld xmlns:a="http://schemas.openxmlformats.org/drawingml/2006/main" xmlns:r="http://schemas.openxmlformats.org/officeDocument/2006/relationships" xmlns:p="http://schemas.openxmlformats.org/presentationml/2006/main">
+  <p:cSld>
+    <p:spTree>
+      <p:nvGrpSpPr>
+        <p:cNvPr id="1" name=""/>
+        <p:cNvGrpSpPr/>
+        <p:nvPr/>
+      </p:nvGrpSpPr>
+      <p:grpSpPr>
+        <a:xfrm>
+          <a:off x="0" y="0"/>
+          <a:ext cx="0" cy="0"/>
+          <a:chOff x="0" y="0"/>
+          <a:chExt cx="0" cy="0"/>
+        </a:xfrm>
+      </p:grpSpPr>
+      <p:sp>
+        <p:nvSpPr>
+          <p:cNvPr id="2" name="Title 1">
+            <a:extLst>
+              <a:ext uri="{FF2B5EF4-FFF2-40B4-BE49-F238E27FC236}">
+                <a16:creationId xmlns:a16="http://schemas.microsoft.com/office/drawing/2014/main" id="{80F79B6D-B2BC-8F4B-8883-72BC7496CC20}"/>
+              </a:ext>
+            </a:extLst>
+          </p:cNvPr>
+          <p:cNvSpPr>
+            <a:spLocks noGrp="1"/>
+          </p:cNvSpPr>
+          <p:nvPr>
+            <p:ph type="title"/>
+          </p:nvPr>
+        </p:nvSpPr>
+        <p:spPr/>
+        <p:txBody>
+          <a:bodyPr/>
+          <a:lstStyle/>
+          <a:p>
+            <a:r>
+              <a:rPr lang="en-US" dirty="0"/>
+              <a:t>Model and Evaluation</a:t>
+            </a:r>
+          </a:p>
+        </p:txBody>
+      </p:sp>
+      <p:sp>
+        <p:nvSpPr>
+          <p:cNvPr id="3" name="Content Placeholder 2">
+            <a:extLst>
+              <a:ext uri="{FF2B5EF4-FFF2-40B4-BE49-F238E27FC236}">
+                <a16:creationId xmlns:a16="http://schemas.microsoft.com/office/drawing/2014/main" id="{5FE8BE1B-EF57-5543-BE99-2100E7D15D95}"/>
+              </a:ext>
+            </a:extLst>
+          </p:cNvPr>
+          <p:cNvSpPr>
+            <a:spLocks noGrp="1"/>
+          </p:cNvSpPr>
+          <p:nvPr>
+            <p:ph idx="1"/>
+          </p:nvPr>
+        </p:nvSpPr>
+        <p:spPr/>
+        <p:txBody>
+          <a:bodyPr/>
+          <a:lstStyle/>
+          <a:p>
+            <a:r>
+              <a:rPr lang="en-US" dirty="0"/>
+              <a:t>Hypothesis: </a:t>
+            </a:r>
           </a:p>
         </p:txBody>
       </p:sp>
     </p:spTree>
     <p:extLst>
       <p:ext uri="{BB962C8B-B14F-4D97-AF65-F5344CB8AC3E}">
-        <p14:creationId xmlns:p14="http://schemas.microsoft.com/office/powerpoint/2010/main" val="368755364"/>
+        <p14:creationId xmlns:p14="http://schemas.microsoft.com/office/powerpoint/2010/main" val="3380476258"/>
+      </p:ext>
+    </p:extLst>
+  </p:cSld>
+  <p:clrMapOvr>
+    <a:masterClrMapping/>
+  </p:clrMapOvr>
+</p:sld>
+</file>
+
+<file path=ppt/slides/slide9.xml><?xml version="1.0" encoding="utf-8"?>
+<p:sld xmlns:a="http://schemas.openxmlformats.org/drawingml/2006/main" xmlns:r="http://schemas.openxmlformats.org/officeDocument/2006/relationships" xmlns:p="http://schemas.openxmlformats.org/presentationml/2006/main">
+  <p:cSld>
+    <p:spTree>
+      <p:nvGrpSpPr>
+        <p:cNvPr id="1" name=""/>
+        <p:cNvGrpSpPr/>
+        <p:nvPr/>
+      </p:nvGrpSpPr>
+      <p:grpSpPr>
+        <a:xfrm>
+          <a:off x="0" y="0"/>
+          <a:ext cx="0" cy="0"/>
+          <a:chOff x="0" y="0"/>
+          <a:chExt cx="0" cy="0"/>
+        </a:xfrm>
+      </p:grpSpPr>
+      <p:sp>
+        <p:nvSpPr>
+          <p:cNvPr id="2" name="Title 1">
+            <a:extLst>
+              <a:ext uri="{FF2B5EF4-FFF2-40B4-BE49-F238E27FC236}">
+                <a16:creationId xmlns:a16="http://schemas.microsoft.com/office/drawing/2014/main" id="{6C273D08-C60D-B740-BE18-A831E1B49CF2}"/>
+              </a:ext>
+            </a:extLst>
+          </p:cNvPr>
+          <p:cNvSpPr>
+            <a:spLocks noGrp="1"/>
+          </p:cNvSpPr>
+          <p:nvPr>
+            <p:ph type="title"/>
+          </p:nvPr>
+        </p:nvSpPr>
+        <p:spPr/>
+        <p:txBody>
+          <a:bodyPr/>
+          <a:lstStyle/>
+          <a:p>
+            <a:r>
+              <a:rPr lang="en-US" dirty="0"/>
+              <a:t>Model Evaluation</a:t>
+            </a:r>
+          </a:p>
+        </p:txBody>
+      </p:sp>
+      <p:sp>
+        <p:nvSpPr>
+          <p:cNvPr id="3" name="Content Placeholder 2">
+            <a:extLst>
+              <a:ext uri="{FF2B5EF4-FFF2-40B4-BE49-F238E27FC236}">
+                <a16:creationId xmlns:a16="http://schemas.microsoft.com/office/drawing/2014/main" id="{0F180BB7-110B-E44A-80F6-DD347309086B}"/>
+              </a:ext>
+            </a:extLst>
+          </p:cNvPr>
+          <p:cNvSpPr>
+            <a:spLocks noGrp="1"/>
+          </p:cNvSpPr>
+          <p:nvPr>
+            <p:ph idx="1"/>
+          </p:nvPr>
+        </p:nvSpPr>
+        <p:spPr/>
+        <p:txBody>
+          <a:bodyPr/>
+          <a:lstStyle/>
+          <a:p>
+            <a:endParaRPr lang="en-US"/>
+          </a:p>
+        </p:txBody>
+      </p:sp>
+    </p:spTree>
+    <p:extLst>
+      <p:ext uri="{BB962C8B-B14F-4D97-AF65-F5344CB8AC3E}">
+        <p14:creationId xmlns:p14="http://schemas.microsoft.com/office/powerpoint/2010/main" val="1336454564"/>
       </p:ext>
     </p:extLst>
   </p:cSld>

--- a/Economic_Forecasting.pptx
+++ b/Economic_Forecasting.pptx
@@ -7,13 +7,15 @@
   <p:sldIdLst>
     <p:sldId id="256" r:id="rId2"/>
     <p:sldId id="257" r:id="rId3"/>
-    <p:sldId id="258" r:id="rId4"/>
-    <p:sldId id="259" r:id="rId5"/>
-    <p:sldId id="260" r:id="rId6"/>
-    <p:sldId id="261" r:id="rId7"/>
-    <p:sldId id="264" r:id="rId8"/>
-    <p:sldId id="263" r:id="rId9"/>
-    <p:sldId id="262" r:id="rId10"/>
+    <p:sldId id="265" r:id="rId4"/>
+    <p:sldId id="258" r:id="rId5"/>
+    <p:sldId id="259" r:id="rId6"/>
+    <p:sldId id="260" r:id="rId7"/>
+    <p:sldId id="261" r:id="rId8"/>
+    <p:sldId id="264" r:id="rId9"/>
+    <p:sldId id="263" r:id="rId10"/>
+    <p:sldId id="266" r:id="rId11"/>
+    <p:sldId id="262" r:id="rId12"/>
   </p:sldIdLst>
   <p:sldSz cx="12192000" cy="6858000"/>
   <p:notesSz cx="6858000" cy="9144000"/>
@@ -17422,6 +17424,247 @@
 </p:sld>
 </file>
 
+<file path=ppt/slides/slide10.xml><?xml version="1.0" encoding="utf-8"?>
+<p:sld xmlns:a="http://schemas.openxmlformats.org/drawingml/2006/main" xmlns:r="http://schemas.openxmlformats.org/officeDocument/2006/relationships" xmlns:p="http://schemas.openxmlformats.org/presentationml/2006/main">
+  <p:cSld>
+    <p:spTree>
+      <p:nvGrpSpPr>
+        <p:cNvPr id="1" name=""/>
+        <p:cNvGrpSpPr/>
+        <p:nvPr/>
+      </p:nvGrpSpPr>
+      <p:grpSpPr>
+        <a:xfrm>
+          <a:off x="0" y="0"/>
+          <a:ext cx="0" cy="0"/>
+          <a:chOff x="0" y="0"/>
+          <a:chExt cx="0" cy="0"/>
+        </a:xfrm>
+      </p:grpSpPr>
+      <p:sp>
+        <p:nvSpPr>
+          <p:cNvPr id="2" name="Title 1">
+            <a:extLst>
+              <a:ext uri="{FF2B5EF4-FFF2-40B4-BE49-F238E27FC236}">
+                <a16:creationId xmlns:a16="http://schemas.microsoft.com/office/drawing/2014/main" id="{86D4C829-A676-064E-8AB3-8EB06B4044D4}"/>
+              </a:ext>
+            </a:extLst>
+          </p:cNvPr>
+          <p:cNvSpPr>
+            <a:spLocks noGrp="1"/>
+          </p:cNvSpPr>
+          <p:nvPr>
+            <p:ph type="title"/>
+          </p:nvPr>
+        </p:nvSpPr>
+        <p:spPr/>
+        <p:txBody>
+          <a:bodyPr/>
+          <a:lstStyle/>
+          <a:p>
+            <a:r>
+              <a:rPr lang="en-US" dirty="0"/>
+              <a:t>Model Evaluation </a:t>
+            </a:r>
+          </a:p>
+        </p:txBody>
+      </p:sp>
+      <p:sp>
+        <p:nvSpPr>
+          <p:cNvPr id="3" name="Content Placeholder 2">
+            <a:extLst>
+              <a:ext uri="{FF2B5EF4-FFF2-40B4-BE49-F238E27FC236}">
+                <a16:creationId xmlns:a16="http://schemas.microsoft.com/office/drawing/2014/main" id="{0F02263A-ADA5-F944-913A-94A900602B21}"/>
+              </a:ext>
+            </a:extLst>
+          </p:cNvPr>
+          <p:cNvSpPr>
+            <a:spLocks noGrp="1"/>
+          </p:cNvSpPr>
+          <p:nvPr>
+            <p:ph idx="1"/>
+          </p:nvPr>
+        </p:nvSpPr>
+        <p:spPr/>
+        <p:txBody>
+          <a:bodyPr/>
+          <a:lstStyle/>
+          <a:p>
+            <a:endParaRPr lang="en-US" dirty="0"/>
+          </a:p>
+          <a:p>
+            <a:r>
+              <a:rPr lang="en-US" dirty="0"/>
+              <a:t>R-squared score </a:t>
+            </a:r>
+          </a:p>
+          <a:p>
+            <a:r>
+              <a:rPr lang="en-US" dirty="0"/>
+              <a:t>Mean Absolute Error </a:t>
+            </a:r>
+          </a:p>
+          <a:p>
+            <a:endParaRPr lang="en-US" dirty="0"/>
+          </a:p>
+        </p:txBody>
+      </p:sp>
+      <p:pic>
+        <p:nvPicPr>
+          <p:cNvPr id="4" name="Picture 3">
+            <a:extLst>
+              <a:ext uri="{FF2B5EF4-FFF2-40B4-BE49-F238E27FC236}">
+                <a16:creationId xmlns:a16="http://schemas.microsoft.com/office/drawing/2014/main" id="{1701C04E-9E5B-3943-BAEC-B395AD5A04AB}"/>
+              </a:ext>
+            </a:extLst>
+          </p:cNvPr>
+          <p:cNvPicPr>
+            <a:picLocks noChangeAspect="1"/>
+          </p:cNvPicPr>
+          <p:nvPr/>
+        </p:nvPicPr>
+        <p:blipFill>
+          <a:blip r:embed="rId2"/>
+          <a:stretch>
+            <a:fillRect/>
+          </a:stretch>
+        </p:blipFill>
+        <p:spPr>
+          <a:xfrm>
+            <a:off x="4900160" y="4322825"/>
+            <a:ext cx="6500160" cy="656984"/>
+          </a:xfrm>
+          <a:prstGeom prst="rect">
+            <a:avLst/>
+          </a:prstGeom>
+        </p:spPr>
+      </p:pic>
+    </p:spTree>
+    <p:extLst>
+      <p:ext uri="{BB962C8B-B14F-4D97-AF65-F5344CB8AC3E}">
+        <p14:creationId xmlns:p14="http://schemas.microsoft.com/office/powerpoint/2010/main" val="3548264733"/>
+      </p:ext>
+    </p:extLst>
+  </p:cSld>
+  <p:clrMapOvr>
+    <a:masterClrMapping/>
+  </p:clrMapOvr>
+</p:sld>
+</file>
+
+<file path=ppt/slides/slide11.xml><?xml version="1.0" encoding="utf-8"?>
+<p:sld xmlns:a="http://schemas.openxmlformats.org/drawingml/2006/main" xmlns:r="http://schemas.openxmlformats.org/officeDocument/2006/relationships" xmlns:p="http://schemas.openxmlformats.org/presentationml/2006/main">
+  <p:cSld>
+    <p:spTree>
+      <p:nvGrpSpPr>
+        <p:cNvPr id="1" name=""/>
+        <p:cNvGrpSpPr/>
+        <p:nvPr/>
+      </p:nvGrpSpPr>
+      <p:grpSpPr>
+        <a:xfrm>
+          <a:off x="0" y="0"/>
+          <a:ext cx="0" cy="0"/>
+          <a:chOff x="0" y="0"/>
+          <a:chExt cx="0" cy="0"/>
+        </a:xfrm>
+      </p:grpSpPr>
+      <p:sp>
+        <p:nvSpPr>
+          <p:cNvPr id="2" name="Title 1">
+            <a:extLst>
+              <a:ext uri="{FF2B5EF4-FFF2-40B4-BE49-F238E27FC236}">
+                <a16:creationId xmlns:a16="http://schemas.microsoft.com/office/drawing/2014/main" id="{6C273D08-C60D-B740-BE18-A831E1B49CF2}"/>
+              </a:ext>
+            </a:extLst>
+          </p:cNvPr>
+          <p:cNvSpPr>
+            <a:spLocks noGrp="1"/>
+          </p:cNvSpPr>
+          <p:nvPr>
+            <p:ph type="title"/>
+          </p:nvPr>
+        </p:nvSpPr>
+        <p:spPr/>
+        <p:txBody>
+          <a:bodyPr/>
+          <a:lstStyle/>
+          <a:p>
+            <a:r>
+              <a:rPr lang="en-US" dirty="0"/>
+              <a:t>Conclusion</a:t>
+            </a:r>
+          </a:p>
+        </p:txBody>
+      </p:sp>
+      <p:sp>
+        <p:nvSpPr>
+          <p:cNvPr id="3" name="Content Placeholder 2">
+            <a:extLst>
+              <a:ext uri="{FF2B5EF4-FFF2-40B4-BE49-F238E27FC236}">
+                <a16:creationId xmlns:a16="http://schemas.microsoft.com/office/drawing/2014/main" id="{0F180BB7-110B-E44A-80F6-DD347309086B}"/>
+              </a:ext>
+            </a:extLst>
+          </p:cNvPr>
+          <p:cNvSpPr>
+            <a:spLocks noGrp="1"/>
+          </p:cNvSpPr>
+          <p:nvPr>
+            <p:ph idx="1"/>
+          </p:nvPr>
+        </p:nvSpPr>
+        <p:spPr/>
+        <p:txBody>
+          <a:bodyPr/>
+          <a:lstStyle/>
+          <a:p>
+            <a:r>
+              <a:rPr lang="en-US" dirty="0"/>
+              <a:t>Limiting Factors</a:t>
+            </a:r>
+          </a:p>
+          <a:p>
+            <a:pPr lvl="1"/>
+            <a:r>
+              <a:rPr lang="en-US" dirty="0"/>
+              <a:t>Volume of data low </a:t>
+            </a:r>
+          </a:p>
+          <a:p>
+            <a:pPr lvl="2"/>
+            <a:r>
+              <a:rPr lang="en-US" dirty="0"/>
+              <a:t>Number of companies </a:t>
+            </a:r>
+          </a:p>
+          <a:p>
+            <a:pPr lvl="2"/>
+            <a:r>
+              <a:rPr lang="en-US" dirty="0"/>
+              <a:t>Number of years in analysis</a:t>
+            </a:r>
+          </a:p>
+          <a:p>
+            <a:r>
+              <a:rPr lang="en-US" dirty="0"/>
+              <a:t>Cautiously optimistic of the predictive capability of sentiment analysis of financial statements</a:t>
+            </a:r>
+          </a:p>
+        </p:txBody>
+      </p:sp>
+    </p:spTree>
+    <p:extLst>
+      <p:ext uri="{BB962C8B-B14F-4D97-AF65-F5344CB8AC3E}">
+        <p14:creationId xmlns:p14="http://schemas.microsoft.com/office/powerpoint/2010/main" val="1336454564"/>
+      </p:ext>
+    </p:extLst>
+  </p:cSld>
+  <p:clrMapOvr>
+    <a:masterClrMapping/>
+  </p:clrMapOvr>
+</p:sld>
+</file>
+
 <file path=ppt/slides/slide2.xml><?xml version="1.0" encoding="utf-8"?>
 <p:sld xmlns:a="http://schemas.openxmlformats.org/drawingml/2006/main" xmlns:r="http://schemas.openxmlformats.org/officeDocument/2006/relationships" xmlns:p="http://schemas.openxmlformats.org/presentationml/2006/main">
   <p:cSld>
@@ -17619,6 +17862,95 @@
           <p:cNvPr id="2" name="Title 1">
             <a:extLst>
               <a:ext uri="{FF2B5EF4-FFF2-40B4-BE49-F238E27FC236}">
+                <a16:creationId xmlns:a16="http://schemas.microsoft.com/office/drawing/2014/main" id="{C90314A4-4523-B040-8059-D36CF2001BCF}"/>
+              </a:ext>
+            </a:extLst>
+          </p:cNvPr>
+          <p:cNvSpPr>
+            <a:spLocks noGrp="1"/>
+          </p:cNvSpPr>
+          <p:nvPr>
+            <p:ph type="title"/>
+          </p:nvPr>
+        </p:nvSpPr>
+        <p:spPr/>
+        <p:txBody>
+          <a:bodyPr/>
+          <a:lstStyle/>
+          <a:p>
+            <a:r>
+              <a:rPr lang="en-US" dirty="0"/>
+              <a:t>Gathering Text Data</a:t>
+            </a:r>
+          </a:p>
+        </p:txBody>
+      </p:sp>
+      <p:sp>
+        <p:nvSpPr>
+          <p:cNvPr id="3" name="Content Placeholder 2">
+            <a:extLst>
+              <a:ext uri="{FF2B5EF4-FFF2-40B4-BE49-F238E27FC236}">
+                <a16:creationId xmlns:a16="http://schemas.microsoft.com/office/drawing/2014/main" id="{3F92DA13-E160-0D45-AACD-AD5BB1C8FF61}"/>
+              </a:ext>
+            </a:extLst>
+          </p:cNvPr>
+          <p:cNvSpPr>
+            <a:spLocks noGrp="1"/>
+          </p:cNvSpPr>
+          <p:nvPr>
+            <p:ph idx="1"/>
+          </p:nvPr>
+        </p:nvSpPr>
+        <p:spPr/>
+        <p:txBody>
+          <a:bodyPr/>
+          <a:lstStyle/>
+          <a:p>
+            <a:r>
+              <a:rPr lang="en-US" dirty="0"/>
+              <a:t>Edgar package: Used to scrape the text from SEC</a:t>
+            </a:r>
+          </a:p>
+          <a:p>
+            <a:endParaRPr lang="en-US" dirty="0"/>
+          </a:p>
+        </p:txBody>
+      </p:sp>
+    </p:spTree>
+    <p:extLst>
+      <p:ext uri="{BB962C8B-B14F-4D97-AF65-F5344CB8AC3E}">
+        <p14:creationId xmlns:p14="http://schemas.microsoft.com/office/powerpoint/2010/main" val="552603249"/>
+      </p:ext>
+    </p:extLst>
+  </p:cSld>
+  <p:clrMapOvr>
+    <a:masterClrMapping/>
+  </p:clrMapOvr>
+</p:sld>
+</file>
+
+<file path=ppt/slides/slide4.xml><?xml version="1.0" encoding="utf-8"?>
+<p:sld xmlns:a="http://schemas.openxmlformats.org/drawingml/2006/main" xmlns:r="http://schemas.openxmlformats.org/officeDocument/2006/relationships" xmlns:p="http://schemas.openxmlformats.org/presentationml/2006/main">
+  <p:cSld>
+    <p:spTree>
+      <p:nvGrpSpPr>
+        <p:cNvPr id="1" name=""/>
+        <p:cNvGrpSpPr/>
+        <p:nvPr/>
+      </p:nvGrpSpPr>
+      <p:grpSpPr>
+        <a:xfrm>
+          <a:off x="0" y="0"/>
+          <a:ext cx="0" cy="0"/>
+          <a:chOff x="0" y="0"/>
+          <a:chExt cx="0" cy="0"/>
+        </a:xfrm>
+      </p:grpSpPr>
+      <p:sp>
+        <p:nvSpPr>
+          <p:cNvPr id="2" name="Title 1">
+            <a:extLst>
+              <a:ext uri="{FF2B5EF4-FFF2-40B4-BE49-F238E27FC236}">
                 <a16:creationId xmlns:a16="http://schemas.microsoft.com/office/drawing/2014/main" id="{6F252555-F1A9-F24D-ABFA-77F82C34CB93}"/>
               </a:ext>
             </a:extLst>
@@ -17710,7 +18042,7 @@
           <a:p>
             <a:r>
               <a:rPr lang="en-US" dirty="0"/>
-              <a:t>Does the sentiment extracted from the top 10 companies financial statements in the United States have predictive capabilities  </a:t>
+              <a:t>Does the sentiment extracted from the top 10 companies financial statements in the United States have predictive capabilities?</a:t>
             </a:r>
           </a:p>
           <a:p>
@@ -17764,7 +18096,7 @@
 </p:sld>
 </file>
 
-<file path=ppt/slides/slide4.xml><?xml version="1.0" encoding="utf-8"?>
+<file path=ppt/slides/slide5.xml><?xml version="1.0" encoding="utf-8"?>
 <p:sld xmlns:a="http://schemas.openxmlformats.org/drawingml/2006/main" xmlns:r="http://schemas.openxmlformats.org/officeDocument/2006/relationships" xmlns:p="http://schemas.openxmlformats.org/presentationml/2006/main">
   <p:cSld>
     <p:spTree>
@@ -18032,9 +18364,17 @@
 </p:sld>
 </file>
 
-<file path=ppt/slides/slide5.xml><?xml version="1.0" encoding="utf-8"?>
+<file path=ppt/slides/slide6.xml><?xml version="1.0" encoding="utf-8"?>
 <p:sld xmlns:a="http://schemas.openxmlformats.org/drawingml/2006/main" xmlns:r="http://schemas.openxmlformats.org/officeDocument/2006/relationships" xmlns:p="http://schemas.openxmlformats.org/presentationml/2006/main">
   <p:cSld>
+    <p:bg>
+      <p:bgPr>
+        <a:solidFill>
+          <a:schemeClr val="bg1"/>
+        </a:solidFill>
+        <a:effectLst/>
+      </p:bgPr>
+    </p:bg>
     <p:spTree>
       <p:nvGrpSpPr>
         <p:cNvPr id="1" name=""/>
@@ -18049,6 +18389,3900 @@
           <a:chExt cx="0" cy="0"/>
         </a:xfrm>
       </p:grpSpPr>
+      <p:grpSp>
+        <p:nvGrpSpPr>
+          <p:cNvPr id="14" name="Group 13">
+            <a:extLst>
+              <a:ext uri="{FF2B5EF4-FFF2-40B4-BE49-F238E27FC236}">
+                <a16:creationId xmlns:a16="http://schemas.microsoft.com/office/drawing/2014/main" id="{405C197B-9DA4-4144-9ACF-C8A63E380EC5}"/>
+              </a:ext>
+              <a:ext uri="{C183D7F6-B498-43B3-948B-1728B52AA6E4}">
+                <adec:decorative xmlns:adec="http://schemas.microsoft.com/office/drawing/2017/decorative" val="1"/>
+              </a:ext>
+            </a:extLst>
+          </p:cNvPr>
+          <p:cNvGrpSpPr>
+            <a:grpSpLocks noGrp="1" noUngrp="1" noRot="1" noChangeAspect="1" noMove="1" noResize="1"/>
+          </p:cNvGrpSpPr>
+          <p:nvPr>
+            <p:extLst>
+              <p:ext uri="{386F3935-93C4-4BCD-93E2-E3B085C9AB24}">
+                <p16:designElem xmlns:p16="http://schemas.microsoft.com/office/powerpoint/2015/main" val="1"/>
+              </p:ext>
+            </p:extLst>
+          </p:nvPr>
+        </p:nvGrpSpPr>
+        <p:grpSpPr>
+          <a:xfrm>
+            <a:off x="-329674" y="-59376"/>
+            <a:ext cx="12515851" cy="6923798"/>
+            <a:chOff x="-329674" y="-51881"/>
+            <a:chExt cx="12515851" cy="6923798"/>
+          </a:xfrm>
+        </p:grpSpPr>
+        <p:sp>
+          <p:nvSpPr>
+            <p:cNvPr id="15" name="Freeform 5">
+              <a:extLst>
+                <a:ext uri="{FF2B5EF4-FFF2-40B4-BE49-F238E27FC236}">
+                  <a16:creationId xmlns:a16="http://schemas.microsoft.com/office/drawing/2014/main" id="{12C85C5E-FBBF-4447-8558-B5C5E6DDF6C7}"/>
+                </a:ext>
+                <a:ext uri="{C183D7F6-B498-43B3-948B-1728B52AA6E4}">
+                  <adec:decorative xmlns:adec="http://schemas.microsoft.com/office/drawing/2017/decorative" val="1"/>
+                </a:ext>
+              </a:extLst>
+            </p:cNvPr>
+            <p:cNvSpPr/>
+            <p:nvPr>
+              <p:extLst>
+                <p:ext uri="{386F3935-93C4-4BCD-93E2-E3B085C9AB24}">
+                  <p16:designElem xmlns:p16="http://schemas.microsoft.com/office/powerpoint/2015/main" val="1"/>
+                </p:ext>
+              </p:extLst>
+            </p:nvPr>
+          </p:nvSpPr>
+          <p:spPr bwMode="auto">
+            <a:xfrm>
+              <a:off x="-329674" y="1298404"/>
+              <a:ext cx="9702800" cy="5573512"/>
+            </a:xfrm>
+            <a:custGeom>
+              <a:avLst/>
+              <a:gdLst/>
+              <a:ahLst/>
+              <a:cxnLst/>
+              <a:rect l="0" t="0" r="r" b="b"/>
+              <a:pathLst>
+                <a:path w="2038" h="1169">
+                  <a:moveTo>
+                    <a:pt x="1752" y="1169"/>
+                  </a:moveTo>
+                  <a:cubicBezTo>
+                    <a:pt x="2038" y="928"/>
+                    <a:pt x="1673" y="513"/>
+                    <a:pt x="1487" y="334"/>
+                  </a:cubicBezTo>
+                  <a:cubicBezTo>
+                    <a:pt x="1316" y="170"/>
+                    <a:pt x="1099" y="43"/>
+                    <a:pt x="860" y="22"/>
+                  </a:cubicBezTo>
+                  <a:cubicBezTo>
+                    <a:pt x="621" y="0"/>
+                    <a:pt x="341" y="128"/>
+                    <a:pt x="199" y="318"/>
+                  </a:cubicBezTo>
+                  <a:cubicBezTo>
+                    <a:pt x="0" y="586"/>
+                    <a:pt x="184" y="965"/>
+                    <a:pt x="399" y="1165"/>
+                  </a:cubicBezTo>
+                </a:path>
+              </a:pathLst>
+            </a:custGeom>
+            <a:noFill/>
+            <a:ln w="9525" cap="flat">
+              <a:solidFill>
+                <a:schemeClr val="tx1">
+                  <a:alpha val="20000"/>
+                </a:schemeClr>
+              </a:solidFill>
+              <a:prstDash val="solid"/>
+              <a:miter lim="800000"/>
+              <a:headEnd/>
+              <a:tailEnd/>
+            </a:ln>
+            <a:extLst>
+              <a:ext uri="{909E8E84-426E-40DD-AFC4-6F175D3DCCD1}">
+                <a14:hiddenFill xmlns:a14="http://schemas.microsoft.com/office/drawing/2010/main">
+                  <a:solidFill>
+                    <a:srgbClr val="FFFFFF"/>
+                  </a:solidFill>
+                </a14:hiddenFill>
+              </a:ext>
+            </a:extLst>
+          </p:spPr>
+        </p:sp>
+        <p:sp>
+          <p:nvSpPr>
+            <p:cNvPr id="16" name="Freeform 6">
+              <a:extLst>
+                <a:ext uri="{FF2B5EF4-FFF2-40B4-BE49-F238E27FC236}">
+                  <a16:creationId xmlns:a16="http://schemas.microsoft.com/office/drawing/2014/main" id="{B8635E97-E4CC-4738-9DEB-AE63C8D7A59B}"/>
+                </a:ext>
+                <a:ext uri="{C183D7F6-B498-43B3-948B-1728B52AA6E4}">
+                  <adec:decorative xmlns:adec="http://schemas.microsoft.com/office/drawing/2017/decorative" val="1"/>
+                </a:ext>
+              </a:extLst>
+            </p:cNvPr>
+            <p:cNvSpPr/>
+            <p:nvPr>
+              <p:extLst>
+                <p:ext uri="{386F3935-93C4-4BCD-93E2-E3B085C9AB24}">
+                  <p16:designElem xmlns:p16="http://schemas.microsoft.com/office/powerpoint/2015/main" val="1"/>
+                </p:ext>
+              </p:extLst>
+            </p:nvPr>
+          </p:nvSpPr>
+          <p:spPr bwMode="auto">
+            <a:xfrm>
+              <a:off x="670451" y="2018236"/>
+              <a:ext cx="7373938" cy="4848892"/>
+            </a:xfrm>
+            <a:custGeom>
+              <a:avLst/>
+              <a:gdLst/>
+              <a:ahLst/>
+              <a:cxnLst/>
+              <a:rect l="0" t="0" r="r" b="b"/>
+              <a:pathLst>
+                <a:path w="1549" h="1017">
+                  <a:moveTo>
+                    <a:pt x="1025" y="1016"/>
+                  </a:moveTo>
+                  <a:cubicBezTo>
+                    <a:pt x="1223" y="971"/>
+                    <a:pt x="1549" y="857"/>
+                    <a:pt x="1443" y="592"/>
+                  </a:cubicBezTo>
+                  <a:cubicBezTo>
+                    <a:pt x="1344" y="344"/>
+                    <a:pt x="1041" y="111"/>
+                    <a:pt x="782" y="53"/>
+                  </a:cubicBezTo>
+                  <a:cubicBezTo>
+                    <a:pt x="545" y="0"/>
+                    <a:pt x="275" y="117"/>
+                    <a:pt x="150" y="329"/>
+                  </a:cubicBezTo>
+                  <a:cubicBezTo>
+                    <a:pt x="0" y="584"/>
+                    <a:pt x="243" y="911"/>
+                    <a:pt x="477" y="1017"/>
+                  </a:cubicBezTo>
+                </a:path>
+              </a:pathLst>
+            </a:custGeom>
+            <a:noFill/>
+            <a:ln w="9525" cap="flat">
+              <a:solidFill>
+                <a:schemeClr val="tx1">
+                  <a:alpha val="20000"/>
+                </a:schemeClr>
+              </a:solidFill>
+              <a:prstDash val="solid"/>
+              <a:miter lim="800000"/>
+              <a:headEnd/>
+              <a:tailEnd/>
+            </a:ln>
+            <a:extLst>
+              <a:ext uri="{909E8E84-426E-40DD-AFC4-6F175D3DCCD1}">
+                <a14:hiddenFill xmlns:a14="http://schemas.microsoft.com/office/drawing/2010/main">
+                  <a:solidFill>
+                    <a:srgbClr val="FFFFFF"/>
+                  </a:solidFill>
+                </a14:hiddenFill>
+              </a:ext>
+            </a:extLst>
+          </p:spPr>
+        </p:sp>
+        <p:sp>
+          <p:nvSpPr>
+            <p:cNvPr id="17" name="Freeform 7">
+              <a:extLst>
+                <a:ext uri="{FF2B5EF4-FFF2-40B4-BE49-F238E27FC236}">
+                  <a16:creationId xmlns:a16="http://schemas.microsoft.com/office/drawing/2014/main" id="{0AAE46E8-D6BC-4A98-879A-0AFD8F6A4BF4}"/>
+                </a:ext>
+                <a:ext uri="{C183D7F6-B498-43B3-948B-1728B52AA6E4}">
+                  <adec:decorative xmlns:adec="http://schemas.microsoft.com/office/drawing/2017/decorative" val="1"/>
+                </a:ext>
+              </a:extLst>
+            </p:cNvPr>
+            <p:cNvSpPr/>
+            <p:nvPr>
+              <p:extLst>
+                <p:ext uri="{386F3935-93C4-4BCD-93E2-E3B085C9AB24}">
+                  <p16:designElem xmlns:p16="http://schemas.microsoft.com/office/powerpoint/2015/main" val="1"/>
+                </p:ext>
+              </p:extLst>
+            </p:nvPr>
+          </p:nvSpPr>
+          <p:spPr bwMode="auto">
+            <a:xfrm>
+              <a:off x="251351" y="1788400"/>
+              <a:ext cx="8035925" cy="5083516"/>
+            </a:xfrm>
+            <a:custGeom>
+              <a:avLst/>
+              <a:gdLst/>
+              <a:ahLst/>
+              <a:cxnLst/>
+              <a:rect l="0" t="0" r="r" b="b"/>
+              <a:pathLst>
+                <a:path w="1688" h="1066">
+                  <a:moveTo>
+                    <a:pt x="1302" y="1066"/>
+                  </a:moveTo>
+                  <a:cubicBezTo>
+                    <a:pt x="1416" y="1024"/>
+                    <a:pt x="1551" y="962"/>
+                    <a:pt x="1613" y="850"/>
+                  </a:cubicBezTo>
+                  <a:cubicBezTo>
+                    <a:pt x="1688" y="715"/>
+                    <a:pt x="1606" y="575"/>
+                    <a:pt x="1517" y="471"/>
+                  </a:cubicBezTo>
+                  <a:cubicBezTo>
+                    <a:pt x="1336" y="258"/>
+                    <a:pt x="1084" y="62"/>
+                    <a:pt x="798" y="28"/>
+                  </a:cubicBezTo>
+                  <a:cubicBezTo>
+                    <a:pt x="559" y="0"/>
+                    <a:pt x="317" y="138"/>
+                    <a:pt x="181" y="333"/>
+                  </a:cubicBezTo>
+                  <a:cubicBezTo>
+                    <a:pt x="0" y="592"/>
+                    <a:pt x="191" y="907"/>
+                    <a:pt x="420" y="1066"/>
+                  </a:cubicBezTo>
+                </a:path>
+              </a:pathLst>
+            </a:custGeom>
+            <a:noFill/>
+            <a:ln w="9525" cap="flat">
+              <a:solidFill>
+                <a:schemeClr val="tx1">
+                  <a:alpha val="20000"/>
+                </a:schemeClr>
+              </a:solidFill>
+              <a:prstDash val="dash"/>
+              <a:miter lim="800000"/>
+              <a:headEnd/>
+              <a:tailEnd/>
+            </a:ln>
+            <a:extLst>
+              <a:ext uri="{909E8E84-426E-40DD-AFC4-6F175D3DCCD1}">
+                <a14:hiddenFill xmlns:a14="http://schemas.microsoft.com/office/drawing/2010/main">
+                  <a:solidFill>
+                    <a:srgbClr val="FFFFFF"/>
+                  </a:solidFill>
+                </a14:hiddenFill>
+              </a:ext>
+            </a:extLst>
+          </p:spPr>
+        </p:sp>
+        <p:sp>
+          <p:nvSpPr>
+            <p:cNvPr id="18" name="Freeform 8">
+              <a:extLst>
+                <a:ext uri="{FF2B5EF4-FFF2-40B4-BE49-F238E27FC236}">
+                  <a16:creationId xmlns:a16="http://schemas.microsoft.com/office/drawing/2014/main" id="{C10A72EB-A452-4293-B377-47BABE7219F9}"/>
+                </a:ext>
+                <a:ext uri="{C183D7F6-B498-43B3-948B-1728B52AA6E4}">
+                  <adec:decorative xmlns:adec="http://schemas.microsoft.com/office/drawing/2017/decorative" val="1"/>
+                </a:ext>
+              </a:extLst>
+            </p:cNvPr>
+            <p:cNvSpPr/>
+            <p:nvPr>
+              <p:extLst>
+                <p:ext uri="{386F3935-93C4-4BCD-93E2-E3B085C9AB24}">
+                  <p16:designElem xmlns:p16="http://schemas.microsoft.com/office/powerpoint/2015/main" val="1"/>
+                </p:ext>
+              </p:extLst>
+            </p:nvPr>
+          </p:nvSpPr>
+          <p:spPr bwMode="auto">
+            <a:xfrm>
+              <a:off x="-1061" y="549842"/>
+              <a:ext cx="10334625" cy="6322075"/>
+            </a:xfrm>
+            <a:custGeom>
+              <a:avLst/>
+              <a:gdLst/>
+              <a:ahLst/>
+              <a:cxnLst/>
+              <a:rect l="0" t="0" r="r" b="b"/>
+              <a:pathLst>
+                <a:path w="2171" h="1326">
+                  <a:moveTo>
+                    <a:pt x="1873" y="1326"/>
+                  </a:moveTo>
+                  <a:cubicBezTo>
+                    <a:pt x="2171" y="1045"/>
+                    <a:pt x="1825" y="678"/>
+                    <a:pt x="1609" y="473"/>
+                  </a:cubicBezTo>
+                  <a:cubicBezTo>
+                    <a:pt x="1406" y="281"/>
+                    <a:pt x="1159" y="116"/>
+                    <a:pt x="880" y="63"/>
+                  </a:cubicBezTo>
+                  <a:cubicBezTo>
+                    <a:pt x="545" y="0"/>
+                    <a:pt x="214" y="161"/>
+                    <a:pt x="0" y="423"/>
+                  </a:cubicBezTo>
+                </a:path>
+              </a:pathLst>
+            </a:custGeom>
+            <a:noFill/>
+            <a:ln w="9525" cap="flat">
+              <a:solidFill>
+                <a:schemeClr val="tx1">
+                  <a:alpha val="20000"/>
+                </a:schemeClr>
+              </a:solidFill>
+              <a:prstDash val="solid"/>
+              <a:miter lim="800000"/>
+              <a:headEnd/>
+              <a:tailEnd/>
+            </a:ln>
+            <a:extLst>
+              <a:ext uri="{909E8E84-426E-40DD-AFC4-6F175D3DCCD1}">
+                <a14:hiddenFill xmlns:a14="http://schemas.microsoft.com/office/drawing/2010/main">
+                  <a:solidFill>
+                    <a:srgbClr val="FFFFFF"/>
+                  </a:solidFill>
+                </a14:hiddenFill>
+              </a:ext>
+            </a:extLst>
+          </p:spPr>
+        </p:sp>
+        <p:sp>
+          <p:nvSpPr>
+            <p:cNvPr id="19" name="Freeform 9">
+              <a:extLst>
+                <a:ext uri="{FF2B5EF4-FFF2-40B4-BE49-F238E27FC236}">
+                  <a16:creationId xmlns:a16="http://schemas.microsoft.com/office/drawing/2014/main" id="{A8101224-713E-4D28-B05A-CF0A56E598FC}"/>
+                </a:ext>
+                <a:ext uri="{C183D7F6-B498-43B3-948B-1728B52AA6E4}">
+                  <adec:decorative xmlns:adec="http://schemas.microsoft.com/office/drawing/2017/decorative" val="1"/>
+                </a:ext>
+              </a:extLst>
+            </p:cNvPr>
+            <p:cNvSpPr/>
+            <p:nvPr>
+              <p:extLst>
+                <p:ext uri="{386F3935-93C4-4BCD-93E2-E3B085C9AB24}">
+                  <p16:designElem xmlns:p16="http://schemas.microsoft.com/office/powerpoint/2015/main" val="1"/>
+                </p:ext>
+              </p:extLst>
+            </p:nvPr>
+          </p:nvSpPr>
+          <p:spPr bwMode="auto">
+            <a:xfrm>
+              <a:off x="3701" y="6186246"/>
+              <a:ext cx="504825" cy="681527"/>
+            </a:xfrm>
+            <a:custGeom>
+              <a:avLst/>
+              <a:gdLst/>
+              <a:ahLst/>
+              <a:cxnLst/>
+              <a:rect l="0" t="0" r="r" b="b"/>
+              <a:pathLst>
+                <a:path w="106" h="143">
+                  <a:moveTo>
+                    <a:pt x="0" y="0"/>
+                  </a:moveTo>
+                  <a:cubicBezTo>
+                    <a:pt x="35" y="54"/>
+                    <a:pt x="70" y="101"/>
+                    <a:pt x="106" y="143"/>
+                  </a:cubicBezTo>
+                </a:path>
+              </a:pathLst>
+            </a:custGeom>
+            <a:noFill/>
+            <a:ln w="4763" cap="flat">
+              <a:solidFill>
+                <a:schemeClr val="tx1">
+                  <a:alpha val="20000"/>
+                </a:schemeClr>
+              </a:solidFill>
+              <a:prstDash val="solid"/>
+              <a:miter lim="800000"/>
+              <a:headEnd/>
+              <a:tailEnd/>
+            </a:ln>
+            <a:extLst>
+              <a:ext uri="{909E8E84-426E-40DD-AFC4-6F175D3DCCD1}">
+                <a14:hiddenFill xmlns:a14="http://schemas.microsoft.com/office/drawing/2010/main">
+                  <a:solidFill>
+                    <a:srgbClr val="FFFFFF"/>
+                  </a:solidFill>
+                </a14:hiddenFill>
+              </a:ext>
+            </a:extLst>
+          </p:spPr>
+        </p:sp>
+        <p:sp>
+          <p:nvSpPr>
+            <p:cNvPr id="20" name="Freeform 10">
+              <a:extLst>
+                <a:ext uri="{FF2B5EF4-FFF2-40B4-BE49-F238E27FC236}">
+                  <a16:creationId xmlns:a16="http://schemas.microsoft.com/office/drawing/2014/main" id="{BEA3F6E4-F1B7-4D2F-9652-3618CC720350}"/>
+                </a:ext>
+                <a:ext uri="{C183D7F6-B498-43B3-948B-1728B52AA6E4}">
+                  <adec:decorative xmlns:adec="http://schemas.microsoft.com/office/drawing/2017/decorative" val="1"/>
+                </a:ext>
+              </a:extLst>
+            </p:cNvPr>
+            <p:cNvSpPr/>
+            <p:nvPr>
+              <p:extLst>
+                <p:ext uri="{386F3935-93C4-4BCD-93E2-E3B085C9AB24}">
+                  <p16:designElem xmlns:p16="http://schemas.microsoft.com/office/powerpoint/2015/main" val="1"/>
+                </p:ext>
+              </p:extLst>
+            </p:nvPr>
+          </p:nvSpPr>
+          <p:spPr bwMode="auto">
+            <a:xfrm>
+              <a:off x="-1061" y="-51881"/>
+              <a:ext cx="11091863" cy="6923796"/>
+            </a:xfrm>
+            <a:custGeom>
+              <a:avLst/>
+              <a:gdLst/>
+              <a:ahLst/>
+              <a:cxnLst/>
+              <a:rect l="0" t="0" r="r" b="b"/>
+              <a:pathLst>
+                <a:path w="2330" h="1452">
+                  <a:moveTo>
+                    <a:pt x="2046" y="1452"/>
+                  </a:moveTo>
+                  <a:cubicBezTo>
+                    <a:pt x="2330" y="1153"/>
+                    <a:pt x="2049" y="821"/>
+                    <a:pt x="1813" y="601"/>
+                  </a:cubicBezTo>
+                  <a:cubicBezTo>
+                    <a:pt x="1569" y="375"/>
+                    <a:pt x="1282" y="179"/>
+                    <a:pt x="956" y="97"/>
+                  </a:cubicBezTo>
+                  <a:cubicBezTo>
+                    <a:pt x="572" y="0"/>
+                    <a:pt x="292" y="101"/>
+                    <a:pt x="0" y="366"/>
+                  </a:cubicBezTo>
+                </a:path>
+              </a:pathLst>
+            </a:custGeom>
+            <a:noFill/>
+            <a:ln w="9525" cap="flat">
+              <a:solidFill>
+                <a:schemeClr val="tx1">
+                  <a:alpha val="20000"/>
+                </a:schemeClr>
+              </a:solidFill>
+              <a:prstDash val="solid"/>
+              <a:miter lim="800000"/>
+              <a:headEnd/>
+              <a:tailEnd/>
+            </a:ln>
+            <a:extLst>
+              <a:ext uri="{909E8E84-426E-40DD-AFC4-6F175D3DCCD1}">
+                <a14:hiddenFill xmlns:a14="http://schemas.microsoft.com/office/drawing/2010/main">
+                  <a:solidFill>
+                    <a:srgbClr val="FFFFFF"/>
+                  </a:solidFill>
+                </a14:hiddenFill>
+              </a:ext>
+            </a:extLst>
+          </p:spPr>
+        </p:sp>
+        <p:sp>
+          <p:nvSpPr>
+            <p:cNvPr id="21" name="Freeform 11">
+              <a:extLst>
+                <a:ext uri="{FF2B5EF4-FFF2-40B4-BE49-F238E27FC236}">
+                  <a16:creationId xmlns:a16="http://schemas.microsoft.com/office/drawing/2014/main" id="{8A6D6F82-752B-4ADD-A800-79D68A729675}"/>
+                </a:ext>
+                <a:ext uri="{C183D7F6-B498-43B3-948B-1728B52AA6E4}">
+                  <adec:decorative xmlns:adec="http://schemas.microsoft.com/office/drawing/2017/decorative" val="1"/>
+                </a:ext>
+              </a:extLst>
+            </p:cNvPr>
+            <p:cNvSpPr/>
+            <p:nvPr>
+              <p:extLst>
+                <p:ext uri="{386F3935-93C4-4BCD-93E2-E3B085C9AB24}">
+                  <p16:designElem xmlns:p16="http://schemas.microsoft.com/office/powerpoint/2015/main" val="1"/>
+                </p:ext>
+              </p:extLst>
+            </p:nvPr>
+          </p:nvSpPr>
+          <p:spPr bwMode="auto">
+            <a:xfrm>
+              <a:off x="5426601" y="5579"/>
+              <a:ext cx="5788025" cy="6847184"/>
+            </a:xfrm>
+            <a:custGeom>
+              <a:avLst/>
+              <a:gdLst/>
+              <a:ahLst/>
+              <a:cxnLst/>
+              <a:rect l="0" t="0" r="r" b="b"/>
+              <a:pathLst>
+                <a:path w="1216" h="1436">
+                  <a:moveTo>
+                    <a:pt x="1094" y="1436"/>
+                  </a:moveTo>
+                  <a:cubicBezTo>
+                    <a:pt x="1216" y="1114"/>
+                    <a:pt x="904" y="770"/>
+                    <a:pt x="709" y="551"/>
+                  </a:cubicBezTo>
+                  <a:cubicBezTo>
+                    <a:pt x="509" y="327"/>
+                    <a:pt x="274" y="127"/>
+                    <a:pt x="0" y="0"/>
+                  </a:cubicBezTo>
+                </a:path>
+              </a:pathLst>
+            </a:custGeom>
+            <a:noFill/>
+            <a:ln w="9525" cap="flat">
+              <a:solidFill>
+                <a:schemeClr val="tx1">
+                  <a:alpha val="20000"/>
+                </a:schemeClr>
+              </a:solidFill>
+              <a:prstDash val="solid"/>
+              <a:miter lim="800000"/>
+              <a:headEnd/>
+              <a:tailEnd/>
+            </a:ln>
+            <a:extLst>
+              <a:ext uri="{909E8E84-426E-40DD-AFC4-6F175D3DCCD1}">
+                <a14:hiddenFill xmlns:a14="http://schemas.microsoft.com/office/drawing/2010/main">
+                  <a:solidFill>
+                    <a:srgbClr val="FFFFFF"/>
+                  </a:solidFill>
+                </a14:hiddenFill>
+              </a:ext>
+            </a:extLst>
+          </p:spPr>
+        </p:sp>
+        <p:sp>
+          <p:nvSpPr>
+            <p:cNvPr id="22" name="Freeform 12">
+              <a:extLst>
+                <a:ext uri="{FF2B5EF4-FFF2-40B4-BE49-F238E27FC236}">
+                  <a16:creationId xmlns:a16="http://schemas.microsoft.com/office/drawing/2014/main" id="{5B004FB3-6426-4503-AE95-EB15676E0F2C}"/>
+                </a:ext>
+                <a:ext uri="{C183D7F6-B498-43B3-948B-1728B52AA6E4}">
+                  <adec:decorative xmlns:adec="http://schemas.microsoft.com/office/drawing/2017/decorative" val="1"/>
+                </a:ext>
+              </a:extLst>
+            </p:cNvPr>
+            <p:cNvSpPr/>
+            <p:nvPr>
+              <p:extLst>
+                <p:ext uri="{386F3935-93C4-4BCD-93E2-E3B085C9AB24}">
+                  <p16:designElem xmlns:p16="http://schemas.microsoft.com/office/powerpoint/2015/main" val="1"/>
+                </p:ext>
+              </p:extLst>
+            </p:nvPr>
+          </p:nvSpPr>
+          <p:spPr bwMode="auto">
+            <a:xfrm>
+              <a:off x="-1061" y="5579"/>
+              <a:ext cx="1057275" cy="614491"/>
+            </a:xfrm>
+            <a:custGeom>
+              <a:avLst/>
+              <a:gdLst/>
+              <a:ahLst/>
+              <a:cxnLst/>
+              <a:rect l="0" t="0" r="r" b="b"/>
+              <a:pathLst>
+                <a:path w="222" h="129">
+                  <a:moveTo>
+                    <a:pt x="222" y="0"/>
+                  </a:moveTo>
+                  <a:cubicBezTo>
+                    <a:pt x="152" y="35"/>
+                    <a:pt x="76" y="78"/>
+                    <a:pt x="0" y="129"/>
+                  </a:cubicBezTo>
+                </a:path>
+              </a:pathLst>
+            </a:custGeom>
+            <a:noFill/>
+            <a:ln w="9525" cap="flat">
+              <a:solidFill>
+                <a:schemeClr val="tx1">
+                  <a:alpha val="20000"/>
+                </a:schemeClr>
+              </a:solidFill>
+              <a:prstDash val="solid"/>
+              <a:miter lim="800000"/>
+              <a:headEnd/>
+              <a:tailEnd/>
+            </a:ln>
+            <a:extLst>
+              <a:ext uri="{909E8E84-426E-40DD-AFC4-6F175D3DCCD1}">
+                <a14:hiddenFill xmlns:a14="http://schemas.microsoft.com/office/drawing/2010/main">
+                  <a:solidFill>
+                    <a:srgbClr val="FFFFFF"/>
+                  </a:solidFill>
+                </a14:hiddenFill>
+              </a:ext>
+            </a:extLst>
+          </p:spPr>
+        </p:sp>
+        <p:sp>
+          <p:nvSpPr>
+            <p:cNvPr id="23" name="Freeform 13">
+              <a:extLst>
+                <a:ext uri="{FF2B5EF4-FFF2-40B4-BE49-F238E27FC236}">
+                  <a16:creationId xmlns:a16="http://schemas.microsoft.com/office/drawing/2014/main" id="{38553780-C865-46B3-BB91-D5DBB1102F2D}"/>
+                </a:ext>
+                <a:ext uri="{C183D7F6-B498-43B3-948B-1728B52AA6E4}">
+                  <adec:decorative xmlns:adec="http://schemas.microsoft.com/office/drawing/2017/decorative" val="1"/>
+                </a:ext>
+              </a:extLst>
+            </p:cNvPr>
+            <p:cNvSpPr/>
+            <p:nvPr>
+              <p:extLst>
+                <p:ext uri="{386F3935-93C4-4BCD-93E2-E3B085C9AB24}">
+                  <p16:designElem xmlns:p16="http://schemas.microsoft.com/office/powerpoint/2015/main" val="1"/>
+                </p:ext>
+              </p:extLst>
+            </p:nvPr>
+          </p:nvSpPr>
+          <p:spPr bwMode="auto">
+            <a:xfrm>
+              <a:off x="5821889" y="5579"/>
+              <a:ext cx="5588000" cy="6866337"/>
+            </a:xfrm>
+            <a:custGeom>
+              <a:avLst/>
+              <a:gdLst/>
+              <a:ahLst/>
+              <a:cxnLst/>
+              <a:rect l="0" t="0" r="r" b="b"/>
+              <a:pathLst>
+                <a:path w="1174" h="1440">
+                  <a:moveTo>
+                    <a:pt x="1067" y="1440"/>
+                  </a:moveTo>
+                  <a:cubicBezTo>
+                    <a:pt x="1174" y="1124"/>
+                    <a:pt x="887" y="797"/>
+                    <a:pt x="698" y="577"/>
+                  </a:cubicBezTo>
+                  <a:cubicBezTo>
+                    <a:pt x="500" y="348"/>
+                    <a:pt x="270" y="141"/>
+                    <a:pt x="0" y="0"/>
+                  </a:cubicBezTo>
+                </a:path>
+              </a:pathLst>
+            </a:custGeom>
+            <a:noFill/>
+            <a:ln w="9525" cap="flat">
+              <a:solidFill>
+                <a:schemeClr val="tx1">
+                  <a:alpha val="20000"/>
+                </a:schemeClr>
+              </a:solidFill>
+              <a:prstDash val="dash"/>
+              <a:miter lim="800000"/>
+              <a:headEnd/>
+              <a:tailEnd/>
+            </a:ln>
+            <a:extLst>
+              <a:ext uri="{909E8E84-426E-40DD-AFC4-6F175D3DCCD1}">
+                <a14:hiddenFill xmlns:a14="http://schemas.microsoft.com/office/drawing/2010/main">
+                  <a:solidFill>
+                    <a:srgbClr val="FFFFFF"/>
+                  </a:solidFill>
+                </a14:hiddenFill>
+              </a:ext>
+            </a:extLst>
+          </p:spPr>
+        </p:sp>
+        <p:sp>
+          <p:nvSpPr>
+            <p:cNvPr id="24" name="Freeform 14">
+              <a:extLst>
+                <a:ext uri="{FF2B5EF4-FFF2-40B4-BE49-F238E27FC236}">
+                  <a16:creationId xmlns:a16="http://schemas.microsoft.com/office/drawing/2014/main" id="{2B3050C8-3614-4E89-9F1C-C67BB9CE5CA8}"/>
+                </a:ext>
+                <a:ext uri="{C183D7F6-B498-43B3-948B-1728B52AA6E4}">
+                  <adec:decorative xmlns:adec="http://schemas.microsoft.com/office/drawing/2017/decorative" val="1"/>
+                </a:ext>
+              </a:extLst>
+            </p:cNvPr>
+            <p:cNvSpPr/>
+            <p:nvPr>
+              <p:extLst>
+                <p:ext uri="{386F3935-93C4-4BCD-93E2-E3B085C9AB24}">
+                  <p16:designElem xmlns:p16="http://schemas.microsoft.com/office/powerpoint/2015/main" val="1"/>
+                </p:ext>
+              </p:extLst>
+            </p:nvPr>
+          </p:nvSpPr>
+          <p:spPr bwMode="auto">
+            <a:xfrm>
+              <a:off x="3701" y="790"/>
+              <a:ext cx="595313" cy="352734"/>
+            </a:xfrm>
+            <a:custGeom>
+              <a:avLst/>
+              <a:gdLst/>
+              <a:ahLst/>
+              <a:cxnLst/>
+              <a:rect l="0" t="0" r="r" b="b"/>
+              <a:pathLst>
+                <a:path w="125" h="74">
+                  <a:moveTo>
+                    <a:pt x="125" y="0"/>
+                  </a:moveTo>
+                  <a:cubicBezTo>
+                    <a:pt x="85" y="22"/>
+                    <a:pt x="43" y="47"/>
+                    <a:pt x="0" y="74"/>
+                  </a:cubicBezTo>
+                </a:path>
+              </a:pathLst>
+            </a:custGeom>
+            <a:noFill/>
+            <a:ln w="9525" cap="flat">
+              <a:solidFill>
+                <a:schemeClr val="tx1">
+                  <a:alpha val="20000"/>
+                </a:schemeClr>
+              </a:solidFill>
+              <a:prstDash val="dash"/>
+              <a:miter lim="800000"/>
+              <a:headEnd/>
+              <a:tailEnd/>
+            </a:ln>
+            <a:extLst>
+              <a:ext uri="{909E8E84-426E-40DD-AFC4-6F175D3DCCD1}">
+                <a14:hiddenFill xmlns:a14="http://schemas.microsoft.com/office/drawing/2010/main">
+                  <a:solidFill>
+                    <a:srgbClr val="FFFFFF"/>
+                  </a:solidFill>
+                </a14:hiddenFill>
+              </a:ext>
+            </a:extLst>
+          </p:spPr>
+        </p:sp>
+        <p:sp>
+          <p:nvSpPr>
+            <p:cNvPr id="25" name="Freeform 15">
+              <a:extLst>
+                <a:ext uri="{FF2B5EF4-FFF2-40B4-BE49-F238E27FC236}">
+                  <a16:creationId xmlns:a16="http://schemas.microsoft.com/office/drawing/2014/main" id="{72DBE2DE-87C7-4AB1-950E-DFCDC38F1564}"/>
+                </a:ext>
+                <a:ext uri="{C183D7F6-B498-43B3-948B-1728B52AA6E4}">
+                  <adec:decorative xmlns:adec="http://schemas.microsoft.com/office/drawing/2017/decorative" val="1"/>
+                </a:ext>
+              </a:extLst>
+            </p:cNvPr>
+            <p:cNvSpPr/>
+            <p:nvPr>
+              <p:extLst>
+                <p:ext uri="{386F3935-93C4-4BCD-93E2-E3B085C9AB24}">
+                  <p16:designElem xmlns:p16="http://schemas.microsoft.com/office/powerpoint/2015/main" val="1"/>
+                </p:ext>
+              </p:extLst>
+            </p:nvPr>
+          </p:nvSpPr>
+          <p:spPr bwMode="auto">
+            <a:xfrm>
+              <a:off x="6012389" y="5579"/>
+              <a:ext cx="5497513" cy="6866337"/>
+            </a:xfrm>
+            <a:custGeom>
+              <a:avLst/>
+              <a:gdLst/>
+              <a:ahLst/>
+              <a:cxnLst/>
+              <a:rect l="0" t="0" r="r" b="b"/>
+              <a:pathLst>
+                <a:path w="1155" h="1440">
+                  <a:moveTo>
+                    <a:pt x="1056" y="1440"/>
+                  </a:moveTo>
+                  <a:cubicBezTo>
+                    <a:pt x="1155" y="1123"/>
+                    <a:pt x="875" y="801"/>
+                    <a:pt x="686" y="580"/>
+                  </a:cubicBezTo>
+                  <a:cubicBezTo>
+                    <a:pt x="491" y="352"/>
+                    <a:pt x="264" y="145"/>
+                    <a:pt x="0" y="0"/>
+                  </a:cubicBezTo>
+                </a:path>
+              </a:pathLst>
+            </a:custGeom>
+            <a:noFill/>
+            <a:ln w="12700" cap="flat">
+              <a:solidFill>
+                <a:schemeClr val="tx1">
+                  <a:alpha val="20000"/>
+                </a:schemeClr>
+              </a:solidFill>
+              <a:prstDash val="dashDot"/>
+              <a:miter lim="800000"/>
+              <a:headEnd/>
+              <a:tailEnd/>
+            </a:ln>
+            <a:extLst>
+              <a:ext uri="{909E8E84-426E-40DD-AFC4-6F175D3DCCD1}">
+                <a14:hiddenFill xmlns:a14="http://schemas.microsoft.com/office/drawing/2010/main">
+                  <a:solidFill>
+                    <a:srgbClr val="FFFFFF"/>
+                  </a:solidFill>
+                </a14:hiddenFill>
+              </a:ext>
+            </a:extLst>
+          </p:spPr>
+        </p:sp>
+        <p:sp>
+          <p:nvSpPr>
+            <p:cNvPr id="26" name="Freeform 16">
+              <a:extLst>
+                <a:ext uri="{FF2B5EF4-FFF2-40B4-BE49-F238E27FC236}">
+                  <a16:creationId xmlns:a16="http://schemas.microsoft.com/office/drawing/2014/main" id="{9AF3BC82-2F28-4798-8985-293584EA6429}"/>
+                </a:ext>
+                <a:ext uri="{C183D7F6-B498-43B3-948B-1728B52AA6E4}">
+                  <adec:decorative xmlns:adec="http://schemas.microsoft.com/office/drawing/2017/decorative" val="1"/>
+                </a:ext>
+              </a:extLst>
+            </p:cNvPr>
+            <p:cNvSpPr/>
+            <p:nvPr>
+              <p:extLst>
+                <p:ext uri="{386F3935-93C4-4BCD-93E2-E3B085C9AB24}">
+                  <p16:designElem xmlns:p16="http://schemas.microsoft.com/office/powerpoint/2015/main" val="1"/>
+                </p:ext>
+              </p:extLst>
+            </p:nvPr>
+          </p:nvSpPr>
+          <p:spPr bwMode="auto">
+            <a:xfrm>
+              <a:off x="-1061" y="5579"/>
+              <a:ext cx="357188" cy="213875"/>
+            </a:xfrm>
+            <a:custGeom>
+              <a:avLst/>
+              <a:gdLst/>
+              <a:ahLst/>
+              <a:cxnLst/>
+              <a:rect l="0" t="0" r="r" b="b"/>
+              <a:pathLst>
+                <a:path w="75" h="45">
+                  <a:moveTo>
+                    <a:pt x="75" y="0"/>
+                  </a:moveTo>
+                  <a:cubicBezTo>
+                    <a:pt x="50" y="14"/>
+                    <a:pt x="25" y="29"/>
+                    <a:pt x="0" y="45"/>
+                  </a:cubicBezTo>
+                </a:path>
+              </a:pathLst>
+            </a:custGeom>
+            <a:noFill/>
+            <a:ln w="12700" cap="flat">
+              <a:solidFill>
+                <a:schemeClr val="tx1">
+                  <a:alpha val="20000"/>
+                </a:schemeClr>
+              </a:solidFill>
+              <a:prstDash val="dashDot"/>
+              <a:miter lim="800000"/>
+              <a:headEnd/>
+              <a:tailEnd/>
+            </a:ln>
+            <a:extLst>
+              <a:ext uri="{909E8E84-426E-40DD-AFC4-6F175D3DCCD1}">
+                <a14:hiddenFill xmlns:a14="http://schemas.microsoft.com/office/drawing/2010/main">
+                  <a:solidFill>
+                    <a:srgbClr val="FFFFFF"/>
+                  </a:solidFill>
+                </a14:hiddenFill>
+              </a:ext>
+            </a:extLst>
+          </p:spPr>
+        </p:sp>
+        <p:sp>
+          <p:nvSpPr>
+            <p:cNvPr id="27" name="Freeform 17">
+              <a:extLst>
+                <a:ext uri="{FF2B5EF4-FFF2-40B4-BE49-F238E27FC236}">
+                  <a16:creationId xmlns:a16="http://schemas.microsoft.com/office/drawing/2014/main" id="{6180167F-2314-4D1E-A0A9-2809001EC09B}"/>
+                </a:ext>
+                <a:ext uri="{C183D7F6-B498-43B3-948B-1728B52AA6E4}">
+                  <adec:decorative xmlns:adec="http://schemas.microsoft.com/office/drawing/2017/decorative" val="1"/>
+                </a:ext>
+              </a:extLst>
+            </p:cNvPr>
+            <p:cNvSpPr/>
+            <p:nvPr>
+              <p:extLst>
+                <p:ext uri="{386F3935-93C4-4BCD-93E2-E3B085C9AB24}">
+                  <p16:designElem xmlns:p16="http://schemas.microsoft.com/office/powerpoint/2015/main" val="1"/>
+                </p:ext>
+              </p:extLst>
+            </p:nvPr>
+          </p:nvSpPr>
+          <p:spPr bwMode="auto">
+            <a:xfrm>
+              <a:off x="6210826" y="790"/>
+              <a:ext cx="5522913" cy="6871126"/>
+            </a:xfrm>
+            <a:custGeom>
+              <a:avLst/>
+              <a:gdLst/>
+              <a:ahLst/>
+              <a:cxnLst/>
+              <a:rect l="0" t="0" r="r" b="b"/>
+              <a:pathLst>
+                <a:path w="1160" h="1441">
+                  <a:moveTo>
+                    <a:pt x="1053" y="1441"/>
+                  </a:moveTo>
+                  <a:cubicBezTo>
+                    <a:pt x="1160" y="1129"/>
+                    <a:pt x="892" y="817"/>
+                    <a:pt x="705" y="599"/>
+                  </a:cubicBezTo>
+                  <a:cubicBezTo>
+                    <a:pt x="503" y="365"/>
+                    <a:pt x="270" y="152"/>
+                    <a:pt x="0" y="0"/>
+                  </a:cubicBezTo>
+                </a:path>
+              </a:pathLst>
+            </a:custGeom>
+            <a:noFill/>
+            <a:ln w="9525" cap="flat">
+              <a:solidFill>
+                <a:schemeClr val="tx1">
+                  <a:alpha val="20000"/>
+                </a:schemeClr>
+              </a:solidFill>
+              <a:prstDash val="solid"/>
+              <a:miter lim="800000"/>
+              <a:headEnd/>
+              <a:tailEnd/>
+            </a:ln>
+            <a:extLst>
+              <a:ext uri="{909E8E84-426E-40DD-AFC4-6F175D3DCCD1}">
+                <a14:hiddenFill xmlns:a14="http://schemas.microsoft.com/office/drawing/2010/main">
+                  <a:solidFill>
+                    <a:srgbClr val="FFFFFF"/>
+                  </a:solidFill>
+                </a14:hiddenFill>
+              </a:ext>
+            </a:extLst>
+          </p:spPr>
+        </p:sp>
+        <p:sp>
+          <p:nvSpPr>
+            <p:cNvPr id="28" name="Freeform 18">
+              <a:extLst>
+                <a:ext uri="{FF2B5EF4-FFF2-40B4-BE49-F238E27FC236}">
+                  <a16:creationId xmlns:a16="http://schemas.microsoft.com/office/drawing/2014/main" id="{EFCBDF3C-AF82-4CF2-BF18-DD187C59FE1A}"/>
+                </a:ext>
+                <a:ext uri="{C183D7F6-B498-43B3-948B-1728B52AA6E4}">
+                  <adec:decorative xmlns:adec="http://schemas.microsoft.com/office/drawing/2017/decorative" val="1"/>
+                </a:ext>
+              </a:extLst>
+            </p:cNvPr>
+            <p:cNvSpPr/>
+            <p:nvPr>
+              <p:extLst>
+                <p:ext uri="{386F3935-93C4-4BCD-93E2-E3B085C9AB24}">
+                  <p16:designElem xmlns:p16="http://schemas.microsoft.com/office/powerpoint/2015/main" val="1"/>
+                </p:ext>
+              </p:extLst>
+            </p:nvPr>
+          </p:nvSpPr>
+          <p:spPr bwMode="auto">
+            <a:xfrm>
+              <a:off x="6463239" y="5579"/>
+              <a:ext cx="5413375" cy="6866337"/>
+            </a:xfrm>
+            <a:custGeom>
+              <a:avLst/>
+              <a:gdLst/>
+              <a:ahLst/>
+              <a:cxnLst/>
+              <a:rect l="0" t="0" r="r" b="b"/>
+              <a:pathLst>
+                <a:path w="1137" h="1440">
+                  <a:moveTo>
+                    <a:pt x="1040" y="1440"/>
+                  </a:moveTo>
+                  <a:cubicBezTo>
+                    <a:pt x="1137" y="1131"/>
+                    <a:pt x="883" y="828"/>
+                    <a:pt x="698" y="611"/>
+                  </a:cubicBezTo>
+                  <a:cubicBezTo>
+                    <a:pt x="498" y="375"/>
+                    <a:pt x="268" y="159"/>
+                    <a:pt x="0" y="0"/>
+                  </a:cubicBezTo>
+                </a:path>
+              </a:pathLst>
+            </a:custGeom>
+            <a:noFill/>
+            <a:ln w="9525" cap="flat">
+              <a:solidFill>
+                <a:schemeClr val="tx1">
+                  <a:alpha val="20000"/>
+                </a:schemeClr>
+              </a:solidFill>
+              <a:prstDash val="solid"/>
+              <a:miter lim="800000"/>
+              <a:headEnd/>
+              <a:tailEnd/>
+            </a:ln>
+            <a:extLst>
+              <a:ext uri="{909E8E84-426E-40DD-AFC4-6F175D3DCCD1}">
+                <a14:hiddenFill xmlns:a14="http://schemas.microsoft.com/office/drawing/2010/main">
+                  <a:solidFill>
+                    <a:srgbClr val="FFFFFF"/>
+                  </a:solidFill>
+                </a14:hiddenFill>
+              </a:ext>
+            </a:extLst>
+          </p:spPr>
+        </p:sp>
+        <p:sp>
+          <p:nvSpPr>
+            <p:cNvPr id="29" name="Freeform 19">
+              <a:extLst>
+                <a:ext uri="{FF2B5EF4-FFF2-40B4-BE49-F238E27FC236}">
+                  <a16:creationId xmlns:a16="http://schemas.microsoft.com/office/drawing/2014/main" id="{57900165-1B44-4C5E-A251-41CB7195E259}"/>
+                </a:ext>
+                <a:ext uri="{C183D7F6-B498-43B3-948B-1728B52AA6E4}">
+                  <adec:decorative xmlns:adec="http://schemas.microsoft.com/office/drawing/2017/decorative" val="1"/>
+                </a:ext>
+              </a:extLst>
+            </p:cNvPr>
+            <p:cNvSpPr/>
+            <p:nvPr>
+              <p:extLst>
+                <p:ext uri="{386F3935-93C4-4BCD-93E2-E3B085C9AB24}">
+                  <p16:designElem xmlns:p16="http://schemas.microsoft.com/office/powerpoint/2015/main" val="1"/>
+                </p:ext>
+              </p:extLst>
+            </p:nvPr>
+          </p:nvSpPr>
+          <p:spPr bwMode="auto">
+            <a:xfrm>
+              <a:off x="6877576" y="5579"/>
+              <a:ext cx="5037138" cy="6861550"/>
+            </a:xfrm>
+            <a:custGeom>
+              <a:avLst/>
+              <a:gdLst/>
+              <a:ahLst/>
+              <a:cxnLst/>
+              <a:rect l="0" t="0" r="r" b="b"/>
+              <a:pathLst>
+                <a:path w="1058" h="1439">
+                  <a:moveTo>
+                    <a:pt x="1011" y="1439"/>
+                  </a:moveTo>
+                  <a:cubicBezTo>
+                    <a:pt x="1058" y="1131"/>
+                    <a:pt x="825" y="841"/>
+                    <a:pt x="648" y="617"/>
+                  </a:cubicBezTo>
+                  <a:cubicBezTo>
+                    <a:pt x="462" y="383"/>
+                    <a:pt x="248" y="168"/>
+                    <a:pt x="0" y="0"/>
+                  </a:cubicBezTo>
+                </a:path>
+              </a:pathLst>
+            </a:custGeom>
+            <a:noFill/>
+            <a:ln w="9525" cap="flat">
+              <a:solidFill>
+                <a:schemeClr val="tx1">
+                  <a:alpha val="20000"/>
+                </a:schemeClr>
+              </a:solidFill>
+              <a:prstDash val="solid"/>
+              <a:miter lim="800000"/>
+              <a:headEnd/>
+              <a:tailEnd/>
+            </a:ln>
+            <a:extLst>
+              <a:ext uri="{909E8E84-426E-40DD-AFC4-6F175D3DCCD1}">
+                <a14:hiddenFill xmlns:a14="http://schemas.microsoft.com/office/drawing/2010/main">
+                  <a:solidFill>
+                    <a:srgbClr val="FFFFFF"/>
+                  </a:solidFill>
+                </a14:hiddenFill>
+              </a:ext>
+            </a:extLst>
+          </p:spPr>
+        </p:sp>
+        <p:sp>
+          <p:nvSpPr>
+            <p:cNvPr id="30" name="Freeform 20">
+              <a:extLst>
+                <a:ext uri="{FF2B5EF4-FFF2-40B4-BE49-F238E27FC236}">
+                  <a16:creationId xmlns:a16="http://schemas.microsoft.com/office/drawing/2014/main" id="{F2781377-E384-4B5A-9361-E72001D1A489}"/>
+                </a:ext>
+                <a:ext uri="{C183D7F6-B498-43B3-948B-1728B52AA6E4}">
+                  <adec:decorative xmlns:adec="http://schemas.microsoft.com/office/drawing/2017/decorative" val="1"/>
+                </a:ext>
+              </a:extLst>
+            </p:cNvPr>
+            <p:cNvSpPr/>
+            <p:nvPr>
+              <p:extLst>
+                <p:ext uri="{386F3935-93C4-4BCD-93E2-E3B085C9AB24}">
+                  <p16:designElem xmlns:p16="http://schemas.microsoft.com/office/powerpoint/2015/main" val="1"/>
+                </p:ext>
+              </p:extLst>
+            </p:nvPr>
+          </p:nvSpPr>
+          <p:spPr bwMode="auto">
+            <a:xfrm>
+              <a:off x="8768289" y="5579"/>
+              <a:ext cx="3417888" cy="2742066"/>
+            </a:xfrm>
+            <a:custGeom>
+              <a:avLst/>
+              <a:gdLst/>
+              <a:ahLst/>
+              <a:cxnLst/>
+              <a:rect l="0" t="0" r="r" b="b"/>
+              <a:pathLst>
+                <a:path w="718" h="575">
+                  <a:moveTo>
+                    <a:pt x="718" y="575"/>
+                  </a:moveTo>
+                  <a:cubicBezTo>
+                    <a:pt x="500" y="360"/>
+                    <a:pt x="260" y="163"/>
+                    <a:pt x="0" y="0"/>
+                  </a:cubicBezTo>
+                </a:path>
+              </a:pathLst>
+            </a:custGeom>
+            <a:noFill/>
+            <a:ln w="9525" cap="flat">
+              <a:solidFill>
+                <a:schemeClr val="tx1">
+                  <a:alpha val="20000"/>
+                </a:schemeClr>
+              </a:solidFill>
+              <a:prstDash val="solid"/>
+              <a:miter lim="800000"/>
+              <a:headEnd/>
+              <a:tailEnd/>
+            </a:ln>
+            <a:extLst>
+              <a:ext uri="{909E8E84-426E-40DD-AFC4-6F175D3DCCD1}">
+                <a14:hiddenFill xmlns:a14="http://schemas.microsoft.com/office/drawing/2010/main">
+                  <a:solidFill>
+                    <a:srgbClr val="FFFFFF"/>
+                  </a:solidFill>
+                </a14:hiddenFill>
+              </a:ext>
+            </a:extLst>
+          </p:spPr>
+        </p:sp>
+        <p:sp>
+          <p:nvSpPr>
+            <p:cNvPr id="31" name="Freeform 21">
+              <a:extLst>
+                <a:ext uri="{FF2B5EF4-FFF2-40B4-BE49-F238E27FC236}">
+                  <a16:creationId xmlns:a16="http://schemas.microsoft.com/office/drawing/2014/main" id="{C4D3DDE9-56C8-40A9-8971-128939F6B260}"/>
+                </a:ext>
+                <a:ext uri="{C183D7F6-B498-43B3-948B-1728B52AA6E4}">
+                  <adec:decorative xmlns:adec="http://schemas.microsoft.com/office/drawing/2017/decorative" val="1"/>
+                </a:ext>
+              </a:extLst>
+            </p:cNvPr>
+            <p:cNvSpPr/>
+            <p:nvPr>
+              <p:extLst>
+                <p:ext uri="{386F3935-93C4-4BCD-93E2-E3B085C9AB24}">
+                  <p16:designElem xmlns:p16="http://schemas.microsoft.com/office/powerpoint/2015/main" val="1"/>
+                </p:ext>
+              </p:extLst>
+            </p:nvPr>
+          </p:nvSpPr>
+          <p:spPr bwMode="auto">
+            <a:xfrm>
+              <a:off x="9235014" y="10367"/>
+              <a:ext cx="2951163" cy="2555325"/>
+            </a:xfrm>
+            <a:custGeom>
+              <a:avLst/>
+              <a:gdLst/>
+              <a:ahLst/>
+              <a:cxnLst/>
+              <a:rect l="0" t="0" r="r" b="b"/>
+              <a:pathLst>
+                <a:path w="620" h="536">
+                  <a:moveTo>
+                    <a:pt x="620" y="536"/>
+                  </a:moveTo>
+                  <a:cubicBezTo>
+                    <a:pt x="404" y="314"/>
+                    <a:pt x="196" y="138"/>
+                    <a:pt x="0" y="0"/>
+                  </a:cubicBezTo>
+                </a:path>
+              </a:pathLst>
+            </a:custGeom>
+            <a:noFill/>
+            <a:ln w="9525" cap="flat">
+              <a:solidFill>
+                <a:schemeClr val="tx1">
+                  <a:alpha val="20000"/>
+                </a:schemeClr>
+              </a:solidFill>
+              <a:prstDash val="solid"/>
+              <a:miter lim="800000"/>
+              <a:headEnd/>
+              <a:tailEnd/>
+            </a:ln>
+            <a:extLst>
+              <a:ext uri="{909E8E84-426E-40DD-AFC4-6F175D3DCCD1}">
+                <a14:hiddenFill xmlns:a14="http://schemas.microsoft.com/office/drawing/2010/main">
+                  <a:solidFill>
+                    <a:srgbClr val="FFFFFF"/>
+                  </a:solidFill>
+                </a14:hiddenFill>
+              </a:ext>
+            </a:extLst>
+          </p:spPr>
+        </p:sp>
+        <p:sp>
+          <p:nvSpPr>
+            <p:cNvPr id="32" name="Freeform 22">
+              <a:extLst>
+                <a:ext uri="{FF2B5EF4-FFF2-40B4-BE49-F238E27FC236}">
+                  <a16:creationId xmlns:a16="http://schemas.microsoft.com/office/drawing/2014/main" id="{F7481932-1601-4A58-843E-2FFF0FECFC0E}"/>
+                </a:ext>
+                <a:ext uri="{C183D7F6-B498-43B3-948B-1728B52AA6E4}">
+                  <adec:decorative xmlns:adec="http://schemas.microsoft.com/office/drawing/2017/decorative" val="1"/>
+                </a:ext>
+              </a:extLst>
+            </p:cNvPr>
+            <p:cNvSpPr/>
+            <p:nvPr>
+              <p:extLst>
+                <p:ext uri="{386F3935-93C4-4BCD-93E2-E3B085C9AB24}">
+                  <p16:designElem xmlns:p16="http://schemas.microsoft.com/office/powerpoint/2015/main" val="1"/>
+                </p:ext>
+              </p:extLst>
+            </p:nvPr>
+          </p:nvSpPr>
+          <p:spPr bwMode="auto">
+            <a:xfrm>
+              <a:off x="10020826" y="5579"/>
+              <a:ext cx="2165350" cy="1358265"/>
+            </a:xfrm>
+            <a:custGeom>
+              <a:avLst/>
+              <a:gdLst/>
+              <a:ahLst/>
+              <a:cxnLst/>
+              <a:rect l="0" t="0" r="r" b="b"/>
+              <a:pathLst>
+                <a:path w="455" h="285">
+                  <a:moveTo>
+                    <a:pt x="0" y="0"/>
+                  </a:moveTo>
+                  <a:cubicBezTo>
+                    <a:pt x="153" y="85"/>
+                    <a:pt x="308" y="180"/>
+                    <a:pt x="455" y="285"/>
+                  </a:cubicBezTo>
+                </a:path>
+              </a:pathLst>
+            </a:custGeom>
+            <a:noFill/>
+            <a:ln w="9525" cap="flat">
+              <a:solidFill>
+                <a:schemeClr val="tx1">
+                  <a:alpha val="20000"/>
+                </a:schemeClr>
+              </a:solidFill>
+              <a:prstDash val="dash"/>
+              <a:miter lim="800000"/>
+              <a:headEnd/>
+              <a:tailEnd/>
+            </a:ln>
+            <a:extLst>
+              <a:ext uri="{909E8E84-426E-40DD-AFC4-6F175D3DCCD1}">
+                <a14:hiddenFill xmlns:a14="http://schemas.microsoft.com/office/drawing/2010/main">
+                  <a:solidFill>
+                    <a:srgbClr val="FFFFFF"/>
+                  </a:solidFill>
+                </a14:hiddenFill>
+              </a:ext>
+            </a:extLst>
+          </p:spPr>
+        </p:sp>
+        <p:sp>
+          <p:nvSpPr>
+            <p:cNvPr id="33" name="Freeform 23">
+              <a:extLst>
+                <a:ext uri="{FF2B5EF4-FFF2-40B4-BE49-F238E27FC236}">
+                  <a16:creationId xmlns:a16="http://schemas.microsoft.com/office/drawing/2014/main" id="{2060039F-5F83-44FD-9BA2-92F3D6281A6F}"/>
+                </a:ext>
+                <a:ext uri="{C183D7F6-B498-43B3-948B-1728B52AA6E4}">
+                  <adec:decorative xmlns:adec="http://schemas.microsoft.com/office/drawing/2017/decorative" val="1"/>
+                </a:ext>
+              </a:extLst>
+            </p:cNvPr>
+            <p:cNvSpPr/>
+            <p:nvPr>
+              <p:extLst>
+                <p:ext uri="{386F3935-93C4-4BCD-93E2-E3B085C9AB24}">
+                  <p16:designElem xmlns:p16="http://schemas.microsoft.com/office/powerpoint/2015/main" val="1"/>
+                </p:ext>
+              </p:extLst>
+            </p:nvPr>
+          </p:nvSpPr>
+          <p:spPr bwMode="auto">
+            <a:xfrm>
+              <a:off x="11290826" y="5579"/>
+              <a:ext cx="895350" cy="534687"/>
+            </a:xfrm>
+            <a:custGeom>
+              <a:avLst/>
+              <a:gdLst/>
+              <a:ahLst/>
+              <a:cxnLst/>
+              <a:rect l="0" t="0" r="r" b="b"/>
+              <a:pathLst>
+                <a:path w="188" h="112">
+                  <a:moveTo>
+                    <a:pt x="0" y="0"/>
+                  </a:moveTo>
+                  <a:cubicBezTo>
+                    <a:pt x="63" y="36"/>
+                    <a:pt x="126" y="73"/>
+                    <a:pt x="188" y="112"/>
+                  </a:cubicBezTo>
+                </a:path>
+              </a:pathLst>
+            </a:custGeom>
+            <a:noFill/>
+            <a:ln w="9525" cap="flat">
+              <a:solidFill>
+                <a:schemeClr val="tx1">
+                  <a:alpha val="20000"/>
+                </a:schemeClr>
+              </a:solidFill>
+              <a:prstDash val="solid"/>
+              <a:miter lim="800000"/>
+              <a:headEnd/>
+              <a:tailEnd/>
+            </a:ln>
+            <a:extLst>
+              <a:ext uri="{909E8E84-426E-40DD-AFC4-6F175D3DCCD1}">
+                <a14:hiddenFill xmlns:a14="http://schemas.microsoft.com/office/drawing/2010/main">
+                  <a:solidFill>
+                    <a:srgbClr val="FFFFFF"/>
+                  </a:solidFill>
+                </a14:hiddenFill>
+              </a:ext>
+            </a:extLst>
+          </p:spPr>
+        </p:sp>
+      </p:grpSp>
+      <p:grpSp>
+        <p:nvGrpSpPr>
+          <p:cNvPr id="35" name="Group 34">
+            <a:extLst>
+              <a:ext uri="{FF2B5EF4-FFF2-40B4-BE49-F238E27FC236}">
+                <a16:creationId xmlns:a16="http://schemas.microsoft.com/office/drawing/2014/main" id="{80388DF2-4BFA-41B2-B9DA-DA4786489BB7}"/>
+              </a:ext>
+              <a:ext uri="{C183D7F6-B498-43B3-948B-1728B52AA6E4}">
+                <adec:decorative xmlns:adec="http://schemas.microsoft.com/office/drawing/2017/decorative" val="1"/>
+              </a:ext>
+            </a:extLst>
+          </p:cNvPr>
+          <p:cNvGrpSpPr>
+            <a:grpSpLocks noGrp="1" noUngrp="1" noRot="1" noChangeAspect="1" noMove="1" noResize="1"/>
+          </p:cNvGrpSpPr>
+          <p:nvPr>
+            <p:extLst>
+              <p:ext uri="{386F3935-93C4-4BCD-93E2-E3B085C9AB24}">
+                <p16:designElem xmlns:p16="http://schemas.microsoft.com/office/powerpoint/2015/main" val="1"/>
+              </p:ext>
+            </p:extLst>
+          </p:nvPr>
+        </p:nvGrpSpPr>
+        <p:grpSpPr>
+          <a:xfrm>
+            <a:off x="1669293" y="1186483"/>
+            <a:ext cx="8848345" cy="4477933"/>
+            <a:chOff x="1669293" y="1186483"/>
+            <a:chExt cx="8848345" cy="4477933"/>
+          </a:xfrm>
+        </p:grpSpPr>
+        <p:sp>
+          <p:nvSpPr>
+            <p:cNvPr id="36" name="Rectangle 35">
+              <a:extLst>
+                <a:ext uri="{FF2B5EF4-FFF2-40B4-BE49-F238E27FC236}">
+                  <a16:creationId xmlns:a16="http://schemas.microsoft.com/office/drawing/2014/main" id="{A2C5F070-03F5-4DB1-AEFB-CF61484DC66D}"/>
+                </a:ext>
+                <a:ext uri="{C183D7F6-B498-43B3-948B-1728B52AA6E4}">
+                  <adec:decorative xmlns:adec="http://schemas.microsoft.com/office/drawing/2017/decorative" val="1"/>
+                </a:ext>
+              </a:extLst>
+            </p:cNvPr>
+            <p:cNvSpPr/>
+            <p:nvPr>
+              <p:extLst>
+                <p:ext uri="{386F3935-93C4-4BCD-93E2-E3B085C9AB24}">
+                  <p16:designElem xmlns:p16="http://schemas.microsoft.com/office/powerpoint/2015/main" val="1"/>
+                </p:ext>
+              </p:extLst>
+            </p:nvPr>
+          </p:nvSpPr>
+          <p:spPr>
+            <a:xfrm>
+              <a:off x="1674042" y="1186483"/>
+              <a:ext cx="8843596" cy="716184"/>
+            </a:xfrm>
+            <a:prstGeom prst="rect">
+              <a:avLst/>
+            </a:prstGeom>
+            <a:solidFill>
+              <a:schemeClr val="accent1"/>
+            </a:solidFill>
+            <a:ln>
+              <a:noFill/>
+            </a:ln>
+          </p:spPr>
+          <p:style>
+            <a:lnRef idx="2">
+              <a:schemeClr val="accent1">
+                <a:shade val="50000"/>
+              </a:schemeClr>
+            </a:lnRef>
+            <a:fillRef idx="1">
+              <a:schemeClr val="accent1"/>
+            </a:fillRef>
+            <a:effectRef idx="0">
+              <a:schemeClr val="accent1"/>
+            </a:effectRef>
+            <a:fontRef idx="minor">
+              <a:schemeClr val="lt1"/>
+            </a:fontRef>
+          </p:style>
+        </p:sp>
+        <p:sp>
+          <p:nvSpPr>
+            <p:cNvPr id="37" name="Isosceles Triangle 36">
+              <a:extLst>
+                <a:ext uri="{FF2B5EF4-FFF2-40B4-BE49-F238E27FC236}">
+                  <a16:creationId xmlns:a16="http://schemas.microsoft.com/office/drawing/2014/main" id="{4C8523F4-682F-4D2B-95A0-D6400EC36544}"/>
+                </a:ext>
+                <a:ext uri="{C183D7F6-B498-43B3-948B-1728B52AA6E4}">
+                  <adec:decorative xmlns:adec="http://schemas.microsoft.com/office/drawing/2017/decorative" val="1"/>
+                </a:ext>
+              </a:extLst>
+            </p:cNvPr>
+            <p:cNvSpPr/>
+            <p:nvPr>
+              <p:extLst>
+                <p:ext uri="{386F3935-93C4-4BCD-93E2-E3B085C9AB24}">
+                  <p16:designElem xmlns:p16="http://schemas.microsoft.com/office/powerpoint/2015/main" val="1"/>
+                </p:ext>
+              </p:extLst>
+            </p:nvPr>
+          </p:nvSpPr>
+          <p:spPr>
+            <a:xfrm rot="10800000">
+              <a:off x="5892384" y="5313353"/>
+              <a:ext cx="407233" cy="351063"/>
+            </a:xfrm>
+            <a:prstGeom prst="triangle">
+              <a:avLst/>
+            </a:prstGeom>
+            <a:solidFill>
+              <a:schemeClr val="accent1"/>
+            </a:solidFill>
+            <a:ln>
+              <a:noFill/>
+            </a:ln>
+          </p:spPr>
+          <p:style>
+            <a:lnRef idx="2">
+              <a:schemeClr val="accent1">
+                <a:shade val="50000"/>
+              </a:schemeClr>
+            </a:lnRef>
+            <a:fillRef idx="1">
+              <a:schemeClr val="accent1"/>
+            </a:fillRef>
+            <a:effectRef idx="0">
+              <a:schemeClr val="accent1"/>
+            </a:effectRef>
+            <a:fontRef idx="minor">
+              <a:schemeClr val="lt1"/>
+            </a:fontRef>
+          </p:style>
+        </p:sp>
+        <p:sp>
+          <p:nvSpPr>
+            <p:cNvPr id="38" name="Rectangle 37">
+              <a:extLst>
+                <a:ext uri="{FF2B5EF4-FFF2-40B4-BE49-F238E27FC236}">
+                  <a16:creationId xmlns:a16="http://schemas.microsoft.com/office/drawing/2014/main" id="{4E08E735-8660-4B10-8380-EB1BB31FC082}"/>
+                </a:ext>
+                <a:ext uri="{C183D7F6-B498-43B3-948B-1728B52AA6E4}">
+                  <adec:decorative xmlns:adec="http://schemas.microsoft.com/office/drawing/2017/decorative" val="1"/>
+                </a:ext>
+              </a:extLst>
+            </p:cNvPr>
+            <p:cNvSpPr/>
+            <p:nvPr>
+              <p:extLst>
+                <p:ext uri="{386F3935-93C4-4BCD-93E2-E3B085C9AB24}">
+                  <p16:designElem xmlns:p16="http://schemas.microsoft.com/office/powerpoint/2015/main" val="1"/>
+                </p:ext>
+              </p:extLst>
+            </p:nvPr>
+          </p:nvSpPr>
+          <p:spPr>
+            <a:xfrm>
+              <a:off x="1669293" y="1991156"/>
+              <a:ext cx="8845667" cy="3322196"/>
+            </a:xfrm>
+            <a:prstGeom prst="rect">
+              <a:avLst/>
+            </a:prstGeom>
+            <a:solidFill>
+              <a:schemeClr val="accent1"/>
+            </a:solidFill>
+            <a:ln>
+              <a:noFill/>
+            </a:ln>
+          </p:spPr>
+          <p:style>
+            <a:lnRef idx="2">
+              <a:schemeClr val="accent1">
+                <a:shade val="50000"/>
+              </a:schemeClr>
+            </a:lnRef>
+            <a:fillRef idx="1">
+              <a:schemeClr val="accent1"/>
+            </a:fillRef>
+            <a:effectRef idx="0">
+              <a:schemeClr val="accent1"/>
+            </a:effectRef>
+            <a:fontRef idx="minor">
+              <a:schemeClr val="lt1"/>
+            </a:fontRef>
+          </p:style>
+        </p:sp>
+      </p:grpSp>
+      <p:sp useBgFill="1">
+        <p:nvSpPr>
+          <p:cNvPr id="40" name="Rectangle 39">
+            <a:extLst>
+              <a:ext uri="{FF2B5EF4-FFF2-40B4-BE49-F238E27FC236}">
+                <a16:creationId xmlns:a16="http://schemas.microsoft.com/office/drawing/2014/main" id="{78AC28A1-8971-45B2-B21A-071B52AD12C6}"/>
+              </a:ext>
+              <a:ext uri="{C183D7F6-B498-43B3-948B-1728B52AA6E4}">
+                <adec:decorative xmlns:adec="http://schemas.microsoft.com/office/drawing/2017/decorative" val="1"/>
+              </a:ext>
+            </a:extLst>
+          </p:cNvPr>
+          <p:cNvSpPr>
+            <a:spLocks noGrp="1" noRot="1" noChangeAspect="1" noMove="1" noResize="1" noEditPoints="1" noAdjustHandles="1" noChangeArrowheads="1" noChangeShapeType="1" noTextEdit="1"/>
+          </p:cNvSpPr>
+          <p:nvPr>
+            <p:extLst>
+              <p:ext uri="{386F3935-93C4-4BCD-93E2-E3B085C9AB24}">
+                <p16:designElem xmlns:p16="http://schemas.microsoft.com/office/powerpoint/2015/main" val="1"/>
+              </p:ext>
+            </p:extLst>
+          </p:nvPr>
+        </p:nvSpPr>
+        <p:spPr>
+          <a:xfrm>
+            <a:off x="0" y="0"/>
+            <a:ext cx="12191695" cy="6858000"/>
+          </a:xfrm>
+          <a:prstGeom prst="rect">
+            <a:avLst/>
+          </a:prstGeom>
+          <a:ln>
+            <a:noFill/>
+          </a:ln>
+        </p:spPr>
+        <p:style>
+          <a:lnRef idx="2">
+            <a:schemeClr val="accent1">
+              <a:shade val="50000"/>
+            </a:schemeClr>
+          </a:lnRef>
+          <a:fillRef idx="1">
+            <a:schemeClr val="accent1"/>
+          </a:fillRef>
+          <a:effectRef idx="0">
+            <a:schemeClr val="accent1"/>
+          </a:effectRef>
+          <a:fontRef idx="minor">
+            <a:schemeClr val="lt1"/>
+          </a:fontRef>
+        </p:style>
+        <p:txBody>
+          <a:bodyPr rtlCol="0" anchor="ctr"/>
+          <a:lstStyle/>
+          <a:p>
+            <a:pPr algn="ctr"/>
+            <a:endParaRPr lang="en-US"/>
+          </a:p>
+        </p:txBody>
+      </p:sp>
+      <p:grpSp>
+        <p:nvGrpSpPr>
+          <p:cNvPr id="42" name="Group 41">
+            <a:extLst>
+              <a:ext uri="{FF2B5EF4-FFF2-40B4-BE49-F238E27FC236}">
+                <a16:creationId xmlns:a16="http://schemas.microsoft.com/office/drawing/2014/main" id="{0CEFD4A9-4915-45D4-A29C-B1CAD18B5655}"/>
+              </a:ext>
+              <a:ext uri="{C183D7F6-B498-43B3-948B-1728B52AA6E4}">
+                <adec:decorative xmlns:adec="http://schemas.microsoft.com/office/drawing/2017/decorative" val="1"/>
+              </a:ext>
+            </a:extLst>
+          </p:cNvPr>
+          <p:cNvGrpSpPr>
+            <a:grpSpLocks noGrp="1" noUngrp="1" noRot="1" noChangeAspect="1" noMove="1" noResize="1"/>
+          </p:cNvGrpSpPr>
+          <p:nvPr>
+            <p:extLst>
+              <p:ext uri="{386F3935-93C4-4BCD-93E2-E3B085C9AB24}">
+                <p16:designElem xmlns:p16="http://schemas.microsoft.com/office/powerpoint/2015/main" val="1"/>
+              </p:ext>
+            </p:extLst>
+          </p:nvPr>
+        </p:nvGrpSpPr>
+        <p:grpSpPr>
+          <a:xfrm>
+            <a:off x="-329674" y="-59376"/>
+            <a:ext cx="12515851" cy="6923798"/>
+            <a:chOff x="-329674" y="-51881"/>
+            <a:chExt cx="12515851" cy="6923798"/>
+          </a:xfrm>
+        </p:grpSpPr>
+        <p:sp>
+          <p:nvSpPr>
+            <p:cNvPr id="43" name="Freeform 5">
+              <a:extLst>
+                <a:ext uri="{FF2B5EF4-FFF2-40B4-BE49-F238E27FC236}">
+                  <a16:creationId xmlns:a16="http://schemas.microsoft.com/office/drawing/2014/main" id="{A5CF36E2-B193-4D62-B53E-AC7B474E5757}"/>
+                </a:ext>
+                <a:ext uri="{C183D7F6-B498-43B3-948B-1728B52AA6E4}">
+                  <adec:decorative xmlns:adec="http://schemas.microsoft.com/office/drawing/2017/decorative" val="1"/>
+                </a:ext>
+              </a:extLst>
+            </p:cNvPr>
+            <p:cNvSpPr>
+              <a:spLocks/>
+            </p:cNvSpPr>
+            <p:nvPr>
+              <p:extLst>
+                <p:ext uri="{386F3935-93C4-4BCD-93E2-E3B085C9AB24}">
+                  <p16:designElem xmlns:p16="http://schemas.microsoft.com/office/powerpoint/2015/main" val="1"/>
+                </p:ext>
+              </p:extLst>
+            </p:nvPr>
+          </p:nvSpPr>
+          <p:spPr bwMode="auto">
+            <a:xfrm>
+              <a:off x="-329674" y="1298404"/>
+              <a:ext cx="9702800" cy="5573512"/>
+            </a:xfrm>
+            <a:custGeom>
+              <a:avLst/>
+              <a:gdLst>
+                <a:gd name="T0" fmla="*/ 1752 w 2038"/>
+                <a:gd name="T1" fmla="*/ 1169 h 1169"/>
+                <a:gd name="T2" fmla="*/ 1487 w 2038"/>
+                <a:gd name="T3" fmla="*/ 334 h 1169"/>
+                <a:gd name="T4" fmla="*/ 860 w 2038"/>
+                <a:gd name="T5" fmla="*/ 22 h 1169"/>
+                <a:gd name="T6" fmla="*/ 199 w 2038"/>
+                <a:gd name="T7" fmla="*/ 318 h 1169"/>
+                <a:gd name="T8" fmla="*/ 399 w 2038"/>
+                <a:gd name="T9" fmla="*/ 1165 h 1169"/>
+              </a:gdLst>
+              <a:ahLst/>
+              <a:cxnLst>
+                <a:cxn ang="0">
+                  <a:pos x="T0" y="T1"/>
+                </a:cxn>
+                <a:cxn ang="0">
+                  <a:pos x="T2" y="T3"/>
+                </a:cxn>
+                <a:cxn ang="0">
+                  <a:pos x="T4" y="T5"/>
+                </a:cxn>
+                <a:cxn ang="0">
+                  <a:pos x="T6" y="T7"/>
+                </a:cxn>
+                <a:cxn ang="0">
+                  <a:pos x="T8" y="T9"/>
+                </a:cxn>
+              </a:cxnLst>
+              <a:rect l="0" t="0" r="r" b="b"/>
+              <a:pathLst>
+                <a:path w="2038" h="1169">
+                  <a:moveTo>
+                    <a:pt x="1752" y="1169"/>
+                  </a:moveTo>
+                  <a:cubicBezTo>
+                    <a:pt x="2038" y="928"/>
+                    <a:pt x="1673" y="513"/>
+                    <a:pt x="1487" y="334"/>
+                  </a:cubicBezTo>
+                  <a:cubicBezTo>
+                    <a:pt x="1316" y="170"/>
+                    <a:pt x="1099" y="43"/>
+                    <a:pt x="860" y="22"/>
+                  </a:cubicBezTo>
+                  <a:cubicBezTo>
+                    <a:pt x="621" y="0"/>
+                    <a:pt x="341" y="128"/>
+                    <a:pt x="199" y="318"/>
+                  </a:cubicBezTo>
+                  <a:cubicBezTo>
+                    <a:pt x="0" y="586"/>
+                    <a:pt x="184" y="965"/>
+                    <a:pt x="399" y="1165"/>
+                  </a:cubicBezTo>
+                </a:path>
+              </a:pathLst>
+            </a:custGeom>
+            <a:noFill/>
+            <a:ln w="9525" cap="flat">
+              <a:solidFill>
+                <a:schemeClr val="tx1">
+                  <a:alpha val="20000"/>
+                </a:schemeClr>
+              </a:solidFill>
+              <a:prstDash val="solid"/>
+              <a:miter lim="800000"/>
+              <a:headEnd/>
+              <a:tailEnd/>
+            </a:ln>
+            <a:extLst>
+              <a:ext uri="{909E8E84-426E-40DD-AFC4-6F175D3DCCD1}">
+                <a14:hiddenFill xmlns:a14="http://schemas.microsoft.com/office/drawing/2010/main">
+                  <a:solidFill>
+                    <a:srgbClr val="FFFFFF"/>
+                  </a:solidFill>
+                </a14:hiddenFill>
+              </a:ext>
+            </a:extLst>
+          </p:spPr>
+          <p:txBody>
+            <a:bodyPr vert="horz" wrap="square" lIns="91440" tIns="45720" rIns="91440" bIns="45720" numCol="1" anchor="t" anchorCtr="0" compatLnSpc="1">
+              <a:prstTxWarp prst="textNoShape">
+                <a:avLst/>
+              </a:prstTxWarp>
+            </a:bodyPr>
+            <a:lstStyle/>
+            <a:p>
+              <a:endParaRPr lang="en-US"/>
+            </a:p>
+          </p:txBody>
+        </p:sp>
+        <p:sp>
+          <p:nvSpPr>
+            <p:cNvPr id="44" name="Freeform 6">
+              <a:extLst>
+                <a:ext uri="{FF2B5EF4-FFF2-40B4-BE49-F238E27FC236}">
+                  <a16:creationId xmlns:a16="http://schemas.microsoft.com/office/drawing/2014/main" id="{66DA88D2-4BEF-49B2-BF3E-E4EB4E280D16}"/>
+                </a:ext>
+                <a:ext uri="{C183D7F6-B498-43B3-948B-1728B52AA6E4}">
+                  <adec:decorative xmlns:adec="http://schemas.microsoft.com/office/drawing/2017/decorative" val="1"/>
+                </a:ext>
+              </a:extLst>
+            </p:cNvPr>
+            <p:cNvSpPr>
+              <a:spLocks/>
+            </p:cNvSpPr>
+            <p:nvPr>
+              <p:extLst>
+                <p:ext uri="{386F3935-93C4-4BCD-93E2-E3B085C9AB24}">
+                  <p16:designElem xmlns:p16="http://schemas.microsoft.com/office/powerpoint/2015/main" val="1"/>
+                </p:ext>
+              </p:extLst>
+            </p:nvPr>
+          </p:nvSpPr>
+          <p:spPr bwMode="auto">
+            <a:xfrm>
+              <a:off x="670451" y="2018236"/>
+              <a:ext cx="7373938" cy="4848892"/>
+            </a:xfrm>
+            <a:custGeom>
+              <a:avLst/>
+              <a:gdLst>
+                <a:gd name="T0" fmla="*/ 1025 w 1549"/>
+                <a:gd name="T1" fmla="*/ 1016 h 1017"/>
+                <a:gd name="T2" fmla="*/ 1443 w 1549"/>
+                <a:gd name="T3" fmla="*/ 592 h 1017"/>
+                <a:gd name="T4" fmla="*/ 782 w 1549"/>
+                <a:gd name="T5" fmla="*/ 53 h 1017"/>
+                <a:gd name="T6" fmla="*/ 150 w 1549"/>
+                <a:gd name="T7" fmla="*/ 329 h 1017"/>
+                <a:gd name="T8" fmla="*/ 477 w 1549"/>
+                <a:gd name="T9" fmla="*/ 1017 h 1017"/>
+              </a:gdLst>
+              <a:ahLst/>
+              <a:cxnLst>
+                <a:cxn ang="0">
+                  <a:pos x="T0" y="T1"/>
+                </a:cxn>
+                <a:cxn ang="0">
+                  <a:pos x="T2" y="T3"/>
+                </a:cxn>
+                <a:cxn ang="0">
+                  <a:pos x="T4" y="T5"/>
+                </a:cxn>
+                <a:cxn ang="0">
+                  <a:pos x="T6" y="T7"/>
+                </a:cxn>
+                <a:cxn ang="0">
+                  <a:pos x="T8" y="T9"/>
+                </a:cxn>
+              </a:cxnLst>
+              <a:rect l="0" t="0" r="r" b="b"/>
+              <a:pathLst>
+                <a:path w="1549" h="1017">
+                  <a:moveTo>
+                    <a:pt x="1025" y="1016"/>
+                  </a:moveTo>
+                  <a:cubicBezTo>
+                    <a:pt x="1223" y="971"/>
+                    <a:pt x="1549" y="857"/>
+                    <a:pt x="1443" y="592"/>
+                  </a:cubicBezTo>
+                  <a:cubicBezTo>
+                    <a:pt x="1344" y="344"/>
+                    <a:pt x="1041" y="111"/>
+                    <a:pt x="782" y="53"/>
+                  </a:cubicBezTo>
+                  <a:cubicBezTo>
+                    <a:pt x="545" y="0"/>
+                    <a:pt x="275" y="117"/>
+                    <a:pt x="150" y="329"/>
+                  </a:cubicBezTo>
+                  <a:cubicBezTo>
+                    <a:pt x="0" y="584"/>
+                    <a:pt x="243" y="911"/>
+                    <a:pt x="477" y="1017"/>
+                  </a:cubicBezTo>
+                </a:path>
+              </a:pathLst>
+            </a:custGeom>
+            <a:noFill/>
+            <a:ln w="9525" cap="flat">
+              <a:solidFill>
+                <a:schemeClr val="tx1">
+                  <a:alpha val="20000"/>
+                </a:schemeClr>
+              </a:solidFill>
+              <a:prstDash val="solid"/>
+              <a:miter lim="800000"/>
+              <a:headEnd/>
+              <a:tailEnd/>
+            </a:ln>
+            <a:extLst>
+              <a:ext uri="{909E8E84-426E-40DD-AFC4-6F175D3DCCD1}">
+                <a14:hiddenFill xmlns:a14="http://schemas.microsoft.com/office/drawing/2010/main">
+                  <a:solidFill>
+                    <a:srgbClr val="FFFFFF"/>
+                  </a:solidFill>
+                </a14:hiddenFill>
+              </a:ext>
+            </a:extLst>
+          </p:spPr>
+          <p:txBody>
+            <a:bodyPr vert="horz" wrap="square" lIns="91440" tIns="45720" rIns="91440" bIns="45720" numCol="1" anchor="t" anchorCtr="0" compatLnSpc="1">
+              <a:prstTxWarp prst="textNoShape">
+                <a:avLst/>
+              </a:prstTxWarp>
+            </a:bodyPr>
+            <a:lstStyle/>
+            <a:p>
+              <a:endParaRPr lang="en-US"/>
+            </a:p>
+          </p:txBody>
+        </p:sp>
+        <p:sp>
+          <p:nvSpPr>
+            <p:cNvPr id="45" name="Freeform 7">
+              <a:extLst>
+                <a:ext uri="{FF2B5EF4-FFF2-40B4-BE49-F238E27FC236}">
+                  <a16:creationId xmlns:a16="http://schemas.microsoft.com/office/drawing/2014/main" id="{8B30D23E-C580-4DEA-9456-6FCDD8DA1843}"/>
+                </a:ext>
+                <a:ext uri="{C183D7F6-B498-43B3-948B-1728B52AA6E4}">
+                  <adec:decorative xmlns:adec="http://schemas.microsoft.com/office/drawing/2017/decorative" val="1"/>
+                </a:ext>
+              </a:extLst>
+            </p:cNvPr>
+            <p:cNvSpPr>
+              <a:spLocks/>
+            </p:cNvSpPr>
+            <p:nvPr>
+              <p:extLst>
+                <p:ext uri="{386F3935-93C4-4BCD-93E2-E3B085C9AB24}">
+                  <p16:designElem xmlns:p16="http://schemas.microsoft.com/office/powerpoint/2015/main" val="1"/>
+                </p:ext>
+              </p:extLst>
+            </p:nvPr>
+          </p:nvSpPr>
+          <p:spPr bwMode="auto">
+            <a:xfrm>
+              <a:off x="251351" y="1788400"/>
+              <a:ext cx="8035925" cy="5083516"/>
+            </a:xfrm>
+            <a:custGeom>
+              <a:avLst/>
+              <a:gdLst>
+                <a:gd name="T0" fmla="*/ 1302 w 1688"/>
+                <a:gd name="T1" fmla="*/ 1066 h 1066"/>
+                <a:gd name="T2" fmla="*/ 1613 w 1688"/>
+                <a:gd name="T3" fmla="*/ 850 h 1066"/>
+                <a:gd name="T4" fmla="*/ 1517 w 1688"/>
+                <a:gd name="T5" fmla="*/ 471 h 1066"/>
+                <a:gd name="T6" fmla="*/ 798 w 1688"/>
+                <a:gd name="T7" fmla="*/ 28 h 1066"/>
+                <a:gd name="T8" fmla="*/ 181 w 1688"/>
+                <a:gd name="T9" fmla="*/ 333 h 1066"/>
+                <a:gd name="T10" fmla="*/ 420 w 1688"/>
+                <a:gd name="T11" fmla="*/ 1066 h 1066"/>
+              </a:gdLst>
+              <a:ahLst/>
+              <a:cxnLst>
+                <a:cxn ang="0">
+                  <a:pos x="T0" y="T1"/>
+                </a:cxn>
+                <a:cxn ang="0">
+                  <a:pos x="T2" y="T3"/>
+                </a:cxn>
+                <a:cxn ang="0">
+                  <a:pos x="T4" y="T5"/>
+                </a:cxn>
+                <a:cxn ang="0">
+                  <a:pos x="T6" y="T7"/>
+                </a:cxn>
+                <a:cxn ang="0">
+                  <a:pos x="T8" y="T9"/>
+                </a:cxn>
+                <a:cxn ang="0">
+                  <a:pos x="T10" y="T11"/>
+                </a:cxn>
+              </a:cxnLst>
+              <a:rect l="0" t="0" r="r" b="b"/>
+              <a:pathLst>
+                <a:path w="1688" h="1066">
+                  <a:moveTo>
+                    <a:pt x="1302" y="1066"/>
+                  </a:moveTo>
+                  <a:cubicBezTo>
+                    <a:pt x="1416" y="1024"/>
+                    <a:pt x="1551" y="962"/>
+                    <a:pt x="1613" y="850"/>
+                  </a:cubicBezTo>
+                  <a:cubicBezTo>
+                    <a:pt x="1688" y="715"/>
+                    <a:pt x="1606" y="575"/>
+                    <a:pt x="1517" y="471"/>
+                  </a:cubicBezTo>
+                  <a:cubicBezTo>
+                    <a:pt x="1336" y="258"/>
+                    <a:pt x="1084" y="62"/>
+                    <a:pt x="798" y="28"/>
+                  </a:cubicBezTo>
+                  <a:cubicBezTo>
+                    <a:pt x="559" y="0"/>
+                    <a:pt x="317" y="138"/>
+                    <a:pt x="181" y="333"/>
+                  </a:cubicBezTo>
+                  <a:cubicBezTo>
+                    <a:pt x="0" y="592"/>
+                    <a:pt x="191" y="907"/>
+                    <a:pt x="420" y="1066"/>
+                  </a:cubicBezTo>
+                </a:path>
+              </a:pathLst>
+            </a:custGeom>
+            <a:noFill/>
+            <a:ln w="9525" cap="flat">
+              <a:solidFill>
+                <a:schemeClr val="tx1">
+                  <a:alpha val="20000"/>
+                </a:schemeClr>
+              </a:solidFill>
+              <a:prstDash val="dash"/>
+              <a:miter lim="800000"/>
+              <a:headEnd/>
+              <a:tailEnd/>
+            </a:ln>
+            <a:extLst>
+              <a:ext uri="{909E8E84-426E-40DD-AFC4-6F175D3DCCD1}">
+                <a14:hiddenFill xmlns:a14="http://schemas.microsoft.com/office/drawing/2010/main">
+                  <a:solidFill>
+                    <a:srgbClr val="FFFFFF"/>
+                  </a:solidFill>
+                </a14:hiddenFill>
+              </a:ext>
+            </a:extLst>
+          </p:spPr>
+          <p:txBody>
+            <a:bodyPr vert="horz" wrap="square" lIns="91440" tIns="45720" rIns="91440" bIns="45720" numCol="1" anchor="t" anchorCtr="0" compatLnSpc="1">
+              <a:prstTxWarp prst="textNoShape">
+                <a:avLst/>
+              </a:prstTxWarp>
+            </a:bodyPr>
+            <a:lstStyle/>
+            <a:p>
+              <a:endParaRPr lang="en-US"/>
+            </a:p>
+          </p:txBody>
+        </p:sp>
+        <p:sp>
+          <p:nvSpPr>
+            <p:cNvPr id="46" name="Freeform 8">
+              <a:extLst>
+                <a:ext uri="{FF2B5EF4-FFF2-40B4-BE49-F238E27FC236}">
+                  <a16:creationId xmlns:a16="http://schemas.microsoft.com/office/drawing/2014/main" id="{DD9948CB-5950-4241-B28B-8AF0C339CDBD}"/>
+                </a:ext>
+                <a:ext uri="{C183D7F6-B498-43B3-948B-1728B52AA6E4}">
+                  <adec:decorative xmlns:adec="http://schemas.microsoft.com/office/drawing/2017/decorative" val="1"/>
+                </a:ext>
+              </a:extLst>
+            </p:cNvPr>
+            <p:cNvSpPr>
+              <a:spLocks/>
+            </p:cNvSpPr>
+            <p:nvPr>
+              <p:extLst>
+                <p:ext uri="{386F3935-93C4-4BCD-93E2-E3B085C9AB24}">
+                  <p16:designElem xmlns:p16="http://schemas.microsoft.com/office/powerpoint/2015/main" val="1"/>
+                </p:ext>
+              </p:extLst>
+            </p:nvPr>
+          </p:nvSpPr>
+          <p:spPr bwMode="auto">
+            <a:xfrm>
+              <a:off x="-1061" y="549842"/>
+              <a:ext cx="10334625" cy="6322075"/>
+            </a:xfrm>
+            <a:custGeom>
+              <a:avLst/>
+              <a:gdLst>
+                <a:gd name="T0" fmla="*/ 1873 w 2171"/>
+                <a:gd name="T1" fmla="*/ 1326 h 1326"/>
+                <a:gd name="T2" fmla="*/ 1609 w 2171"/>
+                <a:gd name="T3" fmla="*/ 473 h 1326"/>
+                <a:gd name="T4" fmla="*/ 880 w 2171"/>
+                <a:gd name="T5" fmla="*/ 63 h 1326"/>
+                <a:gd name="T6" fmla="*/ 0 w 2171"/>
+                <a:gd name="T7" fmla="*/ 423 h 1326"/>
+              </a:gdLst>
+              <a:ahLst/>
+              <a:cxnLst>
+                <a:cxn ang="0">
+                  <a:pos x="T0" y="T1"/>
+                </a:cxn>
+                <a:cxn ang="0">
+                  <a:pos x="T2" y="T3"/>
+                </a:cxn>
+                <a:cxn ang="0">
+                  <a:pos x="T4" y="T5"/>
+                </a:cxn>
+                <a:cxn ang="0">
+                  <a:pos x="T6" y="T7"/>
+                </a:cxn>
+              </a:cxnLst>
+              <a:rect l="0" t="0" r="r" b="b"/>
+              <a:pathLst>
+                <a:path w="2171" h="1326">
+                  <a:moveTo>
+                    <a:pt x="1873" y="1326"/>
+                  </a:moveTo>
+                  <a:cubicBezTo>
+                    <a:pt x="2171" y="1045"/>
+                    <a:pt x="1825" y="678"/>
+                    <a:pt x="1609" y="473"/>
+                  </a:cubicBezTo>
+                  <a:cubicBezTo>
+                    <a:pt x="1406" y="281"/>
+                    <a:pt x="1159" y="116"/>
+                    <a:pt x="880" y="63"/>
+                  </a:cubicBezTo>
+                  <a:cubicBezTo>
+                    <a:pt x="545" y="0"/>
+                    <a:pt x="214" y="161"/>
+                    <a:pt x="0" y="423"/>
+                  </a:cubicBezTo>
+                </a:path>
+              </a:pathLst>
+            </a:custGeom>
+            <a:noFill/>
+            <a:ln w="9525" cap="flat">
+              <a:solidFill>
+                <a:schemeClr val="tx1">
+                  <a:alpha val="20000"/>
+                </a:schemeClr>
+              </a:solidFill>
+              <a:prstDash val="solid"/>
+              <a:miter lim="800000"/>
+              <a:headEnd/>
+              <a:tailEnd/>
+            </a:ln>
+            <a:extLst>
+              <a:ext uri="{909E8E84-426E-40DD-AFC4-6F175D3DCCD1}">
+                <a14:hiddenFill xmlns:a14="http://schemas.microsoft.com/office/drawing/2010/main">
+                  <a:solidFill>
+                    <a:srgbClr val="FFFFFF"/>
+                  </a:solidFill>
+                </a14:hiddenFill>
+              </a:ext>
+            </a:extLst>
+          </p:spPr>
+          <p:txBody>
+            <a:bodyPr vert="horz" wrap="square" lIns="91440" tIns="45720" rIns="91440" bIns="45720" numCol="1" anchor="t" anchorCtr="0" compatLnSpc="1">
+              <a:prstTxWarp prst="textNoShape">
+                <a:avLst/>
+              </a:prstTxWarp>
+            </a:bodyPr>
+            <a:lstStyle/>
+            <a:p>
+              <a:endParaRPr lang="en-US"/>
+            </a:p>
+          </p:txBody>
+        </p:sp>
+        <p:sp>
+          <p:nvSpPr>
+            <p:cNvPr id="47" name="Freeform 9">
+              <a:extLst>
+                <a:ext uri="{FF2B5EF4-FFF2-40B4-BE49-F238E27FC236}">
+                  <a16:creationId xmlns:a16="http://schemas.microsoft.com/office/drawing/2014/main" id="{AE9C682F-0AA7-4D2C-9CAD-8DFAD39C7EAC}"/>
+                </a:ext>
+                <a:ext uri="{C183D7F6-B498-43B3-948B-1728B52AA6E4}">
+                  <adec:decorative xmlns:adec="http://schemas.microsoft.com/office/drawing/2017/decorative" val="1"/>
+                </a:ext>
+              </a:extLst>
+            </p:cNvPr>
+            <p:cNvSpPr>
+              <a:spLocks/>
+            </p:cNvSpPr>
+            <p:nvPr>
+              <p:extLst>
+                <p:ext uri="{386F3935-93C4-4BCD-93E2-E3B085C9AB24}">
+                  <p16:designElem xmlns:p16="http://schemas.microsoft.com/office/powerpoint/2015/main" val="1"/>
+                </p:ext>
+              </p:extLst>
+            </p:nvPr>
+          </p:nvSpPr>
+          <p:spPr bwMode="auto">
+            <a:xfrm>
+              <a:off x="3701" y="6186246"/>
+              <a:ext cx="504825" cy="681527"/>
+            </a:xfrm>
+            <a:custGeom>
+              <a:avLst/>
+              <a:gdLst>
+                <a:gd name="T0" fmla="*/ 0 w 106"/>
+                <a:gd name="T1" fmla="*/ 0 h 143"/>
+                <a:gd name="T2" fmla="*/ 106 w 106"/>
+                <a:gd name="T3" fmla="*/ 143 h 143"/>
+              </a:gdLst>
+              <a:ahLst/>
+              <a:cxnLst>
+                <a:cxn ang="0">
+                  <a:pos x="T0" y="T1"/>
+                </a:cxn>
+                <a:cxn ang="0">
+                  <a:pos x="T2" y="T3"/>
+                </a:cxn>
+              </a:cxnLst>
+              <a:rect l="0" t="0" r="r" b="b"/>
+              <a:pathLst>
+                <a:path w="106" h="143">
+                  <a:moveTo>
+                    <a:pt x="0" y="0"/>
+                  </a:moveTo>
+                  <a:cubicBezTo>
+                    <a:pt x="35" y="54"/>
+                    <a:pt x="70" y="101"/>
+                    <a:pt x="106" y="143"/>
+                  </a:cubicBezTo>
+                </a:path>
+              </a:pathLst>
+            </a:custGeom>
+            <a:noFill/>
+            <a:ln w="4763" cap="flat">
+              <a:solidFill>
+                <a:schemeClr val="tx1">
+                  <a:alpha val="20000"/>
+                </a:schemeClr>
+              </a:solidFill>
+              <a:prstDash val="solid"/>
+              <a:miter lim="800000"/>
+              <a:headEnd/>
+              <a:tailEnd/>
+            </a:ln>
+            <a:extLst>
+              <a:ext uri="{909E8E84-426E-40DD-AFC4-6F175D3DCCD1}">
+                <a14:hiddenFill xmlns:a14="http://schemas.microsoft.com/office/drawing/2010/main">
+                  <a:solidFill>
+                    <a:srgbClr val="FFFFFF"/>
+                  </a:solidFill>
+                </a14:hiddenFill>
+              </a:ext>
+            </a:extLst>
+          </p:spPr>
+          <p:txBody>
+            <a:bodyPr vert="horz" wrap="square" lIns="91440" tIns="45720" rIns="91440" bIns="45720" numCol="1" anchor="t" anchorCtr="0" compatLnSpc="1">
+              <a:prstTxWarp prst="textNoShape">
+                <a:avLst/>
+              </a:prstTxWarp>
+            </a:bodyPr>
+            <a:lstStyle/>
+            <a:p>
+              <a:endParaRPr lang="en-US"/>
+            </a:p>
+          </p:txBody>
+        </p:sp>
+        <p:sp>
+          <p:nvSpPr>
+            <p:cNvPr id="48" name="Freeform 10">
+              <a:extLst>
+                <a:ext uri="{FF2B5EF4-FFF2-40B4-BE49-F238E27FC236}">
+                  <a16:creationId xmlns:a16="http://schemas.microsoft.com/office/drawing/2014/main" id="{87F2834D-298D-4870-8552-B40DC2A0316E}"/>
+                </a:ext>
+                <a:ext uri="{C183D7F6-B498-43B3-948B-1728B52AA6E4}">
+                  <adec:decorative xmlns:adec="http://schemas.microsoft.com/office/drawing/2017/decorative" val="1"/>
+                </a:ext>
+              </a:extLst>
+            </p:cNvPr>
+            <p:cNvSpPr>
+              <a:spLocks/>
+            </p:cNvSpPr>
+            <p:nvPr>
+              <p:extLst>
+                <p:ext uri="{386F3935-93C4-4BCD-93E2-E3B085C9AB24}">
+                  <p16:designElem xmlns:p16="http://schemas.microsoft.com/office/powerpoint/2015/main" val="1"/>
+                </p:ext>
+              </p:extLst>
+            </p:nvPr>
+          </p:nvSpPr>
+          <p:spPr bwMode="auto">
+            <a:xfrm>
+              <a:off x="-1061" y="-51881"/>
+              <a:ext cx="11091863" cy="6923796"/>
+            </a:xfrm>
+            <a:custGeom>
+              <a:avLst/>
+              <a:gdLst>
+                <a:gd name="T0" fmla="*/ 2046 w 2330"/>
+                <a:gd name="T1" fmla="*/ 1452 h 1452"/>
+                <a:gd name="T2" fmla="*/ 1813 w 2330"/>
+                <a:gd name="T3" fmla="*/ 601 h 1452"/>
+                <a:gd name="T4" fmla="*/ 956 w 2330"/>
+                <a:gd name="T5" fmla="*/ 97 h 1452"/>
+                <a:gd name="T6" fmla="*/ 0 w 2330"/>
+                <a:gd name="T7" fmla="*/ 366 h 1452"/>
+              </a:gdLst>
+              <a:ahLst/>
+              <a:cxnLst>
+                <a:cxn ang="0">
+                  <a:pos x="T0" y="T1"/>
+                </a:cxn>
+                <a:cxn ang="0">
+                  <a:pos x="T2" y="T3"/>
+                </a:cxn>
+                <a:cxn ang="0">
+                  <a:pos x="T4" y="T5"/>
+                </a:cxn>
+                <a:cxn ang="0">
+                  <a:pos x="T6" y="T7"/>
+                </a:cxn>
+              </a:cxnLst>
+              <a:rect l="0" t="0" r="r" b="b"/>
+              <a:pathLst>
+                <a:path w="2330" h="1452">
+                  <a:moveTo>
+                    <a:pt x="2046" y="1452"/>
+                  </a:moveTo>
+                  <a:cubicBezTo>
+                    <a:pt x="2330" y="1153"/>
+                    <a:pt x="2049" y="821"/>
+                    <a:pt x="1813" y="601"/>
+                  </a:cubicBezTo>
+                  <a:cubicBezTo>
+                    <a:pt x="1569" y="375"/>
+                    <a:pt x="1282" y="179"/>
+                    <a:pt x="956" y="97"/>
+                  </a:cubicBezTo>
+                  <a:cubicBezTo>
+                    <a:pt x="572" y="0"/>
+                    <a:pt x="292" y="101"/>
+                    <a:pt x="0" y="366"/>
+                  </a:cubicBezTo>
+                </a:path>
+              </a:pathLst>
+            </a:custGeom>
+            <a:noFill/>
+            <a:ln w="9525" cap="flat">
+              <a:solidFill>
+                <a:schemeClr val="tx1">
+                  <a:alpha val="20000"/>
+                </a:schemeClr>
+              </a:solidFill>
+              <a:prstDash val="solid"/>
+              <a:miter lim="800000"/>
+              <a:headEnd/>
+              <a:tailEnd/>
+            </a:ln>
+            <a:extLst>
+              <a:ext uri="{909E8E84-426E-40DD-AFC4-6F175D3DCCD1}">
+                <a14:hiddenFill xmlns:a14="http://schemas.microsoft.com/office/drawing/2010/main">
+                  <a:solidFill>
+                    <a:srgbClr val="FFFFFF"/>
+                  </a:solidFill>
+                </a14:hiddenFill>
+              </a:ext>
+            </a:extLst>
+          </p:spPr>
+          <p:txBody>
+            <a:bodyPr vert="horz" wrap="square" lIns="91440" tIns="45720" rIns="91440" bIns="45720" numCol="1" anchor="t" anchorCtr="0" compatLnSpc="1">
+              <a:prstTxWarp prst="textNoShape">
+                <a:avLst/>
+              </a:prstTxWarp>
+            </a:bodyPr>
+            <a:lstStyle/>
+            <a:p>
+              <a:endParaRPr lang="en-US"/>
+            </a:p>
+          </p:txBody>
+        </p:sp>
+        <p:sp>
+          <p:nvSpPr>
+            <p:cNvPr id="49" name="Freeform 11">
+              <a:extLst>
+                <a:ext uri="{FF2B5EF4-FFF2-40B4-BE49-F238E27FC236}">
+                  <a16:creationId xmlns:a16="http://schemas.microsoft.com/office/drawing/2014/main" id="{2C6A1A69-052C-4B3B-9281-D0075ED95095}"/>
+                </a:ext>
+                <a:ext uri="{C183D7F6-B498-43B3-948B-1728B52AA6E4}">
+                  <adec:decorative xmlns:adec="http://schemas.microsoft.com/office/drawing/2017/decorative" val="1"/>
+                </a:ext>
+              </a:extLst>
+            </p:cNvPr>
+            <p:cNvSpPr>
+              <a:spLocks/>
+            </p:cNvSpPr>
+            <p:nvPr>
+              <p:extLst>
+                <p:ext uri="{386F3935-93C4-4BCD-93E2-E3B085C9AB24}">
+                  <p16:designElem xmlns:p16="http://schemas.microsoft.com/office/powerpoint/2015/main" val="1"/>
+                </p:ext>
+              </p:extLst>
+            </p:nvPr>
+          </p:nvSpPr>
+          <p:spPr bwMode="auto">
+            <a:xfrm>
+              <a:off x="5426601" y="5579"/>
+              <a:ext cx="5788025" cy="6847184"/>
+            </a:xfrm>
+            <a:custGeom>
+              <a:avLst/>
+              <a:gdLst>
+                <a:gd name="T0" fmla="*/ 1094 w 1216"/>
+                <a:gd name="T1" fmla="*/ 1436 h 1436"/>
+                <a:gd name="T2" fmla="*/ 709 w 1216"/>
+                <a:gd name="T3" fmla="*/ 551 h 1436"/>
+                <a:gd name="T4" fmla="*/ 0 w 1216"/>
+                <a:gd name="T5" fmla="*/ 0 h 1436"/>
+              </a:gdLst>
+              <a:ahLst/>
+              <a:cxnLst>
+                <a:cxn ang="0">
+                  <a:pos x="T0" y="T1"/>
+                </a:cxn>
+                <a:cxn ang="0">
+                  <a:pos x="T2" y="T3"/>
+                </a:cxn>
+                <a:cxn ang="0">
+                  <a:pos x="T4" y="T5"/>
+                </a:cxn>
+              </a:cxnLst>
+              <a:rect l="0" t="0" r="r" b="b"/>
+              <a:pathLst>
+                <a:path w="1216" h="1436">
+                  <a:moveTo>
+                    <a:pt x="1094" y="1436"/>
+                  </a:moveTo>
+                  <a:cubicBezTo>
+                    <a:pt x="1216" y="1114"/>
+                    <a:pt x="904" y="770"/>
+                    <a:pt x="709" y="551"/>
+                  </a:cubicBezTo>
+                  <a:cubicBezTo>
+                    <a:pt x="509" y="327"/>
+                    <a:pt x="274" y="127"/>
+                    <a:pt x="0" y="0"/>
+                  </a:cubicBezTo>
+                </a:path>
+              </a:pathLst>
+            </a:custGeom>
+            <a:noFill/>
+            <a:ln w="9525" cap="flat">
+              <a:solidFill>
+                <a:schemeClr val="tx1">
+                  <a:alpha val="20000"/>
+                </a:schemeClr>
+              </a:solidFill>
+              <a:prstDash val="solid"/>
+              <a:miter lim="800000"/>
+              <a:headEnd/>
+              <a:tailEnd/>
+            </a:ln>
+            <a:extLst>
+              <a:ext uri="{909E8E84-426E-40DD-AFC4-6F175D3DCCD1}">
+                <a14:hiddenFill xmlns:a14="http://schemas.microsoft.com/office/drawing/2010/main">
+                  <a:solidFill>
+                    <a:srgbClr val="FFFFFF"/>
+                  </a:solidFill>
+                </a14:hiddenFill>
+              </a:ext>
+            </a:extLst>
+          </p:spPr>
+          <p:txBody>
+            <a:bodyPr vert="horz" wrap="square" lIns="91440" tIns="45720" rIns="91440" bIns="45720" numCol="1" anchor="t" anchorCtr="0" compatLnSpc="1">
+              <a:prstTxWarp prst="textNoShape">
+                <a:avLst/>
+              </a:prstTxWarp>
+            </a:bodyPr>
+            <a:lstStyle/>
+            <a:p>
+              <a:endParaRPr lang="en-US"/>
+            </a:p>
+          </p:txBody>
+        </p:sp>
+        <p:sp>
+          <p:nvSpPr>
+            <p:cNvPr id="50" name="Freeform 12">
+              <a:extLst>
+                <a:ext uri="{FF2B5EF4-FFF2-40B4-BE49-F238E27FC236}">
+                  <a16:creationId xmlns:a16="http://schemas.microsoft.com/office/drawing/2014/main" id="{0723C072-5D99-41B7-8E18-FE01B94BC67A}"/>
+                </a:ext>
+                <a:ext uri="{C183D7F6-B498-43B3-948B-1728B52AA6E4}">
+                  <adec:decorative xmlns:adec="http://schemas.microsoft.com/office/drawing/2017/decorative" val="1"/>
+                </a:ext>
+              </a:extLst>
+            </p:cNvPr>
+            <p:cNvSpPr>
+              <a:spLocks/>
+            </p:cNvSpPr>
+            <p:nvPr>
+              <p:extLst>
+                <p:ext uri="{386F3935-93C4-4BCD-93E2-E3B085C9AB24}">
+                  <p16:designElem xmlns:p16="http://schemas.microsoft.com/office/powerpoint/2015/main" val="1"/>
+                </p:ext>
+              </p:extLst>
+            </p:nvPr>
+          </p:nvSpPr>
+          <p:spPr bwMode="auto">
+            <a:xfrm>
+              <a:off x="-1061" y="5579"/>
+              <a:ext cx="1057275" cy="614491"/>
+            </a:xfrm>
+            <a:custGeom>
+              <a:avLst/>
+              <a:gdLst>
+                <a:gd name="T0" fmla="*/ 222 w 222"/>
+                <a:gd name="T1" fmla="*/ 0 h 129"/>
+                <a:gd name="T2" fmla="*/ 0 w 222"/>
+                <a:gd name="T3" fmla="*/ 129 h 129"/>
+              </a:gdLst>
+              <a:ahLst/>
+              <a:cxnLst>
+                <a:cxn ang="0">
+                  <a:pos x="T0" y="T1"/>
+                </a:cxn>
+                <a:cxn ang="0">
+                  <a:pos x="T2" y="T3"/>
+                </a:cxn>
+              </a:cxnLst>
+              <a:rect l="0" t="0" r="r" b="b"/>
+              <a:pathLst>
+                <a:path w="222" h="129">
+                  <a:moveTo>
+                    <a:pt x="222" y="0"/>
+                  </a:moveTo>
+                  <a:cubicBezTo>
+                    <a:pt x="152" y="35"/>
+                    <a:pt x="76" y="78"/>
+                    <a:pt x="0" y="129"/>
+                  </a:cubicBezTo>
+                </a:path>
+              </a:pathLst>
+            </a:custGeom>
+            <a:noFill/>
+            <a:ln w="9525" cap="flat">
+              <a:solidFill>
+                <a:schemeClr val="tx1">
+                  <a:alpha val="20000"/>
+                </a:schemeClr>
+              </a:solidFill>
+              <a:prstDash val="solid"/>
+              <a:miter lim="800000"/>
+              <a:headEnd/>
+              <a:tailEnd/>
+            </a:ln>
+            <a:extLst>
+              <a:ext uri="{909E8E84-426E-40DD-AFC4-6F175D3DCCD1}">
+                <a14:hiddenFill xmlns:a14="http://schemas.microsoft.com/office/drawing/2010/main">
+                  <a:solidFill>
+                    <a:srgbClr val="FFFFFF"/>
+                  </a:solidFill>
+                </a14:hiddenFill>
+              </a:ext>
+            </a:extLst>
+          </p:spPr>
+          <p:txBody>
+            <a:bodyPr vert="horz" wrap="square" lIns="91440" tIns="45720" rIns="91440" bIns="45720" numCol="1" anchor="t" anchorCtr="0" compatLnSpc="1">
+              <a:prstTxWarp prst="textNoShape">
+                <a:avLst/>
+              </a:prstTxWarp>
+            </a:bodyPr>
+            <a:lstStyle/>
+            <a:p>
+              <a:endParaRPr lang="en-US"/>
+            </a:p>
+          </p:txBody>
+        </p:sp>
+        <p:sp>
+          <p:nvSpPr>
+            <p:cNvPr id="51" name="Freeform 13">
+              <a:extLst>
+                <a:ext uri="{FF2B5EF4-FFF2-40B4-BE49-F238E27FC236}">
+                  <a16:creationId xmlns:a16="http://schemas.microsoft.com/office/drawing/2014/main" id="{621A3364-D7B1-4E6D-9060-FDC5B1A751BC}"/>
+                </a:ext>
+                <a:ext uri="{C183D7F6-B498-43B3-948B-1728B52AA6E4}">
+                  <adec:decorative xmlns:adec="http://schemas.microsoft.com/office/drawing/2017/decorative" val="1"/>
+                </a:ext>
+              </a:extLst>
+            </p:cNvPr>
+            <p:cNvSpPr>
+              <a:spLocks/>
+            </p:cNvSpPr>
+            <p:nvPr>
+              <p:extLst>
+                <p:ext uri="{386F3935-93C4-4BCD-93E2-E3B085C9AB24}">
+                  <p16:designElem xmlns:p16="http://schemas.microsoft.com/office/powerpoint/2015/main" val="1"/>
+                </p:ext>
+              </p:extLst>
+            </p:nvPr>
+          </p:nvSpPr>
+          <p:spPr bwMode="auto">
+            <a:xfrm>
+              <a:off x="5821889" y="5579"/>
+              <a:ext cx="5588000" cy="6866337"/>
+            </a:xfrm>
+            <a:custGeom>
+              <a:avLst/>
+              <a:gdLst>
+                <a:gd name="T0" fmla="*/ 1067 w 1174"/>
+                <a:gd name="T1" fmla="*/ 1440 h 1440"/>
+                <a:gd name="T2" fmla="*/ 698 w 1174"/>
+                <a:gd name="T3" fmla="*/ 577 h 1440"/>
+                <a:gd name="T4" fmla="*/ 0 w 1174"/>
+                <a:gd name="T5" fmla="*/ 0 h 1440"/>
+              </a:gdLst>
+              <a:ahLst/>
+              <a:cxnLst>
+                <a:cxn ang="0">
+                  <a:pos x="T0" y="T1"/>
+                </a:cxn>
+                <a:cxn ang="0">
+                  <a:pos x="T2" y="T3"/>
+                </a:cxn>
+                <a:cxn ang="0">
+                  <a:pos x="T4" y="T5"/>
+                </a:cxn>
+              </a:cxnLst>
+              <a:rect l="0" t="0" r="r" b="b"/>
+              <a:pathLst>
+                <a:path w="1174" h="1440">
+                  <a:moveTo>
+                    <a:pt x="1067" y="1440"/>
+                  </a:moveTo>
+                  <a:cubicBezTo>
+                    <a:pt x="1174" y="1124"/>
+                    <a:pt x="887" y="797"/>
+                    <a:pt x="698" y="577"/>
+                  </a:cubicBezTo>
+                  <a:cubicBezTo>
+                    <a:pt x="500" y="348"/>
+                    <a:pt x="270" y="141"/>
+                    <a:pt x="0" y="0"/>
+                  </a:cubicBezTo>
+                </a:path>
+              </a:pathLst>
+            </a:custGeom>
+            <a:noFill/>
+            <a:ln w="9525" cap="flat">
+              <a:solidFill>
+                <a:schemeClr val="tx1">
+                  <a:alpha val="20000"/>
+                </a:schemeClr>
+              </a:solidFill>
+              <a:prstDash val="dash"/>
+              <a:miter lim="800000"/>
+              <a:headEnd/>
+              <a:tailEnd/>
+            </a:ln>
+            <a:extLst>
+              <a:ext uri="{909E8E84-426E-40DD-AFC4-6F175D3DCCD1}">
+                <a14:hiddenFill xmlns:a14="http://schemas.microsoft.com/office/drawing/2010/main">
+                  <a:solidFill>
+                    <a:srgbClr val="FFFFFF"/>
+                  </a:solidFill>
+                </a14:hiddenFill>
+              </a:ext>
+            </a:extLst>
+          </p:spPr>
+          <p:txBody>
+            <a:bodyPr vert="horz" wrap="square" lIns="91440" tIns="45720" rIns="91440" bIns="45720" numCol="1" anchor="t" anchorCtr="0" compatLnSpc="1">
+              <a:prstTxWarp prst="textNoShape">
+                <a:avLst/>
+              </a:prstTxWarp>
+            </a:bodyPr>
+            <a:lstStyle/>
+            <a:p>
+              <a:endParaRPr lang="en-US"/>
+            </a:p>
+          </p:txBody>
+        </p:sp>
+        <p:sp>
+          <p:nvSpPr>
+            <p:cNvPr id="52" name="Freeform 14">
+              <a:extLst>
+                <a:ext uri="{FF2B5EF4-FFF2-40B4-BE49-F238E27FC236}">
+                  <a16:creationId xmlns:a16="http://schemas.microsoft.com/office/drawing/2014/main" id="{6CB1F4B2-A092-4B02-9D76-FE8EA3B90E6F}"/>
+                </a:ext>
+                <a:ext uri="{C183D7F6-B498-43B3-948B-1728B52AA6E4}">
+                  <adec:decorative xmlns:adec="http://schemas.microsoft.com/office/drawing/2017/decorative" val="1"/>
+                </a:ext>
+              </a:extLst>
+            </p:cNvPr>
+            <p:cNvSpPr>
+              <a:spLocks/>
+            </p:cNvSpPr>
+            <p:nvPr>
+              <p:extLst>
+                <p:ext uri="{386F3935-93C4-4BCD-93E2-E3B085C9AB24}">
+                  <p16:designElem xmlns:p16="http://schemas.microsoft.com/office/powerpoint/2015/main" val="1"/>
+                </p:ext>
+              </p:extLst>
+            </p:nvPr>
+          </p:nvSpPr>
+          <p:spPr bwMode="auto">
+            <a:xfrm>
+              <a:off x="3701" y="790"/>
+              <a:ext cx="595313" cy="352734"/>
+            </a:xfrm>
+            <a:custGeom>
+              <a:avLst/>
+              <a:gdLst>
+                <a:gd name="T0" fmla="*/ 125 w 125"/>
+                <a:gd name="T1" fmla="*/ 0 h 74"/>
+                <a:gd name="T2" fmla="*/ 0 w 125"/>
+                <a:gd name="T3" fmla="*/ 74 h 74"/>
+              </a:gdLst>
+              <a:ahLst/>
+              <a:cxnLst>
+                <a:cxn ang="0">
+                  <a:pos x="T0" y="T1"/>
+                </a:cxn>
+                <a:cxn ang="0">
+                  <a:pos x="T2" y="T3"/>
+                </a:cxn>
+              </a:cxnLst>
+              <a:rect l="0" t="0" r="r" b="b"/>
+              <a:pathLst>
+                <a:path w="125" h="74">
+                  <a:moveTo>
+                    <a:pt x="125" y="0"/>
+                  </a:moveTo>
+                  <a:cubicBezTo>
+                    <a:pt x="85" y="22"/>
+                    <a:pt x="43" y="47"/>
+                    <a:pt x="0" y="74"/>
+                  </a:cubicBezTo>
+                </a:path>
+              </a:pathLst>
+            </a:custGeom>
+            <a:noFill/>
+            <a:ln w="9525" cap="flat">
+              <a:solidFill>
+                <a:schemeClr val="tx1">
+                  <a:alpha val="20000"/>
+                </a:schemeClr>
+              </a:solidFill>
+              <a:prstDash val="dash"/>
+              <a:miter lim="800000"/>
+              <a:headEnd/>
+              <a:tailEnd/>
+            </a:ln>
+            <a:extLst>
+              <a:ext uri="{909E8E84-426E-40DD-AFC4-6F175D3DCCD1}">
+                <a14:hiddenFill xmlns:a14="http://schemas.microsoft.com/office/drawing/2010/main">
+                  <a:solidFill>
+                    <a:srgbClr val="FFFFFF"/>
+                  </a:solidFill>
+                </a14:hiddenFill>
+              </a:ext>
+            </a:extLst>
+          </p:spPr>
+          <p:txBody>
+            <a:bodyPr vert="horz" wrap="square" lIns="91440" tIns="45720" rIns="91440" bIns="45720" numCol="1" anchor="t" anchorCtr="0" compatLnSpc="1">
+              <a:prstTxWarp prst="textNoShape">
+                <a:avLst/>
+              </a:prstTxWarp>
+            </a:bodyPr>
+            <a:lstStyle/>
+            <a:p>
+              <a:endParaRPr lang="en-US"/>
+            </a:p>
+          </p:txBody>
+        </p:sp>
+        <p:sp>
+          <p:nvSpPr>
+            <p:cNvPr id="53" name="Freeform 15">
+              <a:extLst>
+                <a:ext uri="{FF2B5EF4-FFF2-40B4-BE49-F238E27FC236}">
+                  <a16:creationId xmlns:a16="http://schemas.microsoft.com/office/drawing/2014/main" id="{1A423547-C17C-4980-B19F-FF8C559FD2C6}"/>
+                </a:ext>
+                <a:ext uri="{C183D7F6-B498-43B3-948B-1728B52AA6E4}">
+                  <adec:decorative xmlns:adec="http://schemas.microsoft.com/office/drawing/2017/decorative" val="1"/>
+                </a:ext>
+              </a:extLst>
+            </p:cNvPr>
+            <p:cNvSpPr>
+              <a:spLocks/>
+            </p:cNvSpPr>
+            <p:nvPr>
+              <p:extLst>
+                <p:ext uri="{386F3935-93C4-4BCD-93E2-E3B085C9AB24}">
+                  <p16:designElem xmlns:p16="http://schemas.microsoft.com/office/powerpoint/2015/main" val="1"/>
+                </p:ext>
+              </p:extLst>
+            </p:nvPr>
+          </p:nvSpPr>
+          <p:spPr bwMode="auto">
+            <a:xfrm>
+              <a:off x="6012389" y="5579"/>
+              <a:ext cx="5497513" cy="6866337"/>
+            </a:xfrm>
+            <a:custGeom>
+              <a:avLst/>
+              <a:gdLst>
+                <a:gd name="T0" fmla="*/ 1056 w 1155"/>
+                <a:gd name="T1" fmla="*/ 1440 h 1440"/>
+                <a:gd name="T2" fmla="*/ 686 w 1155"/>
+                <a:gd name="T3" fmla="*/ 580 h 1440"/>
+                <a:gd name="T4" fmla="*/ 0 w 1155"/>
+                <a:gd name="T5" fmla="*/ 0 h 1440"/>
+              </a:gdLst>
+              <a:ahLst/>
+              <a:cxnLst>
+                <a:cxn ang="0">
+                  <a:pos x="T0" y="T1"/>
+                </a:cxn>
+                <a:cxn ang="0">
+                  <a:pos x="T2" y="T3"/>
+                </a:cxn>
+                <a:cxn ang="0">
+                  <a:pos x="T4" y="T5"/>
+                </a:cxn>
+              </a:cxnLst>
+              <a:rect l="0" t="0" r="r" b="b"/>
+              <a:pathLst>
+                <a:path w="1155" h="1440">
+                  <a:moveTo>
+                    <a:pt x="1056" y="1440"/>
+                  </a:moveTo>
+                  <a:cubicBezTo>
+                    <a:pt x="1155" y="1123"/>
+                    <a:pt x="875" y="801"/>
+                    <a:pt x="686" y="580"/>
+                  </a:cubicBezTo>
+                  <a:cubicBezTo>
+                    <a:pt x="491" y="352"/>
+                    <a:pt x="264" y="145"/>
+                    <a:pt x="0" y="0"/>
+                  </a:cubicBezTo>
+                </a:path>
+              </a:pathLst>
+            </a:custGeom>
+            <a:noFill/>
+            <a:ln w="12700" cap="flat">
+              <a:solidFill>
+                <a:schemeClr val="tx1">
+                  <a:alpha val="20000"/>
+                </a:schemeClr>
+              </a:solidFill>
+              <a:prstDash val="dashDot"/>
+              <a:miter lim="800000"/>
+              <a:headEnd/>
+              <a:tailEnd/>
+            </a:ln>
+            <a:extLst>
+              <a:ext uri="{909E8E84-426E-40DD-AFC4-6F175D3DCCD1}">
+                <a14:hiddenFill xmlns:a14="http://schemas.microsoft.com/office/drawing/2010/main">
+                  <a:solidFill>
+                    <a:srgbClr val="FFFFFF"/>
+                  </a:solidFill>
+                </a14:hiddenFill>
+              </a:ext>
+            </a:extLst>
+          </p:spPr>
+          <p:txBody>
+            <a:bodyPr vert="horz" wrap="square" lIns="91440" tIns="45720" rIns="91440" bIns="45720" numCol="1" anchor="t" anchorCtr="0" compatLnSpc="1">
+              <a:prstTxWarp prst="textNoShape">
+                <a:avLst/>
+              </a:prstTxWarp>
+            </a:bodyPr>
+            <a:lstStyle/>
+            <a:p>
+              <a:endParaRPr lang="en-US"/>
+            </a:p>
+          </p:txBody>
+        </p:sp>
+        <p:sp>
+          <p:nvSpPr>
+            <p:cNvPr id="54" name="Freeform 16">
+              <a:extLst>
+                <a:ext uri="{FF2B5EF4-FFF2-40B4-BE49-F238E27FC236}">
+                  <a16:creationId xmlns:a16="http://schemas.microsoft.com/office/drawing/2014/main" id="{3C90E433-9C3B-4BC5-A7E7-C611979013F8}"/>
+                </a:ext>
+                <a:ext uri="{C183D7F6-B498-43B3-948B-1728B52AA6E4}">
+                  <adec:decorative xmlns:adec="http://schemas.microsoft.com/office/drawing/2017/decorative" val="1"/>
+                </a:ext>
+              </a:extLst>
+            </p:cNvPr>
+            <p:cNvSpPr>
+              <a:spLocks/>
+            </p:cNvSpPr>
+            <p:nvPr>
+              <p:extLst>
+                <p:ext uri="{386F3935-93C4-4BCD-93E2-E3B085C9AB24}">
+                  <p16:designElem xmlns:p16="http://schemas.microsoft.com/office/powerpoint/2015/main" val="1"/>
+                </p:ext>
+              </p:extLst>
+            </p:nvPr>
+          </p:nvSpPr>
+          <p:spPr bwMode="auto">
+            <a:xfrm>
+              <a:off x="-1061" y="5579"/>
+              <a:ext cx="357188" cy="213875"/>
+            </a:xfrm>
+            <a:custGeom>
+              <a:avLst/>
+              <a:gdLst>
+                <a:gd name="T0" fmla="*/ 75 w 75"/>
+                <a:gd name="T1" fmla="*/ 0 h 45"/>
+                <a:gd name="T2" fmla="*/ 0 w 75"/>
+                <a:gd name="T3" fmla="*/ 45 h 45"/>
+              </a:gdLst>
+              <a:ahLst/>
+              <a:cxnLst>
+                <a:cxn ang="0">
+                  <a:pos x="T0" y="T1"/>
+                </a:cxn>
+                <a:cxn ang="0">
+                  <a:pos x="T2" y="T3"/>
+                </a:cxn>
+              </a:cxnLst>
+              <a:rect l="0" t="0" r="r" b="b"/>
+              <a:pathLst>
+                <a:path w="75" h="45">
+                  <a:moveTo>
+                    <a:pt x="75" y="0"/>
+                  </a:moveTo>
+                  <a:cubicBezTo>
+                    <a:pt x="50" y="14"/>
+                    <a:pt x="25" y="29"/>
+                    <a:pt x="0" y="45"/>
+                  </a:cubicBezTo>
+                </a:path>
+              </a:pathLst>
+            </a:custGeom>
+            <a:noFill/>
+            <a:ln w="12700" cap="flat">
+              <a:solidFill>
+                <a:schemeClr val="tx1">
+                  <a:alpha val="20000"/>
+                </a:schemeClr>
+              </a:solidFill>
+              <a:prstDash val="dashDot"/>
+              <a:miter lim="800000"/>
+              <a:headEnd/>
+              <a:tailEnd/>
+            </a:ln>
+            <a:extLst>
+              <a:ext uri="{909E8E84-426E-40DD-AFC4-6F175D3DCCD1}">
+                <a14:hiddenFill xmlns:a14="http://schemas.microsoft.com/office/drawing/2010/main">
+                  <a:solidFill>
+                    <a:srgbClr val="FFFFFF"/>
+                  </a:solidFill>
+                </a14:hiddenFill>
+              </a:ext>
+            </a:extLst>
+          </p:spPr>
+          <p:txBody>
+            <a:bodyPr vert="horz" wrap="square" lIns="91440" tIns="45720" rIns="91440" bIns="45720" numCol="1" anchor="t" anchorCtr="0" compatLnSpc="1">
+              <a:prstTxWarp prst="textNoShape">
+                <a:avLst/>
+              </a:prstTxWarp>
+            </a:bodyPr>
+            <a:lstStyle/>
+            <a:p>
+              <a:endParaRPr lang="en-US"/>
+            </a:p>
+          </p:txBody>
+        </p:sp>
+        <p:sp>
+          <p:nvSpPr>
+            <p:cNvPr id="55" name="Freeform 17">
+              <a:extLst>
+                <a:ext uri="{FF2B5EF4-FFF2-40B4-BE49-F238E27FC236}">
+                  <a16:creationId xmlns:a16="http://schemas.microsoft.com/office/drawing/2014/main" id="{84029C58-75E0-43AB-910F-1C636127113C}"/>
+                </a:ext>
+                <a:ext uri="{C183D7F6-B498-43B3-948B-1728B52AA6E4}">
+                  <adec:decorative xmlns:adec="http://schemas.microsoft.com/office/drawing/2017/decorative" val="1"/>
+                </a:ext>
+              </a:extLst>
+            </p:cNvPr>
+            <p:cNvSpPr>
+              <a:spLocks/>
+            </p:cNvSpPr>
+            <p:nvPr>
+              <p:extLst>
+                <p:ext uri="{386F3935-93C4-4BCD-93E2-E3B085C9AB24}">
+                  <p16:designElem xmlns:p16="http://schemas.microsoft.com/office/powerpoint/2015/main" val="1"/>
+                </p:ext>
+              </p:extLst>
+            </p:nvPr>
+          </p:nvSpPr>
+          <p:spPr bwMode="auto">
+            <a:xfrm>
+              <a:off x="6210826" y="790"/>
+              <a:ext cx="5522913" cy="6871126"/>
+            </a:xfrm>
+            <a:custGeom>
+              <a:avLst/>
+              <a:gdLst>
+                <a:gd name="T0" fmla="*/ 1053 w 1160"/>
+                <a:gd name="T1" fmla="*/ 1441 h 1441"/>
+                <a:gd name="T2" fmla="*/ 705 w 1160"/>
+                <a:gd name="T3" fmla="*/ 599 h 1441"/>
+                <a:gd name="T4" fmla="*/ 0 w 1160"/>
+                <a:gd name="T5" fmla="*/ 0 h 1441"/>
+              </a:gdLst>
+              <a:ahLst/>
+              <a:cxnLst>
+                <a:cxn ang="0">
+                  <a:pos x="T0" y="T1"/>
+                </a:cxn>
+                <a:cxn ang="0">
+                  <a:pos x="T2" y="T3"/>
+                </a:cxn>
+                <a:cxn ang="0">
+                  <a:pos x="T4" y="T5"/>
+                </a:cxn>
+              </a:cxnLst>
+              <a:rect l="0" t="0" r="r" b="b"/>
+              <a:pathLst>
+                <a:path w="1160" h="1441">
+                  <a:moveTo>
+                    <a:pt x="1053" y="1441"/>
+                  </a:moveTo>
+                  <a:cubicBezTo>
+                    <a:pt x="1160" y="1129"/>
+                    <a:pt x="892" y="817"/>
+                    <a:pt x="705" y="599"/>
+                  </a:cubicBezTo>
+                  <a:cubicBezTo>
+                    <a:pt x="503" y="365"/>
+                    <a:pt x="270" y="152"/>
+                    <a:pt x="0" y="0"/>
+                  </a:cubicBezTo>
+                </a:path>
+              </a:pathLst>
+            </a:custGeom>
+            <a:noFill/>
+            <a:ln w="9525" cap="flat">
+              <a:solidFill>
+                <a:schemeClr val="tx1">
+                  <a:alpha val="20000"/>
+                </a:schemeClr>
+              </a:solidFill>
+              <a:prstDash val="solid"/>
+              <a:miter lim="800000"/>
+              <a:headEnd/>
+              <a:tailEnd/>
+            </a:ln>
+            <a:extLst>
+              <a:ext uri="{909E8E84-426E-40DD-AFC4-6F175D3DCCD1}">
+                <a14:hiddenFill xmlns:a14="http://schemas.microsoft.com/office/drawing/2010/main">
+                  <a:solidFill>
+                    <a:srgbClr val="FFFFFF"/>
+                  </a:solidFill>
+                </a14:hiddenFill>
+              </a:ext>
+            </a:extLst>
+          </p:spPr>
+          <p:txBody>
+            <a:bodyPr vert="horz" wrap="square" lIns="91440" tIns="45720" rIns="91440" bIns="45720" numCol="1" anchor="t" anchorCtr="0" compatLnSpc="1">
+              <a:prstTxWarp prst="textNoShape">
+                <a:avLst/>
+              </a:prstTxWarp>
+            </a:bodyPr>
+            <a:lstStyle/>
+            <a:p>
+              <a:endParaRPr lang="en-US"/>
+            </a:p>
+          </p:txBody>
+        </p:sp>
+        <p:sp>
+          <p:nvSpPr>
+            <p:cNvPr id="56" name="Freeform 18">
+              <a:extLst>
+                <a:ext uri="{FF2B5EF4-FFF2-40B4-BE49-F238E27FC236}">
+                  <a16:creationId xmlns:a16="http://schemas.microsoft.com/office/drawing/2014/main" id="{9BC7889F-2797-46F5-83E8-EB0B06A66132}"/>
+                </a:ext>
+                <a:ext uri="{C183D7F6-B498-43B3-948B-1728B52AA6E4}">
+                  <adec:decorative xmlns:adec="http://schemas.microsoft.com/office/drawing/2017/decorative" val="1"/>
+                </a:ext>
+              </a:extLst>
+            </p:cNvPr>
+            <p:cNvSpPr>
+              <a:spLocks/>
+            </p:cNvSpPr>
+            <p:nvPr>
+              <p:extLst>
+                <p:ext uri="{386F3935-93C4-4BCD-93E2-E3B085C9AB24}">
+                  <p16:designElem xmlns:p16="http://schemas.microsoft.com/office/powerpoint/2015/main" val="1"/>
+                </p:ext>
+              </p:extLst>
+            </p:nvPr>
+          </p:nvSpPr>
+          <p:spPr bwMode="auto">
+            <a:xfrm>
+              <a:off x="6463239" y="5579"/>
+              <a:ext cx="5413375" cy="6866337"/>
+            </a:xfrm>
+            <a:custGeom>
+              <a:avLst/>
+              <a:gdLst>
+                <a:gd name="T0" fmla="*/ 1040 w 1137"/>
+                <a:gd name="T1" fmla="*/ 1440 h 1440"/>
+                <a:gd name="T2" fmla="*/ 698 w 1137"/>
+                <a:gd name="T3" fmla="*/ 611 h 1440"/>
+                <a:gd name="T4" fmla="*/ 0 w 1137"/>
+                <a:gd name="T5" fmla="*/ 0 h 1440"/>
+              </a:gdLst>
+              <a:ahLst/>
+              <a:cxnLst>
+                <a:cxn ang="0">
+                  <a:pos x="T0" y="T1"/>
+                </a:cxn>
+                <a:cxn ang="0">
+                  <a:pos x="T2" y="T3"/>
+                </a:cxn>
+                <a:cxn ang="0">
+                  <a:pos x="T4" y="T5"/>
+                </a:cxn>
+              </a:cxnLst>
+              <a:rect l="0" t="0" r="r" b="b"/>
+              <a:pathLst>
+                <a:path w="1137" h="1440">
+                  <a:moveTo>
+                    <a:pt x="1040" y="1440"/>
+                  </a:moveTo>
+                  <a:cubicBezTo>
+                    <a:pt x="1137" y="1131"/>
+                    <a:pt x="883" y="828"/>
+                    <a:pt x="698" y="611"/>
+                  </a:cubicBezTo>
+                  <a:cubicBezTo>
+                    <a:pt x="498" y="375"/>
+                    <a:pt x="268" y="159"/>
+                    <a:pt x="0" y="0"/>
+                  </a:cubicBezTo>
+                </a:path>
+              </a:pathLst>
+            </a:custGeom>
+            <a:noFill/>
+            <a:ln w="9525" cap="flat">
+              <a:solidFill>
+                <a:schemeClr val="tx1">
+                  <a:alpha val="20000"/>
+                </a:schemeClr>
+              </a:solidFill>
+              <a:prstDash val="solid"/>
+              <a:miter lim="800000"/>
+              <a:headEnd/>
+              <a:tailEnd/>
+            </a:ln>
+            <a:extLst>
+              <a:ext uri="{909E8E84-426E-40DD-AFC4-6F175D3DCCD1}">
+                <a14:hiddenFill xmlns:a14="http://schemas.microsoft.com/office/drawing/2010/main">
+                  <a:solidFill>
+                    <a:srgbClr val="FFFFFF"/>
+                  </a:solidFill>
+                </a14:hiddenFill>
+              </a:ext>
+            </a:extLst>
+          </p:spPr>
+          <p:txBody>
+            <a:bodyPr vert="horz" wrap="square" lIns="91440" tIns="45720" rIns="91440" bIns="45720" numCol="1" anchor="t" anchorCtr="0" compatLnSpc="1">
+              <a:prstTxWarp prst="textNoShape">
+                <a:avLst/>
+              </a:prstTxWarp>
+            </a:bodyPr>
+            <a:lstStyle/>
+            <a:p>
+              <a:endParaRPr lang="en-US"/>
+            </a:p>
+          </p:txBody>
+        </p:sp>
+        <p:sp>
+          <p:nvSpPr>
+            <p:cNvPr id="57" name="Freeform 19">
+              <a:extLst>
+                <a:ext uri="{FF2B5EF4-FFF2-40B4-BE49-F238E27FC236}">
+                  <a16:creationId xmlns:a16="http://schemas.microsoft.com/office/drawing/2014/main" id="{9C0E3C34-4408-4CB3-8D2F-A9A96522A7BA}"/>
+                </a:ext>
+                <a:ext uri="{C183D7F6-B498-43B3-948B-1728B52AA6E4}">
+                  <adec:decorative xmlns:adec="http://schemas.microsoft.com/office/drawing/2017/decorative" val="1"/>
+                </a:ext>
+              </a:extLst>
+            </p:cNvPr>
+            <p:cNvSpPr>
+              <a:spLocks/>
+            </p:cNvSpPr>
+            <p:nvPr>
+              <p:extLst>
+                <p:ext uri="{386F3935-93C4-4BCD-93E2-E3B085C9AB24}">
+                  <p16:designElem xmlns:p16="http://schemas.microsoft.com/office/powerpoint/2015/main" val="1"/>
+                </p:ext>
+              </p:extLst>
+            </p:nvPr>
+          </p:nvSpPr>
+          <p:spPr bwMode="auto">
+            <a:xfrm>
+              <a:off x="6877576" y="5579"/>
+              <a:ext cx="5037138" cy="6861550"/>
+            </a:xfrm>
+            <a:custGeom>
+              <a:avLst/>
+              <a:gdLst>
+                <a:gd name="T0" fmla="*/ 1011 w 1058"/>
+                <a:gd name="T1" fmla="*/ 1439 h 1439"/>
+                <a:gd name="T2" fmla="*/ 648 w 1058"/>
+                <a:gd name="T3" fmla="*/ 617 h 1439"/>
+                <a:gd name="T4" fmla="*/ 0 w 1058"/>
+                <a:gd name="T5" fmla="*/ 0 h 1439"/>
+              </a:gdLst>
+              <a:ahLst/>
+              <a:cxnLst>
+                <a:cxn ang="0">
+                  <a:pos x="T0" y="T1"/>
+                </a:cxn>
+                <a:cxn ang="0">
+                  <a:pos x="T2" y="T3"/>
+                </a:cxn>
+                <a:cxn ang="0">
+                  <a:pos x="T4" y="T5"/>
+                </a:cxn>
+              </a:cxnLst>
+              <a:rect l="0" t="0" r="r" b="b"/>
+              <a:pathLst>
+                <a:path w="1058" h="1439">
+                  <a:moveTo>
+                    <a:pt x="1011" y="1439"/>
+                  </a:moveTo>
+                  <a:cubicBezTo>
+                    <a:pt x="1058" y="1131"/>
+                    <a:pt x="825" y="841"/>
+                    <a:pt x="648" y="617"/>
+                  </a:cubicBezTo>
+                  <a:cubicBezTo>
+                    <a:pt x="462" y="383"/>
+                    <a:pt x="248" y="168"/>
+                    <a:pt x="0" y="0"/>
+                  </a:cubicBezTo>
+                </a:path>
+              </a:pathLst>
+            </a:custGeom>
+            <a:noFill/>
+            <a:ln w="9525" cap="flat">
+              <a:solidFill>
+                <a:schemeClr val="tx1">
+                  <a:alpha val="20000"/>
+                </a:schemeClr>
+              </a:solidFill>
+              <a:prstDash val="solid"/>
+              <a:miter lim="800000"/>
+              <a:headEnd/>
+              <a:tailEnd/>
+            </a:ln>
+            <a:extLst>
+              <a:ext uri="{909E8E84-426E-40DD-AFC4-6F175D3DCCD1}">
+                <a14:hiddenFill xmlns:a14="http://schemas.microsoft.com/office/drawing/2010/main">
+                  <a:solidFill>
+                    <a:srgbClr val="FFFFFF"/>
+                  </a:solidFill>
+                </a14:hiddenFill>
+              </a:ext>
+            </a:extLst>
+          </p:spPr>
+          <p:txBody>
+            <a:bodyPr vert="horz" wrap="square" lIns="91440" tIns="45720" rIns="91440" bIns="45720" numCol="1" anchor="t" anchorCtr="0" compatLnSpc="1">
+              <a:prstTxWarp prst="textNoShape">
+                <a:avLst/>
+              </a:prstTxWarp>
+            </a:bodyPr>
+            <a:lstStyle/>
+            <a:p>
+              <a:endParaRPr lang="en-US"/>
+            </a:p>
+          </p:txBody>
+        </p:sp>
+        <p:sp>
+          <p:nvSpPr>
+            <p:cNvPr id="58" name="Freeform 20">
+              <a:extLst>
+                <a:ext uri="{FF2B5EF4-FFF2-40B4-BE49-F238E27FC236}">
+                  <a16:creationId xmlns:a16="http://schemas.microsoft.com/office/drawing/2014/main" id="{878AA4BB-9868-43E4-B7E3-5C6835BF1D29}"/>
+                </a:ext>
+                <a:ext uri="{C183D7F6-B498-43B3-948B-1728B52AA6E4}">
+                  <adec:decorative xmlns:adec="http://schemas.microsoft.com/office/drawing/2017/decorative" val="1"/>
+                </a:ext>
+              </a:extLst>
+            </p:cNvPr>
+            <p:cNvSpPr>
+              <a:spLocks/>
+            </p:cNvSpPr>
+            <p:nvPr>
+              <p:extLst>
+                <p:ext uri="{386F3935-93C4-4BCD-93E2-E3B085C9AB24}">
+                  <p16:designElem xmlns:p16="http://schemas.microsoft.com/office/powerpoint/2015/main" val="1"/>
+                </p:ext>
+              </p:extLst>
+            </p:nvPr>
+          </p:nvSpPr>
+          <p:spPr bwMode="auto">
+            <a:xfrm>
+              <a:off x="8768289" y="5579"/>
+              <a:ext cx="3417888" cy="2742066"/>
+            </a:xfrm>
+            <a:custGeom>
+              <a:avLst/>
+              <a:gdLst>
+                <a:gd name="T0" fmla="*/ 718 w 718"/>
+                <a:gd name="T1" fmla="*/ 575 h 575"/>
+                <a:gd name="T2" fmla="*/ 0 w 718"/>
+                <a:gd name="T3" fmla="*/ 0 h 575"/>
+              </a:gdLst>
+              <a:ahLst/>
+              <a:cxnLst>
+                <a:cxn ang="0">
+                  <a:pos x="T0" y="T1"/>
+                </a:cxn>
+                <a:cxn ang="0">
+                  <a:pos x="T2" y="T3"/>
+                </a:cxn>
+              </a:cxnLst>
+              <a:rect l="0" t="0" r="r" b="b"/>
+              <a:pathLst>
+                <a:path w="718" h="575">
+                  <a:moveTo>
+                    <a:pt x="718" y="575"/>
+                  </a:moveTo>
+                  <a:cubicBezTo>
+                    <a:pt x="500" y="360"/>
+                    <a:pt x="260" y="163"/>
+                    <a:pt x="0" y="0"/>
+                  </a:cubicBezTo>
+                </a:path>
+              </a:pathLst>
+            </a:custGeom>
+            <a:noFill/>
+            <a:ln w="9525" cap="flat">
+              <a:solidFill>
+                <a:schemeClr val="tx1">
+                  <a:alpha val="20000"/>
+                </a:schemeClr>
+              </a:solidFill>
+              <a:prstDash val="solid"/>
+              <a:miter lim="800000"/>
+              <a:headEnd/>
+              <a:tailEnd/>
+            </a:ln>
+            <a:extLst>
+              <a:ext uri="{909E8E84-426E-40DD-AFC4-6F175D3DCCD1}">
+                <a14:hiddenFill xmlns:a14="http://schemas.microsoft.com/office/drawing/2010/main">
+                  <a:solidFill>
+                    <a:srgbClr val="FFFFFF"/>
+                  </a:solidFill>
+                </a14:hiddenFill>
+              </a:ext>
+            </a:extLst>
+          </p:spPr>
+          <p:txBody>
+            <a:bodyPr vert="horz" wrap="square" lIns="91440" tIns="45720" rIns="91440" bIns="45720" numCol="1" anchor="t" anchorCtr="0" compatLnSpc="1">
+              <a:prstTxWarp prst="textNoShape">
+                <a:avLst/>
+              </a:prstTxWarp>
+            </a:bodyPr>
+            <a:lstStyle/>
+            <a:p>
+              <a:endParaRPr lang="en-US"/>
+            </a:p>
+          </p:txBody>
+        </p:sp>
+        <p:sp>
+          <p:nvSpPr>
+            <p:cNvPr id="59" name="Freeform 21">
+              <a:extLst>
+                <a:ext uri="{FF2B5EF4-FFF2-40B4-BE49-F238E27FC236}">
+                  <a16:creationId xmlns:a16="http://schemas.microsoft.com/office/drawing/2014/main" id="{466CC185-19B1-4FE8-827B-8F5F47F2993F}"/>
+                </a:ext>
+                <a:ext uri="{C183D7F6-B498-43B3-948B-1728B52AA6E4}">
+                  <adec:decorative xmlns:adec="http://schemas.microsoft.com/office/drawing/2017/decorative" val="1"/>
+                </a:ext>
+              </a:extLst>
+            </p:cNvPr>
+            <p:cNvSpPr>
+              <a:spLocks/>
+            </p:cNvSpPr>
+            <p:nvPr>
+              <p:extLst>
+                <p:ext uri="{386F3935-93C4-4BCD-93E2-E3B085C9AB24}">
+                  <p16:designElem xmlns:p16="http://schemas.microsoft.com/office/powerpoint/2015/main" val="1"/>
+                </p:ext>
+              </p:extLst>
+            </p:nvPr>
+          </p:nvSpPr>
+          <p:spPr bwMode="auto">
+            <a:xfrm>
+              <a:off x="9235014" y="10367"/>
+              <a:ext cx="2951163" cy="2555325"/>
+            </a:xfrm>
+            <a:custGeom>
+              <a:avLst/>
+              <a:gdLst>
+                <a:gd name="T0" fmla="*/ 620 w 620"/>
+                <a:gd name="T1" fmla="*/ 536 h 536"/>
+                <a:gd name="T2" fmla="*/ 0 w 620"/>
+                <a:gd name="T3" fmla="*/ 0 h 536"/>
+              </a:gdLst>
+              <a:ahLst/>
+              <a:cxnLst>
+                <a:cxn ang="0">
+                  <a:pos x="T0" y="T1"/>
+                </a:cxn>
+                <a:cxn ang="0">
+                  <a:pos x="T2" y="T3"/>
+                </a:cxn>
+              </a:cxnLst>
+              <a:rect l="0" t="0" r="r" b="b"/>
+              <a:pathLst>
+                <a:path w="620" h="536">
+                  <a:moveTo>
+                    <a:pt x="620" y="536"/>
+                  </a:moveTo>
+                  <a:cubicBezTo>
+                    <a:pt x="404" y="314"/>
+                    <a:pt x="196" y="138"/>
+                    <a:pt x="0" y="0"/>
+                  </a:cubicBezTo>
+                </a:path>
+              </a:pathLst>
+            </a:custGeom>
+            <a:noFill/>
+            <a:ln w="9525" cap="flat">
+              <a:solidFill>
+                <a:schemeClr val="tx1">
+                  <a:alpha val="20000"/>
+                </a:schemeClr>
+              </a:solidFill>
+              <a:prstDash val="solid"/>
+              <a:miter lim="800000"/>
+              <a:headEnd/>
+              <a:tailEnd/>
+            </a:ln>
+            <a:extLst>
+              <a:ext uri="{909E8E84-426E-40DD-AFC4-6F175D3DCCD1}">
+                <a14:hiddenFill xmlns:a14="http://schemas.microsoft.com/office/drawing/2010/main">
+                  <a:solidFill>
+                    <a:srgbClr val="FFFFFF"/>
+                  </a:solidFill>
+                </a14:hiddenFill>
+              </a:ext>
+            </a:extLst>
+          </p:spPr>
+          <p:txBody>
+            <a:bodyPr vert="horz" wrap="square" lIns="91440" tIns="45720" rIns="91440" bIns="45720" numCol="1" anchor="t" anchorCtr="0" compatLnSpc="1">
+              <a:prstTxWarp prst="textNoShape">
+                <a:avLst/>
+              </a:prstTxWarp>
+            </a:bodyPr>
+            <a:lstStyle/>
+            <a:p>
+              <a:endParaRPr lang="en-US"/>
+            </a:p>
+          </p:txBody>
+        </p:sp>
+        <p:sp>
+          <p:nvSpPr>
+            <p:cNvPr id="60" name="Freeform 22">
+              <a:extLst>
+                <a:ext uri="{FF2B5EF4-FFF2-40B4-BE49-F238E27FC236}">
+                  <a16:creationId xmlns:a16="http://schemas.microsoft.com/office/drawing/2014/main" id="{428AAEA6-44B3-4887-A05B-D1E7FFF4D0E4}"/>
+                </a:ext>
+                <a:ext uri="{C183D7F6-B498-43B3-948B-1728B52AA6E4}">
+                  <adec:decorative xmlns:adec="http://schemas.microsoft.com/office/drawing/2017/decorative" val="1"/>
+                </a:ext>
+              </a:extLst>
+            </p:cNvPr>
+            <p:cNvSpPr>
+              <a:spLocks/>
+            </p:cNvSpPr>
+            <p:nvPr>
+              <p:extLst>
+                <p:ext uri="{386F3935-93C4-4BCD-93E2-E3B085C9AB24}">
+                  <p16:designElem xmlns:p16="http://schemas.microsoft.com/office/powerpoint/2015/main" val="1"/>
+                </p:ext>
+              </p:extLst>
+            </p:nvPr>
+          </p:nvSpPr>
+          <p:spPr bwMode="auto">
+            <a:xfrm>
+              <a:off x="10020826" y="5579"/>
+              <a:ext cx="2165350" cy="1358265"/>
+            </a:xfrm>
+            <a:custGeom>
+              <a:avLst/>
+              <a:gdLst>
+                <a:gd name="T0" fmla="*/ 0 w 455"/>
+                <a:gd name="T1" fmla="*/ 0 h 285"/>
+                <a:gd name="T2" fmla="*/ 455 w 455"/>
+                <a:gd name="T3" fmla="*/ 285 h 285"/>
+              </a:gdLst>
+              <a:ahLst/>
+              <a:cxnLst>
+                <a:cxn ang="0">
+                  <a:pos x="T0" y="T1"/>
+                </a:cxn>
+                <a:cxn ang="0">
+                  <a:pos x="T2" y="T3"/>
+                </a:cxn>
+              </a:cxnLst>
+              <a:rect l="0" t="0" r="r" b="b"/>
+              <a:pathLst>
+                <a:path w="455" h="285">
+                  <a:moveTo>
+                    <a:pt x="0" y="0"/>
+                  </a:moveTo>
+                  <a:cubicBezTo>
+                    <a:pt x="153" y="85"/>
+                    <a:pt x="308" y="180"/>
+                    <a:pt x="455" y="285"/>
+                  </a:cubicBezTo>
+                </a:path>
+              </a:pathLst>
+            </a:custGeom>
+            <a:noFill/>
+            <a:ln w="9525" cap="flat">
+              <a:solidFill>
+                <a:schemeClr val="tx1">
+                  <a:alpha val="20000"/>
+                </a:schemeClr>
+              </a:solidFill>
+              <a:prstDash val="dash"/>
+              <a:miter lim="800000"/>
+              <a:headEnd/>
+              <a:tailEnd/>
+            </a:ln>
+            <a:extLst>
+              <a:ext uri="{909E8E84-426E-40DD-AFC4-6F175D3DCCD1}">
+                <a14:hiddenFill xmlns:a14="http://schemas.microsoft.com/office/drawing/2010/main">
+                  <a:solidFill>
+                    <a:srgbClr val="FFFFFF"/>
+                  </a:solidFill>
+                </a14:hiddenFill>
+              </a:ext>
+            </a:extLst>
+          </p:spPr>
+          <p:txBody>
+            <a:bodyPr vert="horz" wrap="square" lIns="91440" tIns="45720" rIns="91440" bIns="45720" numCol="1" anchor="t" anchorCtr="0" compatLnSpc="1">
+              <a:prstTxWarp prst="textNoShape">
+                <a:avLst/>
+              </a:prstTxWarp>
+            </a:bodyPr>
+            <a:lstStyle/>
+            <a:p>
+              <a:endParaRPr lang="en-US"/>
+            </a:p>
+          </p:txBody>
+        </p:sp>
+        <p:sp>
+          <p:nvSpPr>
+            <p:cNvPr id="61" name="Freeform 23">
+              <a:extLst>
+                <a:ext uri="{FF2B5EF4-FFF2-40B4-BE49-F238E27FC236}">
+                  <a16:creationId xmlns:a16="http://schemas.microsoft.com/office/drawing/2014/main" id="{CCBD5698-31D0-4260-ACE3-584E6BF53935}"/>
+                </a:ext>
+                <a:ext uri="{C183D7F6-B498-43B3-948B-1728B52AA6E4}">
+                  <adec:decorative xmlns:adec="http://schemas.microsoft.com/office/drawing/2017/decorative" val="1"/>
+                </a:ext>
+              </a:extLst>
+            </p:cNvPr>
+            <p:cNvSpPr>
+              <a:spLocks/>
+            </p:cNvSpPr>
+            <p:nvPr>
+              <p:extLst>
+                <p:ext uri="{386F3935-93C4-4BCD-93E2-E3B085C9AB24}">
+                  <p16:designElem xmlns:p16="http://schemas.microsoft.com/office/powerpoint/2015/main" val="1"/>
+                </p:ext>
+              </p:extLst>
+            </p:nvPr>
+          </p:nvSpPr>
+          <p:spPr bwMode="auto">
+            <a:xfrm>
+              <a:off x="11290826" y="5579"/>
+              <a:ext cx="895350" cy="534687"/>
+            </a:xfrm>
+            <a:custGeom>
+              <a:avLst/>
+              <a:gdLst>
+                <a:gd name="T0" fmla="*/ 0 w 188"/>
+                <a:gd name="T1" fmla="*/ 0 h 112"/>
+                <a:gd name="T2" fmla="*/ 188 w 188"/>
+                <a:gd name="T3" fmla="*/ 112 h 112"/>
+              </a:gdLst>
+              <a:ahLst/>
+              <a:cxnLst>
+                <a:cxn ang="0">
+                  <a:pos x="T0" y="T1"/>
+                </a:cxn>
+                <a:cxn ang="0">
+                  <a:pos x="T2" y="T3"/>
+                </a:cxn>
+              </a:cxnLst>
+              <a:rect l="0" t="0" r="r" b="b"/>
+              <a:pathLst>
+                <a:path w="188" h="112">
+                  <a:moveTo>
+                    <a:pt x="0" y="0"/>
+                  </a:moveTo>
+                  <a:cubicBezTo>
+                    <a:pt x="63" y="36"/>
+                    <a:pt x="126" y="73"/>
+                    <a:pt x="188" y="112"/>
+                  </a:cubicBezTo>
+                </a:path>
+              </a:pathLst>
+            </a:custGeom>
+            <a:noFill/>
+            <a:ln w="9525" cap="flat">
+              <a:solidFill>
+                <a:schemeClr val="tx1">
+                  <a:alpha val="20000"/>
+                </a:schemeClr>
+              </a:solidFill>
+              <a:prstDash val="solid"/>
+              <a:miter lim="800000"/>
+              <a:headEnd/>
+              <a:tailEnd/>
+            </a:ln>
+            <a:extLst>
+              <a:ext uri="{909E8E84-426E-40DD-AFC4-6F175D3DCCD1}">
+                <a14:hiddenFill xmlns:a14="http://schemas.microsoft.com/office/drawing/2010/main">
+                  <a:solidFill>
+                    <a:srgbClr val="FFFFFF"/>
+                  </a:solidFill>
+                </a14:hiddenFill>
+              </a:ext>
+            </a:extLst>
+          </p:spPr>
+          <p:txBody>
+            <a:bodyPr vert="horz" wrap="square" lIns="91440" tIns="45720" rIns="91440" bIns="45720" numCol="1" anchor="t" anchorCtr="0" compatLnSpc="1">
+              <a:prstTxWarp prst="textNoShape">
+                <a:avLst/>
+              </a:prstTxWarp>
+            </a:bodyPr>
+            <a:lstStyle/>
+            <a:p>
+              <a:endParaRPr lang="en-US"/>
+            </a:p>
+          </p:txBody>
+        </p:sp>
+      </p:grpSp>
+      <p:pic>
+        <p:nvPicPr>
+          <p:cNvPr id="9" name="Picture 8" descr="A screenshot of a cell phone&#10;&#10;Description automatically generated">
+            <a:extLst>
+              <a:ext uri="{FF2B5EF4-FFF2-40B4-BE49-F238E27FC236}">
+                <a16:creationId xmlns:a16="http://schemas.microsoft.com/office/drawing/2014/main" id="{8CC31623-1EB4-AA4C-ADD7-36E32ED401D7}"/>
+              </a:ext>
+            </a:extLst>
+          </p:cNvPr>
+          <p:cNvPicPr>
+            <a:picLocks noChangeAspect="1"/>
+          </p:cNvPicPr>
+          <p:nvPr/>
+        </p:nvPicPr>
+        <p:blipFill rotWithShape="1">
+          <a:blip r:embed="rId2"/>
+          <a:srcRect l="4135" r="-2" b="-2"/>
+          <a:stretch/>
+        </p:blipFill>
+        <p:spPr>
+          <a:xfrm>
+            <a:off x="20" y="10"/>
+            <a:ext cx="6054528" cy="4120995"/>
+          </a:xfrm>
+          <a:prstGeom prst="rect">
+            <a:avLst/>
+          </a:prstGeom>
+          <a:ln w="12700">
+            <a:noFill/>
+          </a:ln>
+        </p:spPr>
+      </p:pic>
+      <p:pic>
+        <p:nvPicPr>
+          <p:cNvPr id="5" name="Content Placeholder 4" descr="A picture containing text&#10;&#10;Description automatically generated">
+            <a:extLst>
+              <a:ext uri="{FF2B5EF4-FFF2-40B4-BE49-F238E27FC236}">
+                <a16:creationId xmlns:a16="http://schemas.microsoft.com/office/drawing/2014/main" id="{6A0B159D-4521-2E46-ACD8-D8F454623AA0}"/>
+              </a:ext>
+            </a:extLst>
+          </p:cNvPr>
+          <p:cNvPicPr>
+            <a:picLocks noGrp="1" noChangeAspect="1"/>
+          </p:cNvPicPr>
+          <p:nvPr>
+            <p:ph idx="1"/>
+          </p:nvPr>
+        </p:nvPicPr>
+        <p:blipFill rotWithShape="1">
+          <a:blip r:embed="rId3"/>
+          <a:srcRect l="5022" r="3889" b="1"/>
+          <a:stretch/>
+        </p:blipFill>
+        <p:spPr>
+          <a:xfrm>
+            <a:off x="6137148" y="10"/>
+            <a:ext cx="6054548" cy="4120995"/>
+          </a:xfrm>
+          <a:prstGeom prst="rect">
+            <a:avLst/>
+          </a:prstGeom>
+          <a:ln w="12700">
+            <a:noFill/>
+          </a:ln>
+        </p:spPr>
+      </p:pic>
+      <p:grpSp>
+        <p:nvGrpSpPr>
+          <p:cNvPr id="63" name="Group 62">
+            <a:extLst>
+              <a:ext uri="{FF2B5EF4-FFF2-40B4-BE49-F238E27FC236}">
+                <a16:creationId xmlns:a16="http://schemas.microsoft.com/office/drawing/2014/main" id="{F3A69C04-C895-4DB3-A92A-D57650B62753}"/>
+              </a:ext>
+              <a:ext uri="{C183D7F6-B498-43B3-948B-1728B52AA6E4}">
+                <adec:decorative xmlns:adec="http://schemas.microsoft.com/office/drawing/2017/decorative" val="1"/>
+              </a:ext>
+            </a:extLst>
+          </p:cNvPr>
+          <p:cNvGrpSpPr>
+            <a:grpSpLocks noGrp="1" noUngrp="1" noRot="1" noChangeAspect="1" noMove="1" noResize="1"/>
+          </p:cNvGrpSpPr>
+          <p:nvPr>
+            <p:extLst>
+              <p:ext uri="{386F3935-93C4-4BCD-93E2-E3B085C9AB24}">
+                <p16:designElem xmlns:p16="http://schemas.microsoft.com/office/powerpoint/2015/main" val="1"/>
+              </p:ext>
+            </p:extLst>
+          </p:nvPr>
+        </p:nvGrpSpPr>
+        <p:grpSpPr>
+          <a:xfrm>
+            <a:off x="1" y="4206292"/>
+            <a:ext cx="12192755" cy="1771275"/>
+            <a:chOff x="1" y="3893141"/>
+            <a:chExt cx="12192755" cy="1771275"/>
+          </a:xfrm>
+        </p:grpSpPr>
+        <p:sp>
+          <p:nvSpPr>
+            <p:cNvPr id="64" name="Isosceles Triangle 39">
+              <a:extLst>
+                <a:ext uri="{FF2B5EF4-FFF2-40B4-BE49-F238E27FC236}">
+                  <a16:creationId xmlns:a16="http://schemas.microsoft.com/office/drawing/2014/main" id="{B8E0CA25-0429-4D6B-9EAD-8DEC7BB958F0}"/>
+                </a:ext>
+                <a:ext uri="{C183D7F6-B498-43B3-948B-1728B52AA6E4}">
+                  <adec:decorative xmlns:adec="http://schemas.microsoft.com/office/drawing/2017/decorative" val="1"/>
+                </a:ext>
+              </a:extLst>
+            </p:cNvPr>
+            <p:cNvSpPr/>
+            <p:nvPr>
+              <p:extLst>
+                <p:ext uri="{386F3935-93C4-4BCD-93E2-E3B085C9AB24}">
+                  <p16:designElem xmlns:p16="http://schemas.microsoft.com/office/powerpoint/2015/main" val="1"/>
+                </p:ext>
+              </p:extLst>
+            </p:nvPr>
+          </p:nvSpPr>
+          <p:spPr>
+            <a:xfrm rot="10800000">
+              <a:off x="5892384" y="5313353"/>
+              <a:ext cx="407233" cy="351063"/>
+            </a:xfrm>
+            <a:prstGeom prst="triangle">
+              <a:avLst/>
+            </a:prstGeom>
+            <a:solidFill>
+              <a:schemeClr val="accent1"/>
+            </a:solidFill>
+            <a:ln>
+              <a:noFill/>
+            </a:ln>
+          </p:spPr>
+          <p:style>
+            <a:lnRef idx="2">
+              <a:schemeClr val="accent1">
+                <a:shade val="50000"/>
+              </a:schemeClr>
+            </a:lnRef>
+            <a:fillRef idx="1">
+              <a:schemeClr val="accent1"/>
+            </a:fillRef>
+            <a:effectRef idx="0">
+              <a:schemeClr val="accent1"/>
+            </a:effectRef>
+            <a:fontRef idx="minor">
+              <a:schemeClr val="lt1"/>
+            </a:fontRef>
+          </p:style>
+          <p:txBody>
+            <a:bodyPr rtlCol="0" anchor="ctr"/>
+            <a:lstStyle/>
+            <a:p>
+              <a:pPr algn="ctr"/>
+              <a:endParaRPr lang="en-US"/>
+            </a:p>
+          </p:txBody>
+        </p:sp>
+        <p:sp>
+          <p:nvSpPr>
+            <p:cNvPr id="65" name="Rectangle 64">
+              <a:extLst>
+                <a:ext uri="{FF2B5EF4-FFF2-40B4-BE49-F238E27FC236}">
+                  <a16:creationId xmlns:a16="http://schemas.microsoft.com/office/drawing/2014/main" id="{35941052-2814-4B40-9158-C97FCE13DE49}"/>
+                </a:ext>
+                <a:ext uri="{C183D7F6-B498-43B3-948B-1728B52AA6E4}">
+                  <adec:decorative xmlns:adec="http://schemas.microsoft.com/office/drawing/2017/decorative" val="1"/>
+                </a:ext>
+              </a:extLst>
+            </p:cNvPr>
+            <p:cNvSpPr/>
+            <p:nvPr>
+              <p:extLst>
+                <p:ext uri="{386F3935-93C4-4BCD-93E2-E3B085C9AB24}">
+                  <p16:designElem xmlns:p16="http://schemas.microsoft.com/office/powerpoint/2015/main" val="1"/>
+                </p:ext>
+              </p:extLst>
+            </p:nvPr>
+          </p:nvSpPr>
+          <p:spPr>
+            <a:xfrm>
+              <a:off x="1" y="3893141"/>
+              <a:ext cx="12192755" cy="1420210"/>
+            </a:xfrm>
+            <a:prstGeom prst="rect">
+              <a:avLst/>
+            </a:prstGeom>
+            <a:solidFill>
+              <a:schemeClr val="accent1"/>
+            </a:solidFill>
+            <a:ln>
+              <a:noFill/>
+            </a:ln>
+          </p:spPr>
+          <p:style>
+            <a:lnRef idx="2">
+              <a:schemeClr val="accent1">
+                <a:shade val="50000"/>
+              </a:schemeClr>
+            </a:lnRef>
+            <a:fillRef idx="1">
+              <a:schemeClr val="accent1"/>
+            </a:fillRef>
+            <a:effectRef idx="0">
+              <a:schemeClr val="accent1"/>
+            </a:effectRef>
+            <a:fontRef idx="minor">
+              <a:schemeClr val="lt1"/>
+            </a:fontRef>
+          </p:style>
+          <p:txBody>
+            <a:bodyPr rtlCol="0" anchor="ctr"/>
+            <a:lstStyle/>
+            <a:p>
+              <a:pPr algn="ctr"/>
+              <a:endParaRPr lang="en-US"/>
+            </a:p>
+          </p:txBody>
+        </p:sp>
+      </p:grpSp>
       <p:sp>
         <p:nvSpPr>
           <p:cNvPr id="2" name="Title 1">
@@ -18065,77 +22299,30 @@
             <p:ph type="title"/>
           </p:nvPr>
         </p:nvSpPr>
-        <p:spPr/>
+        <p:spPr>
+          <a:xfrm>
+            <a:off x="1683982" y="4293388"/>
+            <a:ext cx="8833655" cy="727748"/>
+          </a:xfrm>
+        </p:spPr>
         <p:txBody>
-          <a:bodyPr/>
+          <a:bodyPr vert="horz" lIns="228600" tIns="228600" rIns="228600" bIns="0" rtlCol="0" anchor="b">
+            <a:normAutofit/>
+          </a:bodyPr>
           <a:lstStyle/>
           <a:p>
+            <a:pPr>
+              <a:lnSpc>
+                <a:spcPct val="80000"/>
+              </a:lnSpc>
+            </a:pPr>
             <a:r>
-              <a:rPr lang="en-US" dirty="0"/>
+              <a:rPr lang="en-US" sz="3700"/>
               <a:t>Summary Statistics</a:t>
             </a:r>
           </a:p>
         </p:txBody>
       </p:sp>
-      <p:pic>
-        <p:nvPicPr>
-          <p:cNvPr id="5" name="Content Placeholder 4" descr="A picture containing text&#10;&#10;Description automatically generated">
-            <a:extLst>
-              <a:ext uri="{FF2B5EF4-FFF2-40B4-BE49-F238E27FC236}">
-                <a16:creationId xmlns:a16="http://schemas.microsoft.com/office/drawing/2014/main" id="{6A0B159D-4521-2E46-ACD8-D8F454623AA0}"/>
-              </a:ext>
-            </a:extLst>
-          </p:cNvPr>
-          <p:cNvPicPr>
-            <a:picLocks noGrp="1" noChangeAspect="1"/>
-          </p:cNvPicPr>
-          <p:nvPr>
-            <p:ph idx="1"/>
-          </p:nvPr>
-        </p:nvPicPr>
-        <p:blipFill>
-          <a:blip r:embed="rId2"/>
-          <a:stretch>
-            <a:fillRect/>
-          </a:stretch>
-        </p:blipFill>
-        <p:spPr>
-          <a:xfrm>
-            <a:off x="4822832" y="321728"/>
-            <a:ext cx="3957135" cy="2456442"/>
-          </a:xfrm>
-        </p:spPr>
-      </p:pic>
-      <p:pic>
-        <p:nvPicPr>
-          <p:cNvPr id="9" name="Picture 8" descr="A screenshot of a cell phone&#10;&#10;Description automatically generated">
-            <a:extLst>
-              <a:ext uri="{FF2B5EF4-FFF2-40B4-BE49-F238E27FC236}">
-                <a16:creationId xmlns:a16="http://schemas.microsoft.com/office/drawing/2014/main" id="{8CC31623-1EB4-AA4C-ADD7-36E32ED401D7}"/>
-              </a:ext>
-            </a:extLst>
-          </p:cNvPr>
-          <p:cNvPicPr>
-            <a:picLocks noChangeAspect="1"/>
-          </p:cNvPicPr>
-          <p:nvPr/>
-        </p:nvPicPr>
-        <p:blipFill>
-          <a:blip r:embed="rId3"/>
-          <a:stretch>
-            <a:fillRect/>
-          </a:stretch>
-        </p:blipFill>
-        <p:spPr>
-          <a:xfrm>
-            <a:off x="4822832" y="3191870"/>
-            <a:ext cx="3569011" cy="2330450"/>
-          </a:xfrm>
-          <a:prstGeom prst="rect">
-            <a:avLst/>
-          </a:prstGeom>
-        </p:spPr>
-      </p:pic>
     </p:spTree>
     <p:extLst>
       <p:ext uri="{BB962C8B-B14F-4D97-AF65-F5344CB8AC3E}">
@@ -18149,7 +22336,7 @@
 </p:sld>
 </file>
 
-<file path=ppt/slides/slide6.xml><?xml version="1.0" encoding="utf-8"?>
+<file path=ppt/slides/slide7.xml><?xml version="1.0" encoding="utf-8"?>
 <p:sld xmlns:a="http://schemas.openxmlformats.org/drawingml/2006/main" xmlns:r="http://schemas.openxmlformats.org/officeDocument/2006/relationships" xmlns:p="http://schemas.openxmlformats.org/presentationml/2006/main">
   <p:cSld>
     <p:bg>
@@ -22331,7 +26518,7 @@
         </p:blipFill>
         <p:spPr>
           <a:xfrm>
-            <a:off x="8658082" y="1320353"/>
+            <a:off x="8672370" y="1334641"/>
             <a:ext cx="3048102" cy="1924028"/>
           </a:xfrm>
           <a:prstGeom prst="rect">
@@ -22352,7 +26539,7 @@
 </p:sld>
 </file>
 
-<file path=ppt/slides/slide7.xml><?xml version="1.0" encoding="utf-8"?>
+<file path=ppt/slides/slide8.xml><?xml version="1.0" encoding="utf-8"?>
 <p:sld xmlns:a="http://schemas.openxmlformats.org/drawingml/2006/main" xmlns:r="http://schemas.openxmlformats.org/officeDocument/2006/relationships" xmlns:p="http://schemas.openxmlformats.org/presentationml/2006/main">
   <p:cSld>
     <p:bg>
@@ -26484,92 +30671,6 @@
 </p:sld>
 </file>
 
-<file path=ppt/slides/slide8.xml><?xml version="1.0" encoding="utf-8"?>
-<p:sld xmlns:a="http://schemas.openxmlformats.org/drawingml/2006/main" xmlns:r="http://schemas.openxmlformats.org/officeDocument/2006/relationships" xmlns:p="http://schemas.openxmlformats.org/presentationml/2006/main">
-  <p:cSld>
-    <p:spTree>
-      <p:nvGrpSpPr>
-        <p:cNvPr id="1" name=""/>
-        <p:cNvGrpSpPr/>
-        <p:nvPr/>
-      </p:nvGrpSpPr>
-      <p:grpSpPr>
-        <a:xfrm>
-          <a:off x="0" y="0"/>
-          <a:ext cx="0" cy="0"/>
-          <a:chOff x="0" y="0"/>
-          <a:chExt cx="0" cy="0"/>
-        </a:xfrm>
-      </p:grpSpPr>
-      <p:sp>
-        <p:nvSpPr>
-          <p:cNvPr id="2" name="Title 1">
-            <a:extLst>
-              <a:ext uri="{FF2B5EF4-FFF2-40B4-BE49-F238E27FC236}">
-                <a16:creationId xmlns:a16="http://schemas.microsoft.com/office/drawing/2014/main" id="{80F79B6D-B2BC-8F4B-8883-72BC7496CC20}"/>
-              </a:ext>
-            </a:extLst>
-          </p:cNvPr>
-          <p:cNvSpPr>
-            <a:spLocks noGrp="1"/>
-          </p:cNvSpPr>
-          <p:nvPr>
-            <p:ph type="title"/>
-          </p:nvPr>
-        </p:nvSpPr>
-        <p:spPr/>
-        <p:txBody>
-          <a:bodyPr/>
-          <a:lstStyle/>
-          <a:p>
-            <a:r>
-              <a:rPr lang="en-US" dirty="0"/>
-              <a:t>Model and Evaluation</a:t>
-            </a:r>
-          </a:p>
-        </p:txBody>
-      </p:sp>
-      <p:sp>
-        <p:nvSpPr>
-          <p:cNvPr id="3" name="Content Placeholder 2">
-            <a:extLst>
-              <a:ext uri="{FF2B5EF4-FFF2-40B4-BE49-F238E27FC236}">
-                <a16:creationId xmlns:a16="http://schemas.microsoft.com/office/drawing/2014/main" id="{5FE8BE1B-EF57-5543-BE99-2100E7D15D95}"/>
-              </a:ext>
-            </a:extLst>
-          </p:cNvPr>
-          <p:cNvSpPr>
-            <a:spLocks noGrp="1"/>
-          </p:cNvSpPr>
-          <p:nvPr>
-            <p:ph idx="1"/>
-          </p:nvPr>
-        </p:nvSpPr>
-        <p:spPr/>
-        <p:txBody>
-          <a:bodyPr/>
-          <a:lstStyle/>
-          <a:p>
-            <a:r>
-              <a:rPr lang="en-US" dirty="0"/>
-              <a:t>Hypothesis: </a:t>
-            </a:r>
-          </a:p>
-        </p:txBody>
-      </p:sp>
-    </p:spTree>
-    <p:extLst>
-      <p:ext uri="{BB962C8B-B14F-4D97-AF65-F5344CB8AC3E}">
-        <p14:creationId xmlns:p14="http://schemas.microsoft.com/office/powerpoint/2010/main" val="3380476258"/>
-      </p:ext>
-    </p:extLst>
-  </p:cSld>
-  <p:clrMapOvr>
-    <a:masterClrMapping/>
-  </p:clrMapOvr>
-</p:sld>
-</file>
-
 <file path=ppt/slides/slide9.xml><?xml version="1.0" encoding="utf-8"?>
 <p:sld xmlns:a="http://schemas.openxmlformats.org/drawingml/2006/main" xmlns:r="http://schemas.openxmlformats.org/officeDocument/2006/relationships" xmlns:p="http://schemas.openxmlformats.org/presentationml/2006/main">
   <p:cSld>
@@ -26592,7 +30693,7 @@
           <p:cNvPr id="2" name="Title 1">
             <a:extLst>
               <a:ext uri="{FF2B5EF4-FFF2-40B4-BE49-F238E27FC236}">
-                <a16:creationId xmlns:a16="http://schemas.microsoft.com/office/drawing/2014/main" id="{6C273D08-C60D-B740-BE18-A831E1B49CF2}"/>
+                <a16:creationId xmlns:a16="http://schemas.microsoft.com/office/drawing/2014/main" id="{80F79B6D-B2BC-8F4B-8883-72BC7496CC20}"/>
               </a:ext>
             </a:extLst>
           </p:cNvPr>
@@ -26610,7 +30711,7 @@
           <a:p>
             <a:r>
               <a:rPr lang="en-US" dirty="0"/>
-              <a:t>Model Evaluation</a:t>
+              <a:t>Model</a:t>
             </a:r>
           </a:p>
         </p:txBody>
@@ -26620,7 +30721,7 @@
           <p:cNvPr id="3" name="Content Placeholder 2">
             <a:extLst>
               <a:ext uri="{FF2B5EF4-FFF2-40B4-BE49-F238E27FC236}">
-                <a16:creationId xmlns:a16="http://schemas.microsoft.com/office/drawing/2014/main" id="{0F180BB7-110B-E44A-80F6-DD347309086B}"/>
+                <a16:creationId xmlns:a16="http://schemas.microsoft.com/office/drawing/2014/main" id="{5FE8BE1B-EF57-5543-BE99-2100E7D15D95}"/>
               </a:ext>
             </a:extLst>
           </p:cNvPr>
@@ -26631,19 +30732,164 @@
             <p:ph idx="1"/>
           </p:nvPr>
         </p:nvSpPr>
-        <p:spPr/>
+        <p:spPr>
+          <a:xfrm>
+            <a:off x="5021496" y="1026941"/>
+            <a:ext cx="6281873" cy="5175515"/>
+          </a:xfrm>
+        </p:spPr>
         <p:txBody>
-          <a:bodyPr/>
+          <a:bodyPr>
+            <a:normAutofit lnSpcReduction="10000"/>
+          </a:bodyPr>
           <a:lstStyle/>
           <a:p>
-            <a:endParaRPr lang="en-US"/>
+            <a:endParaRPr lang="en-US" dirty="0"/>
+          </a:p>
+          <a:p>
+            <a:endParaRPr lang="en-US" dirty="0"/>
+          </a:p>
+          <a:p>
+            <a:endParaRPr lang="en-US" dirty="0"/>
+          </a:p>
+          <a:p>
+            <a:r>
+              <a:rPr lang="en-US" dirty="0"/>
+              <a:t>Model Selection: SGD Regression, Linear Regression, </a:t>
+            </a:r>
+            <a:r>
+              <a:rPr lang="en-US" dirty="0" err="1"/>
+              <a:t>XGBoost</a:t>
+            </a:r>
+            <a:endParaRPr lang="en-US" dirty="0"/>
+          </a:p>
+          <a:p>
+            <a:pPr marL="457200" lvl="1" indent="0">
+              <a:buNone/>
+            </a:pPr>
+            <a:endParaRPr lang="en-US" dirty="0"/>
+          </a:p>
+          <a:p>
+            <a:pPr marL="457200" lvl="1" indent="0">
+              <a:buNone/>
+            </a:pPr>
+            <a:endParaRPr lang="en-US" dirty="0"/>
+          </a:p>
+          <a:p>
+            <a:pPr marL="457200" lvl="1" indent="0">
+              <a:buNone/>
+            </a:pPr>
+            <a:endParaRPr lang="en-US" dirty="0"/>
+          </a:p>
+          <a:p>
+            <a:pPr lvl="1"/>
+            <a:r>
+              <a:rPr lang="en-US" dirty="0" err="1"/>
+              <a:t>XGBoost</a:t>
+            </a:r>
+            <a:r>
+              <a:rPr lang="en-US" dirty="0"/>
+              <a:t> performed best</a:t>
+            </a:r>
+          </a:p>
+          <a:p>
+            <a:r>
+              <a:rPr lang="en-US" dirty="0"/>
+              <a:t>Parameter tuning:</a:t>
+            </a:r>
+          </a:p>
+          <a:p>
+            <a:pPr lvl="1"/>
+            <a:r>
+              <a:rPr lang="en-US" dirty="0"/>
+              <a:t>K-fold Cross Validation </a:t>
+            </a:r>
+          </a:p>
+          <a:p>
+            <a:pPr lvl="2"/>
+            <a:r>
+              <a:rPr lang="en-US" dirty="0" err="1"/>
+              <a:t>max_depth</a:t>
+            </a:r>
+            <a:r>
+              <a:rPr lang="en-US" dirty="0"/>
+              <a:t>: Max depth of tree, low depth used to avoid overfitting data </a:t>
+            </a:r>
+          </a:p>
+          <a:p>
+            <a:pPr lvl="2"/>
+            <a:r>
+              <a:rPr lang="en-US" dirty="0" err="1"/>
+              <a:t>N_estimators</a:t>
+            </a:r>
+            <a:r>
+              <a:rPr lang="en-US" dirty="0"/>
+              <a:t>: Number of trees to fit </a:t>
+            </a:r>
+          </a:p>
+          <a:p>
+            <a:pPr lvl="1"/>
+            <a:endParaRPr lang="en-US" dirty="0"/>
+          </a:p>
+          <a:p>
+            <a:pPr lvl="1"/>
+            <a:endParaRPr lang="en-US" dirty="0"/>
+          </a:p>
+          <a:p>
+            <a:pPr marL="457200" lvl="1" indent="0">
+              <a:buNone/>
+            </a:pPr>
+            <a:endParaRPr lang="en-US" dirty="0"/>
+          </a:p>
+          <a:p>
+            <a:pPr lvl="1"/>
+            <a:endParaRPr lang="en-US" dirty="0"/>
+          </a:p>
+          <a:p>
+            <a:pPr marL="457200" lvl="1" indent="0">
+              <a:buNone/>
+            </a:pPr>
+            <a:endParaRPr lang="en-US" dirty="0"/>
+          </a:p>
+          <a:p>
+            <a:endParaRPr lang="en-US" dirty="0"/>
           </a:p>
         </p:txBody>
       </p:sp>
+      <p:pic>
+        <p:nvPicPr>
+          <p:cNvPr id="9" name="Picture 8" descr="A close up of a sign&#10;&#10;Description automatically generated">
+            <a:extLst>
+              <a:ext uri="{FF2B5EF4-FFF2-40B4-BE49-F238E27FC236}">
+                <a16:creationId xmlns:a16="http://schemas.microsoft.com/office/drawing/2014/main" id="{0707A62D-545C-414D-9A6F-6816AD95EB0A}"/>
+              </a:ext>
+            </a:extLst>
+          </p:cNvPr>
+          <p:cNvPicPr>
+            <a:picLocks noChangeAspect="1"/>
+          </p:cNvPicPr>
+          <p:nvPr/>
+        </p:nvPicPr>
+        <p:blipFill>
+          <a:blip r:embed="rId2"/>
+          <a:stretch>
+            <a:fillRect/>
+          </a:stretch>
+        </p:blipFill>
+        <p:spPr>
+          <a:xfrm>
+            <a:off x="5447130" y="2293636"/>
+            <a:ext cx="5130800" cy="533400"/>
+          </a:xfrm>
+          <a:prstGeom prst="rect">
+            <a:avLst/>
+          </a:prstGeom>
+        </p:spPr>
+      </p:pic>
     </p:spTree>
     <p:extLst>
       <p:ext uri="{BB962C8B-B14F-4D97-AF65-F5344CB8AC3E}">
-        <p14:creationId xmlns:p14="http://schemas.microsoft.com/office/powerpoint/2010/main" val="1336454564"/>
+        <p14:creationId xmlns:p14="http://schemas.microsoft.com/office/powerpoint/2010/main" val="3380476258"/>
       </p:ext>
     </p:extLst>
   </p:cSld>

--- a/Economic_Forecasting.pptx
+++ b/Economic_Forecasting.pptx
@@ -30813,18 +30813,23 @@
             </a:r>
             <a:r>
               <a:rPr lang="en-US" dirty="0"/>
-              <a:t>: Max depth of tree, low depth used to avoid overfitting data </a:t>
+              <a:t>: Max depth </a:t>
             </a:r>
+            <a:r>
+              <a:rPr lang="en-US"/>
+              <a:t>of tree</a:t>
+            </a:r>
+            <a:endParaRPr lang="en-US" dirty="0"/>
           </a:p>
           <a:p>
             <a:pPr lvl="2"/>
             <a:r>
               <a:rPr lang="en-US" dirty="0" err="1"/>
-              <a:t>N_estimators</a:t>
+              <a:t>Min_child_weight</a:t>
             </a:r>
             <a:r>
               <a:rPr lang="en-US" dirty="0"/>
-              <a:t>: Number of trees to fit </a:t>
+              <a:t>: Minimum weight required to create a new node </a:t>
             </a:r>
           </a:p>
           <a:p>
@@ -30858,10 +30863,10 @@
       </p:sp>
       <p:pic>
         <p:nvPicPr>
-          <p:cNvPr id="9" name="Picture 8" descr="A close up of a sign&#10;&#10;Description automatically generated">
+          <p:cNvPr id="11" name="Picture 10" descr="A close up of a sign&#10;&#10;Description automatically generated">
             <a:extLst>
               <a:ext uri="{FF2B5EF4-FFF2-40B4-BE49-F238E27FC236}">
-                <a16:creationId xmlns:a16="http://schemas.microsoft.com/office/drawing/2014/main" id="{0707A62D-545C-414D-9A6F-6816AD95EB0A}"/>
+                <a16:creationId xmlns:a16="http://schemas.microsoft.com/office/drawing/2014/main" id="{5C1E3B72-9E5C-0142-A812-9F6AD5749854}"/>
               </a:ext>
             </a:extLst>
           </p:cNvPr>
@@ -30878,7 +30883,7 @@
         </p:blipFill>
         <p:spPr>
           <a:xfrm>
-            <a:off x="5447130" y="2293636"/>
+            <a:off x="5209498" y="2349925"/>
             <a:ext cx="5130800" cy="533400"/>
           </a:xfrm>
           <a:prstGeom prst="rect">

--- a/Economic_Forecasting.pptx
+++ b/Economic_Forecasting.pptx
@@ -30740,7 +30740,7 @@
         </p:spPr>
         <p:txBody>
           <a:bodyPr>
-            <a:normAutofit lnSpcReduction="10000"/>
+            <a:normAutofit/>
           </a:bodyPr>
           <a:lstStyle/>
           <a:p>
@@ -30761,24 +30761,6 @@
               <a:rPr lang="en-US" dirty="0" err="1"/>
               <a:t>XGBoost</a:t>
             </a:r>
-            <a:endParaRPr lang="en-US" dirty="0"/>
-          </a:p>
-          <a:p>
-            <a:pPr marL="457200" lvl="1" indent="0">
-              <a:buNone/>
-            </a:pPr>
-            <a:endParaRPr lang="en-US" dirty="0"/>
-          </a:p>
-          <a:p>
-            <a:pPr marL="457200" lvl="1" indent="0">
-              <a:buNone/>
-            </a:pPr>
-            <a:endParaRPr lang="en-US" dirty="0"/>
-          </a:p>
-          <a:p>
-            <a:pPr marL="457200" lvl="1" indent="0">
-              <a:buNone/>
-            </a:pPr>
             <a:endParaRPr lang="en-US" dirty="0"/>
           </a:p>
           <a:p>
@@ -30813,13 +30795,8 @@
             </a:r>
             <a:r>
               <a:rPr lang="en-US" dirty="0"/>
-              <a:t>: Max depth </a:t>
+              <a:t>: Max depth of tree</a:t>
             </a:r>
-            <a:r>
-              <a:rPr lang="en-US"/>
-              <a:t>of tree</a:t>
-            </a:r>
-            <a:endParaRPr lang="en-US" dirty="0"/>
           </a:p>
           <a:p>
             <a:pPr lvl="2"/>
@@ -30863,10 +30840,10 @@
       </p:sp>
       <p:pic>
         <p:nvPicPr>
-          <p:cNvPr id="11" name="Picture 10" descr="A close up of a sign&#10;&#10;Description automatically generated">
+          <p:cNvPr id="15" name="Picture 14">
             <a:extLst>
               <a:ext uri="{FF2B5EF4-FFF2-40B4-BE49-F238E27FC236}">
-                <a16:creationId xmlns:a16="http://schemas.microsoft.com/office/drawing/2014/main" id="{5C1E3B72-9E5C-0142-A812-9F6AD5749854}"/>
+                <a16:creationId xmlns:a16="http://schemas.microsoft.com/office/drawing/2014/main" id="{29C0BF95-B646-A749-A859-1B0A24FF3113}"/>
               </a:ext>
             </a:extLst>
           </p:cNvPr>
@@ -30883,8 +30860,8 @@
         </p:blipFill>
         <p:spPr>
           <a:xfrm>
-            <a:off x="5209498" y="2349925"/>
-            <a:ext cx="5130800" cy="533400"/>
+            <a:off x="5021496" y="4811665"/>
+            <a:ext cx="6565900" cy="558800"/>
           </a:xfrm>
           <a:prstGeom prst="rect">
             <a:avLst/>

--- a/Economic_Forecasting.pptx
+++ b/Economic_Forecasting.pptx
@@ -17499,10 +17499,34 @@
             </a:r>
           </a:p>
           <a:p>
+            <a:endParaRPr lang="en-US" dirty="0"/>
+          </a:p>
+          <a:p>
+            <a:pPr marL="0" indent="0">
+              <a:buNone/>
+            </a:pPr>
+            <a:endParaRPr lang="en-US" dirty="0"/>
+          </a:p>
+          <a:p>
             <a:r>
               <a:rPr lang="en-US" dirty="0"/>
               <a:t>Mean Absolute Error </a:t>
             </a:r>
+          </a:p>
+          <a:p>
+            <a:endParaRPr lang="en-US" dirty="0"/>
+          </a:p>
+          <a:p>
+            <a:endParaRPr lang="en-US" dirty="0"/>
+          </a:p>
+          <a:p>
+            <a:endParaRPr lang="en-US" dirty="0"/>
+          </a:p>
+          <a:p>
+            <a:pPr marL="0" indent="0">
+              <a:buNone/>
+            </a:pPr>
+            <a:endParaRPr lang="en-US" dirty="0"/>
           </a:p>
           <a:p>
             <a:endParaRPr lang="en-US" dirty="0"/>
@@ -17531,7 +17555,7 @@
         </p:blipFill>
         <p:spPr>
           <a:xfrm>
-            <a:off x="4900160" y="4322825"/>
+            <a:off x="4900160" y="4806367"/>
             <a:ext cx="6500160" cy="656984"/>
           </a:xfrm>
           <a:prstGeom prst="rect">

--- a/Economic_Forecasting.pptx
+++ b/Economic_Forecasting.pptx
@@ -16,6 +16,7 @@
     <p:sldId id="263" r:id="rId10"/>
     <p:sldId id="266" r:id="rId11"/>
     <p:sldId id="262" r:id="rId12"/>
+    <p:sldId id="267" r:id="rId13"/>
   </p:sldIdLst>
   <p:sldSz cx="12192000" cy="6858000"/>
   <p:notesSz cx="6858000" cy="9144000"/>
@@ -114,6 +115,11 @@
       </a:defRPr>
     </a:lvl9pPr>
   </p:defaultTextStyle>
+  <p:extLst>
+    <p:ext uri="{EFAFB233-063F-42B5-8137-9DF3F51BA10A}">
+      <p15:sldGuideLst xmlns:p15="http://schemas.microsoft.com/office/powerpoint/2012/main"/>
+    </p:ext>
+  </p:extLst>
 </p:presentation>
 </file>
 
@@ -1526,7 +1532,7 @@
           <a:p>
             <a:fld id="{4FCC8540-F50B-3147-99F8-7A5D6E03697C}" type="datetimeFigureOut">
               <a:rPr lang="en-US" smtClean="0"/>
-              <a:t>6/4/19</a:t>
+              <a:t>6/5/19</a:t>
             </a:fld>
             <a:endParaRPr lang="en-US"/>
           </a:p>
@@ -2985,7 +2991,7 @@
           <a:p>
             <a:fld id="{4FCC8540-F50B-3147-99F8-7A5D6E03697C}" type="datetimeFigureOut">
               <a:rPr lang="en-US" smtClean="0"/>
-              <a:t>6/4/19</a:t>
+              <a:t>6/5/19</a:t>
             </a:fld>
             <a:endParaRPr lang="en-US"/>
           </a:p>
@@ -4438,7 +4444,7 @@
           <a:p>
             <a:fld id="{4FCC8540-F50B-3147-99F8-7A5D6E03697C}" type="datetimeFigureOut">
               <a:rPr lang="en-US" smtClean="0"/>
-              <a:t>6/4/19</a:t>
+              <a:t>6/5/19</a:t>
             </a:fld>
             <a:endParaRPr lang="en-US"/>
           </a:p>
@@ -5893,7 +5899,7 @@
           <a:p>
             <a:fld id="{4FCC8540-F50B-3147-99F8-7A5D6E03697C}" type="datetimeFigureOut">
               <a:rPr lang="en-US" smtClean="0"/>
-              <a:t>6/4/19</a:t>
+              <a:t>6/5/19</a:t>
             </a:fld>
             <a:endParaRPr lang="en-US"/>
           </a:p>
@@ -7401,7 +7407,7 @@
           <a:p>
             <a:fld id="{4FCC8540-F50B-3147-99F8-7A5D6E03697C}" type="datetimeFigureOut">
               <a:rPr lang="en-US" smtClean="0"/>
-              <a:t>6/4/19</a:t>
+              <a:t>6/5/19</a:t>
             </a:fld>
             <a:endParaRPr lang="en-US"/>
           </a:p>
@@ -8922,7 +8928,7 @@
           <a:p>
             <a:fld id="{4FCC8540-F50B-3147-99F8-7A5D6E03697C}" type="datetimeFigureOut">
               <a:rPr lang="en-US" smtClean="0"/>
-              <a:t>6/4/19</a:t>
+              <a:t>6/5/19</a:t>
             </a:fld>
             <a:endParaRPr lang="en-US"/>
           </a:p>
@@ -10587,7 +10593,7 @@
           <a:p>
             <a:fld id="{4FCC8540-F50B-3147-99F8-7A5D6E03697C}" type="datetimeFigureOut">
               <a:rPr lang="en-US" smtClean="0"/>
-              <a:t>6/4/19</a:t>
+              <a:t>6/5/19</a:t>
             </a:fld>
             <a:endParaRPr lang="en-US"/>
           </a:p>
@@ -11985,7 +11991,7 @@
           <a:p>
             <a:fld id="{4FCC8540-F50B-3147-99F8-7A5D6E03697C}" type="datetimeFigureOut">
               <a:rPr lang="en-US" smtClean="0"/>
-              <a:t>6/4/19</a:t>
+              <a:t>6/5/19</a:t>
             </a:fld>
             <a:endParaRPr lang="en-US"/>
           </a:p>
@@ -12085,7 +12091,7 @@
           <a:p>
             <a:fld id="{4FCC8540-F50B-3147-99F8-7A5D6E03697C}" type="datetimeFigureOut">
               <a:rPr lang="en-US" smtClean="0"/>
-              <a:t>6/4/19</a:t>
+              <a:t>6/5/19</a:t>
             </a:fld>
             <a:endParaRPr lang="en-US"/>
           </a:p>
@@ -13611,7 +13617,7 @@
           <a:p>
             <a:fld id="{4FCC8540-F50B-3147-99F8-7A5D6E03697C}" type="datetimeFigureOut">
               <a:rPr lang="en-US" smtClean="0"/>
-              <a:t>6/4/19</a:t>
+              <a:t>6/5/19</a:t>
             </a:fld>
             <a:endParaRPr lang="en-US"/>
           </a:p>
@@ -15147,7 +15153,7 @@
           <a:p>
             <a:fld id="{4FCC8540-F50B-3147-99F8-7A5D6E03697C}" type="datetimeFigureOut">
               <a:rPr lang="en-US" smtClean="0"/>
-              <a:t>6/4/19</a:t>
+              <a:t>6/5/19</a:t>
             </a:fld>
             <a:endParaRPr lang="en-US"/>
           </a:p>
@@ -15370,7 +15376,7 @@
           <a:p>
             <a:fld id="{4FCC8540-F50B-3147-99F8-7A5D6E03697C}" type="datetimeFigureOut">
               <a:rPr lang="en-US" smtClean="0"/>
-              <a:t>6/4/19</a:t>
+              <a:t>6/5/19</a:t>
             </a:fld>
             <a:endParaRPr lang="en-US"/>
           </a:p>
@@ -17495,11 +17501,8 @@
           <a:p>
             <a:r>
               <a:rPr lang="en-US" dirty="0"/>
-              <a:t>R-squared score </a:t>
+              <a:t>R-squared score: 0.488</a:t>
             </a:r>
-          </a:p>
-          <a:p>
-            <a:endParaRPr lang="en-US" dirty="0"/>
           </a:p>
           <a:p>
             <a:pPr marL="0" indent="0">
@@ -17510,7 +17513,7 @@
           <a:p>
             <a:r>
               <a:rPr lang="en-US" dirty="0"/>
-              <a:t>Mean Absolute Error </a:t>
+              <a:t>Mean Absolute Error : 0.17</a:t>
             </a:r>
           </a:p>
           <a:p>
@@ -17533,36 +17536,198 @@
           </a:p>
         </p:txBody>
       </p:sp>
-      <p:pic>
-        <p:nvPicPr>
-          <p:cNvPr id="4" name="Picture 3">
+      <p:graphicFrame>
+        <p:nvGraphicFramePr>
+          <p:cNvPr id="5" name="Table 4">
             <a:extLst>
               <a:ext uri="{FF2B5EF4-FFF2-40B4-BE49-F238E27FC236}">
-                <a16:creationId xmlns:a16="http://schemas.microsoft.com/office/drawing/2014/main" id="{1701C04E-9E5B-3943-BAEC-B395AD5A04AB}"/>
+                <a16:creationId xmlns:a16="http://schemas.microsoft.com/office/drawing/2014/main" id="{3D15120B-6400-A843-9754-7D291640F452}"/>
               </a:ext>
             </a:extLst>
           </p:cNvPr>
-          <p:cNvPicPr>
-            <a:picLocks noChangeAspect="1"/>
-          </p:cNvPicPr>
-          <p:nvPr/>
-        </p:nvPicPr>
-        <p:blipFill>
-          <a:blip r:embed="rId2"/>
-          <a:stretch>
-            <a:fillRect/>
-          </a:stretch>
-        </p:blipFill>
-        <p:spPr>
-          <a:xfrm>
-            <a:off x="4900160" y="4806367"/>
-            <a:ext cx="6500160" cy="656984"/>
-          </a:xfrm>
-          <a:prstGeom prst="rect">
-            <a:avLst/>
-          </a:prstGeom>
-        </p:spPr>
-      </p:pic>
+          <p:cNvGraphicFramePr>
+            <a:graphicFrameLocks noGrp="1"/>
+          </p:cNvGraphicFramePr>
+          <p:nvPr>
+            <p:extLst>
+              <p:ext uri="{D42A27DB-BD31-4B8C-83A1-F6EECF244321}">
+                <p14:modId xmlns:p14="http://schemas.microsoft.com/office/powerpoint/2010/main" val="1720574351"/>
+              </p:ext>
+            </p:extLst>
+          </p:nvPr>
+        </p:nvGraphicFramePr>
+        <p:xfrm>
+          <a:off x="5986272" y="3736642"/>
+          <a:ext cx="5047488" cy="1645921"/>
+        </p:xfrm>
+        <a:graphic>
+          <a:graphicData uri="http://schemas.openxmlformats.org/drawingml/2006/table">
+            <a:tbl>
+              <a:tblPr firstRow="1" bandRow="1">
+                <a:tableStyleId>{5C22544A-7EE6-4342-B048-85BDC9FD1C3A}</a:tableStyleId>
+              </a:tblPr>
+              <a:tblGrid>
+                <a:gridCol w="2267609">
+                  <a:extLst>
+                    <a:ext uri="{9D8B030D-6E8A-4147-A177-3AD203B41FA5}">
+                      <a16:colId xmlns:a16="http://schemas.microsoft.com/office/drawing/2014/main" val="534549254"/>
+                    </a:ext>
+                  </a:extLst>
+                </a:gridCol>
+                <a:gridCol w="1317547">
+                  <a:extLst>
+                    <a:ext uri="{9D8B030D-6E8A-4147-A177-3AD203B41FA5}">
+                      <a16:colId xmlns:a16="http://schemas.microsoft.com/office/drawing/2014/main" val="358867135"/>
+                    </a:ext>
+                  </a:extLst>
+                </a:gridCol>
+                <a:gridCol w="1462332">
+                  <a:extLst>
+                    <a:ext uri="{9D8B030D-6E8A-4147-A177-3AD203B41FA5}">
+                      <a16:colId xmlns:a16="http://schemas.microsoft.com/office/drawing/2014/main" val="4023067152"/>
+                    </a:ext>
+                  </a:extLst>
+                </a:gridCol>
+              </a:tblGrid>
+              <a:tr h="531055">
+                <a:tc>
+                  <a:txBody>
+                    <a:bodyPr/>
+                    <a:lstStyle/>
+                    <a:p>
+                      <a:endParaRPr lang="en-US" dirty="0"/>
+                    </a:p>
+                  </a:txBody>
+                  <a:tcPr/>
+                </a:tc>
+                <a:tc>
+                  <a:txBody>
+                    <a:bodyPr/>
+                    <a:lstStyle/>
+                    <a:p>
+                      <a:r>
+                        <a:rPr lang="en-US" dirty="0"/>
+                        <a:t>2015</a:t>
+                      </a:r>
+                    </a:p>
+                  </a:txBody>
+                  <a:tcPr/>
+                </a:tc>
+                <a:tc>
+                  <a:txBody>
+                    <a:bodyPr/>
+                    <a:lstStyle/>
+                    <a:p>
+                      <a:r>
+                        <a:rPr lang="en-US" dirty="0"/>
+                        <a:t>2017</a:t>
+                      </a:r>
+                    </a:p>
+                  </a:txBody>
+                  <a:tcPr/>
+                </a:tc>
+                <a:extLst>
+                  <a:ext uri="{0D108BD9-81ED-4DB2-BD59-A6C34878D82A}">
+                    <a16:rowId xmlns:a16="http://schemas.microsoft.com/office/drawing/2014/main" val="3114337718"/>
+                  </a:ext>
+                </a:extLst>
+              </a:tr>
+              <a:tr h="557433">
+                <a:tc>
+                  <a:txBody>
+                    <a:bodyPr/>
+                    <a:lstStyle/>
+                    <a:p>
+                      <a:r>
+                        <a:rPr lang="en-US" dirty="0"/>
+                        <a:t>Predicted GDP</a:t>
+                      </a:r>
+                    </a:p>
+                  </a:txBody>
+                  <a:tcPr/>
+                </a:tc>
+                <a:tc>
+                  <a:txBody>
+                    <a:bodyPr/>
+                    <a:lstStyle/>
+                    <a:p>
+                      <a:r>
+                        <a:rPr lang="en-US" dirty="0"/>
+                        <a:t>2.57</a:t>
+                      </a:r>
+                    </a:p>
+                  </a:txBody>
+                  <a:tcPr/>
+                </a:tc>
+                <a:tc>
+                  <a:txBody>
+                    <a:bodyPr/>
+                    <a:lstStyle/>
+                    <a:p>
+                      <a:r>
+                        <a:rPr lang="en-US" dirty="0"/>
+                        <a:t>2.22</a:t>
+                      </a:r>
+                    </a:p>
+                  </a:txBody>
+                  <a:tcPr/>
+                </a:tc>
+                <a:extLst>
+                  <a:ext uri="{0D108BD9-81ED-4DB2-BD59-A6C34878D82A}">
+                    <a16:rowId xmlns:a16="http://schemas.microsoft.com/office/drawing/2014/main" val="2115782225"/>
+                  </a:ext>
+                </a:extLst>
+              </a:tr>
+              <a:tr h="557433">
+                <a:tc>
+                  <a:txBody>
+                    <a:bodyPr/>
+                    <a:lstStyle/>
+                    <a:p>
+                      <a:r>
+                        <a:rPr lang="en-US" dirty="0"/>
+                        <a:t>Actual GDP</a:t>
+                      </a:r>
+                    </a:p>
+                  </a:txBody>
+                  <a:tcPr/>
+                </a:tc>
+                <a:tc>
+                  <a:txBody>
+                    <a:bodyPr/>
+                    <a:lstStyle/>
+                    <a:p>
+                      <a:r>
+                        <a:rPr lang="en-US" dirty="0"/>
+                        <a:t>2.86</a:t>
+                      </a:r>
+                    </a:p>
+                  </a:txBody>
+                  <a:tcPr/>
+                </a:tc>
+                <a:tc>
+                  <a:txBody>
+                    <a:bodyPr/>
+                    <a:lstStyle/>
+                    <a:p>
+                      <a:r>
+                        <a:rPr lang="en-US" dirty="0"/>
+                        <a:t>2.27</a:t>
+                      </a:r>
+                    </a:p>
+                  </a:txBody>
+                  <a:tcPr/>
+                </a:tc>
+                <a:extLst>
+                  <a:ext uri="{0D108BD9-81ED-4DB2-BD59-A6C34878D82A}">
+                    <a16:rowId xmlns:a16="http://schemas.microsoft.com/office/drawing/2014/main" val="591223581"/>
+                  </a:ext>
+                </a:extLst>
+              </a:tr>
+            </a:tbl>
+          </a:graphicData>
+        </a:graphic>
+      </p:graphicFrame>
     </p:spTree>
     <p:extLst>
       <p:ext uri="{BB962C8B-B14F-4D97-AF65-F5344CB8AC3E}">
@@ -17680,6 +17845,393 @@
     <p:extLst>
       <p:ext uri="{BB962C8B-B14F-4D97-AF65-F5344CB8AC3E}">
         <p14:creationId xmlns:p14="http://schemas.microsoft.com/office/powerpoint/2010/main" val="1336454564"/>
+      </p:ext>
+    </p:extLst>
+  </p:cSld>
+  <p:clrMapOvr>
+    <a:masterClrMapping/>
+  </p:clrMapOvr>
+</p:sld>
+</file>
+
+<file path=ppt/slides/slide12.xml><?xml version="1.0" encoding="utf-8"?>
+<p:sld xmlns:a="http://schemas.openxmlformats.org/drawingml/2006/main" xmlns:r="http://schemas.openxmlformats.org/officeDocument/2006/relationships" xmlns:p="http://schemas.openxmlformats.org/presentationml/2006/main">
+  <p:cSld>
+    <p:spTree>
+      <p:nvGrpSpPr>
+        <p:cNvPr id="1" name=""/>
+        <p:cNvGrpSpPr/>
+        <p:nvPr/>
+      </p:nvGrpSpPr>
+      <p:grpSpPr>
+        <a:xfrm>
+          <a:off x="0" y="0"/>
+          <a:ext cx="0" cy="0"/>
+          <a:chOff x="0" y="0"/>
+          <a:chExt cx="0" cy="0"/>
+        </a:xfrm>
+      </p:grpSpPr>
+      <p:sp>
+        <p:nvSpPr>
+          <p:cNvPr id="2" name="Title 1">
+            <a:extLst>
+              <a:ext uri="{FF2B5EF4-FFF2-40B4-BE49-F238E27FC236}">
+                <a16:creationId xmlns:a16="http://schemas.microsoft.com/office/drawing/2014/main" id="{3DF3AFA2-9C8B-0345-9898-CC12C1D39756}"/>
+              </a:ext>
+            </a:extLst>
+          </p:cNvPr>
+          <p:cNvSpPr>
+            <a:spLocks noGrp="1"/>
+          </p:cNvSpPr>
+          <p:nvPr>
+            <p:ph type="title"/>
+          </p:nvPr>
+        </p:nvSpPr>
+        <p:spPr/>
+        <p:txBody>
+          <a:bodyPr/>
+          <a:lstStyle/>
+          <a:p>
+            <a:r>
+              <a:rPr lang="en-US" dirty="0"/>
+              <a:t>Citations</a:t>
+            </a:r>
+          </a:p>
+        </p:txBody>
+      </p:sp>
+      <p:pic>
+        <p:nvPicPr>
+          <p:cNvPr id="4" name="Content Placeholder 3">
+            <a:extLst>
+              <a:ext uri="{FF2B5EF4-FFF2-40B4-BE49-F238E27FC236}">
+                <a16:creationId xmlns:a16="http://schemas.microsoft.com/office/drawing/2014/main" id="{6A454FFC-54C4-A44C-A290-595014F2919C}"/>
+              </a:ext>
+            </a:extLst>
+          </p:cNvPr>
+          <p:cNvPicPr>
+            <a:picLocks noGrp="1" noChangeAspect="1"/>
+          </p:cNvPicPr>
+          <p:nvPr>
+            <p:ph idx="1"/>
+          </p:nvPr>
+        </p:nvPicPr>
+        <p:blipFill>
+          <a:blip r:embed="rId2"/>
+          <a:stretch>
+            <a:fillRect/>
+          </a:stretch>
+        </p:blipFill>
+        <p:spPr>
+          <a:xfrm>
+            <a:off x="4521920" y="546958"/>
+            <a:ext cx="1485900" cy="1358900"/>
+          </a:xfrm>
+        </p:spPr>
+      </p:pic>
+      <p:pic>
+        <p:nvPicPr>
+          <p:cNvPr id="6" name="Picture 5">
+            <a:extLst>
+              <a:ext uri="{FF2B5EF4-FFF2-40B4-BE49-F238E27FC236}">
+                <a16:creationId xmlns:a16="http://schemas.microsoft.com/office/drawing/2014/main" id="{78432086-E688-C647-8559-D88A7303E6CF}"/>
+              </a:ext>
+            </a:extLst>
+          </p:cNvPr>
+          <p:cNvPicPr>
+            <a:picLocks noChangeAspect="1"/>
+          </p:cNvPicPr>
+          <p:nvPr/>
+        </p:nvPicPr>
+        <p:blipFill>
+          <a:blip r:embed="rId3"/>
+          <a:stretch>
+            <a:fillRect/>
+          </a:stretch>
+        </p:blipFill>
+        <p:spPr>
+          <a:xfrm>
+            <a:off x="6919097" y="1581575"/>
+            <a:ext cx="1536700" cy="1536700"/>
+          </a:xfrm>
+          <a:prstGeom prst="rect">
+            <a:avLst/>
+          </a:prstGeom>
+        </p:spPr>
+      </p:pic>
+      <p:pic>
+        <p:nvPicPr>
+          <p:cNvPr id="7" name="Picture 6">
+            <a:extLst>
+              <a:ext uri="{FF2B5EF4-FFF2-40B4-BE49-F238E27FC236}">
+                <a16:creationId xmlns:a16="http://schemas.microsoft.com/office/drawing/2014/main" id="{05472FE9-73E5-EB4C-BB79-3E9E5065561A}"/>
+              </a:ext>
+            </a:extLst>
+          </p:cNvPr>
+          <p:cNvPicPr>
+            <a:picLocks noChangeAspect="1"/>
+          </p:cNvPicPr>
+          <p:nvPr/>
+        </p:nvPicPr>
+        <p:blipFill>
+          <a:blip r:embed="rId4"/>
+          <a:stretch>
+            <a:fillRect/>
+          </a:stretch>
+        </p:blipFill>
+        <p:spPr>
+          <a:xfrm>
+            <a:off x="4871674" y="5422042"/>
+            <a:ext cx="2260600" cy="889000"/>
+          </a:xfrm>
+          <a:prstGeom prst="rect">
+            <a:avLst/>
+          </a:prstGeom>
+        </p:spPr>
+      </p:pic>
+      <p:pic>
+        <p:nvPicPr>
+          <p:cNvPr id="9" name="Picture 8">
+            <a:extLst>
+              <a:ext uri="{FF2B5EF4-FFF2-40B4-BE49-F238E27FC236}">
+                <a16:creationId xmlns:a16="http://schemas.microsoft.com/office/drawing/2014/main" id="{8E747BA9-BD56-EC49-A489-527919919BD1}"/>
+              </a:ext>
+            </a:extLst>
+          </p:cNvPr>
+          <p:cNvPicPr>
+            <a:picLocks noChangeAspect="1"/>
+          </p:cNvPicPr>
+          <p:nvPr/>
+        </p:nvPicPr>
+        <p:blipFill>
+          <a:blip r:embed="rId5"/>
+          <a:stretch>
+            <a:fillRect/>
+          </a:stretch>
+        </p:blipFill>
+        <p:spPr>
+          <a:xfrm>
+            <a:off x="8513199" y="5517292"/>
+            <a:ext cx="2908300" cy="698500"/>
+          </a:xfrm>
+          <a:prstGeom prst="rect">
+            <a:avLst/>
+          </a:prstGeom>
+        </p:spPr>
+      </p:pic>
+      <p:pic>
+        <p:nvPicPr>
+          <p:cNvPr id="11" name="Picture 10">
+            <a:extLst>
+              <a:ext uri="{FF2B5EF4-FFF2-40B4-BE49-F238E27FC236}">
+                <a16:creationId xmlns:a16="http://schemas.microsoft.com/office/drawing/2014/main" id="{FD709090-AA96-8B49-8BAD-B184DF51B2B2}"/>
+              </a:ext>
+            </a:extLst>
+          </p:cNvPr>
+          <p:cNvPicPr>
+            <a:picLocks noChangeAspect="1"/>
+          </p:cNvPicPr>
+          <p:nvPr/>
+        </p:nvPicPr>
+        <p:blipFill>
+          <a:blip r:embed="rId6"/>
+          <a:stretch>
+            <a:fillRect/>
+          </a:stretch>
+        </p:blipFill>
+        <p:spPr>
+          <a:xfrm>
+            <a:off x="9770591" y="128030"/>
+            <a:ext cx="1943100" cy="1041400"/>
+          </a:xfrm>
+          <a:prstGeom prst="rect">
+            <a:avLst/>
+          </a:prstGeom>
+        </p:spPr>
+      </p:pic>
+      <p:pic>
+        <p:nvPicPr>
+          <p:cNvPr id="12" name="Picture 11">
+            <a:extLst>
+              <a:ext uri="{FF2B5EF4-FFF2-40B4-BE49-F238E27FC236}">
+                <a16:creationId xmlns:a16="http://schemas.microsoft.com/office/drawing/2014/main" id="{9E0C5F95-7794-BB45-8B8B-427CA975014D}"/>
+              </a:ext>
+            </a:extLst>
+          </p:cNvPr>
+          <p:cNvPicPr>
+            <a:picLocks noChangeAspect="1"/>
+          </p:cNvPicPr>
+          <p:nvPr/>
+        </p:nvPicPr>
+        <p:blipFill>
+          <a:blip r:embed="rId7"/>
+          <a:stretch>
+            <a:fillRect/>
+          </a:stretch>
+        </p:blipFill>
+        <p:spPr>
+          <a:xfrm>
+            <a:off x="6652397" y="4050442"/>
+            <a:ext cx="1803400" cy="1117600"/>
+          </a:xfrm>
+          <a:prstGeom prst="rect">
+            <a:avLst/>
+          </a:prstGeom>
+        </p:spPr>
+      </p:pic>
+      <p:pic>
+        <p:nvPicPr>
+          <p:cNvPr id="14" name="Picture 13">
+            <a:extLst>
+              <a:ext uri="{FF2B5EF4-FFF2-40B4-BE49-F238E27FC236}">
+                <a16:creationId xmlns:a16="http://schemas.microsoft.com/office/drawing/2014/main" id="{6DED4DCC-BCD6-4C47-97C8-B09685E9BCC3}"/>
+              </a:ext>
+            </a:extLst>
+          </p:cNvPr>
+          <p:cNvPicPr>
+            <a:picLocks noChangeAspect="1"/>
+          </p:cNvPicPr>
+          <p:nvPr/>
+        </p:nvPicPr>
+        <p:blipFill>
+          <a:blip r:embed="rId8"/>
+          <a:stretch>
+            <a:fillRect/>
+          </a:stretch>
+        </p:blipFill>
+        <p:spPr>
+          <a:xfrm>
+            <a:off x="6736857" y="194162"/>
+            <a:ext cx="2185624" cy="833194"/>
+          </a:xfrm>
+          <a:prstGeom prst="rect">
+            <a:avLst/>
+          </a:prstGeom>
+        </p:spPr>
+      </p:pic>
+      <p:pic>
+        <p:nvPicPr>
+          <p:cNvPr id="15" name="Picture 14">
+            <a:extLst>
+              <a:ext uri="{FF2B5EF4-FFF2-40B4-BE49-F238E27FC236}">
+                <a16:creationId xmlns:a16="http://schemas.microsoft.com/office/drawing/2014/main" id="{CD520AF2-02FC-8348-86BC-6177CD238A30}"/>
+              </a:ext>
+            </a:extLst>
+          </p:cNvPr>
+          <p:cNvPicPr>
+            <a:picLocks noChangeAspect="1"/>
+          </p:cNvPicPr>
+          <p:nvPr/>
+        </p:nvPicPr>
+        <p:blipFill>
+          <a:blip r:embed="rId9"/>
+          <a:stretch>
+            <a:fillRect/>
+          </a:stretch>
+        </p:blipFill>
+        <p:spPr>
+          <a:xfrm>
+            <a:off x="10291291" y="3578146"/>
+            <a:ext cx="1422400" cy="1422400"/>
+          </a:xfrm>
+          <a:prstGeom prst="rect">
+            <a:avLst/>
+          </a:prstGeom>
+        </p:spPr>
+      </p:pic>
+      <p:pic>
+        <p:nvPicPr>
+          <p:cNvPr id="16" name="Picture 15">
+            <a:extLst>
+              <a:ext uri="{FF2B5EF4-FFF2-40B4-BE49-F238E27FC236}">
+                <a16:creationId xmlns:a16="http://schemas.microsoft.com/office/drawing/2014/main" id="{198D2F3A-D1E7-BF46-8AE8-64408F6D0DA6}"/>
+              </a:ext>
+            </a:extLst>
+          </p:cNvPr>
+          <p:cNvPicPr>
+            <a:picLocks noChangeAspect="1"/>
+          </p:cNvPicPr>
+          <p:nvPr/>
+        </p:nvPicPr>
+        <p:blipFill>
+          <a:blip r:embed="rId10"/>
+          <a:stretch>
+            <a:fillRect/>
+          </a:stretch>
+        </p:blipFill>
+        <p:spPr>
+          <a:xfrm>
+            <a:off x="9927784" y="1670475"/>
+            <a:ext cx="1106846" cy="1358900"/>
+          </a:xfrm>
+          <a:prstGeom prst="rect">
+            <a:avLst/>
+          </a:prstGeom>
+        </p:spPr>
+      </p:pic>
+      <p:pic>
+        <p:nvPicPr>
+          <p:cNvPr id="17" name="Picture 16">
+            <a:extLst>
+              <a:ext uri="{FF2B5EF4-FFF2-40B4-BE49-F238E27FC236}">
+                <a16:creationId xmlns:a16="http://schemas.microsoft.com/office/drawing/2014/main" id="{E9F7E50D-2906-6B46-8D8F-757D0F9C4F1A}"/>
+              </a:ext>
+            </a:extLst>
+          </p:cNvPr>
+          <p:cNvPicPr>
+            <a:picLocks noChangeAspect="1"/>
+          </p:cNvPicPr>
+          <p:nvPr/>
+        </p:nvPicPr>
+        <p:blipFill>
+          <a:blip r:embed="rId11"/>
+          <a:stretch>
+            <a:fillRect/>
+          </a:stretch>
+        </p:blipFill>
+        <p:spPr>
+          <a:xfrm>
+            <a:off x="5110205" y="2660650"/>
+            <a:ext cx="1320800" cy="1536700"/>
+          </a:xfrm>
+          <a:prstGeom prst="rect">
+            <a:avLst/>
+          </a:prstGeom>
+        </p:spPr>
+      </p:pic>
+      <p:pic>
+        <p:nvPicPr>
+          <p:cNvPr id="18" name="Picture 17">
+            <a:extLst>
+              <a:ext uri="{FF2B5EF4-FFF2-40B4-BE49-F238E27FC236}">
+                <a16:creationId xmlns:a16="http://schemas.microsoft.com/office/drawing/2014/main" id="{ECA777BD-A6F5-1E4C-8612-BF56DF774231}"/>
+              </a:ext>
+            </a:extLst>
+          </p:cNvPr>
+          <p:cNvPicPr>
+            <a:picLocks noChangeAspect="1"/>
+          </p:cNvPicPr>
+          <p:nvPr/>
+        </p:nvPicPr>
+        <p:blipFill>
+          <a:blip r:embed="rId12"/>
+          <a:stretch>
+            <a:fillRect/>
+          </a:stretch>
+        </p:blipFill>
+        <p:spPr>
+          <a:xfrm>
+            <a:off x="8513199" y="2964516"/>
+            <a:ext cx="1208065" cy="1208065"/>
+          </a:xfrm>
+          <a:prstGeom prst="rect">
+            <a:avLst/>
+          </a:prstGeom>
+        </p:spPr>
+      </p:pic>
+    </p:spTree>
+    <p:extLst>
+      <p:ext uri="{BB962C8B-B14F-4D97-AF65-F5344CB8AC3E}">
+        <p14:creationId xmlns:p14="http://schemas.microsoft.com/office/powerpoint/2010/main" val="3747091282"/>
       </p:ext>
     </p:extLst>
   </p:cSld>
@@ -17925,7 +18477,12 @@
             <p:ph idx="1"/>
           </p:nvPr>
         </p:nvSpPr>
-        <p:spPr/>
+        <p:spPr>
+          <a:xfrm>
+            <a:off x="5203791" y="1562525"/>
+            <a:ext cx="6281873" cy="1574800"/>
+          </a:xfrm>
+        </p:spPr>
         <p:txBody>
           <a:bodyPr/>
           <a:lstStyle/>
@@ -17940,6 +18497,36 @@
           </a:p>
         </p:txBody>
       </p:sp>
+      <p:pic>
+        <p:nvPicPr>
+          <p:cNvPr id="4" name="Picture 3">
+            <a:extLst>
+              <a:ext uri="{FF2B5EF4-FFF2-40B4-BE49-F238E27FC236}">
+                <a16:creationId xmlns:a16="http://schemas.microsoft.com/office/drawing/2014/main" id="{76AFFA9C-7570-9A4D-8EE9-79B58504707D}"/>
+              </a:ext>
+            </a:extLst>
+          </p:cNvPr>
+          <p:cNvPicPr>
+            <a:picLocks noChangeAspect="1"/>
+          </p:cNvPicPr>
+          <p:nvPr/>
+        </p:nvPicPr>
+        <p:blipFill>
+          <a:blip r:embed="rId2"/>
+          <a:stretch>
+            <a:fillRect/>
+          </a:stretch>
+        </p:blipFill>
+        <p:spPr>
+          <a:xfrm>
+            <a:off x="5459823" y="2933276"/>
+            <a:ext cx="5537200" cy="1574800"/>
+          </a:xfrm>
+          <a:prstGeom prst="rect">
+            <a:avLst/>
+          </a:prstGeom>
+        </p:spPr>
+      </p:pic>
     </p:spTree>
     <p:extLst>
       <p:ext uri="{BB962C8B-B14F-4D97-AF65-F5344CB8AC3E}">
@@ -18183,13 +18770,13 @@
         </p:nvSpPr>
         <p:spPr>
           <a:xfrm>
-            <a:off x="5118447" y="803186"/>
-            <a:ext cx="6281873" cy="5383302"/>
+            <a:off x="5021496" y="278930"/>
+            <a:ext cx="6414600" cy="5383302"/>
           </a:xfrm>
         </p:spPr>
         <p:txBody>
           <a:bodyPr>
-            <a:normAutofit fontScale="85000" lnSpcReduction="10000"/>
+            <a:normAutofit fontScale="92500" lnSpcReduction="10000"/>
           </a:bodyPr>
           <a:lstStyle/>
           <a:p>
@@ -18252,15 +18839,9 @@
             <a:endParaRPr lang="en-US" b="1" dirty="0"/>
           </a:p>
           <a:p>
-            <a:pPr lvl="1"/>
-            <a:endParaRPr lang="en-US" b="1" dirty="0"/>
-          </a:p>
-          <a:p>
-            <a:pPr lvl="1"/>
-            <a:endParaRPr lang="en-US" b="1" dirty="0"/>
-          </a:p>
-          <a:p>
-            <a:pPr lvl="1"/>
+            <a:pPr marL="457200" lvl="1" indent="0">
+              <a:buNone/>
+            </a:pPr>
             <a:endParaRPr lang="en-US" b="1" dirty="0"/>
           </a:p>
           <a:p>
@@ -18307,7 +18888,7 @@
         </p:blipFill>
         <p:spPr>
           <a:xfrm>
-            <a:off x="5795962" y="3784972"/>
+            <a:off x="5795960" y="3092098"/>
             <a:ext cx="3224649" cy="1085740"/>
           </a:xfrm>
           <a:prstGeom prst="rect">
@@ -18337,7 +18918,7 @@
         </p:blipFill>
         <p:spPr>
           <a:xfrm>
-            <a:off x="5795962" y="2549228"/>
+            <a:off x="5795960" y="1941663"/>
             <a:ext cx="3224649" cy="1028918"/>
           </a:xfrm>
           <a:prstGeom prst="rect">
@@ -18367,8 +18948,8 @@
         </p:blipFill>
         <p:spPr>
           <a:xfrm>
-            <a:off x="5795962" y="5464339"/>
-            <a:ext cx="2606675" cy="928975"/>
+            <a:off x="6480699" y="4658704"/>
+            <a:ext cx="4822670" cy="1718718"/>
           </a:xfrm>
           <a:prstGeom prst="rect">
             <a:avLst/>
@@ -22087,72 +22668,6 @@
           </p:txBody>
         </p:sp>
       </p:grpSp>
-      <p:pic>
-        <p:nvPicPr>
-          <p:cNvPr id="9" name="Picture 8" descr="A screenshot of a cell phone&#10;&#10;Description automatically generated">
-            <a:extLst>
-              <a:ext uri="{FF2B5EF4-FFF2-40B4-BE49-F238E27FC236}">
-                <a16:creationId xmlns:a16="http://schemas.microsoft.com/office/drawing/2014/main" id="{8CC31623-1EB4-AA4C-ADD7-36E32ED401D7}"/>
-              </a:ext>
-            </a:extLst>
-          </p:cNvPr>
-          <p:cNvPicPr>
-            <a:picLocks noChangeAspect="1"/>
-          </p:cNvPicPr>
-          <p:nvPr/>
-        </p:nvPicPr>
-        <p:blipFill rotWithShape="1">
-          <a:blip r:embed="rId2"/>
-          <a:srcRect l="4135" r="-2" b="-2"/>
-          <a:stretch/>
-        </p:blipFill>
-        <p:spPr>
-          <a:xfrm>
-            <a:off x="20" y="10"/>
-            <a:ext cx="6054528" cy="4120995"/>
-          </a:xfrm>
-          <a:prstGeom prst="rect">
-            <a:avLst/>
-          </a:prstGeom>
-          <a:ln w="12700">
-            <a:noFill/>
-          </a:ln>
-        </p:spPr>
-      </p:pic>
-      <p:pic>
-        <p:nvPicPr>
-          <p:cNvPr id="5" name="Content Placeholder 4" descr="A picture containing text&#10;&#10;Description automatically generated">
-            <a:extLst>
-              <a:ext uri="{FF2B5EF4-FFF2-40B4-BE49-F238E27FC236}">
-                <a16:creationId xmlns:a16="http://schemas.microsoft.com/office/drawing/2014/main" id="{6A0B159D-4521-2E46-ACD8-D8F454623AA0}"/>
-              </a:ext>
-            </a:extLst>
-          </p:cNvPr>
-          <p:cNvPicPr>
-            <a:picLocks noGrp="1" noChangeAspect="1"/>
-          </p:cNvPicPr>
-          <p:nvPr>
-            <p:ph idx="1"/>
-          </p:nvPr>
-        </p:nvPicPr>
-        <p:blipFill rotWithShape="1">
-          <a:blip r:embed="rId3"/>
-          <a:srcRect l="5022" r="3889" b="1"/>
-          <a:stretch/>
-        </p:blipFill>
-        <p:spPr>
-          <a:xfrm>
-            <a:off x="6137148" y="10"/>
-            <a:ext cx="6054548" cy="4120995"/>
-          </a:xfrm>
-          <a:prstGeom prst="rect">
-            <a:avLst/>
-          </a:prstGeom>
-          <a:ln w="12700">
-            <a:noFill/>
-          </a:ln>
-        </p:spPr>
-      </p:pic>
       <p:grpSp>
         <p:nvGrpSpPr>
           <p:cNvPr id="63" name="Group 62">
@@ -22347,6 +22862,66 @@
           </a:p>
         </p:txBody>
       </p:sp>
+      <p:pic>
+        <p:nvPicPr>
+          <p:cNvPr id="11" name="Picture 10">
+            <a:extLst>
+              <a:ext uri="{FF2B5EF4-FFF2-40B4-BE49-F238E27FC236}">
+                <a16:creationId xmlns:a16="http://schemas.microsoft.com/office/drawing/2014/main" id="{411ED385-70B8-0B47-90C2-F547FA606F82}"/>
+              </a:ext>
+            </a:extLst>
+          </p:cNvPr>
+          <p:cNvPicPr>
+            <a:picLocks noChangeAspect="1"/>
+          </p:cNvPicPr>
+          <p:nvPr/>
+        </p:nvPicPr>
+        <p:blipFill>
+          <a:blip r:embed="rId2"/>
+          <a:stretch>
+            <a:fillRect/>
+          </a:stretch>
+        </p:blipFill>
+        <p:spPr>
+          <a:xfrm>
+            <a:off x="6139525" y="0"/>
+            <a:ext cx="6018077" cy="4111916"/>
+          </a:xfrm>
+          <a:prstGeom prst="rect">
+            <a:avLst/>
+          </a:prstGeom>
+        </p:spPr>
+      </p:pic>
+      <p:pic>
+        <p:nvPicPr>
+          <p:cNvPr id="13" name="Picture 12">
+            <a:extLst>
+              <a:ext uri="{FF2B5EF4-FFF2-40B4-BE49-F238E27FC236}">
+                <a16:creationId xmlns:a16="http://schemas.microsoft.com/office/drawing/2014/main" id="{F32B055D-DB1F-124E-A014-CC04BC53B9A6}"/>
+              </a:ext>
+            </a:extLst>
+          </p:cNvPr>
+          <p:cNvPicPr>
+            <a:picLocks noChangeAspect="1"/>
+          </p:cNvPicPr>
+          <p:nvPr/>
+        </p:nvPicPr>
+        <p:blipFill>
+          <a:blip r:embed="rId3"/>
+          <a:stretch>
+            <a:fillRect/>
+          </a:stretch>
+        </p:blipFill>
+        <p:spPr>
+          <a:xfrm>
+            <a:off x="-1" y="3158"/>
+            <a:ext cx="6191668" cy="4108758"/>
+          </a:xfrm>
+          <a:prstGeom prst="rect">
+            <a:avLst/>
+          </a:prstGeom>
+        </p:spPr>
+      </p:pic>
     </p:spTree>
     <p:extLst>
       <p:ext uri="{BB962C8B-B14F-4D97-AF65-F5344CB8AC3E}">

--- a/Economic_Forecasting.pptx
+++ b/Economic_Forecasting.pptx
@@ -17499,6 +17499,9 @@
             </a:r>
           </a:p>
           <a:p>
+            <a:pPr marL="0" indent="0">
+              <a:buNone/>
+            </a:pPr>
             <a:endParaRPr lang="en-US" dirty="0"/>
           </a:p>
           <a:p>
@@ -18066,7 +18069,7 @@
           <a:p>
             <a:r>
               <a:rPr lang="en-US" dirty="0"/>
-              <a:t>Does the sentiment extracted from the top 10 companies financial statements in the United States have predictive capabilities?</a:t>
+              <a:t>Does the sentiment extracted from the top 10 U.S. public  companies financial statements have predictive capabilities on GDP?</a:t>
             </a:r>
           </a:p>
           <a:p>

--- a/Economic_Forecasting.pptx
+++ b/Economic_Forecasting.pptx
@@ -18653,7 +18653,7 @@
           <a:p>
             <a:r>
               <a:rPr lang="en-US" dirty="0"/>
-              <a:t>Does the sentiment extracted from the top 10 companies financial statements in the United States have predictive capabilities?</a:t>
+              <a:t>Does the sentiment extracted from the top 10 public U.S. companies financial statements have predictive capabilities on GDP?</a:t>
             </a:r>
           </a:p>
           <a:p>

--- a/Economic_Forecasting.pptx
+++ b/Economic_Forecasting.pptx
@@ -22864,10 +22864,10 @@
       </p:sp>
       <p:pic>
         <p:nvPicPr>
-          <p:cNvPr id="11" name="Picture 10">
+          <p:cNvPr id="13" name="Picture 12">
             <a:extLst>
               <a:ext uri="{FF2B5EF4-FFF2-40B4-BE49-F238E27FC236}">
-                <a16:creationId xmlns:a16="http://schemas.microsoft.com/office/drawing/2014/main" id="{411ED385-70B8-0B47-90C2-F547FA606F82}"/>
+                <a16:creationId xmlns:a16="http://schemas.microsoft.com/office/drawing/2014/main" id="{F32B055D-DB1F-124E-A014-CC04BC53B9A6}"/>
               </a:ext>
             </a:extLst>
           </p:cNvPr>
@@ -22884,38 +22884,8 @@
         </p:blipFill>
         <p:spPr>
           <a:xfrm>
-            <a:off x="6139525" y="0"/>
-            <a:ext cx="6018077" cy="4111916"/>
-          </a:xfrm>
-          <a:prstGeom prst="rect">
-            <a:avLst/>
-          </a:prstGeom>
-        </p:spPr>
-      </p:pic>
-      <p:pic>
-        <p:nvPicPr>
-          <p:cNvPr id="13" name="Picture 12">
-            <a:extLst>
-              <a:ext uri="{FF2B5EF4-FFF2-40B4-BE49-F238E27FC236}">
-                <a16:creationId xmlns:a16="http://schemas.microsoft.com/office/drawing/2014/main" id="{F32B055D-DB1F-124E-A014-CC04BC53B9A6}"/>
-              </a:ext>
-            </a:extLst>
-          </p:cNvPr>
-          <p:cNvPicPr>
-            <a:picLocks noChangeAspect="1"/>
-          </p:cNvPicPr>
-          <p:nvPr/>
-        </p:nvPicPr>
-        <p:blipFill>
-          <a:blip r:embed="rId3"/>
-          <a:stretch>
-            <a:fillRect/>
-          </a:stretch>
-        </p:blipFill>
-        <p:spPr>
-          <a:xfrm>
-            <a:off x="-1" y="3158"/>
-            <a:ext cx="6191668" cy="4108758"/>
+            <a:off x="2694850" y="2872"/>
+            <a:ext cx="6316327" cy="4191481"/>
           </a:xfrm>
           <a:prstGeom prst="rect">
             <a:avLst/>

--- a/Economic_Forecasting.pptx
+++ b/Economic_Forecasting.pptx
@@ -18318,14 +18318,22 @@
             </a:r>
             <a:r>
               <a:rPr lang="en-US" dirty="0"/>
-              <a:t>: Sentiment extracted from 10-K financial statements. </a:t>
+              <a:t>: Sentiment extracted </a:t>
+            </a:r>
+            <a:r>
+              <a:rPr lang="en-US"/>
+              <a:t>from 10-K</a:t>
             </a:r>
           </a:p>
           <a:p>
             <a:pPr lvl="1"/>
             <a:r>
+              <a:rPr lang="en-US"/>
+              <a:t>Top </a:t>
+            </a:r>
+            <a:r>
               <a:rPr lang="en-US" dirty="0"/>
-              <a:t>Top 10 companies per year measured by market capitalization.</a:t>
+              <a:t>10 companies per year measured by market capitalization.</a:t>
             </a:r>
           </a:p>
           <a:p>

--- a/Economic_Forecasting.pptx
+++ b/Economic_Forecasting.pptx
@@ -18305,7 +18305,7 @@
         <p:spPr>
           <a:xfrm>
             <a:off x="5118447" y="471488"/>
-            <a:ext cx="6281873" cy="5580320"/>
+            <a:ext cx="6331431" cy="5580320"/>
           </a:xfrm>
         </p:spPr>
         <p:txBody>
@@ -18318,22 +18318,14 @@
             </a:r>
             <a:r>
               <a:rPr lang="en-US" dirty="0"/>
-              <a:t>: Sentiment extracted </a:t>
-            </a:r>
-            <a:r>
-              <a:rPr lang="en-US"/>
-              <a:t>from 10-K</a:t>
+              <a:t>: Sentiment extracted from From 10-K filed with SEC</a:t>
             </a:r>
           </a:p>
           <a:p>
             <a:pPr lvl="1"/>
             <a:r>
-              <a:rPr lang="en-US"/>
-              <a:t>Top </a:t>
-            </a:r>
-            <a:r>
               <a:rPr lang="en-US" dirty="0"/>
-              <a:t>10 companies per year measured by market capitalization.</a:t>
+              <a:t>Top 10 companies per year measured by market capitalization.</a:t>
             </a:r>
           </a:p>
           <a:p>
